--- a/docs/solid.pptx
+++ b/docs/solid.pptx
@@ -6,7 +6,7 @@
     <p:sldMasterId id="2147483648" r:id="rId2"/>
   </p:sldMasterIdLst>
   <p:notesMasterIdLst>
-    <p:notesMasterId r:id="rId15"/>
+    <p:notesMasterId r:id="rId19"/>
   </p:notesMasterIdLst>
   <p:sldIdLst>
     <p:sldId id="264" r:id="rId3"/>
@@ -21,6 +21,10 @@
     <p:sldId id="295" r:id="rId12"/>
     <p:sldId id="296" r:id="rId13"/>
     <p:sldId id="297" r:id="rId14"/>
+    <p:sldId id="299" r:id="rId15"/>
+    <p:sldId id="300" r:id="rId16"/>
+    <p:sldId id="301" r:id="rId17"/>
+    <p:sldId id="302" r:id="rId18"/>
   </p:sldIdLst>
   <p:sldSz cx="9144000" cy="6858000" type="screen4x3"/>
   <p:notesSz cx="6858000" cy="9144000"/>
@@ -743,6 +747,342 @@
     <p:extLst>
       <p:ext uri="{BB962C8B-B14F-4D97-AF65-F5344CB8AC3E}">
         <p14:creationId xmlns:p14="http://schemas.microsoft.com/office/powerpoint/2010/main" val="74825620"/>
+      </p:ext>
+    </p:extLst>
+  </p:cSld>
+  <p:clrMapOvr>
+    <a:masterClrMapping/>
+  </p:clrMapOvr>
+</p:notes>
+</file>
+
+<file path=ppt/notesSlides/notesSlide12.xml><?xml version="1.0" encoding="utf-8"?>
+<p:notes xmlns:a="http://schemas.openxmlformats.org/drawingml/2006/main" xmlns:r="http://schemas.openxmlformats.org/officeDocument/2006/relationships" xmlns:p="http://schemas.openxmlformats.org/presentationml/2006/main">
+  <p:cSld>
+    <p:spTree>
+      <p:nvGrpSpPr>
+        <p:cNvPr id="1" name=""/>
+        <p:cNvGrpSpPr/>
+        <p:nvPr/>
+      </p:nvGrpSpPr>
+      <p:grpSpPr>
+        <a:xfrm>
+          <a:off x="0" y="0"/>
+          <a:ext cx="0" cy="0"/>
+          <a:chOff x="0" y="0"/>
+          <a:chExt cx="0" cy="0"/>
+        </a:xfrm>
+      </p:grpSpPr>
+      <p:sp>
+        <p:nvSpPr>
+          <p:cNvPr id="2" name="Slide Image Placeholder 1"/>
+          <p:cNvSpPr>
+            <a:spLocks noGrp="1" noRot="1" noChangeAspect="1"/>
+          </p:cNvSpPr>
+          <p:nvPr>
+            <p:ph type="sldImg"/>
+          </p:nvPr>
+        </p:nvSpPr>
+        <p:spPr/>
+      </p:sp>
+      <p:sp>
+        <p:nvSpPr>
+          <p:cNvPr id="3" name="Notes Placeholder 2"/>
+          <p:cNvSpPr>
+            <a:spLocks noGrp="1"/>
+          </p:cNvSpPr>
+          <p:nvPr>
+            <p:ph type="body" idx="1"/>
+          </p:nvPr>
+        </p:nvSpPr>
+        <p:spPr/>
+        <p:txBody>
+          <a:bodyPr/>
+          <a:lstStyle/>
+          <a:p>
+            <a:endParaRPr lang="it-IT" dirty="0"/>
+          </a:p>
+        </p:txBody>
+      </p:sp>
+      <p:sp>
+        <p:nvSpPr>
+          <p:cNvPr id="4" name="Slide Number Placeholder 3"/>
+          <p:cNvSpPr>
+            <a:spLocks noGrp="1"/>
+          </p:cNvSpPr>
+          <p:nvPr>
+            <p:ph type="sldNum" sz="quarter" idx="10"/>
+          </p:nvPr>
+        </p:nvSpPr>
+        <p:spPr/>
+        <p:txBody>
+          <a:bodyPr/>
+          <a:lstStyle/>
+          <a:p>
+            <a:fld id="{2C5A56FE-B2E8-4285-8F31-2AEEB8EA39C6}" type="slidenum">
+              <a:rPr lang="en-GB" smtClean="0"/>
+              <a:t>13</a:t>
+            </a:fld>
+            <a:endParaRPr lang="en-GB"/>
+          </a:p>
+        </p:txBody>
+      </p:sp>
+    </p:spTree>
+    <p:extLst>
+      <p:ext uri="{BB962C8B-B14F-4D97-AF65-F5344CB8AC3E}">
+        <p14:creationId xmlns:p14="http://schemas.microsoft.com/office/powerpoint/2010/main" val="2118481561"/>
+      </p:ext>
+    </p:extLst>
+  </p:cSld>
+  <p:clrMapOvr>
+    <a:masterClrMapping/>
+  </p:clrMapOvr>
+</p:notes>
+</file>
+
+<file path=ppt/notesSlides/notesSlide13.xml><?xml version="1.0" encoding="utf-8"?>
+<p:notes xmlns:a="http://schemas.openxmlformats.org/drawingml/2006/main" xmlns:r="http://schemas.openxmlformats.org/officeDocument/2006/relationships" xmlns:p="http://schemas.openxmlformats.org/presentationml/2006/main">
+  <p:cSld>
+    <p:spTree>
+      <p:nvGrpSpPr>
+        <p:cNvPr id="1" name=""/>
+        <p:cNvGrpSpPr/>
+        <p:nvPr/>
+      </p:nvGrpSpPr>
+      <p:grpSpPr>
+        <a:xfrm>
+          <a:off x="0" y="0"/>
+          <a:ext cx="0" cy="0"/>
+          <a:chOff x="0" y="0"/>
+          <a:chExt cx="0" cy="0"/>
+        </a:xfrm>
+      </p:grpSpPr>
+      <p:sp>
+        <p:nvSpPr>
+          <p:cNvPr id="2" name="Slide Image Placeholder 1"/>
+          <p:cNvSpPr>
+            <a:spLocks noGrp="1" noRot="1" noChangeAspect="1"/>
+          </p:cNvSpPr>
+          <p:nvPr>
+            <p:ph type="sldImg"/>
+          </p:nvPr>
+        </p:nvSpPr>
+        <p:spPr/>
+      </p:sp>
+      <p:sp>
+        <p:nvSpPr>
+          <p:cNvPr id="3" name="Notes Placeholder 2"/>
+          <p:cNvSpPr>
+            <a:spLocks noGrp="1"/>
+          </p:cNvSpPr>
+          <p:nvPr>
+            <p:ph type="body" idx="1"/>
+          </p:nvPr>
+        </p:nvSpPr>
+        <p:spPr/>
+        <p:txBody>
+          <a:bodyPr/>
+          <a:lstStyle/>
+          <a:p>
+            <a:endParaRPr lang="it-IT" dirty="0"/>
+          </a:p>
+        </p:txBody>
+      </p:sp>
+      <p:sp>
+        <p:nvSpPr>
+          <p:cNvPr id="4" name="Slide Number Placeholder 3"/>
+          <p:cNvSpPr>
+            <a:spLocks noGrp="1"/>
+          </p:cNvSpPr>
+          <p:nvPr>
+            <p:ph type="sldNum" sz="quarter" idx="10"/>
+          </p:nvPr>
+        </p:nvSpPr>
+        <p:spPr/>
+        <p:txBody>
+          <a:bodyPr/>
+          <a:lstStyle/>
+          <a:p>
+            <a:fld id="{2C5A56FE-B2E8-4285-8F31-2AEEB8EA39C6}" type="slidenum">
+              <a:rPr lang="en-GB" smtClean="0"/>
+              <a:t>14</a:t>
+            </a:fld>
+            <a:endParaRPr lang="en-GB"/>
+          </a:p>
+        </p:txBody>
+      </p:sp>
+    </p:spTree>
+    <p:extLst>
+      <p:ext uri="{BB962C8B-B14F-4D97-AF65-F5344CB8AC3E}">
+        <p14:creationId xmlns:p14="http://schemas.microsoft.com/office/powerpoint/2010/main" val="1289168601"/>
+      </p:ext>
+    </p:extLst>
+  </p:cSld>
+  <p:clrMapOvr>
+    <a:masterClrMapping/>
+  </p:clrMapOvr>
+</p:notes>
+</file>
+
+<file path=ppt/notesSlides/notesSlide14.xml><?xml version="1.0" encoding="utf-8"?>
+<p:notes xmlns:a="http://schemas.openxmlformats.org/drawingml/2006/main" xmlns:r="http://schemas.openxmlformats.org/officeDocument/2006/relationships" xmlns:p="http://schemas.openxmlformats.org/presentationml/2006/main">
+  <p:cSld>
+    <p:spTree>
+      <p:nvGrpSpPr>
+        <p:cNvPr id="1" name=""/>
+        <p:cNvGrpSpPr/>
+        <p:nvPr/>
+      </p:nvGrpSpPr>
+      <p:grpSpPr>
+        <a:xfrm>
+          <a:off x="0" y="0"/>
+          <a:ext cx="0" cy="0"/>
+          <a:chOff x="0" y="0"/>
+          <a:chExt cx="0" cy="0"/>
+        </a:xfrm>
+      </p:grpSpPr>
+      <p:sp>
+        <p:nvSpPr>
+          <p:cNvPr id="2" name="Slide Image Placeholder 1"/>
+          <p:cNvSpPr>
+            <a:spLocks noGrp="1" noRot="1" noChangeAspect="1"/>
+          </p:cNvSpPr>
+          <p:nvPr>
+            <p:ph type="sldImg"/>
+          </p:nvPr>
+        </p:nvSpPr>
+        <p:spPr/>
+      </p:sp>
+      <p:sp>
+        <p:nvSpPr>
+          <p:cNvPr id="3" name="Notes Placeholder 2"/>
+          <p:cNvSpPr>
+            <a:spLocks noGrp="1"/>
+          </p:cNvSpPr>
+          <p:nvPr>
+            <p:ph type="body" idx="1"/>
+          </p:nvPr>
+        </p:nvSpPr>
+        <p:spPr/>
+        <p:txBody>
+          <a:bodyPr/>
+          <a:lstStyle/>
+          <a:p>
+            <a:endParaRPr lang="it-IT" dirty="0"/>
+          </a:p>
+        </p:txBody>
+      </p:sp>
+      <p:sp>
+        <p:nvSpPr>
+          <p:cNvPr id="4" name="Slide Number Placeholder 3"/>
+          <p:cNvSpPr>
+            <a:spLocks noGrp="1"/>
+          </p:cNvSpPr>
+          <p:nvPr>
+            <p:ph type="sldNum" sz="quarter" idx="10"/>
+          </p:nvPr>
+        </p:nvSpPr>
+        <p:spPr/>
+        <p:txBody>
+          <a:bodyPr/>
+          <a:lstStyle/>
+          <a:p>
+            <a:fld id="{2C5A56FE-B2E8-4285-8F31-2AEEB8EA39C6}" type="slidenum">
+              <a:rPr lang="en-GB" smtClean="0"/>
+              <a:t>15</a:t>
+            </a:fld>
+            <a:endParaRPr lang="en-GB"/>
+          </a:p>
+        </p:txBody>
+      </p:sp>
+    </p:spTree>
+    <p:extLst>
+      <p:ext uri="{BB962C8B-B14F-4D97-AF65-F5344CB8AC3E}">
+        <p14:creationId xmlns:p14="http://schemas.microsoft.com/office/powerpoint/2010/main" val="847996177"/>
+      </p:ext>
+    </p:extLst>
+  </p:cSld>
+  <p:clrMapOvr>
+    <a:masterClrMapping/>
+  </p:clrMapOvr>
+</p:notes>
+</file>
+
+<file path=ppt/notesSlides/notesSlide15.xml><?xml version="1.0" encoding="utf-8"?>
+<p:notes xmlns:a="http://schemas.openxmlformats.org/drawingml/2006/main" xmlns:r="http://schemas.openxmlformats.org/officeDocument/2006/relationships" xmlns:p="http://schemas.openxmlformats.org/presentationml/2006/main">
+  <p:cSld>
+    <p:spTree>
+      <p:nvGrpSpPr>
+        <p:cNvPr id="1" name=""/>
+        <p:cNvGrpSpPr/>
+        <p:nvPr/>
+      </p:nvGrpSpPr>
+      <p:grpSpPr>
+        <a:xfrm>
+          <a:off x="0" y="0"/>
+          <a:ext cx="0" cy="0"/>
+          <a:chOff x="0" y="0"/>
+          <a:chExt cx="0" cy="0"/>
+        </a:xfrm>
+      </p:grpSpPr>
+      <p:sp>
+        <p:nvSpPr>
+          <p:cNvPr id="2" name="Slide Image Placeholder 1"/>
+          <p:cNvSpPr>
+            <a:spLocks noGrp="1" noRot="1" noChangeAspect="1"/>
+          </p:cNvSpPr>
+          <p:nvPr>
+            <p:ph type="sldImg"/>
+          </p:nvPr>
+        </p:nvSpPr>
+        <p:spPr/>
+      </p:sp>
+      <p:sp>
+        <p:nvSpPr>
+          <p:cNvPr id="3" name="Notes Placeholder 2"/>
+          <p:cNvSpPr>
+            <a:spLocks noGrp="1"/>
+          </p:cNvSpPr>
+          <p:nvPr>
+            <p:ph type="body" idx="1"/>
+          </p:nvPr>
+        </p:nvSpPr>
+        <p:spPr/>
+        <p:txBody>
+          <a:bodyPr/>
+          <a:lstStyle/>
+          <a:p>
+            <a:endParaRPr lang="it-IT" dirty="0"/>
+          </a:p>
+        </p:txBody>
+      </p:sp>
+      <p:sp>
+        <p:nvSpPr>
+          <p:cNvPr id="4" name="Slide Number Placeholder 3"/>
+          <p:cNvSpPr>
+            <a:spLocks noGrp="1"/>
+          </p:cNvSpPr>
+          <p:nvPr>
+            <p:ph type="sldNum" sz="quarter" idx="10"/>
+          </p:nvPr>
+        </p:nvSpPr>
+        <p:spPr/>
+        <p:txBody>
+          <a:bodyPr/>
+          <a:lstStyle/>
+          <a:p>
+            <a:fld id="{2C5A56FE-B2E8-4285-8F31-2AEEB8EA39C6}" type="slidenum">
+              <a:rPr lang="en-GB" smtClean="0"/>
+              <a:t>16</a:t>
+            </a:fld>
+            <a:endParaRPr lang="en-GB"/>
+          </a:p>
+        </p:txBody>
+      </p:sp>
+    </p:spTree>
+    <p:extLst>
+      <p:ext uri="{BB962C8B-B14F-4D97-AF65-F5344CB8AC3E}">
+        <p14:creationId xmlns:p14="http://schemas.microsoft.com/office/powerpoint/2010/main" val="2409970017"/>
       </p:ext>
     </p:extLst>
   </p:cSld>
@@ -5962,7 +6302,7 @@
         </p:nvSpPr>
         <p:spPr>
           <a:xfrm>
-            <a:off x="621370" y="1618189"/>
+            <a:off x="621370" y="1564849"/>
             <a:ext cx="8210747" cy="1569660"/>
           </a:xfrm>
           <a:prstGeom prst="rect">
@@ -6779,7 +7119,7 @@
         </p:nvSpPr>
         <p:spPr>
           <a:xfrm>
-            <a:off x="621369" y="3187849"/>
+            <a:off x="621369" y="3134509"/>
             <a:ext cx="8210747" cy="3539430"/>
           </a:xfrm>
           <a:prstGeom prst="rect">
@@ -8572,6 +8912,4464 @@
     <p:extLst>
       <p:ext uri="{BB962C8B-B14F-4D97-AF65-F5344CB8AC3E}">
         <p14:creationId xmlns:p14="http://schemas.microsoft.com/office/powerpoint/2010/main" val="2863610833"/>
+      </p:ext>
+    </p:extLst>
+  </p:cSld>
+  <p:clrMapOvr>
+    <a:masterClrMapping/>
+  </p:clrMapOvr>
+  <p:timing>
+    <p:tnLst>
+      <p:par>
+        <p:cTn id="1" dur="indefinite" restart="never" nodeType="tmRoot"/>
+      </p:par>
+    </p:tnLst>
+  </p:timing>
+</p:sld>
+</file>
+
+<file path=ppt/slides/slide13.xml><?xml version="1.0" encoding="utf-8"?>
+<p:sld xmlns:a="http://schemas.openxmlformats.org/drawingml/2006/main" xmlns:r="http://schemas.openxmlformats.org/officeDocument/2006/relationships" xmlns:p="http://schemas.openxmlformats.org/presentationml/2006/main">
+  <p:cSld>
+    <p:spTree>
+      <p:nvGrpSpPr>
+        <p:cNvPr id="1" name=""/>
+        <p:cNvGrpSpPr/>
+        <p:nvPr/>
+      </p:nvGrpSpPr>
+      <p:grpSpPr>
+        <a:xfrm>
+          <a:off x="0" y="0"/>
+          <a:ext cx="0" cy="0"/>
+          <a:chOff x="0" y="0"/>
+          <a:chExt cx="0" cy="0"/>
+        </a:xfrm>
+      </p:grpSpPr>
+      <p:sp>
+        <p:nvSpPr>
+          <p:cNvPr id="2" name="Text Placeholder 1"/>
+          <p:cNvSpPr>
+            <a:spLocks noGrp="1"/>
+          </p:cNvSpPr>
+          <p:nvPr>
+            <p:ph type="body" sz="quarter" idx="11"/>
+          </p:nvPr>
+        </p:nvSpPr>
+        <p:spPr>
+          <a:xfrm>
+            <a:off x="328613" y="1079047"/>
+            <a:ext cx="8401246" cy="485802"/>
+          </a:xfrm>
+        </p:spPr>
+        <p:txBody>
+          <a:bodyPr/>
+          <a:lstStyle/>
+          <a:p>
+            <a:r>
+              <a:rPr lang="en-US" sz="2400" dirty="0" smtClean="0"/>
+              <a:t>LSP </a:t>
+            </a:r>
+            <a:r>
+              <a:rPr lang="en-US" sz="2400" dirty="0" err="1" smtClean="0"/>
+              <a:t>Liskov</a:t>
+            </a:r>
+            <a:r>
+              <a:rPr lang="en-US" sz="2400" dirty="0" smtClean="0"/>
+              <a:t> Substitution Principle</a:t>
+            </a:r>
+            <a:endParaRPr lang="en-US" sz="2400" dirty="0" smtClean="0"/>
+          </a:p>
+          <a:p>
+            <a:endParaRPr lang="en-US" sz="1800" dirty="0" smtClean="0"/>
+          </a:p>
+          <a:p>
+            <a:endParaRPr lang="en-US" sz="1800" dirty="0" smtClean="0"/>
+          </a:p>
+        </p:txBody>
+      </p:sp>
+      <p:sp>
+        <p:nvSpPr>
+          <p:cNvPr id="5" name="TextBox 4"/>
+          <p:cNvSpPr txBox="1"/>
+          <p:nvPr/>
+        </p:nvSpPr>
+        <p:spPr>
+          <a:xfrm>
+            <a:off x="621372" y="1501213"/>
+            <a:ext cx="8210747" cy="2308324"/>
+          </a:xfrm>
+          <a:prstGeom prst="rect">
+            <a:avLst/>
+          </a:prstGeom>
+          <a:noFill/>
+        </p:spPr>
+        <p:txBody>
+          <a:bodyPr wrap="square" rtlCol="0">
+            <a:spAutoFit/>
+          </a:bodyPr>
+          <a:lstStyle/>
+          <a:p>
+            <a:endParaRPr lang="en-GB" sz="1600" dirty="0" smtClean="0">
+              <a:latin typeface="Chronicle Display" pitchFamily="50" charset="0"/>
+            </a:endParaRPr>
+          </a:p>
+          <a:p>
+            <a:r>
+              <a:rPr lang="en-GB" sz="2400" b="1" i="1" dirty="0" smtClean="0">
+                <a:latin typeface="Chronicle Display" pitchFamily="50" charset="0"/>
+              </a:rPr>
+              <a:t>Functions that use reference to base classes must be able to use object of derived classes without knowing it.</a:t>
+            </a:r>
+          </a:p>
+          <a:p>
+            <a:endParaRPr lang="en-GB" sz="1600" b="1" i="1" dirty="0">
+              <a:latin typeface="Chronicle Display" pitchFamily="50" charset="0"/>
+            </a:endParaRPr>
+          </a:p>
+          <a:p>
+            <a:endParaRPr lang="en-GB" sz="1600" dirty="0" smtClean="0">
+              <a:latin typeface="Chronicle Display" pitchFamily="50" charset="0"/>
+            </a:endParaRPr>
+          </a:p>
+          <a:p>
+            <a:r>
+              <a:rPr lang="en-GB" sz="1600" dirty="0" smtClean="0">
+                <a:latin typeface="Chronicle Display" pitchFamily="50" charset="0"/>
+              </a:rPr>
+              <a:t>This mean that every subclass/derived should be substitutable for their base/parent class.</a:t>
+            </a:r>
+          </a:p>
+          <a:p>
+            <a:endParaRPr lang="en-GB" sz="1600" dirty="0">
+              <a:latin typeface="Chronicle Display" pitchFamily="50" charset="0"/>
+            </a:endParaRPr>
+          </a:p>
+          <a:p>
+            <a:r>
+              <a:rPr lang="en-GB" sz="1600" dirty="0" smtClean="0">
+                <a:latin typeface="Chronicle Display" pitchFamily="50" charset="0"/>
+              </a:rPr>
+              <a:t>This principle is the base of </a:t>
+            </a:r>
+            <a:r>
+              <a:rPr lang="en-GB" sz="1600" b="1" i="1" dirty="0" smtClean="0">
+                <a:latin typeface="Chronicle Display" pitchFamily="50" charset="0"/>
+              </a:rPr>
+              <a:t>Design by Contract</a:t>
+            </a:r>
+          </a:p>
+        </p:txBody>
+      </p:sp>
+    </p:spTree>
+    <p:extLst>
+      <p:ext uri="{BB962C8B-B14F-4D97-AF65-F5344CB8AC3E}">
+        <p14:creationId xmlns:p14="http://schemas.microsoft.com/office/powerpoint/2010/main" val="908337412"/>
+      </p:ext>
+    </p:extLst>
+  </p:cSld>
+  <p:clrMapOvr>
+    <a:masterClrMapping/>
+  </p:clrMapOvr>
+  <p:timing>
+    <p:tnLst>
+      <p:par>
+        <p:cTn id="1" dur="indefinite" restart="never" nodeType="tmRoot"/>
+      </p:par>
+    </p:tnLst>
+  </p:timing>
+</p:sld>
+</file>
+
+<file path=ppt/slides/slide14.xml><?xml version="1.0" encoding="utf-8"?>
+<p:sld xmlns:a="http://schemas.openxmlformats.org/drawingml/2006/main" xmlns:r="http://schemas.openxmlformats.org/officeDocument/2006/relationships" xmlns:p="http://schemas.openxmlformats.org/presentationml/2006/main">
+  <p:cSld>
+    <p:spTree>
+      <p:nvGrpSpPr>
+        <p:cNvPr id="1" name=""/>
+        <p:cNvGrpSpPr/>
+        <p:nvPr/>
+      </p:nvGrpSpPr>
+      <p:grpSpPr>
+        <a:xfrm>
+          <a:off x="0" y="0"/>
+          <a:ext cx="0" cy="0"/>
+          <a:chOff x="0" y="0"/>
+          <a:chExt cx="0" cy="0"/>
+        </a:xfrm>
+      </p:grpSpPr>
+      <p:sp>
+        <p:nvSpPr>
+          <p:cNvPr id="2" name="Text Placeholder 1"/>
+          <p:cNvSpPr>
+            <a:spLocks noGrp="1"/>
+          </p:cNvSpPr>
+          <p:nvPr>
+            <p:ph type="body" sz="quarter" idx="11"/>
+          </p:nvPr>
+        </p:nvSpPr>
+        <p:spPr>
+          <a:xfrm>
+            <a:off x="328613" y="1079047"/>
+            <a:ext cx="8401246" cy="485802"/>
+          </a:xfrm>
+        </p:spPr>
+        <p:txBody>
+          <a:bodyPr/>
+          <a:lstStyle/>
+          <a:p>
+            <a:r>
+              <a:rPr lang="en-US" sz="2400" dirty="0"/>
+              <a:t>LSP </a:t>
+            </a:r>
+            <a:r>
+              <a:rPr lang="en-US" sz="2400" dirty="0" err="1"/>
+              <a:t>Liskov</a:t>
+            </a:r>
+            <a:r>
+              <a:rPr lang="en-US" sz="2400" dirty="0"/>
+              <a:t> Substitution Principle</a:t>
+            </a:r>
+          </a:p>
+          <a:p>
+            <a:endParaRPr lang="en-US" sz="1800" dirty="0" smtClean="0"/>
+          </a:p>
+          <a:p>
+            <a:endParaRPr lang="en-US" sz="1800" dirty="0" smtClean="0"/>
+          </a:p>
+        </p:txBody>
+      </p:sp>
+      <p:sp>
+        <p:nvSpPr>
+          <p:cNvPr id="6" name="TextBox 5"/>
+          <p:cNvSpPr txBox="1"/>
+          <p:nvPr/>
+        </p:nvSpPr>
+        <p:spPr>
+          <a:xfrm>
+            <a:off x="621370" y="1595329"/>
+            <a:ext cx="8210747" cy="4031873"/>
+          </a:xfrm>
+          <a:prstGeom prst="rect">
+            <a:avLst/>
+          </a:prstGeom>
+          <a:solidFill>
+            <a:schemeClr val="tx1"/>
+          </a:solidFill>
+        </p:spPr>
+        <p:txBody>
+          <a:bodyPr wrap="square" rtlCol="0">
+            <a:spAutoFit/>
+          </a:bodyPr>
+          <a:lstStyle/>
+          <a:p>
+            <a:r>
+              <a:rPr lang="it-IT" sz="800" dirty="0">
+                <a:solidFill>
+                  <a:srgbClr val="DCDCDC"/>
+                </a:solidFill>
+                <a:highlight>
+                  <a:srgbClr val="1E1E1E"/>
+                </a:highlight>
+                <a:latin typeface="Consolas" panose="020B0609020204030204" pitchFamily="49" charset="0"/>
+              </a:rPr>
+              <a:t> </a:t>
+            </a:r>
+            <a:r>
+              <a:rPr lang="it-IT" sz="800" dirty="0">
+                <a:solidFill>
+                  <a:srgbClr val="569CD6"/>
+                </a:solidFill>
+                <a:highlight>
+                  <a:srgbClr val="1E1E1E"/>
+                </a:highlight>
+                <a:latin typeface="Consolas" panose="020B0609020204030204" pitchFamily="49" charset="0"/>
+              </a:rPr>
+              <a:t>public</a:t>
+            </a:r>
+            <a:r>
+              <a:rPr lang="it-IT" sz="800" dirty="0">
+                <a:solidFill>
+                  <a:srgbClr val="DCDCDC"/>
+                </a:solidFill>
+                <a:highlight>
+                  <a:srgbClr val="1E1E1E"/>
+                </a:highlight>
+                <a:latin typeface="Consolas" panose="020B0609020204030204" pitchFamily="49" charset="0"/>
+              </a:rPr>
+              <a:t> </a:t>
+            </a:r>
+            <a:r>
+              <a:rPr lang="it-IT" sz="800" dirty="0" err="1">
+                <a:solidFill>
+                  <a:srgbClr val="569CD6"/>
+                </a:solidFill>
+                <a:highlight>
+                  <a:srgbClr val="1E1E1E"/>
+                </a:highlight>
+                <a:latin typeface="Consolas" panose="020B0609020204030204" pitchFamily="49" charset="0"/>
+              </a:rPr>
+              <a:t>class</a:t>
+            </a:r>
+            <a:r>
+              <a:rPr lang="it-IT" sz="800" dirty="0">
+                <a:solidFill>
+                  <a:srgbClr val="DCDCDC"/>
+                </a:solidFill>
+                <a:highlight>
+                  <a:srgbClr val="1E1E1E"/>
+                </a:highlight>
+                <a:latin typeface="Consolas" panose="020B0609020204030204" pitchFamily="49" charset="0"/>
+              </a:rPr>
+              <a:t> </a:t>
+            </a:r>
+            <a:r>
+              <a:rPr lang="it-IT" sz="800" dirty="0" err="1">
+                <a:solidFill>
+                  <a:srgbClr val="4EC9B0"/>
+                </a:solidFill>
+                <a:highlight>
+                  <a:srgbClr val="1E1E1E"/>
+                </a:highlight>
+                <a:latin typeface="Consolas" panose="020B0609020204030204" pitchFamily="49" charset="0"/>
+              </a:rPr>
+              <a:t>GenericCalculator</a:t>
+            </a:r>
+            <a:endParaRPr lang="it-IT" sz="800" dirty="0">
+              <a:solidFill>
+                <a:srgbClr val="DCDCDC"/>
+              </a:solidFill>
+              <a:highlight>
+                <a:srgbClr val="1E1E1E"/>
+              </a:highlight>
+              <a:latin typeface="Consolas" panose="020B0609020204030204" pitchFamily="49" charset="0"/>
+            </a:endParaRPr>
+          </a:p>
+          <a:p>
+            <a:r>
+              <a:rPr lang="it-IT" sz="800" dirty="0" smtClean="0">
+                <a:solidFill>
+                  <a:srgbClr val="DCDCDC"/>
+                </a:solidFill>
+                <a:highlight>
+                  <a:srgbClr val="1E1E1E"/>
+                </a:highlight>
+                <a:latin typeface="Consolas" panose="020B0609020204030204" pitchFamily="49" charset="0"/>
+              </a:rPr>
+              <a:t> {</a:t>
+            </a:r>
+            <a:endParaRPr lang="it-IT" sz="800" dirty="0">
+              <a:solidFill>
+                <a:srgbClr val="DCDCDC"/>
+              </a:solidFill>
+              <a:highlight>
+                <a:srgbClr val="1E1E1E"/>
+              </a:highlight>
+              <a:latin typeface="Consolas" panose="020B0609020204030204" pitchFamily="49" charset="0"/>
+            </a:endParaRPr>
+          </a:p>
+          <a:p>
+            <a:r>
+              <a:rPr lang="it-IT" sz="800" dirty="0">
+                <a:solidFill>
+                  <a:srgbClr val="DCDCDC"/>
+                </a:solidFill>
+                <a:highlight>
+                  <a:srgbClr val="1E1E1E"/>
+                </a:highlight>
+                <a:latin typeface="Consolas" panose="020B0609020204030204" pitchFamily="49" charset="0"/>
+              </a:rPr>
+              <a:t>        </a:t>
+            </a:r>
+            <a:r>
+              <a:rPr lang="it-IT" sz="800" dirty="0" err="1">
+                <a:solidFill>
+                  <a:srgbClr val="569CD6"/>
+                </a:solidFill>
+                <a:highlight>
+                  <a:srgbClr val="1E1E1E"/>
+                </a:highlight>
+                <a:latin typeface="Consolas" panose="020B0609020204030204" pitchFamily="49" charset="0"/>
+              </a:rPr>
+              <a:t>protected</a:t>
+            </a:r>
+            <a:r>
+              <a:rPr lang="it-IT" sz="800" dirty="0">
+                <a:solidFill>
+                  <a:srgbClr val="DCDCDC"/>
+                </a:solidFill>
+                <a:highlight>
+                  <a:srgbClr val="1E1E1E"/>
+                </a:highlight>
+                <a:latin typeface="Consolas" panose="020B0609020204030204" pitchFamily="49" charset="0"/>
+              </a:rPr>
+              <a:t> </a:t>
+            </a:r>
+            <a:r>
+              <a:rPr lang="it-IT" sz="800" dirty="0" err="1">
+                <a:solidFill>
+                  <a:srgbClr val="569CD6"/>
+                </a:solidFill>
+                <a:highlight>
+                  <a:srgbClr val="1E1E1E"/>
+                </a:highlight>
+                <a:latin typeface="Consolas" panose="020B0609020204030204" pitchFamily="49" charset="0"/>
+              </a:rPr>
+              <a:t>readonly</a:t>
+            </a:r>
+            <a:r>
+              <a:rPr lang="it-IT" sz="800" dirty="0">
+                <a:solidFill>
+                  <a:srgbClr val="DCDCDC"/>
+                </a:solidFill>
+                <a:highlight>
+                  <a:srgbClr val="1E1E1E"/>
+                </a:highlight>
+                <a:latin typeface="Consolas" panose="020B0609020204030204" pitchFamily="49" charset="0"/>
+              </a:rPr>
+              <a:t> </a:t>
+            </a:r>
+            <a:r>
+              <a:rPr lang="it-IT" sz="800" dirty="0" err="1">
+                <a:solidFill>
+                  <a:srgbClr val="B8D7A3"/>
+                </a:solidFill>
+                <a:highlight>
+                  <a:srgbClr val="1E1E1E"/>
+                </a:highlight>
+                <a:latin typeface="Consolas" panose="020B0609020204030204" pitchFamily="49" charset="0"/>
+              </a:rPr>
+              <a:t>IShape</a:t>
+            </a:r>
+            <a:r>
+              <a:rPr lang="it-IT" sz="800" dirty="0">
+                <a:solidFill>
+                  <a:srgbClr val="DCDCDC"/>
+                </a:solidFill>
+                <a:highlight>
+                  <a:srgbClr val="1E1E1E"/>
+                </a:highlight>
+                <a:latin typeface="Consolas" panose="020B0609020204030204" pitchFamily="49" charset="0"/>
+              </a:rPr>
+              <a:t>[] </a:t>
+            </a:r>
+            <a:r>
+              <a:rPr lang="it-IT" sz="800" dirty="0" err="1">
+                <a:solidFill>
+                  <a:srgbClr val="DCDCDC"/>
+                </a:solidFill>
+                <a:highlight>
+                  <a:srgbClr val="1E1E1E"/>
+                </a:highlight>
+                <a:latin typeface="Consolas" panose="020B0609020204030204" pitchFamily="49" charset="0"/>
+              </a:rPr>
+              <a:t>shapes</a:t>
+            </a:r>
+            <a:r>
+              <a:rPr lang="it-IT" sz="800" dirty="0" smtClean="0">
+                <a:solidFill>
+                  <a:srgbClr val="DCDCDC"/>
+                </a:solidFill>
+                <a:highlight>
+                  <a:srgbClr val="1E1E1E"/>
+                </a:highlight>
+                <a:latin typeface="Consolas" panose="020B0609020204030204" pitchFamily="49" charset="0"/>
+              </a:rPr>
+              <a:t>;</a:t>
+            </a:r>
+            <a:endParaRPr lang="it-IT" sz="800" dirty="0">
+              <a:solidFill>
+                <a:srgbClr val="DCDCDC"/>
+              </a:solidFill>
+              <a:highlight>
+                <a:srgbClr val="1E1E1E"/>
+              </a:highlight>
+              <a:latin typeface="Consolas" panose="020B0609020204030204" pitchFamily="49" charset="0"/>
+            </a:endParaRPr>
+          </a:p>
+          <a:p>
+            <a:r>
+              <a:rPr lang="it-IT" sz="800" dirty="0">
+                <a:solidFill>
+                  <a:srgbClr val="DCDCDC"/>
+                </a:solidFill>
+                <a:highlight>
+                  <a:srgbClr val="1E1E1E"/>
+                </a:highlight>
+                <a:latin typeface="Consolas" panose="020B0609020204030204" pitchFamily="49" charset="0"/>
+              </a:rPr>
+              <a:t>        </a:t>
+            </a:r>
+            <a:r>
+              <a:rPr lang="it-IT" sz="800" dirty="0">
+                <a:solidFill>
+                  <a:srgbClr val="569CD6"/>
+                </a:solidFill>
+                <a:highlight>
+                  <a:srgbClr val="1E1E1E"/>
+                </a:highlight>
+                <a:latin typeface="Consolas" panose="020B0609020204030204" pitchFamily="49" charset="0"/>
+              </a:rPr>
+              <a:t>public</a:t>
+            </a:r>
+            <a:r>
+              <a:rPr lang="it-IT" sz="800" dirty="0">
+                <a:solidFill>
+                  <a:srgbClr val="DCDCDC"/>
+                </a:solidFill>
+                <a:highlight>
+                  <a:srgbClr val="1E1E1E"/>
+                </a:highlight>
+                <a:latin typeface="Consolas" panose="020B0609020204030204" pitchFamily="49" charset="0"/>
+              </a:rPr>
+              <a:t> </a:t>
+            </a:r>
+            <a:r>
+              <a:rPr lang="it-IT" sz="800" dirty="0" err="1">
+                <a:solidFill>
+                  <a:srgbClr val="DCDCDC"/>
+                </a:solidFill>
+                <a:highlight>
+                  <a:srgbClr val="1E1E1E"/>
+                </a:highlight>
+                <a:latin typeface="Consolas" panose="020B0609020204030204" pitchFamily="49" charset="0"/>
+              </a:rPr>
+              <a:t>GenericCalculator</a:t>
+            </a:r>
+            <a:r>
+              <a:rPr lang="it-IT" sz="800" dirty="0">
+                <a:solidFill>
+                  <a:srgbClr val="DCDCDC"/>
+                </a:solidFill>
+                <a:highlight>
+                  <a:srgbClr val="1E1E1E"/>
+                </a:highlight>
+                <a:latin typeface="Consolas" panose="020B0609020204030204" pitchFamily="49" charset="0"/>
+              </a:rPr>
+              <a:t>(</a:t>
+            </a:r>
+            <a:r>
+              <a:rPr lang="it-IT" sz="800" dirty="0" err="1">
+                <a:solidFill>
+                  <a:srgbClr val="B8D7A3"/>
+                </a:solidFill>
+                <a:highlight>
+                  <a:srgbClr val="1E1E1E"/>
+                </a:highlight>
+                <a:latin typeface="Consolas" panose="020B0609020204030204" pitchFamily="49" charset="0"/>
+              </a:rPr>
+              <a:t>IShape</a:t>
+            </a:r>
+            <a:r>
+              <a:rPr lang="it-IT" sz="800" dirty="0">
+                <a:solidFill>
+                  <a:srgbClr val="DCDCDC"/>
+                </a:solidFill>
+                <a:highlight>
+                  <a:srgbClr val="1E1E1E"/>
+                </a:highlight>
+                <a:latin typeface="Consolas" panose="020B0609020204030204" pitchFamily="49" charset="0"/>
+              </a:rPr>
+              <a:t>[] </a:t>
+            </a:r>
+            <a:r>
+              <a:rPr lang="it-IT" sz="800" dirty="0" err="1">
+                <a:solidFill>
+                  <a:srgbClr val="DCDCDC"/>
+                </a:solidFill>
+                <a:highlight>
+                  <a:srgbClr val="1E1E1E"/>
+                </a:highlight>
+                <a:latin typeface="Consolas" panose="020B0609020204030204" pitchFamily="49" charset="0"/>
+              </a:rPr>
+              <a:t>shapes</a:t>
+            </a:r>
+            <a:r>
+              <a:rPr lang="it-IT" sz="800" dirty="0">
+                <a:solidFill>
+                  <a:srgbClr val="DCDCDC"/>
+                </a:solidFill>
+                <a:highlight>
+                  <a:srgbClr val="1E1E1E"/>
+                </a:highlight>
+                <a:latin typeface="Consolas" panose="020B0609020204030204" pitchFamily="49" charset="0"/>
+              </a:rPr>
+              <a:t>)</a:t>
+            </a:r>
+          </a:p>
+          <a:p>
+            <a:r>
+              <a:rPr lang="it-IT" sz="800" dirty="0">
+                <a:solidFill>
+                  <a:srgbClr val="DCDCDC"/>
+                </a:solidFill>
+                <a:highlight>
+                  <a:srgbClr val="1E1E1E"/>
+                </a:highlight>
+                <a:latin typeface="Consolas" panose="020B0609020204030204" pitchFamily="49" charset="0"/>
+              </a:rPr>
+              <a:t>        {</a:t>
+            </a:r>
+          </a:p>
+          <a:p>
+            <a:r>
+              <a:rPr lang="it-IT" sz="800" dirty="0">
+                <a:solidFill>
+                  <a:srgbClr val="DCDCDC"/>
+                </a:solidFill>
+                <a:highlight>
+                  <a:srgbClr val="1E1E1E"/>
+                </a:highlight>
+                <a:latin typeface="Consolas" panose="020B0609020204030204" pitchFamily="49" charset="0"/>
+              </a:rPr>
+              <a:t>            </a:t>
+            </a:r>
+            <a:r>
+              <a:rPr lang="it-IT" sz="800" dirty="0" err="1">
+                <a:solidFill>
+                  <a:srgbClr val="569CD6"/>
+                </a:solidFill>
+                <a:highlight>
+                  <a:srgbClr val="1E1E1E"/>
+                </a:highlight>
+                <a:latin typeface="Consolas" panose="020B0609020204030204" pitchFamily="49" charset="0"/>
+              </a:rPr>
+              <a:t>this</a:t>
+            </a:r>
+            <a:r>
+              <a:rPr lang="it-IT" sz="800" dirty="0" err="1">
+                <a:solidFill>
+                  <a:srgbClr val="B4B4B4"/>
+                </a:solidFill>
+                <a:highlight>
+                  <a:srgbClr val="1E1E1E"/>
+                </a:highlight>
+                <a:latin typeface="Consolas" panose="020B0609020204030204" pitchFamily="49" charset="0"/>
+              </a:rPr>
+              <a:t>.</a:t>
+            </a:r>
+            <a:r>
+              <a:rPr lang="it-IT" sz="800" dirty="0" err="1">
+                <a:solidFill>
+                  <a:srgbClr val="DCDCDC"/>
+                </a:solidFill>
+                <a:highlight>
+                  <a:srgbClr val="1E1E1E"/>
+                </a:highlight>
+                <a:latin typeface="Consolas" panose="020B0609020204030204" pitchFamily="49" charset="0"/>
+              </a:rPr>
+              <a:t>shapes</a:t>
+            </a:r>
+            <a:r>
+              <a:rPr lang="it-IT" sz="800" dirty="0">
+                <a:solidFill>
+                  <a:srgbClr val="DCDCDC"/>
+                </a:solidFill>
+                <a:highlight>
+                  <a:srgbClr val="1E1E1E"/>
+                </a:highlight>
+                <a:latin typeface="Consolas" panose="020B0609020204030204" pitchFamily="49" charset="0"/>
+              </a:rPr>
+              <a:t> </a:t>
+            </a:r>
+            <a:r>
+              <a:rPr lang="it-IT" sz="800" dirty="0">
+                <a:solidFill>
+                  <a:srgbClr val="B4B4B4"/>
+                </a:solidFill>
+                <a:highlight>
+                  <a:srgbClr val="1E1E1E"/>
+                </a:highlight>
+                <a:latin typeface="Consolas" panose="020B0609020204030204" pitchFamily="49" charset="0"/>
+              </a:rPr>
+              <a:t>=</a:t>
+            </a:r>
+            <a:r>
+              <a:rPr lang="it-IT" sz="800" dirty="0">
+                <a:solidFill>
+                  <a:srgbClr val="DCDCDC"/>
+                </a:solidFill>
+                <a:highlight>
+                  <a:srgbClr val="1E1E1E"/>
+                </a:highlight>
+                <a:latin typeface="Consolas" panose="020B0609020204030204" pitchFamily="49" charset="0"/>
+              </a:rPr>
+              <a:t> </a:t>
+            </a:r>
+            <a:r>
+              <a:rPr lang="it-IT" sz="800" dirty="0" err="1">
+                <a:solidFill>
+                  <a:srgbClr val="DCDCDC"/>
+                </a:solidFill>
+                <a:highlight>
+                  <a:srgbClr val="1E1E1E"/>
+                </a:highlight>
+                <a:latin typeface="Consolas" panose="020B0609020204030204" pitchFamily="49" charset="0"/>
+              </a:rPr>
+              <a:t>shapes</a:t>
+            </a:r>
+            <a:r>
+              <a:rPr lang="it-IT" sz="800" dirty="0">
+                <a:solidFill>
+                  <a:srgbClr val="DCDCDC"/>
+                </a:solidFill>
+                <a:highlight>
+                  <a:srgbClr val="1E1E1E"/>
+                </a:highlight>
+                <a:latin typeface="Consolas" panose="020B0609020204030204" pitchFamily="49" charset="0"/>
+              </a:rPr>
+              <a:t>;</a:t>
+            </a:r>
+          </a:p>
+          <a:p>
+            <a:r>
+              <a:rPr lang="it-IT" sz="800" dirty="0">
+                <a:solidFill>
+                  <a:srgbClr val="DCDCDC"/>
+                </a:solidFill>
+                <a:highlight>
+                  <a:srgbClr val="1E1E1E"/>
+                </a:highlight>
+                <a:latin typeface="Consolas" panose="020B0609020204030204" pitchFamily="49" charset="0"/>
+              </a:rPr>
+              <a:t>        </a:t>
+            </a:r>
+            <a:r>
+              <a:rPr lang="it-IT" sz="800" dirty="0" smtClean="0">
+                <a:solidFill>
+                  <a:srgbClr val="DCDCDC"/>
+                </a:solidFill>
+                <a:highlight>
+                  <a:srgbClr val="1E1E1E"/>
+                </a:highlight>
+                <a:latin typeface="Consolas" panose="020B0609020204030204" pitchFamily="49" charset="0"/>
+              </a:rPr>
+              <a:t>}</a:t>
+            </a:r>
+            <a:endParaRPr lang="it-IT" sz="800" dirty="0">
+              <a:solidFill>
+                <a:srgbClr val="DCDCDC"/>
+              </a:solidFill>
+              <a:highlight>
+                <a:srgbClr val="1E1E1E"/>
+              </a:highlight>
+              <a:latin typeface="Consolas" panose="020B0609020204030204" pitchFamily="49" charset="0"/>
+            </a:endParaRPr>
+          </a:p>
+          <a:p>
+            <a:r>
+              <a:rPr lang="it-IT" sz="800" dirty="0">
+                <a:solidFill>
+                  <a:srgbClr val="DCDCDC"/>
+                </a:solidFill>
+                <a:highlight>
+                  <a:srgbClr val="1E1E1E"/>
+                </a:highlight>
+                <a:latin typeface="Consolas" panose="020B0609020204030204" pitchFamily="49" charset="0"/>
+              </a:rPr>
+              <a:t>        </a:t>
+            </a:r>
+            <a:r>
+              <a:rPr lang="it-IT" sz="800" dirty="0">
+                <a:solidFill>
+                  <a:srgbClr val="569CD6"/>
+                </a:solidFill>
+                <a:highlight>
+                  <a:srgbClr val="1E1E1E"/>
+                </a:highlight>
+                <a:latin typeface="Consolas" panose="020B0609020204030204" pitchFamily="49" charset="0"/>
+              </a:rPr>
+              <a:t>public</a:t>
+            </a:r>
+            <a:r>
+              <a:rPr lang="it-IT" sz="800" dirty="0">
+                <a:solidFill>
+                  <a:srgbClr val="DCDCDC"/>
+                </a:solidFill>
+                <a:highlight>
+                  <a:srgbClr val="1E1E1E"/>
+                </a:highlight>
+                <a:latin typeface="Consolas" panose="020B0609020204030204" pitchFamily="49" charset="0"/>
+              </a:rPr>
+              <a:t> </a:t>
+            </a:r>
+            <a:r>
+              <a:rPr lang="it-IT" sz="800" dirty="0" err="1">
+                <a:solidFill>
+                  <a:srgbClr val="569CD6"/>
+                </a:solidFill>
+                <a:highlight>
+                  <a:srgbClr val="1E1E1E"/>
+                </a:highlight>
+                <a:latin typeface="Consolas" panose="020B0609020204030204" pitchFamily="49" charset="0"/>
+              </a:rPr>
+              <a:t>virtual</a:t>
+            </a:r>
+            <a:r>
+              <a:rPr lang="it-IT" sz="800" dirty="0">
+                <a:solidFill>
+                  <a:srgbClr val="DCDCDC"/>
+                </a:solidFill>
+                <a:highlight>
+                  <a:srgbClr val="1E1E1E"/>
+                </a:highlight>
+                <a:latin typeface="Consolas" panose="020B0609020204030204" pitchFamily="49" charset="0"/>
+              </a:rPr>
+              <a:t> </a:t>
+            </a:r>
+            <a:r>
+              <a:rPr lang="it-IT" sz="800" dirty="0">
+                <a:solidFill>
+                  <a:srgbClr val="569CD6"/>
+                </a:solidFill>
+                <a:highlight>
+                  <a:srgbClr val="1E1E1E"/>
+                </a:highlight>
+                <a:latin typeface="Consolas" panose="020B0609020204030204" pitchFamily="49" charset="0"/>
+              </a:rPr>
+              <a:t>float</a:t>
+            </a:r>
+            <a:r>
+              <a:rPr lang="it-IT" sz="800" dirty="0">
+                <a:solidFill>
+                  <a:srgbClr val="DCDCDC"/>
+                </a:solidFill>
+                <a:highlight>
+                  <a:srgbClr val="1E1E1E"/>
+                </a:highlight>
+                <a:latin typeface="Consolas" panose="020B0609020204030204" pitchFamily="49" charset="0"/>
+              </a:rPr>
+              <a:t> Sum()</a:t>
+            </a:r>
+          </a:p>
+          <a:p>
+            <a:r>
+              <a:rPr lang="it-IT" sz="800" dirty="0">
+                <a:solidFill>
+                  <a:srgbClr val="DCDCDC"/>
+                </a:solidFill>
+                <a:highlight>
+                  <a:srgbClr val="1E1E1E"/>
+                </a:highlight>
+                <a:latin typeface="Consolas" panose="020B0609020204030204" pitchFamily="49" charset="0"/>
+              </a:rPr>
+              <a:t>        {</a:t>
+            </a:r>
+          </a:p>
+          <a:p>
+            <a:r>
+              <a:rPr lang="it-IT" sz="800" dirty="0">
+                <a:solidFill>
+                  <a:srgbClr val="DCDCDC"/>
+                </a:solidFill>
+                <a:highlight>
+                  <a:srgbClr val="1E1E1E"/>
+                </a:highlight>
+                <a:latin typeface="Consolas" panose="020B0609020204030204" pitchFamily="49" charset="0"/>
+              </a:rPr>
+              <a:t>            </a:t>
+            </a:r>
+            <a:r>
+              <a:rPr lang="it-IT" sz="800" dirty="0" err="1">
+                <a:solidFill>
+                  <a:srgbClr val="569CD6"/>
+                </a:solidFill>
+                <a:highlight>
+                  <a:srgbClr val="1E1E1E"/>
+                </a:highlight>
+                <a:latin typeface="Consolas" panose="020B0609020204030204" pitchFamily="49" charset="0"/>
+              </a:rPr>
+              <a:t>return</a:t>
+            </a:r>
+            <a:r>
+              <a:rPr lang="it-IT" sz="800" dirty="0">
+                <a:solidFill>
+                  <a:srgbClr val="DCDCDC"/>
+                </a:solidFill>
+                <a:highlight>
+                  <a:srgbClr val="1E1E1E"/>
+                </a:highlight>
+                <a:latin typeface="Consolas" panose="020B0609020204030204" pitchFamily="49" charset="0"/>
+              </a:rPr>
+              <a:t> </a:t>
+            </a:r>
+            <a:r>
+              <a:rPr lang="it-IT" sz="800" dirty="0">
+                <a:solidFill>
+                  <a:srgbClr val="B5CEA8"/>
+                </a:solidFill>
+                <a:highlight>
+                  <a:srgbClr val="1E1E1E"/>
+                </a:highlight>
+                <a:latin typeface="Consolas" panose="020B0609020204030204" pitchFamily="49" charset="0"/>
+              </a:rPr>
+              <a:t>0</a:t>
+            </a:r>
+            <a:r>
+              <a:rPr lang="it-IT" sz="800" dirty="0">
+                <a:solidFill>
+                  <a:srgbClr val="DCDCDC"/>
+                </a:solidFill>
+                <a:highlight>
+                  <a:srgbClr val="1E1E1E"/>
+                </a:highlight>
+                <a:latin typeface="Consolas" panose="020B0609020204030204" pitchFamily="49" charset="0"/>
+              </a:rPr>
+              <a:t>;</a:t>
+            </a:r>
+          </a:p>
+          <a:p>
+            <a:r>
+              <a:rPr lang="it-IT" sz="800" dirty="0">
+                <a:solidFill>
+                  <a:srgbClr val="DCDCDC"/>
+                </a:solidFill>
+                <a:highlight>
+                  <a:srgbClr val="1E1E1E"/>
+                </a:highlight>
+                <a:latin typeface="Consolas" panose="020B0609020204030204" pitchFamily="49" charset="0"/>
+              </a:rPr>
+              <a:t>        }</a:t>
+            </a:r>
+          </a:p>
+          <a:p>
+            <a:r>
+              <a:rPr lang="it-IT" sz="800" dirty="0" smtClean="0">
+                <a:solidFill>
+                  <a:srgbClr val="DCDCDC"/>
+                </a:solidFill>
+                <a:highlight>
+                  <a:srgbClr val="1E1E1E"/>
+                </a:highlight>
+                <a:latin typeface="Consolas" panose="020B0609020204030204" pitchFamily="49" charset="0"/>
+              </a:rPr>
+              <a:t> }</a:t>
+            </a:r>
+            <a:endParaRPr lang="it-IT" sz="800" dirty="0">
+              <a:solidFill>
+                <a:srgbClr val="DCDCDC"/>
+              </a:solidFill>
+              <a:highlight>
+                <a:srgbClr val="1E1E1E"/>
+              </a:highlight>
+              <a:latin typeface="Consolas" panose="020B0609020204030204" pitchFamily="49" charset="0"/>
+            </a:endParaRPr>
+          </a:p>
+          <a:p>
+            <a:r>
+              <a:rPr lang="it-IT" sz="800" dirty="0">
+                <a:solidFill>
+                  <a:srgbClr val="DCDCDC"/>
+                </a:solidFill>
+                <a:highlight>
+                  <a:srgbClr val="1E1E1E"/>
+                </a:highlight>
+                <a:latin typeface="Consolas" panose="020B0609020204030204" pitchFamily="49" charset="0"/>
+              </a:rPr>
+              <a:t> </a:t>
+            </a:r>
+            <a:endParaRPr lang="it-IT" sz="800" dirty="0" smtClean="0">
+              <a:solidFill>
+                <a:srgbClr val="DCDCDC"/>
+              </a:solidFill>
+              <a:highlight>
+                <a:srgbClr val="1E1E1E"/>
+              </a:highlight>
+              <a:latin typeface="Consolas" panose="020B0609020204030204" pitchFamily="49" charset="0"/>
+            </a:endParaRPr>
+          </a:p>
+          <a:p>
+            <a:r>
+              <a:rPr lang="it-IT" sz="800" dirty="0" smtClean="0">
+                <a:solidFill>
+                  <a:srgbClr val="569CD6"/>
+                </a:solidFill>
+                <a:highlight>
+                  <a:srgbClr val="1E1E1E"/>
+                </a:highlight>
+                <a:latin typeface="Consolas" panose="020B0609020204030204" pitchFamily="49" charset="0"/>
+              </a:rPr>
+              <a:t>public</a:t>
+            </a:r>
+            <a:r>
+              <a:rPr lang="it-IT" sz="800" dirty="0" smtClean="0">
+                <a:solidFill>
+                  <a:srgbClr val="DCDCDC"/>
+                </a:solidFill>
+                <a:highlight>
+                  <a:srgbClr val="1E1E1E"/>
+                </a:highlight>
+                <a:latin typeface="Consolas" panose="020B0609020204030204" pitchFamily="49" charset="0"/>
+              </a:rPr>
+              <a:t> </a:t>
+            </a:r>
+            <a:r>
+              <a:rPr lang="it-IT" sz="800" dirty="0" err="1">
+                <a:solidFill>
+                  <a:srgbClr val="569CD6"/>
+                </a:solidFill>
+                <a:highlight>
+                  <a:srgbClr val="1E1E1E"/>
+                </a:highlight>
+                <a:latin typeface="Consolas" panose="020B0609020204030204" pitchFamily="49" charset="0"/>
+              </a:rPr>
+              <a:t>class</a:t>
+            </a:r>
+            <a:r>
+              <a:rPr lang="it-IT" sz="800" dirty="0">
+                <a:solidFill>
+                  <a:srgbClr val="DCDCDC"/>
+                </a:solidFill>
+                <a:highlight>
+                  <a:srgbClr val="1E1E1E"/>
+                </a:highlight>
+                <a:latin typeface="Consolas" panose="020B0609020204030204" pitchFamily="49" charset="0"/>
+              </a:rPr>
+              <a:t> </a:t>
+            </a:r>
+            <a:r>
+              <a:rPr lang="it-IT" sz="800" dirty="0" err="1">
+                <a:solidFill>
+                  <a:srgbClr val="4EC9B0"/>
+                </a:solidFill>
+                <a:highlight>
+                  <a:srgbClr val="1E1E1E"/>
+                </a:highlight>
+                <a:latin typeface="Consolas" panose="020B0609020204030204" pitchFamily="49" charset="0"/>
+              </a:rPr>
+              <a:t>AreaCalculator</a:t>
+            </a:r>
+            <a:r>
+              <a:rPr lang="it-IT" sz="800" dirty="0">
+                <a:solidFill>
+                  <a:srgbClr val="DCDCDC"/>
+                </a:solidFill>
+                <a:highlight>
+                  <a:srgbClr val="1E1E1E"/>
+                </a:highlight>
+                <a:latin typeface="Consolas" panose="020B0609020204030204" pitchFamily="49" charset="0"/>
+              </a:rPr>
+              <a:t> : </a:t>
+            </a:r>
+            <a:r>
+              <a:rPr lang="it-IT" sz="800" dirty="0" err="1">
+                <a:solidFill>
+                  <a:srgbClr val="4EC9B0"/>
+                </a:solidFill>
+                <a:highlight>
+                  <a:srgbClr val="1E1E1E"/>
+                </a:highlight>
+                <a:latin typeface="Consolas" panose="020B0609020204030204" pitchFamily="49" charset="0"/>
+              </a:rPr>
+              <a:t>GenericCalculator</a:t>
+            </a:r>
+            <a:endParaRPr lang="it-IT" sz="800" dirty="0">
+              <a:solidFill>
+                <a:srgbClr val="DCDCDC"/>
+              </a:solidFill>
+              <a:highlight>
+                <a:srgbClr val="1E1E1E"/>
+              </a:highlight>
+              <a:latin typeface="Consolas" panose="020B0609020204030204" pitchFamily="49" charset="0"/>
+            </a:endParaRPr>
+          </a:p>
+          <a:p>
+            <a:r>
+              <a:rPr lang="it-IT" sz="800" dirty="0" smtClean="0">
+                <a:solidFill>
+                  <a:srgbClr val="DCDCDC"/>
+                </a:solidFill>
+                <a:highlight>
+                  <a:srgbClr val="1E1E1E"/>
+                </a:highlight>
+                <a:latin typeface="Consolas" panose="020B0609020204030204" pitchFamily="49" charset="0"/>
+              </a:rPr>
+              <a:t> {</a:t>
+            </a:r>
+            <a:endParaRPr lang="it-IT" sz="800" dirty="0">
+              <a:solidFill>
+                <a:srgbClr val="DCDCDC"/>
+              </a:solidFill>
+              <a:highlight>
+                <a:srgbClr val="1E1E1E"/>
+              </a:highlight>
+              <a:latin typeface="Consolas" panose="020B0609020204030204" pitchFamily="49" charset="0"/>
+            </a:endParaRPr>
+          </a:p>
+          <a:p>
+            <a:r>
+              <a:rPr lang="it-IT" sz="800" dirty="0">
+                <a:solidFill>
+                  <a:srgbClr val="DCDCDC"/>
+                </a:solidFill>
+                <a:highlight>
+                  <a:srgbClr val="1E1E1E"/>
+                </a:highlight>
+                <a:latin typeface="Consolas" panose="020B0609020204030204" pitchFamily="49" charset="0"/>
+              </a:rPr>
+              <a:t>        </a:t>
+            </a:r>
+            <a:r>
+              <a:rPr lang="it-IT" sz="800" dirty="0">
+                <a:solidFill>
+                  <a:srgbClr val="569CD6"/>
+                </a:solidFill>
+                <a:highlight>
+                  <a:srgbClr val="1E1E1E"/>
+                </a:highlight>
+                <a:latin typeface="Consolas" panose="020B0609020204030204" pitchFamily="49" charset="0"/>
+              </a:rPr>
+              <a:t>public</a:t>
+            </a:r>
+            <a:r>
+              <a:rPr lang="it-IT" sz="800" dirty="0">
+                <a:solidFill>
+                  <a:srgbClr val="DCDCDC"/>
+                </a:solidFill>
+                <a:highlight>
+                  <a:srgbClr val="1E1E1E"/>
+                </a:highlight>
+                <a:latin typeface="Consolas" panose="020B0609020204030204" pitchFamily="49" charset="0"/>
+              </a:rPr>
+              <a:t> </a:t>
+            </a:r>
+            <a:r>
+              <a:rPr lang="it-IT" sz="800" dirty="0" err="1">
+                <a:solidFill>
+                  <a:srgbClr val="DCDCDC"/>
+                </a:solidFill>
+                <a:highlight>
+                  <a:srgbClr val="1E1E1E"/>
+                </a:highlight>
+                <a:latin typeface="Consolas" panose="020B0609020204030204" pitchFamily="49" charset="0"/>
+              </a:rPr>
+              <a:t>AreaCalculator</a:t>
+            </a:r>
+            <a:r>
+              <a:rPr lang="it-IT" sz="800" dirty="0">
+                <a:solidFill>
+                  <a:srgbClr val="DCDCDC"/>
+                </a:solidFill>
+                <a:highlight>
+                  <a:srgbClr val="1E1E1E"/>
+                </a:highlight>
+                <a:latin typeface="Consolas" panose="020B0609020204030204" pitchFamily="49" charset="0"/>
+              </a:rPr>
+              <a:t>(</a:t>
+            </a:r>
+            <a:r>
+              <a:rPr lang="it-IT" sz="800" dirty="0" err="1">
+                <a:solidFill>
+                  <a:srgbClr val="B8D7A3"/>
+                </a:solidFill>
+                <a:highlight>
+                  <a:srgbClr val="1E1E1E"/>
+                </a:highlight>
+                <a:latin typeface="Consolas" panose="020B0609020204030204" pitchFamily="49" charset="0"/>
+              </a:rPr>
+              <a:t>IShape</a:t>
+            </a:r>
+            <a:r>
+              <a:rPr lang="it-IT" sz="800" dirty="0">
+                <a:solidFill>
+                  <a:srgbClr val="DCDCDC"/>
+                </a:solidFill>
+                <a:highlight>
+                  <a:srgbClr val="1E1E1E"/>
+                </a:highlight>
+                <a:latin typeface="Consolas" panose="020B0609020204030204" pitchFamily="49" charset="0"/>
+              </a:rPr>
+              <a:t>[] </a:t>
+            </a:r>
+            <a:r>
+              <a:rPr lang="it-IT" sz="800" dirty="0" err="1">
+                <a:solidFill>
+                  <a:srgbClr val="DCDCDC"/>
+                </a:solidFill>
+                <a:highlight>
+                  <a:srgbClr val="1E1E1E"/>
+                </a:highlight>
+                <a:latin typeface="Consolas" panose="020B0609020204030204" pitchFamily="49" charset="0"/>
+              </a:rPr>
+              <a:t>shapes</a:t>
+            </a:r>
+            <a:r>
+              <a:rPr lang="it-IT" sz="800" dirty="0">
+                <a:solidFill>
+                  <a:srgbClr val="DCDCDC"/>
+                </a:solidFill>
+                <a:highlight>
+                  <a:srgbClr val="1E1E1E"/>
+                </a:highlight>
+                <a:latin typeface="Consolas" panose="020B0609020204030204" pitchFamily="49" charset="0"/>
+              </a:rPr>
+              <a:t>)</a:t>
+            </a:r>
+          </a:p>
+          <a:p>
+            <a:r>
+              <a:rPr lang="it-IT" sz="800" dirty="0">
+                <a:solidFill>
+                  <a:srgbClr val="DCDCDC"/>
+                </a:solidFill>
+                <a:highlight>
+                  <a:srgbClr val="1E1E1E"/>
+                </a:highlight>
+                <a:latin typeface="Consolas" panose="020B0609020204030204" pitchFamily="49" charset="0"/>
+              </a:rPr>
+              <a:t>            : </a:t>
+            </a:r>
+            <a:r>
+              <a:rPr lang="it-IT" sz="800" dirty="0">
+                <a:solidFill>
+                  <a:srgbClr val="569CD6"/>
+                </a:solidFill>
+                <a:highlight>
+                  <a:srgbClr val="1E1E1E"/>
+                </a:highlight>
+                <a:latin typeface="Consolas" panose="020B0609020204030204" pitchFamily="49" charset="0"/>
+              </a:rPr>
+              <a:t>base</a:t>
+            </a:r>
+            <a:r>
+              <a:rPr lang="it-IT" sz="800" dirty="0">
+                <a:solidFill>
+                  <a:srgbClr val="DCDCDC"/>
+                </a:solidFill>
+                <a:highlight>
+                  <a:srgbClr val="1E1E1E"/>
+                </a:highlight>
+                <a:latin typeface="Consolas" panose="020B0609020204030204" pitchFamily="49" charset="0"/>
+              </a:rPr>
+              <a:t>(</a:t>
+            </a:r>
+            <a:r>
+              <a:rPr lang="it-IT" sz="800" dirty="0" err="1">
+                <a:solidFill>
+                  <a:srgbClr val="DCDCDC"/>
+                </a:solidFill>
+                <a:highlight>
+                  <a:srgbClr val="1E1E1E"/>
+                </a:highlight>
+                <a:latin typeface="Consolas" panose="020B0609020204030204" pitchFamily="49" charset="0"/>
+              </a:rPr>
+              <a:t>shapes</a:t>
+            </a:r>
+            <a:r>
+              <a:rPr lang="it-IT" sz="800" dirty="0" smtClean="0">
+                <a:solidFill>
+                  <a:srgbClr val="DCDCDC"/>
+                </a:solidFill>
+                <a:highlight>
+                  <a:srgbClr val="1E1E1E"/>
+                </a:highlight>
+                <a:latin typeface="Consolas" panose="020B0609020204030204" pitchFamily="49" charset="0"/>
+              </a:rPr>
+              <a:t>) { }</a:t>
+            </a:r>
+            <a:endParaRPr lang="it-IT" sz="800" dirty="0">
+              <a:solidFill>
+                <a:srgbClr val="DCDCDC"/>
+              </a:solidFill>
+              <a:highlight>
+                <a:srgbClr val="1E1E1E"/>
+              </a:highlight>
+              <a:latin typeface="Consolas" panose="020B0609020204030204" pitchFamily="49" charset="0"/>
+            </a:endParaRPr>
+          </a:p>
+          <a:p>
+            <a:r>
+              <a:rPr lang="it-IT" sz="800" dirty="0">
+                <a:solidFill>
+                  <a:srgbClr val="DCDCDC"/>
+                </a:solidFill>
+                <a:highlight>
+                  <a:srgbClr val="1E1E1E"/>
+                </a:highlight>
+                <a:latin typeface="Consolas" panose="020B0609020204030204" pitchFamily="49" charset="0"/>
+              </a:rPr>
+              <a:t>        </a:t>
+            </a:r>
+            <a:r>
+              <a:rPr lang="it-IT" sz="800" dirty="0">
+                <a:solidFill>
+                  <a:srgbClr val="569CD6"/>
+                </a:solidFill>
+                <a:highlight>
+                  <a:srgbClr val="1E1E1E"/>
+                </a:highlight>
+                <a:latin typeface="Consolas" panose="020B0609020204030204" pitchFamily="49" charset="0"/>
+              </a:rPr>
+              <a:t>public</a:t>
+            </a:r>
+            <a:r>
+              <a:rPr lang="it-IT" sz="800" dirty="0">
+                <a:solidFill>
+                  <a:srgbClr val="DCDCDC"/>
+                </a:solidFill>
+                <a:highlight>
+                  <a:srgbClr val="1E1E1E"/>
+                </a:highlight>
+                <a:latin typeface="Consolas" panose="020B0609020204030204" pitchFamily="49" charset="0"/>
+              </a:rPr>
+              <a:t> </a:t>
+            </a:r>
+            <a:r>
+              <a:rPr lang="it-IT" sz="800" dirty="0" err="1">
+                <a:solidFill>
+                  <a:srgbClr val="569CD6"/>
+                </a:solidFill>
+                <a:highlight>
+                  <a:srgbClr val="1E1E1E"/>
+                </a:highlight>
+                <a:latin typeface="Consolas" panose="020B0609020204030204" pitchFamily="49" charset="0"/>
+              </a:rPr>
+              <a:t>override</a:t>
+            </a:r>
+            <a:r>
+              <a:rPr lang="it-IT" sz="800" dirty="0">
+                <a:solidFill>
+                  <a:srgbClr val="DCDCDC"/>
+                </a:solidFill>
+                <a:highlight>
+                  <a:srgbClr val="1E1E1E"/>
+                </a:highlight>
+                <a:latin typeface="Consolas" panose="020B0609020204030204" pitchFamily="49" charset="0"/>
+              </a:rPr>
+              <a:t> </a:t>
+            </a:r>
+            <a:r>
+              <a:rPr lang="it-IT" sz="800" dirty="0">
+                <a:solidFill>
+                  <a:srgbClr val="569CD6"/>
+                </a:solidFill>
+                <a:highlight>
+                  <a:srgbClr val="1E1E1E"/>
+                </a:highlight>
+                <a:latin typeface="Consolas" panose="020B0609020204030204" pitchFamily="49" charset="0"/>
+              </a:rPr>
+              <a:t>float</a:t>
+            </a:r>
+            <a:r>
+              <a:rPr lang="it-IT" sz="800" dirty="0">
+                <a:solidFill>
+                  <a:srgbClr val="DCDCDC"/>
+                </a:solidFill>
+                <a:highlight>
+                  <a:srgbClr val="1E1E1E"/>
+                </a:highlight>
+                <a:latin typeface="Consolas" panose="020B0609020204030204" pitchFamily="49" charset="0"/>
+              </a:rPr>
+              <a:t> Sum()</a:t>
+            </a:r>
+          </a:p>
+          <a:p>
+            <a:r>
+              <a:rPr lang="it-IT" sz="800" dirty="0">
+                <a:solidFill>
+                  <a:srgbClr val="DCDCDC"/>
+                </a:solidFill>
+                <a:highlight>
+                  <a:srgbClr val="1E1E1E"/>
+                </a:highlight>
+                <a:latin typeface="Consolas" panose="020B0609020204030204" pitchFamily="49" charset="0"/>
+              </a:rPr>
+              <a:t>        {</a:t>
+            </a:r>
+          </a:p>
+          <a:p>
+            <a:r>
+              <a:rPr lang="it-IT" sz="800" dirty="0">
+                <a:solidFill>
+                  <a:srgbClr val="DCDCDC"/>
+                </a:solidFill>
+                <a:highlight>
+                  <a:srgbClr val="1E1E1E"/>
+                </a:highlight>
+                <a:latin typeface="Consolas" panose="020B0609020204030204" pitchFamily="49" charset="0"/>
+              </a:rPr>
+              <a:t>            </a:t>
+            </a:r>
+            <a:r>
+              <a:rPr lang="it-IT" sz="800" dirty="0" err="1">
+                <a:solidFill>
+                  <a:srgbClr val="569CD6"/>
+                </a:solidFill>
+                <a:highlight>
+                  <a:srgbClr val="1E1E1E"/>
+                </a:highlight>
+                <a:latin typeface="Consolas" panose="020B0609020204030204" pitchFamily="49" charset="0"/>
+              </a:rPr>
+              <a:t>return</a:t>
+            </a:r>
+            <a:r>
+              <a:rPr lang="it-IT" sz="800" dirty="0">
+                <a:solidFill>
+                  <a:srgbClr val="DCDCDC"/>
+                </a:solidFill>
+                <a:highlight>
+                  <a:srgbClr val="1E1E1E"/>
+                </a:highlight>
+                <a:latin typeface="Consolas" panose="020B0609020204030204" pitchFamily="49" charset="0"/>
+              </a:rPr>
+              <a:t> </a:t>
+            </a:r>
+            <a:r>
+              <a:rPr lang="it-IT" sz="800" dirty="0" err="1">
+                <a:solidFill>
+                  <a:srgbClr val="DCDCDC"/>
+                </a:solidFill>
+                <a:highlight>
+                  <a:srgbClr val="1E1E1E"/>
+                </a:highlight>
+                <a:latin typeface="Consolas" panose="020B0609020204030204" pitchFamily="49" charset="0"/>
+              </a:rPr>
+              <a:t>shapes</a:t>
+            </a:r>
+            <a:r>
+              <a:rPr lang="it-IT" sz="800" dirty="0" err="1">
+                <a:solidFill>
+                  <a:srgbClr val="B4B4B4"/>
+                </a:solidFill>
+                <a:highlight>
+                  <a:srgbClr val="1E1E1E"/>
+                </a:highlight>
+                <a:latin typeface="Consolas" panose="020B0609020204030204" pitchFamily="49" charset="0"/>
+              </a:rPr>
+              <a:t>.</a:t>
+            </a:r>
+            <a:r>
+              <a:rPr lang="it-IT" sz="800" dirty="0" err="1">
+                <a:solidFill>
+                  <a:srgbClr val="DCDCDC"/>
+                </a:solidFill>
+                <a:highlight>
+                  <a:srgbClr val="1E1E1E"/>
+                </a:highlight>
+                <a:latin typeface="Consolas" panose="020B0609020204030204" pitchFamily="49" charset="0"/>
+              </a:rPr>
+              <a:t>Sum</a:t>
+            </a:r>
+            <a:r>
+              <a:rPr lang="it-IT" sz="800" dirty="0">
+                <a:solidFill>
+                  <a:srgbClr val="DCDCDC"/>
+                </a:solidFill>
+                <a:highlight>
+                  <a:srgbClr val="1E1E1E"/>
+                </a:highlight>
+                <a:latin typeface="Consolas" panose="020B0609020204030204" pitchFamily="49" charset="0"/>
+              </a:rPr>
+              <a:t>(s </a:t>
+            </a:r>
+            <a:r>
+              <a:rPr lang="it-IT" sz="800" dirty="0">
+                <a:solidFill>
+                  <a:srgbClr val="B4B4B4"/>
+                </a:solidFill>
+                <a:highlight>
+                  <a:srgbClr val="1E1E1E"/>
+                </a:highlight>
+                <a:latin typeface="Consolas" panose="020B0609020204030204" pitchFamily="49" charset="0"/>
+              </a:rPr>
+              <a:t>=&gt;</a:t>
+            </a:r>
+            <a:r>
+              <a:rPr lang="it-IT" sz="800" dirty="0">
+                <a:solidFill>
+                  <a:srgbClr val="DCDCDC"/>
+                </a:solidFill>
+                <a:highlight>
+                  <a:srgbClr val="1E1E1E"/>
+                </a:highlight>
+                <a:latin typeface="Consolas" panose="020B0609020204030204" pitchFamily="49" charset="0"/>
+              </a:rPr>
+              <a:t> </a:t>
+            </a:r>
+            <a:r>
+              <a:rPr lang="it-IT" sz="800" dirty="0" err="1">
+                <a:solidFill>
+                  <a:srgbClr val="DCDCDC"/>
+                </a:solidFill>
+                <a:highlight>
+                  <a:srgbClr val="1E1E1E"/>
+                </a:highlight>
+                <a:latin typeface="Consolas" panose="020B0609020204030204" pitchFamily="49" charset="0"/>
+              </a:rPr>
+              <a:t>s</a:t>
+            </a:r>
+            <a:r>
+              <a:rPr lang="it-IT" sz="800" dirty="0" err="1">
+                <a:solidFill>
+                  <a:srgbClr val="B4B4B4"/>
+                </a:solidFill>
+                <a:highlight>
+                  <a:srgbClr val="1E1E1E"/>
+                </a:highlight>
+                <a:latin typeface="Consolas" panose="020B0609020204030204" pitchFamily="49" charset="0"/>
+              </a:rPr>
+              <a:t>.</a:t>
+            </a:r>
+            <a:r>
+              <a:rPr lang="it-IT" sz="800" dirty="0" err="1">
+                <a:solidFill>
+                  <a:srgbClr val="DCDCDC"/>
+                </a:solidFill>
+                <a:highlight>
+                  <a:srgbClr val="1E1E1E"/>
+                </a:highlight>
+                <a:latin typeface="Consolas" panose="020B0609020204030204" pitchFamily="49" charset="0"/>
+              </a:rPr>
+              <a:t>GetArea</a:t>
+            </a:r>
+            <a:r>
+              <a:rPr lang="it-IT" sz="800" dirty="0">
+                <a:solidFill>
+                  <a:srgbClr val="DCDCDC"/>
+                </a:solidFill>
+                <a:highlight>
+                  <a:srgbClr val="1E1E1E"/>
+                </a:highlight>
+                <a:latin typeface="Consolas" panose="020B0609020204030204" pitchFamily="49" charset="0"/>
+              </a:rPr>
+              <a:t>());</a:t>
+            </a:r>
+          </a:p>
+          <a:p>
+            <a:r>
+              <a:rPr lang="it-IT" sz="800" dirty="0">
+                <a:solidFill>
+                  <a:srgbClr val="DCDCDC"/>
+                </a:solidFill>
+                <a:highlight>
+                  <a:srgbClr val="1E1E1E"/>
+                </a:highlight>
+                <a:latin typeface="Consolas" panose="020B0609020204030204" pitchFamily="49" charset="0"/>
+              </a:rPr>
+              <a:t>        }</a:t>
+            </a:r>
+          </a:p>
+          <a:p>
+            <a:r>
+              <a:rPr lang="it-IT" sz="800" dirty="0" smtClean="0">
+                <a:solidFill>
+                  <a:srgbClr val="DCDCDC"/>
+                </a:solidFill>
+                <a:highlight>
+                  <a:srgbClr val="1E1E1E"/>
+                </a:highlight>
+                <a:latin typeface="Consolas" panose="020B0609020204030204" pitchFamily="49" charset="0"/>
+              </a:rPr>
+              <a:t> }</a:t>
+            </a:r>
+            <a:endParaRPr lang="it-IT" sz="800" dirty="0">
+              <a:solidFill>
+                <a:srgbClr val="DCDCDC"/>
+              </a:solidFill>
+              <a:highlight>
+                <a:srgbClr val="1E1E1E"/>
+              </a:highlight>
+              <a:latin typeface="Consolas" panose="020B0609020204030204" pitchFamily="49" charset="0"/>
+            </a:endParaRPr>
+          </a:p>
+          <a:p>
+            <a:r>
+              <a:rPr lang="it-IT" sz="800" dirty="0">
+                <a:solidFill>
+                  <a:srgbClr val="DCDCDC"/>
+                </a:solidFill>
+                <a:highlight>
+                  <a:srgbClr val="1E1E1E"/>
+                </a:highlight>
+                <a:latin typeface="Consolas" panose="020B0609020204030204" pitchFamily="49" charset="0"/>
+              </a:rPr>
+              <a:t> </a:t>
+            </a:r>
+            <a:endParaRPr lang="it-IT" sz="800" dirty="0" smtClean="0">
+              <a:solidFill>
+                <a:srgbClr val="DCDCDC"/>
+              </a:solidFill>
+              <a:highlight>
+                <a:srgbClr val="1E1E1E"/>
+              </a:highlight>
+              <a:latin typeface="Consolas" panose="020B0609020204030204" pitchFamily="49" charset="0"/>
+            </a:endParaRPr>
+          </a:p>
+          <a:p>
+            <a:r>
+              <a:rPr lang="it-IT" sz="800" dirty="0" smtClean="0">
+                <a:solidFill>
+                  <a:srgbClr val="569CD6"/>
+                </a:solidFill>
+                <a:highlight>
+                  <a:srgbClr val="1E1E1E"/>
+                </a:highlight>
+                <a:latin typeface="Consolas" panose="020B0609020204030204" pitchFamily="49" charset="0"/>
+              </a:rPr>
+              <a:t>public</a:t>
+            </a:r>
+            <a:r>
+              <a:rPr lang="it-IT" sz="800" dirty="0" smtClean="0">
+                <a:solidFill>
+                  <a:srgbClr val="DCDCDC"/>
+                </a:solidFill>
+                <a:highlight>
+                  <a:srgbClr val="1E1E1E"/>
+                </a:highlight>
+                <a:latin typeface="Consolas" panose="020B0609020204030204" pitchFamily="49" charset="0"/>
+              </a:rPr>
+              <a:t> </a:t>
+            </a:r>
+            <a:r>
+              <a:rPr lang="it-IT" sz="800" dirty="0" err="1">
+                <a:solidFill>
+                  <a:srgbClr val="569CD6"/>
+                </a:solidFill>
+                <a:highlight>
+                  <a:srgbClr val="1E1E1E"/>
+                </a:highlight>
+                <a:latin typeface="Consolas" panose="020B0609020204030204" pitchFamily="49" charset="0"/>
+              </a:rPr>
+              <a:t>class</a:t>
+            </a:r>
+            <a:r>
+              <a:rPr lang="it-IT" sz="800" dirty="0">
+                <a:solidFill>
+                  <a:srgbClr val="DCDCDC"/>
+                </a:solidFill>
+                <a:highlight>
+                  <a:srgbClr val="1E1E1E"/>
+                </a:highlight>
+                <a:latin typeface="Consolas" panose="020B0609020204030204" pitchFamily="49" charset="0"/>
+              </a:rPr>
+              <a:t> </a:t>
+            </a:r>
+            <a:r>
+              <a:rPr lang="it-IT" sz="800" dirty="0" err="1">
+                <a:solidFill>
+                  <a:srgbClr val="4EC9B0"/>
+                </a:solidFill>
+                <a:highlight>
+                  <a:srgbClr val="1E1E1E"/>
+                </a:highlight>
+                <a:latin typeface="Consolas" panose="020B0609020204030204" pitchFamily="49" charset="0"/>
+              </a:rPr>
+              <a:t>PerimeterCalculator</a:t>
+            </a:r>
+            <a:r>
+              <a:rPr lang="it-IT" sz="800" dirty="0">
+                <a:solidFill>
+                  <a:srgbClr val="DCDCDC"/>
+                </a:solidFill>
+                <a:highlight>
+                  <a:srgbClr val="1E1E1E"/>
+                </a:highlight>
+                <a:latin typeface="Consolas" panose="020B0609020204030204" pitchFamily="49" charset="0"/>
+              </a:rPr>
+              <a:t> : </a:t>
+            </a:r>
+            <a:r>
+              <a:rPr lang="it-IT" sz="800" dirty="0" err="1">
+                <a:solidFill>
+                  <a:srgbClr val="4EC9B0"/>
+                </a:solidFill>
+                <a:highlight>
+                  <a:srgbClr val="1E1E1E"/>
+                </a:highlight>
+                <a:latin typeface="Consolas" panose="020B0609020204030204" pitchFamily="49" charset="0"/>
+              </a:rPr>
+              <a:t>GenericCalculator</a:t>
+            </a:r>
+            <a:endParaRPr lang="it-IT" sz="800" dirty="0">
+              <a:solidFill>
+                <a:srgbClr val="DCDCDC"/>
+              </a:solidFill>
+              <a:highlight>
+                <a:srgbClr val="1E1E1E"/>
+              </a:highlight>
+              <a:latin typeface="Consolas" panose="020B0609020204030204" pitchFamily="49" charset="0"/>
+            </a:endParaRPr>
+          </a:p>
+          <a:p>
+            <a:r>
+              <a:rPr lang="it-IT" sz="800" dirty="0" smtClean="0">
+                <a:solidFill>
+                  <a:srgbClr val="DCDCDC"/>
+                </a:solidFill>
+                <a:highlight>
+                  <a:srgbClr val="1E1E1E"/>
+                </a:highlight>
+                <a:latin typeface="Consolas" panose="020B0609020204030204" pitchFamily="49" charset="0"/>
+              </a:rPr>
+              <a:t>{</a:t>
+            </a:r>
+            <a:endParaRPr lang="it-IT" sz="800" dirty="0">
+              <a:solidFill>
+                <a:srgbClr val="DCDCDC"/>
+              </a:solidFill>
+              <a:highlight>
+                <a:srgbClr val="1E1E1E"/>
+              </a:highlight>
+              <a:latin typeface="Consolas" panose="020B0609020204030204" pitchFamily="49" charset="0"/>
+            </a:endParaRPr>
+          </a:p>
+          <a:p>
+            <a:r>
+              <a:rPr lang="it-IT" sz="800" dirty="0">
+                <a:solidFill>
+                  <a:srgbClr val="DCDCDC"/>
+                </a:solidFill>
+                <a:highlight>
+                  <a:srgbClr val="1E1E1E"/>
+                </a:highlight>
+                <a:latin typeface="Consolas" panose="020B0609020204030204" pitchFamily="49" charset="0"/>
+              </a:rPr>
+              <a:t>        </a:t>
+            </a:r>
+            <a:r>
+              <a:rPr lang="it-IT" sz="800" dirty="0">
+                <a:solidFill>
+                  <a:srgbClr val="569CD6"/>
+                </a:solidFill>
+                <a:highlight>
+                  <a:srgbClr val="1E1E1E"/>
+                </a:highlight>
+                <a:latin typeface="Consolas" panose="020B0609020204030204" pitchFamily="49" charset="0"/>
+              </a:rPr>
+              <a:t>public</a:t>
+            </a:r>
+            <a:r>
+              <a:rPr lang="it-IT" sz="800" dirty="0">
+                <a:solidFill>
+                  <a:srgbClr val="DCDCDC"/>
+                </a:solidFill>
+                <a:highlight>
+                  <a:srgbClr val="1E1E1E"/>
+                </a:highlight>
+                <a:latin typeface="Consolas" panose="020B0609020204030204" pitchFamily="49" charset="0"/>
+              </a:rPr>
+              <a:t> </a:t>
+            </a:r>
+            <a:r>
+              <a:rPr lang="it-IT" sz="800" dirty="0" err="1">
+                <a:solidFill>
+                  <a:srgbClr val="DCDCDC"/>
+                </a:solidFill>
+                <a:highlight>
+                  <a:srgbClr val="1E1E1E"/>
+                </a:highlight>
+                <a:latin typeface="Consolas" panose="020B0609020204030204" pitchFamily="49" charset="0"/>
+              </a:rPr>
+              <a:t>PerimeterCalculator</a:t>
+            </a:r>
+            <a:r>
+              <a:rPr lang="it-IT" sz="800" dirty="0">
+                <a:solidFill>
+                  <a:srgbClr val="DCDCDC"/>
+                </a:solidFill>
+                <a:highlight>
+                  <a:srgbClr val="1E1E1E"/>
+                </a:highlight>
+                <a:latin typeface="Consolas" panose="020B0609020204030204" pitchFamily="49" charset="0"/>
+              </a:rPr>
+              <a:t>(</a:t>
+            </a:r>
+            <a:r>
+              <a:rPr lang="it-IT" sz="800" dirty="0" err="1">
+                <a:solidFill>
+                  <a:srgbClr val="B8D7A3"/>
+                </a:solidFill>
+                <a:highlight>
+                  <a:srgbClr val="1E1E1E"/>
+                </a:highlight>
+                <a:latin typeface="Consolas" panose="020B0609020204030204" pitchFamily="49" charset="0"/>
+              </a:rPr>
+              <a:t>IShape</a:t>
+            </a:r>
+            <a:r>
+              <a:rPr lang="it-IT" sz="800" dirty="0">
+                <a:solidFill>
+                  <a:srgbClr val="DCDCDC"/>
+                </a:solidFill>
+                <a:highlight>
+                  <a:srgbClr val="1E1E1E"/>
+                </a:highlight>
+                <a:latin typeface="Consolas" panose="020B0609020204030204" pitchFamily="49" charset="0"/>
+              </a:rPr>
+              <a:t>[] </a:t>
+            </a:r>
+            <a:r>
+              <a:rPr lang="it-IT" sz="800" dirty="0" err="1">
+                <a:solidFill>
+                  <a:srgbClr val="DCDCDC"/>
+                </a:solidFill>
+                <a:highlight>
+                  <a:srgbClr val="1E1E1E"/>
+                </a:highlight>
+                <a:latin typeface="Consolas" panose="020B0609020204030204" pitchFamily="49" charset="0"/>
+              </a:rPr>
+              <a:t>shapes</a:t>
+            </a:r>
+            <a:r>
+              <a:rPr lang="it-IT" sz="800" dirty="0">
+                <a:solidFill>
+                  <a:srgbClr val="DCDCDC"/>
+                </a:solidFill>
+                <a:highlight>
+                  <a:srgbClr val="1E1E1E"/>
+                </a:highlight>
+                <a:latin typeface="Consolas" panose="020B0609020204030204" pitchFamily="49" charset="0"/>
+              </a:rPr>
+              <a:t>)</a:t>
+            </a:r>
+          </a:p>
+          <a:p>
+            <a:r>
+              <a:rPr lang="it-IT" sz="800" dirty="0">
+                <a:solidFill>
+                  <a:srgbClr val="DCDCDC"/>
+                </a:solidFill>
+                <a:highlight>
+                  <a:srgbClr val="1E1E1E"/>
+                </a:highlight>
+                <a:latin typeface="Consolas" panose="020B0609020204030204" pitchFamily="49" charset="0"/>
+              </a:rPr>
+              <a:t> </a:t>
+            </a:r>
+            <a:r>
+              <a:rPr lang="it-IT" sz="800" dirty="0" smtClean="0">
+                <a:solidFill>
+                  <a:srgbClr val="DCDCDC"/>
+                </a:solidFill>
+                <a:highlight>
+                  <a:srgbClr val="1E1E1E"/>
+                </a:highlight>
+                <a:latin typeface="Consolas" panose="020B0609020204030204" pitchFamily="49" charset="0"/>
+              </a:rPr>
+              <a:t>		: </a:t>
+            </a:r>
+            <a:r>
+              <a:rPr lang="it-IT" sz="800" dirty="0">
+                <a:solidFill>
+                  <a:srgbClr val="569CD6"/>
+                </a:solidFill>
+                <a:highlight>
+                  <a:srgbClr val="1E1E1E"/>
+                </a:highlight>
+                <a:latin typeface="Consolas" panose="020B0609020204030204" pitchFamily="49" charset="0"/>
+              </a:rPr>
+              <a:t>base</a:t>
+            </a:r>
+            <a:r>
+              <a:rPr lang="it-IT" sz="800" dirty="0">
+                <a:solidFill>
+                  <a:srgbClr val="DCDCDC"/>
+                </a:solidFill>
+                <a:highlight>
+                  <a:srgbClr val="1E1E1E"/>
+                </a:highlight>
+                <a:latin typeface="Consolas" panose="020B0609020204030204" pitchFamily="49" charset="0"/>
+              </a:rPr>
+              <a:t>(</a:t>
+            </a:r>
+            <a:r>
+              <a:rPr lang="it-IT" sz="800" dirty="0" err="1">
+                <a:solidFill>
+                  <a:srgbClr val="DCDCDC"/>
+                </a:solidFill>
+                <a:highlight>
+                  <a:srgbClr val="1E1E1E"/>
+                </a:highlight>
+                <a:latin typeface="Consolas" panose="020B0609020204030204" pitchFamily="49" charset="0"/>
+              </a:rPr>
+              <a:t>shapes</a:t>
+            </a:r>
+            <a:r>
+              <a:rPr lang="it-IT" sz="800" dirty="0">
+                <a:solidFill>
+                  <a:srgbClr val="DCDCDC"/>
+                </a:solidFill>
+                <a:highlight>
+                  <a:srgbClr val="1E1E1E"/>
+                </a:highlight>
+                <a:latin typeface="Consolas" panose="020B0609020204030204" pitchFamily="49" charset="0"/>
+              </a:rPr>
+              <a:t>) { </a:t>
+            </a:r>
+            <a:r>
+              <a:rPr lang="it-IT" sz="800" dirty="0" smtClean="0">
+                <a:solidFill>
+                  <a:srgbClr val="DCDCDC"/>
+                </a:solidFill>
+                <a:highlight>
+                  <a:srgbClr val="1E1E1E"/>
+                </a:highlight>
+                <a:latin typeface="Consolas" panose="020B0609020204030204" pitchFamily="49" charset="0"/>
+              </a:rPr>
+              <a:t>}</a:t>
+            </a:r>
+          </a:p>
+          <a:p>
+            <a:r>
+              <a:rPr lang="it-IT" sz="800" dirty="0" smtClean="0">
+                <a:solidFill>
+                  <a:srgbClr val="DCDCDC"/>
+                </a:solidFill>
+                <a:highlight>
+                  <a:srgbClr val="1E1E1E"/>
+                </a:highlight>
+                <a:latin typeface="Consolas" panose="020B0609020204030204" pitchFamily="49" charset="0"/>
+              </a:rPr>
+              <a:t>        </a:t>
+            </a:r>
+            <a:r>
+              <a:rPr lang="it-IT" sz="800" dirty="0">
+                <a:solidFill>
+                  <a:srgbClr val="569CD6"/>
+                </a:solidFill>
+                <a:highlight>
+                  <a:srgbClr val="1E1E1E"/>
+                </a:highlight>
+                <a:latin typeface="Consolas" panose="020B0609020204030204" pitchFamily="49" charset="0"/>
+              </a:rPr>
+              <a:t>public</a:t>
+            </a:r>
+            <a:r>
+              <a:rPr lang="it-IT" sz="800" dirty="0">
+                <a:solidFill>
+                  <a:srgbClr val="DCDCDC"/>
+                </a:solidFill>
+                <a:highlight>
+                  <a:srgbClr val="1E1E1E"/>
+                </a:highlight>
+                <a:latin typeface="Consolas" panose="020B0609020204030204" pitchFamily="49" charset="0"/>
+              </a:rPr>
+              <a:t> </a:t>
+            </a:r>
+            <a:r>
+              <a:rPr lang="it-IT" sz="800" dirty="0" err="1">
+                <a:solidFill>
+                  <a:srgbClr val="569CD6"/>
+                </a:solidFill>
+                <a:highlight>
+                  <a:srgbClr val="1E1E1E"/>
+                </a:highlight>
+                <a:latin typeface="Consolas" panose="020B0609020204030204" pitchFamily="49" charset="0"/>
+              </a:rPr>
+              <a:t>override</a:t>
+            </a:r>
+            <a:r>
+              <a:rPr lang="it-IT" sz="800" dirty="0">
+                <a:solidFill>
+                  <a:srgbClr val="DCDCDC"/>
+                </a:solidFill>
+                <a:highlight>
+                  <a:srgbClr val="1E1E1E"/>
+                </a:highlight>
+                <a:latin typeface="Consolas" panose="020B0609020204030204" pitchFamily="49" charset="0"/>
+              </a:rPr>
+              <a:t> </a:t>
+            </a:r>
+            <a:r>
+              <a:rPr lang="it-IT" sz="800" dirty="0">
+                <a:solidFill>
+                  <a:srgbClr val="569CD6"/>
+                </a:solidFill>
+                <a:highlight>
+                  <a:srgbClr val="1E1E1E"/>
+                </a:highlight>
+                <a:latin typeface="Consolas" panose="020B0609020204030204" pitchFamily="49" charset="0"/>
+              </a:rPr>
+              <a:t>float</a:t>
+            </a:r>
+            <a:r>
+              <a:rPr lang="it-IT" sz="800" dirty="0">
+                <a:solidFill>
+                  <a:srgbClr val="DCDCDC"/>
+                </a:solidFill>
+                <a:highlight>
+                  <a:srgbClr val="1E1E1E"/>
+                </a:highlight>
+                <a:latin typeface="Consolas" panose="020B0609020204030204" pitchFamily="49" charset="0"/>
+              </a:rPr>
+              <a:t> Sum()</a:t>
+            </a:r>
+          </a:p>
+          <a:p>
+            <a:r>
+              <a:rPr lang="it-IT" sz="800" dirty="0">
+                <a:solidFill>
+                  <a:srgbClr val="DCDCDC"/>
+                </a:solidFill>
+                <a:highlight>
+                  <a:srgbClr val="1E1E1E"/>
+                </a:highlight>
+                <a:latin typeface="Consolas" panose="020B0609020204030204" pitchFamily="49" charset="0"/>
+              </a:rPr>
+              <a:t>        {</a:t>
+            </a:r>
+          </a:p>
+          <a:p>
+            <a:r>
+              <a:rPr lang="it-IT" sz="800" dirty="0">
+                <a:solidFill>
+                  <a:srgbClr val="DCDCDC"/>
+                </a:solidFill>
+                <a:highlight>
+                  <a:srgbClr val="1E1E1E"/>
+                </a:highlight>
+                <a:latin typeface="Consolas" panose="020B0609020204030204" pitchFamily="49" charset="0"/>
+              </a:rPr>
+              <a:t>            </a:t>
+            </a:r>
+            <a:r>
+              <a:rPr lang="it-IT" sz="800" dirty="0" err="1">
+                <a:solidFill>
+                  <a:srgbClr val="569CD6"/>
+                </a:solidFill>
+                <a:highlight>
+                  <a:srgbClr val="1E1E1E"/>
+                </a:highlight>
+                <a:latin typeface="Consolas" panose="020B0609020204030204" pitchFamily="49" charset="0"/>
+              </a:rPr>
+              <a:t>return</a:t>
+            </a:r>
+            <a:r>
+              <a:rPr lang="it-IT" sz="800" dirty="0">
+                <a:solidFill>
+                  <a:srgbClr val="DCDCDC"/>
+                </a:solidFill>
+                <a:highlight>
+                  <a:srgbClr val="1E1E1E"/>
+                </a:highlight>
+                <a:latin typeface="Consolas" panose="020B0609020204030204" pitchFamily="49" charset="0"/>
+              </a:rPr>
+              <a:t> </a:t>
+            </a:r>
+            <a:r>
+              <a:rPr lang="it-IT" sz="800" dirty="0" err="1">
+                <a:solidFill>
+                  <a:srgbClr val="DCDCDC"/>
+                </a:solidFill>
+                <a:highlight>
+                  <a:srgbClr val="1E1E1E"/>
+                </a:highlight>
+                <a:latin typeface="Consolas" panose="020B0609020204030204" pitchFamily="49" charset="0"/>
+              </a:rPr>
+              <a:t>shapes</a:t>
+            </a:r>
+            <a:r>
+              <a:rPr lang="it-IT" sz="800" dirty="0" err="1">
+                <a:solidFill>
+                  <a:srgbClr val="B4B4B4"/>
+                </a:solidFill>
+                <a:highlight>
+                  <a:srgbClr val="1E1E1E"/>
+                </a:highlight>
+                <a:latin typeface="Consolas" panose="020B0609020204030204" pitchFamily="49" charset="0"/>
+              </a:rPr>
+              <a:t>.</a:t>
+            </a:r>
+            <a:r>
+              <a:rPr lang="it-IT" sz="800" dirty="0" err="1">
+                <a:solidFill>
+                  <a:srgbClr val="DCDCDC"/>
+                </a:solidFill>
+                <a:highlight>
+                  <a:srgbClr val="1E1E1E"/>
+                </a:highlight>
+                <a:latin typeface="Consolas" panose="020B0609020204030204" pitchFamily="49" charset="0"/>
+              </a:rPr>
+              <a:t>Sum</a:t>
+            </a:r>
+            <a:r>
+              <a:rPr lang="it-IT" sz="800" dirty="0">
+                <a:solidFill>
+                  <a:srgbClr val="DCDCDC"/>
+                </a:solidFill>
+                <a:highlight>
+                  <a:srgbClr val="1E1E1E"/>
+                </a:highlight>
+                <a:latin typeface="Consolas" panose="020B0609020204030204" pitchFamily="49" charset="0"/>
+              </a:rPr>
+              <a:t>(s </a:t>
+            </a:r>
+            <a:r>
+              <a:rPr lang="it-IT" sz="800" dirty="0">
+                <a:solidFill>
+                  <a:srgbClr val="B4B4B4"/>
+                </a:solidFill>
+                <a:highlight>
+                  <a:srgbClr val="1E1E1E"/>
+                </a:highlight>
+                <a:latin typeface="Consolas" panose="020B0609020204030204" pitchFamily="49" charset="0"/>
+              </a:rPr>
+              <a:t>=&gt;</a:t>
+            </a:r>
+            <a:r>
+              <a:rPr lang="it-IT" sz="800" dirty="0">
+                <a:solidFill>
+                  <a:srgbClr val="DCDCDC"/>
+                </a:solidFill>
+                <a:highlight>
+                  <a:srgbClr val="1E1E1E"/>
+                </a:highlight>
+                <a:latin typeface="Consolas" panose="020B0609020204030204" pitchFamily="49" charset="0"/>
+              </a:rPr>
+              <a:t> </a:t>
+            </a:r>
+            <a:r>
+              <a:rPr lang="it-IT" sz="800" dirty="0" err="1">
+                <a:solidFill>
+                  <a:srgbClr val="DCDCDC"/>
+                </a:solidFill>
+                <a:highlight>
+                  <a:srgbClr val="1E1E1E"/>
+                </a:highlight>
+                <a:latin typeface="Consolas" panose="020B0609020204030204" pitchFamily="49" charset="0"/>
+              </a:rPr>
+              <a:t>s</a:t>
+            </a:r>
+            <a:r>
+              <a:rPr lang="it-IT" sz="800" dirty="0" err="1">
+                <a:solidFill>
+                  <a:srgbClr val="B4B4B4"/>
+                </a:solidFill>
+                <a:highlight>
+                  <a:srgbClr val="1E1E1E"/>
+                </a:highlight>
+                <a:latin typeface="Consolas" panose="020B0609020204030204" pitchFamily="49" charset="0"/>
+              </a:rPr>
+              <a:t>.</a:t>
+            </a:r>
+            <a:r>
+              <a:rPr lang="it-IT" sz="800" dirty="0" err="1">
+                <a:solidFill>
+                  <a:srgbClr val="DCDCDC"/>
+                </a:solidFill>
+                <a:highlight>
+                  <a:srgbClr val="1E1E1E"/>
+                </a:highlight>
+                <a:latin typeface="Consolas" panose="020B0609020204030204" pitchFamily="49" charset="0"/>
+              </a:rPr>
+              <a:t>GetPerimeter</a:t>
+            </a:r>
+            <a:r>
+              <a:rPr lang="it-IT" sz="800" dirty="0">
+                <a:solidFill>
+                  <a:srgbClr val="DCDCDC"/>
+                </a:solidFill>
+                <a:highlight>
+                  <a:srgbClr val="1E1E1E"/>
+                </a:highlight>
+                <a:latin typeface="Consolas" panose="020B0609020204030204" pitchFamily="49" charset="0"/>
+              </a:rPr>
+              <a:t>());</a:t>
+            </a:r>
+          </a:p>
+          <a:p>
+            <a:r>
+              <a:rPr lang="it-IT" sz="800" dirty="0">
+                <a:solidFill>
+                  <a:srgbClr val="DCDCDC"/>
+                </a:solidFill>
+                <a:highlight>
+                  <a:srgbClr val="1E1E1E"/>
+                </a:highlight>
+                <a:latin typeface="Consolas" panose="020B0609020204030204" pitchFamily="49" charset="0"/>
+              </a:rPr>
+              <a:t>        }</a:t>
+            </a:r>
+          </a:p>
+          <a:p>
+            <a:r>
+              <a:rPr lang="it-IT" sz="800" dirty="0" smtClean="0">
+                <a:solidFill>
+                  <a:srgbClr val="DCDCDC"/>
+                </a:solidFill>
+                <a:highlight>
+                  <a:srgbClr val="1E1E1E"/>
+                </a:highlight>
+                <a:latin typeface="Consolas" panose="020B0609020204030204" pitchFamily="49" charset="0"/>
+              </a:rPr>
+              <a:t>}</a:t>
+            </a:r>
+          </a:p>
+        </p:txBody>
+      </p:sp>
+    </p:spTree>
+    <p:extLst>
+      <p:ext uri="{BB962C8B-B14F-4D97-AF65-F5344CB8AC3E}">
+        <p14:creationId xmlns:p14="http://schemas.microsoft.com/office/powerpoint/2010/main" val="1174909020"/>
+      </p:ext>
+    </p:extLst>
+  </p:cSld>
+  <p:clrMapOvr>
+    <a:masterClrMapping/>
+  </p:clrMapOvr>
+  <p:timing>
+    <p:tnLst>
+      <p:par>
+        <p:cTn id="1" dur="indefinite" restart="never" nodeType="tmRoot"/>
+      </p:par>
+    </p:tnLst>
+  </p:timing>
+</p:sld>
+</file>
+
+<file path=ppt/slides/slide15.xml><?xml version="1.0" encoding="utf-8"?>
+<p:sld xmlns:a="http://schemas.openxmlformats.org/drawingml/2006/main" xmlns:r="http://schemas.openxmlformats.org/officeDocument/2006/relationships" xmlns:p="http://schemas.openxmlformats.org/presentationml/2006/main">
+  <p:cSld>
+    <p:spTree>
+      <p:nvGrpSpPr>
+        <p:cNvPr id="1" name=""/>
+        <p:cNvGrpSpPr/>
+        <p:nvPr/>
+      </p:nvGrpSpPr>
+      <p:grpSpPr>
+        <a:xfrm>
+          <a:off x="0" y="0"/>
+          <a:ext cx="0" cy="0"/>
+          <a:chOff x="0" y="0"/>
+          <a:chExt cx="0" cy="0"/>
+        </a:xfrm>
+      </p:grpSpPr>
+      <p:sp>
+        <p:nvSpPr>
+          <p:cNvPr id="2" name="Text Placeholder 1"/>
+          <p:cNvSpPr>
+            <a:spLocks noGrp="1"/>
+          </p:cNvSpPr>
+          <p:nvPr>
+            <p:ph type="body" sz="quarter" idx="11"/>
+          </p:nvPr>
+        </p:nvSpPr>
+        <p:spPr>
+          <a:xfrm>
+            <a:off x="328613" y="1079047"/>
+            <a:ext cx="8401246" cy="485802"/>
+          </a:xfrm>
+        </p:spPr>
+        <p:txBody>
+          <a:bodyPr/>
+          <a:lstStyle/>
+          <a:p>
+            <a:r>
+              <a:rPr lang="en-US" sz="2400" dirty="0"/>
+              <a:t>LSP </a:t>
+            </a:r>
+            <a:r>
+              <a:rPr lang="en-US" sz="2400" dirty="0" err="1"/>
+              <a:t>Liskov</a:t>
+            </a:r>
+            <a:r>
+              <a:rPr lang="en-US" sz="2400" dirty="0"/>
+              <a:t> Substitution Principle</a:t>
+            </a:r>
+          </a:p>
+          <a:p>
+            <a:endParaRPr lang="en-US" sz="1800" dirty="0" smtClean="0"/>
+          </a:p>
+          <a:p>
+            <a:endParaRPr lang="en-US" sz="1800" dirty="0" smtClean="0"/>
+          </a:p>
+        </p:txBody>
+      </p:sp>
+      <p:sp>
+        <p:nvSpPr>
+          <p:cNvPr id="6" name="TextBox 5"/>
+          <p:cNvSpPr txBox="1"/>
+          <p:nvPr/>
+        </p:nvSpPr>
+        <p:spPr>
+          <a:xfrm>
+            <a:off x="621370" y="1595329"/>
+            <a:ext cx="8210747" cy="4154984"/>
+          </a:xfrm>
+          <a:prstGeom prst="rect">
+            <a:avLst/>
+          </a:prstGeom>
+          <a:solidFill>
+            <a:schemeClr val="tx1"/>
+          </a:solidFill>
+        </p:spPr>
+        <p:txBody>
+          <a:bodyPr wrap="square" rtlCol="0">
+            <a:spAutoFit/>
+          </a:bodyPr>
+          <a:lstStyle/>
+          <a:p>
+            <a:r>
+              <a:rPr lang="it-IT" sz="800" dirty="0" smtClean="0">
+                <a:solidFill>
+                  <a:srgbClr val="569CD6"/>
+                </a:solidFill>
+                <a:highlight>
+                  <a:srgbClr val="1E1E1E"/>
+                </a:highlight>
+                <a:latin typeface="Consolas" panose="020B0609020204030204" pitchFamily="49" charset="0"/>
+              </a:rPr>
+              <a:t>public</a:t>
+            </a:r>
+            <a:r>
+              <a:rPr lang="it-IT" sz="800" dirty="0" smtClean="0">
+                <a:solidFill>
+                  <a:srgbClr val="DCDCDC"/>
+                </a:solidFill>
+                <a:highlight>
+                  <a:srgbClr val="1E1E1E"/>
+                </a:highlight>
+                <a:latin typeface="Consolas" panose="020B0609020204030204" pitchFamily="49" charset="0"/>
+              </a:rPr>
+              <a:t> </a:t>
+            </a:r>
+            <a:r>
+              <a:rPr lang="it-IT" sz="800" dirty="0" err="1">
+                <a:solidFill>
+                  <a:srgbClr val="569CD6"/>
+                </a:solidFill>
+                <a:highlight>
+                  <a:srgbClr val="1E1E1E"/>
+                </a:highlight>
+                <a:latin typeface="Consolas" panose="020B0609020204030204" pitchFamily="49" charset="0"/>
+              </a:rPr>
+              <a:t>class</a:t>
+            </a:r>
+            <a:r>
+              <a:rPr lang="it-IT" sz="800" dirty="0">
+                <a:solidFill>
+                  <a:srgbClr val="DCDCDC"/>
+                </a:solidFill>
+                <a:highlight>
+                  <a:srgbClr val="1E1E1E"/>
+                </a:highlight>
+                <a:latin typeface="Consolas" panose="020B0609020204030204" pitchFamily="49" charset="0"/>
+              </a:rPr>
+              <a:t> </a:t>
+            </a:r>
+            <a:r>
+              <a:rPr lang="it-IT" sz="800" dirty="0" err="1" smtClean="0">
+                <a:solidFill>
+                  <a:srgbClr val="4EC9B0"/>
+                </a:solidFill>
+                <a:highlight>
+                  <a:srgbClr val="1E1E1E"/>
+                </a:highlight>
+                <a:latin typeface="Consolas" panose="020B0609020204030204" pitchFamily="49" charset="0"/>
+              </a:rPr>
+              <a:t>GenericCalculatorOutput</a:t>
+            </a:r>
+            <a:endParaRPr lang="it-IT" sz="800" dirty="0" smtClean="0">
+              <a:solidFill>
+                <a:srgbClr val="DCDCDC"/>
+              </a:solidFill>
+              <a:highlight>
+                <a:srgbClr val="1E1E1E"/>
+              </a:highlight>
+              <a:latin typeface="Consolas" panose="020B0609020204030204" pitchFamily="49" charset="0"/>
+            </a:endParaRPr>
+          </a:p>
+          <a:p>
+            <a:r>
+              <a:rPr lang="it-IT" sz="800" dirty="0" smtClean="0">
+                <a:solidFill>
+                  <a:srgbClr val="DCDCDC"/>
+                </a:solidFill>
+                <a:highlight>
+                  <a:srgbClr val="1E1E1E"/>
+                </a:highlight>
+                <a:latin typeface="Consolas" panose="020B0609020204030204" pitchFamily="49" charset="0"/>
+              </a:rPr>
+              <a:t>{</a:t>
+            </a:r>
+            <a:endParaRPr lang="it-IT" sz="800" dirty="0">
+              <a:solidFill>
+                <a:srgbClr val="DCDCDC"/>
+              </a:solidFill>
+              <a:highlight>
+                <a:srgbClr val="1E1E1E"/>
+              </a:highlight>
+              <a:latin typeface="Consolas" panose="020B0609020204030204" pitchFamily="49" charset="0"/>
+            </a:endParaRPr>
+          </a:p>
+          <a:p>
+            <a:r>
+              <a:rPr lang="it-IT" sz="800" dirty="0">
+                <a:solidFill>
+                  <a:srgbClr val="DCDCDC"/>
+                </a:solidFill>
+                <a:highlight>
+                  <a:srgbClr val="1E1E1E"/>
+                </a:highlight>
+                <a:latin typeface="Consolas" panose="020B0609020204030204" pitchFamily="49" charset="0"/>
+              </a:rPr>
+              <a:t>        </a:t>
+            </a:r>
+            <a:r>
+              <a:rPr lang="it-IT" sz="800" dirty="0">
+                <a:solidFill>
+                  <a:srgbClr val="569CD6"/>
+                </a:solidFill>
+                <a:highlight>
+                  <a:srgbClr val="1E1E1E"/>
+                </a:highlight>
+                <a:latin typeface="Consolas" panose="020B0609020204030204" pitchFamily="49" charset="0"/>
+              </a:rPr>
+              <a:t>private</a:t>
+            </a:r>
+            <a:r>
+              <a:rPr lang="it-IT" sz="800" dirty="0">
+                <a:solidFill>
+                  <a:srgbClr val="DCDCDC"/>
+                </a:solidFill>
+                <a:highlight>
+                  <a:srgbClr val="1E1E1E"/>
+                </a:highlight>
+                <a:latin typeface="Consolas" panose="020B0609020204030204" pitchFamily="49" charset="0"/>
+              </a:rPr>
+              <a:t> </a:t>
+            </a:r>
+            <a:r>
+              <a:rPr lang="it-IT" sz="800" dirty="0" err="1">
+                <a:solidFill>
+                  <a:srgbClr val="569CD6"/>
+                </a:solidFill>
+                <a:highlight>
+                  <a:srgbClr val="1E1E1E"/>
+                </a:highlight>
+                <a:latin typeface="Consolas" panose="020B0609020204030204" pitchFamily="49" charset="0"/>
+              </a:rPr>
+              <a:t>readonly</a:t>
+            </a:r>
+            <a:r>
+              <a:rPr lang="it-IT" sz="800" dirty="0">
+                <a:solidFill>
+                  <a:srgbClr val="DCDCDC"/>
+                </a:solidFill>
+                <a:highlight>
+                  <a:srgbClr val="1E1E1E"/>
+                </a:highlight>
+                <a:latin typeface="Consolas" panose="020B0609020204030204" pitchFamily="49" charset="0"/>
+              </a:rPr>
+              <a:t> </a:t>
+            </a:r>
+            <a:r>
+              <a:rPr lang="it-IT" sz="800" dirty="0" err="1">
+                <a:solidFill>
+                  <a:srgbClr val="4EC9B0"/>
+                </a:solidFill>
+                <a:highlight>
+                  <a:srgbClr val="1E1E1E"/>
+                </a:highlight>
+                <a:latin typeface="Consolas" panose="020B0609020204030204" pitchFamily="49" charset="0"/>
+              </a:rPr>
+              <a:t>GenericCalculator</a:t>
+            </a:r>
+            <a:r>
+              <a:rPr lang="it-IT" sz="800" dirty="0">
+                <a:solidFill>
+                  <a:srgbClr val="DCDCDC"/>
+                </a:solidFill>
+                <a:highlight>
+                  <a:srgbClr val="1E1E1E"/>
+                </a:highlight>
+                <a:latin typeface="Consolas" panose="020B0609020204030204" pitchFamily="49" charset="0"/>
+              </a:rPr>
+              <a:t> </a:t>
+            </a:r>
+            <a:r>
+              <a:rPr lang="it-IT" sz="800" dirty="0" err="1">
+                <a:solidFill>
+                  <a:srgbClr val="DCDCDC"/>
+                </a:solidFill>
+                <a:highlight>
+                  <a:srgbClr val="1E1E1E"/>
+                </a:highlight>
+                <a:latin typeface="Consolas" panose="020B0609020204030204" pitchFamily="49" charset="0"/>
+              </a:rPr>
+              <a:t>areaCalculator</a:t>
+            </a:r>
+            <a:r>
+              <a:rPr lang="it-IT" sz="800" dirty="0">
+                <a:solidFill>
+                  <a:srgbClr val="DCDCDC"/>
+                </a:solidFill>
+                <a:highlight>
+                  <a:srgbClr val="1E1E1E"/>
+                </a:highlight>
+                <a:latin typeface="Consolas" panose="020B0609020204030204" pitchFamily="49" charset="0"/>
+              </a:rPr>
+              <a:t>;</a:t>
+            </a:r>
+          </a:p>
+          <a:p>
+            <a:endParaRPr lang="it-IT" sz="800" dirty="0">
+              <a:solidFill>
+                <a:srgbClr val="DCDCDC"/>
+              </a:solidFill>
+              <a:highlight>
+                <a:srgbClr val="1E1E1E"/>
+              </a:highlight>
+              <a:latin typeface="Consolas" panose="020B0609020204030204" pitchFamily="49" charset="0"/>
+            </a:endParaRPr>
+          </a:p>
+          <a:p>
+            <a:r>
+              <a:rPr lang="it-IT" sz="800" dirty="0">
+                <a:solidFill>
+                  <a:srgbClr val="DCDCDC"/>
+                </a:solidFill>
+                <a:highlight>
+                  <a:srgbClr val="1E1E1E"/>
+                </a:highlight>
+                <a:latin typeface="Consolas" panose="020B0609020204030204" pitchFamily="49" charset="0"/>
+              </a:rPr>
+              <a:t>        </a:t>
+            </a:r>
+            <a:r>
+              <a:rPr lang="it-IT" sz="800" dirty="0">
+                <a:solidFill>
+                  <a:srgbClr val="569CD6"/>
+                </a:solidFill>
+                <a:highlight>
+                  <a:srgbClr val="1E1E1E"/>
+                </a:highlight>
+                <a:latin typeface="Consolas" panose="020B0609020204030204" pitchFamily="49" charset="0"/>
+              </a:rPr>
+              <a:t>public</a:t>
+            </a:r>
+            <a:r>
+              <a:rPr lang="it-IT" sz="800" dirty="0">
+                <a:solidFill>
+                  <a:srgbClr val="DCDCDC"/>
+                </a:solidFill>
+                <a:highlight>
+                  <a:srgbClr val="1E1E1E"/>
+                </a:highlight>
+                <a:latin typeface="Consolas" panose="020B0609020204030204" pitchFamily="49" charset="0"/>
+              </a:rPr>
+              <a:t> </a:t>
+            </a:r>
+            <a:r>
+              <a:rPr lang="it-IT" sz="800" dirty="0" err="1">
+                <a:solidFill>
+                  <a:srgbClr val="DCDCDC"/>
+                </a:solidFill>
+                <a:highlight>
+                  <a:srgbClr val="1E1E1E"/>
+                </a:highlight>
+                <a:latin typeface="Consolas" panose="020B0609020204030204" pitchFamily="49" charset="0"/>
+              </a:rPr>
+              <a:t>GenericCalculatorOutput</a:t>
+            </a:r>
+            <a:r>
+              <a:rPr lang="it-IT" sz="800" dirty="0">
+                <a:solidFill>
+                  <a:srgbClr val="DCDCDC"/>
+                </a:solidFill>
+                <a:highlight>
+                  <a:srgbClr val="1E1E1E"/>
+                </a:highlight>
+                <a:latin typeface="Consolas" panose="020B0609020204030204" pitchFamily="49" charset="0"/>
+              </a:rPr>
+              <a:t>(</a:t>
+            </a:r>
+            <a:r>
+              <a:rPr lang="it-IT" sz="800" dirty="0" err="1">
+                <a:solidFill>
+                  <a:srgbClr val="4EC9B0"/>
+                </a:solidFill>
+                <a:highlight>
+                  <a:srgbClr val="1E1E1E"/>
+                </a:highlight>
+                <a:latin typeface="Consolas" panose="020B0609020204030204" pitchFamily="49" charset="0"/>
+              </a:rPr>
+              <a:t>GenericCalculator</a:t>
+            </a:r>
+            <a:r>
+              <a:rPr lang="it-IT" sz="800" dirty="0">
+                <a:solidFill>
+                  <a:srgbClr val="DCDCDC"/>
+                </a:solidFill>
+                <a:highlight>
+                  <a:srgbClr val="1E1E1E"/>
+                </a:highlight>
+                <a:latin typeface="Consolas" panose="020B0609020204030204" pitchFamily="49" charset="0"/>
+              </a:rPr>
+              <a:t> </a:t>
+            </a:r>
+            <a:r>
+              <a:rPr lang="it-IT" sz="800" dirty="0" err="1">
+                <a:solidFill>
+                  <a:srgbClr val="DCDCDC"/>
+                </a:solidFill>
+                <a:highlight>
+                  <a:srgbClr val="1E1E1E"/>
+                </a:highlight>
+                <a:latin typeface="Consolas" panose="020B0609020204030204" pitchFamily="49" charset="0"/>
+              </a:rPr>
+              <a:t>areaCalculator</a:t>
+            </a:r>
+            <a:r>
+              <a:rPr lang="it-IT" sz="800" dirty="0">
+                <a:solidFill>
+                  <a:srgbClr val="DCDCDC"/>
+                </a:solidFill>
+                <a:highlight>
+                  <a:srgbClr val="1E1E1E"/>
+                </a:highlight>
+                <a:latin typeface="Consolas" panose="020B0609020204030204" pitchFamily="49" charset="0"/>
+              </a:rPr>
+              <a:t>)</a:t>
+            </a:r>
+          </a:p>
+          <a:p>
+            <a:r>
+              <a:rPr lang="it-IT" sz="800" dirty="0">
+                <a:solidFill>
+                  <a:srgbClr val="DCDCDC"/>
+                </a:solidFill>
+                <a:highlight>
+                  <a:srgbClr val="1E1E1E"/>
+                </a:highlight>
+                <a:latin typeface="Consolas" panose="020B0609020204030204" pitchFamily="49" charset="0"/>
+              </a:rPr>
+              <a:t>        {</a:t>
+            </a:r>
+          </a:p>
+          <a:p>
+            <a:r>
+              <a:rPr lang="it-IT" sz="800" dirty="0">
+                <a:solidFill>
+                  <a:srgbClr val="DCDCDC"/>
+                </a:solidFill>
+                <a:highlight>
+                  <a:srgbClr val="1E1E1E"/>
+                </a:highlight>
+                <a:latin typeface="Consolas" panose="020B0609020204030204" pitchFamily="49" charset="0"/>
+              </a:rPr>
+              <a:t>            </a:t>
+            </a:r>
+            <a:r>
+              <a:rPr lang="it-IT" sz="800" dirty="0" err="1">
+                <a:solidFill>
+                  <a:srgbClr val="569CD6"/>
+                </a:solidFill>
+                <a:highlight>
+                  <a:srgbClr val="1E1E1E"/>
+                </a:highlight>
+                <a:latin typeface="Consolas" panose="020B0609020204030204" pitchFamily="49" charset="0"/>
+              </a:rPr>
+              <a:t>this</a:t>
+            </a:r>
+            <a:r>
+              <a:rPr lang="it-IT" sz="800" dirty="0" err="1">
+                <a:solidFill>
+                  <a:srgbClr val="B4B4B4"/>
+                </a:solidFill>
+                <a:highlight>
+                  <a:srgbClr val="1E1E1E"/>
+                </a:highlight>
+                <a:latin typeface="Consolas" panose="020B0609020204030204" pitchFamily="49" charset="0"/>
+              </a:rPr>
+              <a:t>.</a:t>
+            </a:r>
+            <a:r>
+              <a:rPr lang="it-IT" sz="800" dirty="0" err="1">
+                <a:solidFill>
+                  <a:srgbClr val="DCDCDC"/>
+                </a:solidFill>
+                <a:highlight>
+                  <a:srgbClr val="1E1E1E"/>
+                </a:highlight>
+                <a:latin typeface="Consolas" panose="020B0609020204030204" pitchFamily="49" charset="0"/>
+              </a:rPr>
+              <a:t>areaCalculator</a:t>
+            </a:r>
+            <a:r>
+              <a:rPr lang="it-IT" sz="800" dirty="0">
+                <a:solidFill>
+                  <a:srgbClr val="DCDCDC"/>
+                </a:solidFill>
+                <a:highlight>
+                  <a:srgbClr val="1E1E1E"/>
+                </a:highlight>
+                <a:latin typeface="Consolas" panose="020B0609020204030204" pitchFamily="49" charset="0"/>
+              </a:rPr>
+              <a:t> </a:t>
+            </a:r>
+            <a:r>
+              <a:rPr lang="it-IT" sz="800" dirty="0">
+                <a:solidFill>
+                  <a:srgbClr val="B4B4B4"/>
+                </a:solidFill>
+                <a:highlight>
+                  <a:srgbClr val="1E1E1E"/>
+                </a:highlight>
+                <a:latin typeface="Consolas" panose="020B0609020204030204" pitchFamily="49" charset="0"/>
+              </a:rPr>
+              <a:t>=</a:t>
+            </a:r>
+            <a:r>
+              <a:rPr lang="it-IT" sz="800" dirty="0">
+                <a:solidFill>
+                  <a:srgbClr val="DCDCDC"/>
+                </a:solidFill>
+                <a:highlight>
+                  <a:srgbClr val="1E1E1E"/>
+                </a:highlight>
+                <a:latin typeface="Consolas" panose="020B0609020204030204" pitchFamily="49" charset="0"/>
+              </a:rPr>
+              <a:t> </a:t>
+            </a:r>
+            <a:r>
+              <a:rPr lang="it-IT" sz="800" dirty="0" err="1">
+                <a:solidFill>
+                  <a:srgbClr val="DCDCDC"/>
+                </a:solidFill>
+                <a:highlight>
+                  <a:srgbClr val="1E1E1E"/>
+                </a:highlight>
+                <a:latin typeface="Consolas" panose="020B0609020204030204" pitchFamily="49" charset="0"/>
+              </a:rPr>
+              <a:t>areaCalculator</a:t>
+            </a:r>
+            <a:r>
+              <a:rPr lang="it-IT" sz="800" dirty="0">
+                <a:solidFill>
+                  <a:srgbClr val="DCDCDC"/>
+                </a:solidFill>
+                <a:highlight>
+                  <a:srgbClr val="1E1E1E"/>
+                </a:highlight>
+                <a:latin typeface="Consolas" panose="020B0609020204030204" pitchFamily="49" charset="0"/>
+              </a:rPr>
+              <a:t>;</a:t>
+            </a:r>
+          </a:p>
+          <a:p>
+            <a:r>
+              <a:rPr lang="it-IT" sz="800" dirty="0">
+                <a:solidFill>
+                  <a:srgbClr val="DCDCDC"/>
+                </a:solidFill>
+                <a:highlight>
+                  <a:srgbClr val="1E1E1E"/>
+                </a:highlight>
+                <a:latin typeface="Consolas" panose="020B0609020204030204" pitchFamily="49" charset="0"/>
+              </a:rPr>
+              <a:t>        }</a:t>
+            </a:r>
+          </a:p>
+          <a:p>
+            <a:endParaRPr lang="it-IT" sz="800" dirty="0">
+              <a:solidFill>
+                <a:srgbClr val="DCDCDC"/>
+              </a:solidFill>
+              <a:highlight>
+                <a:srgbClr val="1E1E1E"/>
+              </a:highlight>
+              <a:latin typeface="Consolas" panose="020B0609020204030204" pitchFamily="49" charset="0"/>
+            </a:endParaRPr>
+          </a:p>
+          <a:p>
+            <a:r>
+              <a:rPr lang="it-IT" sz="800" dirty="0">
+                <a:solidFill>
+                  <a:srgbClr val="DCDCDC"/>
+                </a:solidFill>
+                <a:highlight>
+                  <a:srgbClr val="1E1E1E"/>
+                </a:highlight>
+                <a:latin typeface="Consolas" panose="020B0609020204030204" pitchFamily="49" charset="0"/>
+              </a:rPr>
+              <a:t>        </a:t>
+            </a:r>
+            <a:r>
+              <a:rPr lang="it-IT" sz="800" dirty="0">
+                <a:solidFill>
+                  <a:srgbClr val="569CD6"/>
+                </a:solidFill>
+                <a:highlight>
+                  <a:srgbClr val="1E1E1E"/>
+                </a:highlight>
+                <a:latin typeface="Consolas" panose="020B0609020204030204" pitchFamily="49" charset="0"/>
+              </a:rPr>
+              <a:t>public</a:t>
+            </a:r>
+            <a:r>
+              <a:rPr lang="it-IT" sz="800" dirty="0">
+                <a:solidFill>
+                  <a:srgbClr val="DCDCDC"/>
+                </a:solidFill>
+                <a:highlight>
+                  <a:srgbClr val="1E1E1E"/>
+                </a:highlight>
+                <a:latin typeface="Consolas" panose="020B0609020204030204" pitchFamily="49" charset="0"/>
+              </a:rPr>
+              <a:t> </a:t>
+            </a:r>
+            <a:r>
+              <a:rPr lang="it-IT" sz="800" dirty="0" err="1">
+                <a:solidFill>
+                  <a:srgbClr val="569CD6"/>
+                </a:solidFill>
+                <a:highlight>
+                  <a:srgbClr val="1E1E1E"/>
+                </a:highlight>
+                <a:latin typeface="Consolas" panose="020B0609020204030204" pitchFamily="49" charset="0"/>
+              </a:rPr>
+              <a:t>string</a:t>
+            </a:r>
+            <a:r>
+              <a:rPr lang="it-IT" sz="800" dirty="0">
+                <a:solidFill>
+                  <a:srgbClr val="DCDCDC"/>
+                </a:solidFill>
+                <a:highlight>
+                  <a:srgbClr val="1E1E1E"/>
+                </a:highlight>
+                <a:latin typeface="Consolas" panose="020B0609020204030204" pitchFamily="49" charset="0"/>
+              </a:rPr>
+              <a:t> </a:t>
+            </a:r>
+            <a:r>
+              <a:rPr lang="it-IT" sz="800" dirty="0" err="1">
+                <a:solidFill>
+                  <a:srgbClr val="DCDCDC"/>
+                </a:solidFill>
+                <a:highlight>
+                  <a:srgbClr val="1E1E1E"/>
+                </a:highlight>
+                <a:latin typeface="Consolas" panose="020B0609020204030204" pitchFamily="49" charset="0"/>
+              </a:rPr>
+              <a:t>ShowHtml</a:t>
+            </a:r>
+            <a:r>
+              <a:rPr lang="it-IT" sz="800" dirty="0">
+                <a:solidFill>
+                  <a:srgbClr val="DCDCDC"/>
+                </a:solidFill>
+                <a:highlight>
+                  <a:srgbClr val="1E1E1E"/>
+                </a:highlight>
+                <a:latin typeface="Consolas" panose="020B0609020204030204" pitchFamily="49" charset="0"/>
+              </a:rPr>
+              <a:t>()</a:t>
+            </a:r>
+          </a:p>
+          <a:p>
+            <a:r>
+              <a:rPr lang="it-IT" sz="800" dirty="0">
+                <a:solidFill>
+                  <a:srgbClr val="DCDCDC"/>
+                </a:solidFill>
+                <a:highlight>
+                  <a:srgbClr val="1E1E1E"/>
+                </a:highlight>
+                <a:latin typeface="Consolas" panose="020B0609020204030204" pitchFamily="49" charset="0"/>
+              </a:rPr>
+              <a:t>        {</a:t>
+            </a:r>
+          </a:p>
+          <a:p>
+            <a:r>
+              <a:rPr lang="it-IT" sz="800" dirty="0">
+                <a:solidFill>
+                  <a:srgbClr val="DCDCDC"/>
+                </a:solidFill>
+                <a:highlight>
+                  <a:srgbClr val="1E1E1E"/>
+                </a:highlight>
+                <a:latin typeface="Consolas" panose="020B0609020204030204" pitchFamily="49" charset="0"/>
+              </a:rPr>
+              <a:t>            </a:t>
+            </a:r>
+            <a:r>
+              <a:rPr lang="it-IT" sz="800" dirty="0" err="1">
+                <a:solidFill>
+                  <a:srgbClr val="569CD6"/>
+                </a:solidFill>
+                <a:highlight>
+                  <a:srgbClr val="1E1E1E"/>
+                </a:highlight>
+                <a:latin typeface="Consolas" panose="020B0609020204030204" pitchFamily="49" charset="0"/>
+              </a:rPr>
+              <a:t>return</a:t>
+            </a:r>
+            <a:r>
+              <a:rPr lang="it-IT" sz="800" dirty="0">
+                <a:solidFill>
+                  <a:srgbClr val="DCDCDC"/>
+                </a:solidFill>
+                <a:highlight>
+                  <a:srgbClr val="1E1E1E"/>
+                </a:highlight>
+                <a:latin typeface="Consolas" panose="020B0609020204030204" pitchFamily="49" charset="0"/>
+              </a:rPr>
+              <a:t> </a:t>
+            </a:r>
+            <a:r>
+              <a:rPr lang="it-IT" sz="800" dirty="0" err="1">
+                <a:solidFill>
+                  <a:srgbClr val="569CD6"/>
+                </a:solidFill>
+                <a:highlight>
+                  <a:srgbClr val="1E1E1E"/>
+                </a:highlight>
+                <a:latin typeface="Consolas" panose="020B0609020204030204" pitchFamily="49" charset="0"/>
+              </a:rPr>
+              <a:t>string</a:t>
+            </a:r>
+            <a:r>
+              <a:rPr lang="it-IT" sz="800" dirty="0" err="1">
+                <a:solidFill>
+                  <a:srgbClr val="B4B4B4"/>
+                </a:solidFill>
+                <a:highlight>
+                  <a:srgbClr val="1E1E1E"/>
+                </a:highlight>
+                <a:latin typeface="Consolas" panose="020B0609020204030204" pitchFamily="49" charset="0"/>
+              </a:rPr>
+              <a:t>.</a:t>
+            </a:r>
+            <a:r>
+              <a:rPr lang="it-IT" sz="800" dirty="0" err="1">
+                <a:solidFill>
+                  <a:srgbClr val="DCDCDC"/>
+                </a:solidFill>
+                <a:highlight>
+                  <a:srgbClr val="1E1E1E"/>
+                </a:highlight>
+                <a:latin typeface="Consolas" panose="020B0609020204030204" pitchFamily="49" charset="0"/>
+              </a:rPr>
+              <a:t>Format</a:t>
+            </a:r>
+            <a:r>
+              <a:rPr lang="it-IT" sz="800" dirty="0">
+                <a:solidFill>
+                  <a:srgbClr val="DCDCDC"/>
+                </a:solidFill>
+                <a:highlight>
+                  <a:srgbClr val="1E1E1E"/>
+                </a:highlight>
+                <a:latin typeface="Consolas" panose="020B0609020204030204" pitchFamily="49" charset="0"/>
+              </a:rPr>
+              <a:t>(</a:t>
+            </a:r>
+            <a:r>
+              <a:rPr lang="it-IT" sz="800" dirty="0">
+                <a:solidFill>
+                  <a:srgbClr val="D69D85"/>
+                </a:solidFill>
+                <a:highlight>
+                  <a:srgbClr val="1E1E1E"/>
+                </a:highlight>
+                <a:latin typeface="Consolas" panose="020B0609020204030204" pitchFamily="49" charset="0"/>
+              </a:rPr>
+              <a:t>"&lt;div&gt;</a:t>
+            </a:r>
+            <a:r>
+              <a:rPr lang="it-IT" sz="800" dirty="0">
+                <a:solidFill>
+                  <a:srgbClr val="80FF80"/>
+                </a:solidFill>
+                <a:highlight>
+                  <a:srgbClr val="1E1E1E"/>
+                </a:highlight>
+                <a:latin typeface="Consolas" panose="020B0609020204030204" pitchFamily="49" charset="0"/>
+              </a:rPr>
+              <a:t>{0}</a:t>
+            </a:r>
+            <a:r>
+              <a:rPr lang="it-IT" sz="800" dirty="0">
+                <a:solidFill>
+                  <a:srgbClr val="D69D85"/>
+                </a:solidFill>
+                <a:highlight>
+                  <a:srgbClr val="1E1E1E"/>
+                </a:highlight>
+                <a:latin typeface="Consolas" panose="020B0609020204030204" pitchFamily="49" charset="0"/>
+              </a:rPr>
+              <a:t>&lt;/div&gt;"</a:t>
+            </a:r>
+            <a:r>
+              <a:rPr lang="it-IT" sz="800" dirty="0">
+                <a:solidFill>
+                  <a:srgbClr val="DCDCDC"/>
+                </a:solidFill>
+                <a:highlight>
+                  <a:srgbClr val="1E1E1E"/>
+                </a:highlight>
+                <a:latin typeface="Consolas" panose="020B0609020204030204" pitchFamily="49" charset="0"/>
+              </a:rPr>
+              <a:t>, </a:t>
+            </a:r>
+            <a:r>
+              <a:rPr lang="it-IT" sz="800" dirty="0" err="1">
+                <a:solidFill>
+                  <a:srgbClr val="DCDCDC"/>
+                </a:solidFill>
+                <a:highlight>
+                  <a:srgbClr val="1E1E1E"/>
+                </a:highlight>
+                <a:latin typeface="Consolas" panose="020B0609020204030204" pitchFamily="49" charset="0"/>
+              </a:rPr>
+              <a:t>areaCalculator</a:t>
+            </a:r>
+            <a:r>
+              <a:rPr lang="it-IT" sz="800" dirty="0" err="1">
+                <a:solidFill>
+                  <a:srgbClr val="B4B4B4"/>
+                </a:solidFill>
+                <a:highlight>
+                  <a:srgbClr val="1E1E1E"/>
+                </a:highlight>
+                <a:latin typeface="Consolas" panose="020B0609020204030204" pitchFamily="49" charset="0"/>
+              </a:rPr>
+              <a:t>.</a:t>
+            </a:r>
+            <a:r>
+              <a:rPr lang="it-IT" sz="800" dirty="0" err="1">
+                <a:solidFill>
+                  <a:srgbClr val="DCDCDC"/>
+                </a:solidFill>
+                <a:highlight>
+                  <a:srgbClr val="1E1E1E"/>
+                </a:highlight>
+                <a:latin typeface="Consolas" panose="020B0609020204030204" pitchFamily="49" charset="0"/>
+              </a:rPr>
+              <a:t>Sum</a:t>
+            </a:r>
+            <a:r>
+              <a:rPr lang="it-IT" sz="800" dirty="0">
+                <a:solidFill>
+                  <a:srgbClr val="DCDCDC"/>
+                </a:solidFill>
+                <a:highlight>
+                  <a:srgbClr val="1E1E1E"/>
+                </a:highlight>
+                <a:latin typeface="Consolas" panose="020B0609020204030204" pitchFamily="49" charset="0"/>
+              </a:rPr>
+              <a:t>());</a:t>
+            </a:r>
+          </a:p>
+          <a:p>
+            <a:r>
+              <a:rPr lang="it-IT" sz="800" dirty="0">
+                <a:solidFill>
+                  <a:srgbClr val="DCDCDC"/>
+                </a:solidFill>
+                <a:highlight>
+                  <a:srgbClr val="1E1E1E"/>
+                </a:highlight>
+                <a:latin typeface="Consolas" panose="020B0609020204030204" pitchFamily="49" charset="0"/>
+              </a:rPr>
+              <a:t>        </a:t>
+            </a:r>
+            <a:r>
+              <a:rPr lang="it-IT" sz="800" dirty="0" smtClean="0">
+                <a:solidFill>
+                  <a:srgbClr val="DCDCDC"/>
+                </a:solidFill>
+                <a:highlight>
+                  <a:srgbClr val="1E1E1E"/>
+                </a:highlight>
+                <a:latin typeface="Consolas" panose="020B0609020204030204" pitchFamily="49" charset="0"/>
+              </a:rPr>
+              <a:t>}</a:t>
+            </a:r>
+            <a:endParaRPr lang="it-IT" sz="800" dirty="0">
+              <a:solidFill>
+                <a:srgbClr val="DCDCDC"/>
+              </a:solidFill>
+              <a:highlight>
+                <a:srgbClr val="1E1E1E"/>
+              </a:highlight>
+              <a:latin typeface="Consolas" panose="020B0609020204030204" pitchFamily="49" charset="0"/>
+            </a:endParaRPr>
+          </a:p>
+          <a:p>
+            <a:r>
+              <a:rPr lang="it-IT" sz="800" dirty="0" smtClean="0">
+                <a:solidFill>
+                  <a:srgbClr val="DCDCDC"/>
+                </a:solidFill>
+                <a:highlight>
+                  <a:srgbClr val="1E1E1E"/>
+                </a:highlight>
+                <a:latin typeface="Consolas" panose="020B0609020204030204" pitchFamily="49" charset="0"/>
+              </a:rPr>
+              <a:t>}</a:t>
+            </a:r>
+          </a:p>
+          <a:p>
+            <a:endParaRPr lang="it-IT" sz="1000" dirty="0">
+              <a:solidFill>
+                <a:srgbClr val="DCDCDC"/>
+              </a:solidFill>
+              <a:highlight>
+                <a:srgbClr val="1E1E1E"/>
+              </a:highlight>
+              <a:latin typeface="Consolas" panose="020B0609020204030204" pitchFamily="49" charset="0"/>
+            </a:endParaRPr>
+          </a:p>
+          <a:p>
+            <a:endParaRPr lang="it-IT" sz="1000" dirty="0" smtClean="0">
+              <a:solidFill>
+                <a:srgbClr val="DCDCDC"/>
+              </a:solidFill>
+              <a:highlight>
+                <a:srgbClr val="1E1E1E"/>
+              </a:highlight>
+              <a:latin typeface="Consolas" panose="020B0609020204030204" pitchFamily="49" charset="0"/>
+            </a:endParaRPr>
+          </a:p>
+          <a:p>
+            <a:endParaRPr lang="it-IT" sz="1000" dirty="0" smtClean="0">
+              <a:solidFill>
+                <a:srgbClr val="DCDCDC"/>
+              </a:solidFill>
+              <a:highlight>
+                <a:srgbClr val="1E1E1E"/>
+              </a:highlight>
+              <a:latin typeface="Consolas" panose="020B0609020204030204" pitchFamily="49" charset="0"/>
+            </a:endParaRPr>
+          </a:p>
+          <a:p>
+            <a:r>
+              <a:rPr lang="it-IT" sz="800" dirty="0">
+                <a:solidFill>
+                  <a:srgbClr val="DCDCDC"/>
+                </a:solidFill>
+                <a:highlight>
+                  <a:srgbClr val="1E1E1E"/>
+                </a:highlight>
+                <a:latin typeface="Consolas" panose="020B0609020204030204" pitchFamily="49" charset="0"/>
+              </a:rPr>
+              <a:t> </a:t>
+            </a:r>
+            <a:r>
+              <a:rPr lang="it-IT" sz="800" dirty="0" smtClean="0">
+                <a:solidFill>
+                  <a:srgbClr val="DCDCDC"/>
+                </a:solidFill>
+                <a:highlight>
+                  <a:srgbClr val="1E1E1E"/>
+                </a:highlight>
+                <a:latin typeface="Consolas" panose="020B0609020204030204" pitchFamily="49" charset="0"/>
+              </a:rPr>
+              <a:t>	    </a:t>
+            </a:r>
+            <a:r>
+              <a:rPr lang="it-IT" sz="800" dirty="0" err="1" smtClean="0">
+                <a:solidFill>
+                  <a:srgbClr val="569CD6"/>
+                </a:solidFill>
+                <a:highlight>
+                  <a:srgbClr val="1E1E1E"/>
+                </a:highlight>
+                <a:latin typeface="Consolas" panose="020B0609020204030204" pitchFamily="49" charset="0"/>
+              </a:rPr>
+              <a:t>var</a:t>
+            </a:r>
+            <a:r>
+              <a:rPr lang="it-IT" sz="800" dirty="0" smtClean="0">
+                <a:solidFill>
+                  <a:srgbClr val="DCDCDC"/>
+                </a:solidFill>
+                <a:highlight>
+                  <a:srgbClr val="1E1E1E"/>
+                </a:highlight>
+                <a:latin typeface="Consolas" panose="020B0609020204030204" pitchFamily="49" charset="0"/>
+              </a:rPr>
+              <a:t> </a:t>
+            </a:r>
+            <a:r>
+              <a:rPr lang="it-IT" sz="800" dirty="0" err="1">
+                <a:solidFill>
+                  <a:srgbClr val="DCDCDC"/>
+                </a:solidFill>
+                <a:highlight>
+                  <a:srgbClr val="1E1E1E"/>
+                </a:highlight>
+                <a:latin typeface="Consolas" panose="020B0609020204030204" pitchFamily="49" charset="0"/>
+              </a:rPr>
+              <a:t>shapes</a:t>
+            </a:r>
+            <a:r>
+              <a:rPr lang="it-IT" sz="800" dirty="0">
+                <a:solidFill>
+                  <a:srgbClr val="DCDCDC"/>
+                </a:solidFill>
+                <a:highlight>
+                  <a:srgbClr val="1E1E1E"/>
+                </a:highlight>
+                <a:latin typeface="Consolas" panose="020B0609020204030204" pitchFamily="49" charset="0"/>
+              </a:rPr>
+              <a:t> </a:t>
+            </a:r>
+            <a:r>
+              <a:rPr lang="it-IT" sz="800" dirty="0">
+                <a:solidFill>
+                  <a:srgbClr val="B4B4B4"/>
+                </a:solidFill>
+                <a:highlight>
+                  <a:srgbClr val="1E1E1E"/>
+                </a:highlight>
+                <a:latin typeface="Consolas" panose="020B0609020204030204" pitchFamily="49" charset="0"/>
+              </a:rPr>
+              <a:t>=</a:t>
+            </a:r>
+            <a:r>
+              <a:rPr lang="it-IT" sz="800" dirty="0">
+                <a:solidFill>
+                  <a:srgbClr val="DCDCDC"/>
+                </a:solidFill>
+                <a:highlight>
+                  <a:srgbClr val="1E1E1E"/>
+                </a:highlight>
+                <a:latin typeface="Consolas" panose="020B0609020204030204" pitchFamily="49" charset="0"/>
+              </a:rPr>
+              <a:t> </a:t>
+            </a:r>
+            <a:r>
+              <a:rPr lang="it-IT" sz="800" dirty="0">
+                <a:solidFill>
+                  <a:srgbClr val="569CD6"/>
+                </a:solidFill>
+                <a:highlight>
+                  <a:srgbClr val="1E1E1E"/>
+                </a:highlight>
+                <a:latin typeface="Consolas" panose="020B0609020204030204" pitchFamily="49" charset="0"/>
+              </a:rPr>
+              <a:t>new</a:t>
+            </a:r>
+            <a:r>
+              <a:rPr lang="it-IT" sz="800" dirty="0">
+                <a:solidFill>
+                  <a:srgbClr val="DCDCDC"/>
+                </a:solidFill>
+                <a:highlight>
+                  <a:srgbClr val="1E1E1E"/>
+                </a:highlight>
+                <a:latin typeface="Consolas" panose="020B0609020204030204" pitchFamily="49" charset="0"/>
+              </a:rPr>
+              <a:t> </a:t>
+            </a:r>
+            <a:r>
+              <a:rPr lang="it-IT" sz="800" dirty="0" err="1">
+                <a:solidFill>
+                  <a:srgbClr val="B8D7A3"/>
+                </a:solidFill>
+                <a:highlight>
+                  <a:srgbClr val="1E1E1E"/>
+                </a:highlight>
+                <a:latin typeface="Consolas" panose="020B0609020204030204" pitchFamily="49" charset="0"/>
+              </a:rPr>
+              <a:t>IShape</a:t>
+            </a:r>
+            <a:r>
+              <a:rPr lang="it-IT" sz="800" dirty="0">
+                <a:solidFill>
+                  <a:srgbClr val="DCDCDC"/>
+                </a:solidFill>
+                <a:highlight>
+                  <a:srgbClr val="1E1E1E"/>
+                </a:highlight>
+                <a:latin typeface="Consolas" panose="020B0609020204030204" pitchFamily="49" charset="0"/>
+              </a:rPr>
+              <a:t>[]</a:t>
+            </a:r>
+          </a:p>
+          <a:p>
+            <a:r>
+              <a:rPr lang="it-IT" sz="800" dirty="0">
+                <a:solidFill>
+                  <a:srgbClr val="DCDCDC"/>
+                </a:solidFill>
+                <a:highlight>
+                  <a:srgbClr val="1E1E1E"/>
+                </a:highlight>
+                <a:latin typeface="Consolas" panose="020B0609020204030204" pitchFamily="49" charset="0"/>
+              </a:rPr>
+              <a:t>            {</a:t>
+            </a:r>
+          </a:p>
+          <a:p>
+            <a:r>
+              <a:rPr lang="it-IT" sz="800" dirty="0">
+                <a:solidFill>
+                  <a:srgbClr val="DCDCDC"/>
+                </a:solidFill>
+                <a:highlight>
+                  <a:srgbClr val="1E1E1E"/>
+                </a:highlight>
+                <a:latin typeface="Consolas" panose="020B0609020204030204" pitchFamily="49" charset="0"/>
+              </a:rPr>
+              <a:t>                </a:t>
+            </a:r>
+            <a:r>
+              <a:rPr lang="it-IT" sz="800" dirty="0">
+                <a:solidFill>
+                  <a:srgbClr val="569CD6"/>
+                </a:solidFill>
+                <a:highlight>
+                  <a:srgbClr val="1E1E1E"/>
+                </a:highlight>
+                <a:latin typeface="Consolas" panose="020B0609020204030204" pitchFamily="49" charset="0"/>
+              </a:rPr>
+              <a:t>new</a:t>
+            </a:r>
+            <a:r>
+              <a:rPr lang="it-IT" sz="800" dirty="0">
+                <a:solidFill>
+                  <a:srgbClr val="DCDCDC"/>
+                </a:solidFill>
+                <a:highlight>
+                  <a:srgbClr val="1E1E1E"/>
+                </a:highlight>
+                <a:latin typeface="Consolas" panose="020B0609020204030204" pitchFamily="49" charset="0"/>
+              </a:rPr>
+              <a:t> </a:t>
+            </a:r>
+            <a:r>
+              <a:rPr lang="it-IT" sz="800" dirty="0" err="1">
+                <a:solidFill>
+                  <a:srgbClr val="4EC9B0"/>
+                </a:solidFill>
+                <a:highlight>
+                  <a:srgbClr val="1E1E1E"/>
+                </a:highlight>
+                <a:latin typeface="Consolas" panose="020B0609020204030204" pitchFamily="49" charset="0"/>
+              </a:rPr>
+              <a:t>Square</a:t>
+            </a:r>
+            <a:r>
+              <a:rPr lang="it-IT" sz="800" dirty="0">
+                <a:solidFill>
+                  <a:srgbClr val="DCDCDC"/>
+                </a:solidFill>
+                <a:highlight>
+                  <a:srgbClr val="1E1E1E"/>
+                </a:highlight>
+                <a:latin typeface="Consolas" panose="020B0609020204030204" pitchFamily="49" charset="0"/>
+              </a:rPr>
+              <a:t>(</a:t>
+            </a:r>
+            <a:r>
+              <a:rPr lang="it-IT" sz="800" dirty="0">
+                <a:solidFill>
+                  <a:srgbClr val="B5CEA8"/>
+                </a:solidFill>
+                <a:highlight>
+                  <a:srgbClr val="1E1E1E"/>
+                </a:highlight>
+                <a:latin typeface="Consolas" panose="020B0609020204030204" pitchFamily="49" charset="0"/>
+              </a:rPr>
+              <a:t>5</a:t>
+            </a:r>
+            <a:r>
+              <a:rPr lang="it-IT" sz="800" dirty="0">
+                <a:solidFill>
+                  <a:srgbClr val="DCDCDC"/>
+                </a:solidFill>
+                <a:highlight>
+                  <a:srgbClr val="1E1E1E"/>
+                </a:highlight>
+                <a:latin typeface="Consolas" panose="020B0609020204030204" pitchFamily="49" charset="0"/>
+              </a:rPr>
+              <a:t>),</a:t>
+            </a:r>
+          </a:p>
+          <a:p>
+            <a:r>
+              <a:rPr lang="it-IT" sz="800" dirty="0">
+                <a:solidFill>
+                  <a:srgbClr val="DCDCDC"/>
+                </a:solidFill>
+                <a:highlight>
+                  <a:srgbClr val="1E1E1E"/>
+                </a:highlight>
+                <a:latin typeface="Consolas" panose="020B0609020204030204" pitchFamily="49" charset="0"/>
+              </a:rPr>
+              <a:t>                </a:t>
+            </a:r>
+            <a:r>
+              <a:rPr lang="it-IT" sz="800" dirty="0">
+                <a:solidFill>
+                  <a:srgbClr val="569CD6"/>
+                </a:solidFill>
+                <a:highlight>
+                  <a:srgbClr val="1E1E1E"/>
+                </a:highlight>
+                <a:latin typeface="Consolas" panose="020B0609020204030204" pitchFamily="49" charset="0"/>
+              </a:rPr>
+              <a:t>new</a:t>
+            </a:r>
+            <a:r>
+              <a:rPr lang="it-IT" sz="800" dirty="0">
+                <a:solidFill>
+                  <a:srgbClr val="DCDCDC"/>
+                </a:solidFill>
+                <a:highlight>
+                  <a:srgbClr val="1E1E1E"/>
+                </a:highlight>
+                <a:latin typeface="Consolas" panose="020B0609020204030204" pitchFamily="49" charset="0"/>
+              </a:rPr>
+              <a:t> </a:t>
+            </a:r>
+            <a:r>
+              <a:rPr lang="it-IT" sz="800" dirty="0" err="1">
+                <a:solidFill>
+                  <a:srgbClr val="4EC9B0"/>
+                </a:solidFill>
+                <a:highlight>
+                  <a:srgbClr val="1E1E1E"/>
+                </a:highlight>
+                <a:latin typeface="Consolas" panose="020B0609020204030204" pitchFamily="49" charset="0"/>
+              </a:rPr>
+              <a:t>Circle</a:t>
+            </a:r>
+            <a:r>
+              <a:rPr lang="it-IT" sz="800" dirty="0">
+                <a:solidFill>
+                  <a:srgbClr val="DCDCDC"/>
+                </a:solidFill>
+                <a:highlight>
+                  <a:srgbClr val="1E1E1E"/>
+                </a:highlight>
+                <a:latin typeface="Consolas" panose="020B0609020204030204" pitchFamily="49" charset="0"/>
+              </a:rPr>
+              <a:t>(</a:t>
+            </a:r>
+            <a:r>
+              <a:rPr lang="it-IT" sz="800" dirty="0">
+                <a:solidFill>
+                  <a:srgbClr val="B5CEA8"/>
+                </a:solidFill>
+                <a:highlight>
+                  <a:srgbClr val="1E1E1E"/>
+                </a:highlight>
+                <a:latin typeface="Consolas" panose="020B0609020204030204" pitchFamily="49" charset="0"/>
+              </a:rPr>
+              <a:t>5</a:t>
+            </a:r>
+            <a:r>
+              <a:rPr lang="it-IT" sz="800" dirty="0">
+                <a:solidFill>
+                  <a:srgbClr val="DCDCDC"/>
+                </a:solidFill>
+                <a:highlight>
+                  <a:srgbClr val="1E1E1E"/>
+                </a:highlight>
+                <a:latin typeface="Consolas" panose="020B0609020204030204" pitchFamily="49" charset="0"/>
+              </a:rPr>
+              <a:t>)</a:t>
+            </a:r>
+          </a:p>
+          <a:p>
+            <a:r>
+              <a:rPr lang="it-IT" sz="800" dirty="0">
+                <a:solidFill>
+                  <a:srgbClr val="DCDCDC"/>
+                </a:solidFill>
+                <a:highlight>
+                  <a:srgbClr val="1E1E1E"/>
+                </a:highlight>
+                <a:latin typeface="Consolas" panose="020B0609020204030204" pitchFamily="49" charset="0"/>
+              </a:rPr>
+              <a:t>            };</a:t>
+            </a:r>
+          </a:p>
+          <a:p>
+            <a:endParaRPr lang="it-IT" sz="800" dirty="0">
+              <a:solidFill>
+                <a:srgbClr val="DCDCDC"/>
+              </a:solidFill>
+              <a:highlight>
+                <a:srgbClr val="1E1E1E"/>
+              </a:highlight>
+              <a:latin typeface="Consolas" panose="020B0609020204030204" pitchFamily="49" charset="0"/>
+            </a:endParaRPr>
+          </a:p>
+          <a:p>
+            <a:r>
+              <a:rPr lang="it-IT" sz="800" dirty="0">
+                <a:solidFill>
+                  <a:srgbClr val="DCDCDC"/>
+                </a:solidFill>
+                <a:highlight>
+                  <a:srgbClr val="1E1E1E"/>
+                </a:highlight>
+                <a:latin typeface="Consolas" panose="020B0609020204030204" pitchFamily="49" charset="0"/>
+              </a:rPr>
+              <a:t>            </a:t>
+            </a:r>
+            <a:r>
+              <a:rPr lang="it-IT" sz="800" dirty="0" err="1">
+                <a:solidFill>
+                  <a:srgbClr val="569CD6"/>
+                </a:solidFill>
+                <a:highlight>
+                  <a:srgbClr val="1E1E1E"/>
+                </a:highlight>
+                <a:latin typeface="Consolas" panose="020B0609020204030204" pitchFamily="49" charset="0"/>
+              </a:rPr>
+              <a:t>var</a:t>
+            </a:r>
+            <a:r>
+              <a:rPr lang="it-IT" sz="800" dirty="0">
+                <a:solidFill>
+                  <a:srgbClr val="DCDCDC"/>
+                </a:solidFill>
+                <a:highlight>
+                  <a:srgbClr val="1E1E1E"/>
+                </a:highlight>
+                <a:latin typeface="Consolas" panose="020B0609020204030204" pitchFamily="49" charset="0"/>
+              </a:rPr>
+              <a:t> area </a:t>
+            </a:r>
+            <a:r>
+              <a:rPr lang="it-IT" sz="800" dirty="0">
+                <a:solidFill>
+                  <a:srgbClr val="B4B4B4"/>
+                </a:solidFill>
+                <a:highlight>
+                  <a:srgbClr val="1E1E1E"/>
+                </a:highlight>
+                <a:latin typeface="Consolas" panose="020B0609020204030204" pitchFamily="49" charset="0"/>
+              </a:rPr>
+              <a:t>=</a:t>
+            </a:r>
+            <a:r>
+              <a:rPr lang="it-IT" sz="800" dirty="0">
+                <a:solidFill>
+                  <a:srgbClr val="DCDCDC"/>
+                </a:solidFill>
+                <a:highlight>
+                  <a:srgbClr val="1E1E1E"/>
+                </a:highlight>
+                <a:latin typeface="Consolas" panose="020B0609020204030204" pitchFamily="49" charset="0"/>
+              </a:rPr>
+              <a:t> </a:t>
+            </a:r>
+            <a:r>
+              <a:rPr lang="it-IT" sz="800" dirty="0">
+                <a:solidFill>
+                  <a:srgbClr val="569CD6"/>
+                </a:solidFill>
+                <a:highlight>
+                  <a:srgbClr val="1E1E1E"/>
+                </a:highlight>
+                <a:latin typeface="Consolas" panose="020B0609020204030204" pitchFamily="49" charset="0"/>
+              </a:rPr>
+              <a:t>new</a:t>
+            </a:r>
+            <a:r>
+              <a:rPr lang="it-IT" sz="800" dirty="0">
+                <a:solidFill>
+                  <a:srgbClr val="DCDCDC"/>
+                </a:solidFill>
+                <a:highlight>
+                  <a:srgbClr val="1E1E1E"/>
+                </a:highlight>
+                <a:latin typeface="Consolas" panose="020B0609020204030204" pitchFamily="49" charset="0"/>
+              </a:rPr>
+              <a:t> </a:t>
+            </a:r>
+            <a:r>
+              <a:rPr lang="it-IT" sz="800" dirty="0" err="1">
+                <a:solidFill>
+                  <a:srgbClr val="4EC9B0"/>
+                </a:solidFill>
+                <a:highlight>
+                  <a:srgbClr val="1E1E1E"/>
+                </a:highlight>
+                <a:latin typeface="Consolas" panose="020B0609020204030204" pitchFamily="49" charset="0"/>
+              </a:rPr>
+              <a:t>AreaCalculator</a:t>
+            </a:r>
+            <a:r>
+              <a:rPr lang="it-IT" sz="800" dirty="0">
+                <a:solidFill>
+                  <a:srgbClr val="DCDCDC"/>
+                </a:solidFill>
+                <a:highlight>
+                  <a:srgbClr val="1E1E1E"/>
+                </a:highlight>
+                <a:latin typeface="Consolas" panose="020B0609020204030204" pitchFamily="49" charset="0"/>
+              </a:rPr>
+              <a:t>(</a:t>
+            </a:r>
+            <a:r>
+              <a:rPr lang="it-IT" sz="800" dirty="0" err="1">
+                <a:solidFill>
+                  <a:srgbClr val="DCDCDC"/>
+                </a:solidFill>
+                <a:highlight>
+                  <a:srgbClr val="1E1E1E"/>
+                </a:highlight>
+                <a:latin typeface="Consolas" panose="020B0609020204030204" pitchFamily="49" charset="0"/>
+              </a:rPr>
+              <a:t>shapes</a:t>
+            </a:r>
+            <a:r>
+              <a:rPr lang="it-IT" sz="800" dirty="0">
+                <a:solidFill>
+                  <a:srgbClr val="DCDCDC"/>
+                </a:solidFill>
+                <a:highlight>
+                  <a:srgbClr val="1E1E1E"/>
+                </a:highlight>
+                <a:latin typeface="Consolas" panose="020B0609020204030204" pitchFamily="49" charset="0"/>
+              </a:rPr>
+              <a:t>);</a:t>
+            </a:r>
+          </a:p>
+          <a:p>
+            <a:r>
+              <a:rPr lang="it-IT" sz="800" dirty="0">
+                <a:solidFill>
+                  <a:srgbClr val="DCDCDC"/>
+                </a:solidFill>
+                <a:highlight>
+                  <a:srgbClr val="1E1E1E"/>
+                </a:highlight>
+                <a:latin typeface="Consolas" panose="020B0609020204030204" pitchFamily="49" charset="0"/>
+              </a:rPr>
+              <a:t>            </a:t>
+            </a:r>
+            <a:r>
+              <a:rPr lang="it-IT" sz="800" dirty="0" err="1">
+                <a:solidFill>
+                  <a:srgbClr val="569CD6"/>
+                </a:solidFill>
+                <a:highlight>
+                  <a:srgbClr val="1E1E1E"/>
+                </a:highlight>
+                <a:latin typeface="Consolas" panose="020B0609020204030204" pitchFamily="49" charset="0"/>
+              </a:rPr>
+              <a:t>var</a:t>
+            </a:r>
+            <a:r>
+              <a:rPr lang="it-IT" sz="800" dirty="0">
+                <a:solidFill>
+                  <a:srgbClr val="DCDCDC"/>
+                </a:solidFill>
+                <a:highlight>
+                  <a:srgbClr val="1E1E1E"/>
+                </a:highlight>
+                <a:latin typeface="Consolas" panose="020B0609020204030204" pitchFamily="49" charset="0"/>
+              </a:rPr>
+              <a:t> </a:t>
+            </a:r>
+            <a:r>
+              <a:rPr lang="it-IT" sz="800" dirty="0" err="1">
+                <a:solidFill>
+                  <a:srgbClr val="DCDCDC"/>
+                </a:solidFill>
+                <a:highlight>
+                  <a:srgbClr val="1E1E1E"/>
+                </a:highlight>
+                <a:latin typeface="Consolas" panose="020B0609020204030204" pitchFamily="49" charset="0"/>
+              </a:rPr>
+              <a:t>perimeter</a:t>
+            </a:r>
+            <a:r>
+              <a:rPr lang="it-IT" sz="800" dirty="0">
+                <a:solidFill>
+                  <a:srgbClr val="DCDCDC"/>
+                </a:solidFill>
+                <a:highlight>
+                  <a:srgbClr val="1E1E1E"/>
+                </a:highlight>
+                <a:latin typeface="Consolas" panose="020B0609020204030204" pitchFamily="49" charset="0"/>
+              </a:rPr>
+              <a:t> </a:t>
+            </a:r>
+            <a:r>
+              <a:rPr lang="it-IT" sz="800" dirty="0">
+                <a:solidFill>
+                  <a:srgbClr val="B4B4B4"/>
+                </a:solidFill>
+                <a:highlight>
+                  <a:srgbClr val="1E1E1E"/>
+                </a:highlight>
+                <a:latin typeface="Consolas" panose="020B0609020204030204" pitchFamily="49" charset="0"/>
+              </a:rPr>
+              <a:t>=</a:t>
+            </a:r>
+            <a:r>
+              <a:rPr lang="it-IT" sz="800" dirty="0">
+                <a:solidFill>
+                  <a:srgbClr val="DCDCDC"/>
+                </a:solidFill>
+                <a:highlight>
+                  <a:srgbClr val="1E1E1E"/>
+                </a:highlight>
+                <a:latin typeface="Consolas" panose="020B0609020204030204" pitchFamily="49" charset="0"/>
+              </a:rPr>
+              <a:t> </a:t>
+            </a:r>
+            <a:r>
+              <a:rPr lang="it-IT" sz="800" dirty="0">
+                <a:solidFill>
+                  <a:srgbClr val="569CD6"/>
+                </a:solidFill>
+                <a:highlight>
+                  <a:srgbClr val="1E1E1E"/>
+                </a:highlight>
+                <a:latin typeface="Consolas" panose="020B0609020204030204" pitchFamily="49" charset="0"/>
+              </a:rPr>
+              <a:t>new</a:t>
+            </a:r>
+            <a:r>
+              <a:rPr lang="it-IT" sz="800" dirty="0">
+                <a:solidFill>
+                  <a:srgbClr val="DCDCDC"/>
+                </a:solidFill>
+                <a:highlight>
+                  <a:srgbClr val="1E1E1E"/>
+                </a:highlight>
+                <a:latin typeface="Consolas" panose="020B0609020204030204" pitchFamily="49" charset="0"/>
+              </a:rPr>
+              <a:t> </a:t>
+            </a:r>
+            <a:r>
+              <a:rPr lang="it-IT" sz="800" dirty="0" err="1">
+                <a:solidFill>
+                  <a:srgbClr val="4EC9B0"/>
+                </a:solidFill>
+                <a:highlight>
+                  <a:srgbClr val="1E1E1E"/>
+                </a:highlight>
+                <a:latin typeface="Consolas" panose="020B0609020204030204" pitchFamily="49" charset="0"/>
+              </a:rPr>
+              <a:t>PerimeterCalculator</a:t>
+            </a:r>
+            <a:r>
+              <a:rPr lang="it-IT" sz="800" dirty="0">
+                <a:solidFill>
+                  <a:srgbClr val="DCDCDC"/>
+                </a:solidFill>
+                <a:highlight>
+                  <a:srgbClr val="1E1E1E"/>
+                </a:highlight>
+                <a:latin typeface="Consolas" panose="020B0609020204030204" pitchFamily="49" charset="0"/>
+              </a:rPr>
+              <a:t>(</a:t>
+            </a:r>
+            <a:r>
+              <a:rPr lang="it-IT" sz="800" dirty="0" err="1">
+                <a:solidFill>
+                  <a:srgbClr val="DCDCDC"/>
+                </a:solidFill>
+                <a:highlight>
+                  <a:srgbClr val="1E1E1E"/>
+                </a:highlight>
+                <a:latin typeface="Consolas" panose="020B0609020204030204" pitchFamily="49" charset="0"/>
+              </a:rPr>
+              <a:t>shapes</a:t>
+            </a:r>
+            <a:r>
+              <a:rPr lang="it-IT" sz="800" dirty="0">
+                <a:solidFill>
+                  <a:srgbClr val="DCDCDC"/>
+                </a:solidFill>
+                <a:highlight>
+                  <a:srgbClr val="1E1E1E"/>
+                </a:highlight>
+                <a:latin typeface="Consolas" panose="020B0609020204030204" pitchFamily="49" charset="0"/>
+              </a:rPr>
+              <a:t>);</a:t>
+            </a:r>
+          </a:p>
+          <a:p>
+            <a:endParaRPr lang="it-IT" sz="800" dirty="0">
+              <a:solidFill>
+                <a:srgbClr val="DCDCDC"/>
+              </a:solidFill>
+              <a:highlight>
+                <a:srgbClr val="1E1E1E"/>
+              </a:highlight>
+              <a:latin typeface="Consolas" panose="020B0609020204030204" pitchFamily="49" charset="0"/>
+            </a:endParaRPr>
+          </a:p>
+          <a:p>
+            <a:r>
+              <a:rPr lang="it-IT" sz="800" dirty="0">
+                <a:solidFill>
+                  <a:srgbClr val="DCDCDC"/>
+                </a:solidFill>
+                <a:highlight>
+                  <a:srgbClr val="1E1E1E"/>
+                </a:highlight>
+                <a:latin typeface="Consolas" panose="020B0609020204030204" pitchFamily="49" charset="0"/>
+              </a:rPr>
+              <a:t>            </a:t>
+            </a:r>
+            <a:r>
+              <a:rPr lang="it-IT" sz="800" dirty="0" err="1">
+                <a:solidFill>
+                  <a:srgbClr val="569CD6"/>
+                </a:solidFill>
+                <a:highlight>
+                  <a:srgbClr val="1E1E1E"/>
+                </a:highlight>
+                <a:latin typeface="Consolas" panose="020B0609020204030204" pitchFamily="49" charset="0"/>
+              </a:rPr>
+              <a:t>var</a:t>
+            </a:r>
+            <a:r>
+              <a:rPr lang="it-IT" sz="800" dirty="0">
+                <a:solidFill>
+                  <a:srgbClr val="DCDCDC"/>
+                </a:solidFill>
+                <a:highlight>
+                  <a:srgbClr val="1E1E1E"/>
+                </a:highlight>
+                <a:latin typeface="Consolas" panose="020B0609020204030204" pitchFamily="49" charset="0"/>
+              </a:rPr>
+              <a:t> </a:t>
+            </a:r>
+            <a:r>
+              <a:rPr lang="it-IT" sz="800" dirty="0" err="1">
+                <a:solidFill>
+                  <a:srgbClr val="DCDCDC"/>
+                </a:solidFill>
+                <a:highlight>
+                  <a:srgbClr val="1E1E1E"/>
+                </a:highlight>
+                <a:latin typeface="Consolas" panose="020B0609020204030204" pitchFamily="49" charset="0"/>
+              </a:rPr>
+              <a:t>outputArea</a:t>
+            </a:r>
+            <a:r>
+              <a:rPr lang="it-IT" sz="800" dirty="0">
+                <a:solidFill>
+                  <a:srgbClr val="DCDCDC"/>
+                </a:solidFill>
+                <a:highlight>
+                  <a:srgbClr val="1E1E1E"/>
+                </a:highlight>
+                <a:latin typeface="Consolas" panose="020B0609020204030204" pitchFamily="49" charset="0"/>
+              </a:rPr>
+              <a:t> </a:t>
+            </a:r>
+            <a:r>
+              <a:rPr lang="it-IT" sz="800" dirty="0">
+                <a:solidFill>
+                  <a:srgbClr val="B4B4B4"/>
+                </a:solidFill>
+                <a:highlight>
+                  <a:srgbClr val="1E1E1E"/>
+                </a:highlight>
+                <a:latin typeface="Consolas" panose="020B0609020204030204" pitchFamily="49" charset="0"/>
+              </a:rPr>
+              <a:t>=</a:t>
+            </a:r>
+            <a:r>
+              <a:rPr lang="it-IT" sz="800" dirty="0">
+                <a:solidFill>
+                  <a:srgbClr val="DCDCDC"/>
+                </a:solidFill>
+                <a:highlight>
+                  <a:srgbClr val="1E1E1E"/>
+                </a:highlight>
+                <a:latin typeface="Consolas" panose="020B0609020204030204" pitchFamily="49" charset="0"/>
+              </a:rPr>
+              <a:t> </a:t>
+            </a:r>
+            <a:r>
+              <a:rPr lang="it-IT" sz="800" dirty="0">
+                <a:solidFill>
+                  <a:srgbClr val="569CD6"/>
+                </a:solidFill>
+                <a:highlight>
+                  <a:srgbClr val="1E1E1E"/>
+                </a:highlight>
+                <a:latin typeface="Consolas" panose="020B0609020204030204" pitchFamily="49" charset="0"/>
+              </a:rPr>
+              <a:t>new</a:t>
+            </a:r>
+            <a:r>
+              <a:rPr lang="it-IT" sz="800" dirty="0">
+                <a:solidFill>
+                  <a:srgbClr val="DCDCDC"/>
+                </a:solidFill>
+                <a:highlight>
+                  <a:srgbClr val="1E1E1E"/>
+                </a:highlight>
+                <a:latin typeface="Consolas" panose="020B0609020204030204" pitchFamily="49" charset="0"/>
+              </a:rPr>
+              <a:t> </a:t>
+            </a:r>
+            <a:r>
+              <a:rPr lang="it-IT" sz="800" dirty="0" err="1">
+                <a:solidFill>
+                  <a:srgbClr val="4EC9B0"/>
+                </a:solidFill>
+                <a:highlight>
+                  <a:srgbClr val="1E1E1E"/>
+                </a:highlight>
+                <a:latin typeface="Consolas" panose="020B0609020204030204" pitchFamily="49" charset="0"/>
+              </a:rPr>
+              <a:t>GenericCalculatorOutput</a:t>
+            </a:r>
+            <a:r>
+              <a:rPr lang="it-IT" sz="800" dirty="0">
+                <a:solidFill>
+                  <a:srgbClr val="DCDCDC"/>
+                </a:solidFill>
+                <a:highlight>
+                  <a:srgbClr val="1E1E1E"/>
+                </a:highlight>
+                <a:latin typeface="Consolas" panose="020B0609020204030204" pitchFamily="49" charset="0"/>
+              </a:rPr>
+              <a:t>(area);</a:t>
+            </a:r>
+          </a:p>
+          <a:p>
+            <a:r>
+              <a:rPr lang="it-IT" sz="800" dirty="0">
+                <a:solidFill>
+                  <a:srgbClr val="DCDCDC"/>
+                </a:solidFill>
+                <a:highlight>
+                  <a:srgbClr val="1E1E1E"/>
+                </a:highlight>
+                <a:latin typeface="Consolas" panose="020B0609020204030204" pitchFamily="49" charset="0"/>
+              </a:rPr>
+              <a:t>            </a:t>
+            </a:r>
+            <a:r>
+              <a:rPr lang="it-IT" sz="800" dirty="0" err="1">
+                <a:solidFill>
+                  <a:srgbClr val="569CD6"/>
+                </a:solidFill>
+                <a:highlight>
+                  <a:srgbClr val="1E1E1E"/>
+                </a:highlight>
+                <a:latin typeface="Consolas" panose="020B0609020204030204" pitchFamily="49" charset="0"/>
+              </a:rPr>
+              <a:t>var</a:t>
+            </a:r>
+            <a:r>
+              <a:rPr lang="it-IT" sz="800" dirty="0">
+                <a:solidFill>
+                  <a:srgbClr val="DCDCDC"/>
+                </a:solidFill>
+                <a:highlight>
+                  <a:srgbClr val="1E1E1E"/>
+                </a:highlight>
+                <a:latin typeface="Consolas" panose="020B0609020204030204" pitchFamily="49" charset="0"/>
+              </a:rPr>
+              <a:t> </a:t>
+            </a:r>
+            <a:r>
+              <a:rPr lang="it-IT" sz="800" dirty="0" err="1">
+                <a:solidFill>
+                  <a:srgbClr val="DCDCDC"/>
+                </a:solidFill>
+                <a:highlight>
+                  <a:srgbClr val="1E1E1E"/>
+                </a:highlight>
+                <a:latin typeface="Consolas" panose="020B0609020204030204" pitchFamily="49" charset="0"/>
+              </a:rPr>
+              <a:t>outputPerimeter</a:t>
+            </a:r>
+            <a:r>
+              <a:rPr lang="it-IT" sz="800" dirty="0">
+                <a:solidFill>
+                  <a:srgbClr val="DCDCDC"/>
+                </a:solidFill>
+                <a:highlight>
+                  <a:srgbClr val="1E1E1E"/>
+                </a:highlight>
+                <a:latin typeface="Consolas" panose="020B0609020204030204" pitchFamily="49" charset="0"/>
+              </a:rPr>
+              <a:t> </a:t>
+            </a:r>
+            <a:r>
+              <a:rPr lang="it-IT" sz="800" dirty="0">
+                <a:solidFill>
+                  <a:srgbClr val="B4B4B4"/>
+                </a:solidFill>
+                <a:highlight>
+                  <a:srgbClr val="1E1E1E"/>
+                </a:highlight>
+                <a:latin typeface="Consolas" panose="020B0609020204030204" pitchFamily="49" charset="0"/>
+              </a:rPr>
+              <a:t>=</a:t>
+            </a:r>
+            <a:r>
+              <a:rPr lang="it-IT" sz="800" dirty="0">
+                <a:solidFill>
+                  <a:srgbClr val="DCDCDC"/>
+                </a:solidFill>
+                <a:highlight>
+                  <a:srgbClr val="1E1E1E"/>
+                </a:highlight>
+                <a:latin typeface="Consolas" panose="020B0609020204030204" pitchFamily="49" charset="0"/>
+              </a:rPr>
+              <a:t> </a:t>
+            </a:r>
+            <a:r>
+              <a:rPr lang="it-IT" sz="800" dirty="0">
+                <a:solidFill>
+                  <a:srgbClr val="569CD6"/>
+                </a:solidFill>
+                <a:highlight>
+                  <a:srgbClr val="1E1E1E"/>
+                </a:highlight>
+                <a:latin typeface="Consolas" panose="020B0609020204030204" pitchFamily="49" charset="0"/>
+              </a:rPr>
+              <a:t>new</a:t>
+            </a:r>
+            <a:r>
+              <a:rPr lang="it-IT" sz="800" dirty="0">
+                <a:solidFill>
+                  <a:srgbClr val="DCDCDC"/>
+                </a:solidFill>
+                <a:highlight>
+                  <a:srgbClr val="1E1E1E"/>
+                </a:highlight>
+                <a:latin typeface="Consolas" panose="020B0609020204030204" pitchFamily="49" charset="0"/>
+              </a:rPr>
+              <a:t> </a:t>
+            </a:r>
+            <a:r>
+              <a:rPr lang="it-IT" sz="800" dirty="0" err="1">
+                <a:solidFill>
+                  <a:srgbClr val="4EC9B0"/>
+                </a:solidFill>
+                <a:highlight>
+                  <a:srgbClr val="1E1E1E"/>
+                </a:highlight>
+                <a:latin typeface="Consolas" panose="020B0609020204030204" pitchFamily="49" charset="0"/>
+              </a:rPr>
+              <a:t>GenericCalculatorOutput</a:t>
+            </a:r>
+            <a:r>
+              <a:rPr lang="it-IT" sz="800" dirty="0">
+                <a:solidFill>
+                  <a:srgbClr val="DCDCDC"/>
+                </a:solidFill>
+                <a:highlight>
+                  <a:srgbClr val="1E1E1E"/>
+                </a:highlight>
+                <a:latin typeface="Consolas" panose="020B0609020204030204" pitchFamily="49" charset="0"/>
+              </a:rPr>
+              <a:t>(</a:t>
+            </a:r>
+            <a:r>
+              <a:rPr lang="it-IT" sz="800" dirty="0" err="1">
+                <a:solidFill>
+                  <a:srgbClr val="DCDCDC"/>
+                </a:solidFill>
+                <a:highlight>
+                  <a:srgbClr val="1E1E1E"/>
+                </a:highlight>
+                <a:latin typeface="Consolas" panose="020B0609020204030204" pitchFamily="49" charset="0"/>
+              </a:rPr>
+              <a:t>perimeter</a:t>
+            </a:r>
+            <a:r>
+              <a:rPr lang="it-IT" sz="800" dirty="0">
+                <a:solidFill>
+                  <a:srgbClr val="DCDCDC"/>
+                </a:solidFill>
+                <a:highlight>
+                  <a:srgbClr val="1E1E1E"/>
+                </a:highlight>
+                <a:latin typeface="Consolas" panose="020B0609020204030204" pitchFamily="49" charset="0"/>
+              </a:rPr>
+              <a:t>);</a:t>
+            </a:r>
+          </a:p>
+          <a:p>
+            <a:endParaRPr lang="it-IT" sz="800" dirty="0">
+              <a:solidFill>
+                <a:srgbClr val="DCDCDC"/>
+              </a:solidFill>
+              <a:highlight>
+                <a:srgbClr val="1E1E1E"/>
+              </a:highlight>
+              <a:latin typeface="Consolas" panose="020B0609020204030204" pitchFamily="49" charset="0"/>
+            </a:endParaRPr>
+          </a:p>
+          <a:p>
+            <a:r>
+              <a:rPr lang="it-IT" sz="800" dirty="0">
+                <a:solidFill>
+                  <a:srgbClr val="DCDCDC"/>
+                </a:solidFill>
+                <a:highlight>
+                  <a:srgbClr val="1E1E1E"/>
+                </a:highlight>
+                <a:latin typeface="Consolas" panose="020B0609020204030204" pitchFamily="49" charset="0"/>
+              </a:rPr>
+              <a:t>            </a:t>
+            </a:r>
+            <a:r>
+              <a:rPr lang="it-IT" sz="800" dirty="0" err="1">
+                <a:solidFill>
+                  <a:srgbClr val="4EC9B0"/>
+                </a:solidFill>
+                <a:highlight>
+                  <a:srgbClr val="1E1E1E"/>
+                </a:highlight>
+                <a:latin typeface="Consolas" panose="020B0609020204030204" pitchFamily="49" charset="0"/>
+              </a:rPr>
+              <a:t>Console</a:t>
+            </a:r>
+            <a:r>
+              <a:rPr lang="it-IT" sz="800" dirty="0" err="1">
+                <a:solidFill>
+                  <a:srgbClr val="B4B4B4"/>
+                </a:solidFill>
+                <a:highlight>
+                  <a:srgbClr val="1E1E1E"/>
+                </a:highlight>
+                <a:latin typeface="Consolas" panose="020B0609020204030204" pitchFamily="49" charset="0"/>
+              </a:rPr>
+              <a:t>.</a:t>
+            </a:r>
+            <a:r>
+              <a:rPr lang="it-IT" sz="800" dirty="0" err="1">
+                <a:solidFill>
+                  <a:srgbClr val="DCDCDC"/>
+                </a:solidFill>
+                <a:highlight>
+                  <a:srgbClr val="1E1E1E"/>
+                </a:highlight>
+                <a:latin typeface="Consolas" panose="020B0609020204030204" pitchFamily="49" charset="0"/>
+              </a:rPr>
+              <a:t>WriteLine</a:t>
+            </a:r>
+            <a:r>
+              <a:rPr lang="it-IT" sz="800" dirty="0">
+                <a:solidFill>
+                  <a:srgbClr val="DCDCDC"/>
+                </a:solidFill>
+                <a:highlight>
+                  <a:srgbClr val="1E1E1E"/>
+                </a:highlight>
+                <a:latin typeface="Consolas" panose="020B0609020204030204" pitchFamily="49" charset="0"/>
+              </a:rPr>
+              <a:t>(</a:t>
+            </a:r>
+            <a:r>
+              <a:rPr lang="it-IT" sz="800" dirty="0" err="1">
+                <a:solidFill>
+                  <a:srgbClr val="DCDCDC"/>
+                </a:solidFill>
+                <a:highlight>
+                  <a:srgbClr val="1E1E1E"/>
+                </a:highlight>
+                <a:latin typeface="Consolas" panose="020B0609020204030204" pitchFamily="49" charset="0"/>
+              </a:rPr>
+              <a:t>outputArea</a:t>
+            </a:r>
+            <a:r>
+              <a:rPr lang="it-IT" sz="800" dirty="0" err="1">
+                <a:solidFill>
+                  <a:srgbClr val="B4B4B4"/>
+                </a:solidFill>
+                <a:highlight>
+                  <a:srgbClr val="1E1E1E"/>
+                </a:highlight>
+                <a:latin typeface="Consolas" panose="020B0609020204030204" pitchFamily="49" charset="0"/>
+              </a:rPr>
+              <a:t>.</a:t>
+            </a:r>
+            <a:r>
+              <a:rPr lang="it-IT" sz="800" dirty="0" err="1">
+                <a:solidFill>
+                  <a:srgbClr val="DCDCDC"/>
+                </a:solidFill>
+                <a:highlight>
+                  <a:srgbClr val="1E1E1E"/>
+                </a:highlight>
+                <a:latin typeface="Consolas" panose="020B0609020204030204" pitchFamily="49" charset="0"/>
+              </a:rPr>
+              <a:t>ShowHtml</a:t>
+            </a:r>
+            <a:r>
+              <a:rPr lang="it-IT" sz="800" dirty="0">
+                <a:solidFill>
+                  <a:srgbClr val="DCDCDC"/>
+                </a:solidFill>
+                <a:highlight>
+                  <a:srgbClr val="1E1E1E"/>
+                </a:highlight>
+                <a:latin typeface="Consolas" panose="020B0609020204030204" pitchFamily="49" charset="0"/>
+              </a:rPr>
+              <a:t>());</a:t>
+            </a:r>
+          </a:p>
+          <a:p>
+            <a:r>
+              <a:rPr lang="it-IT" sz="800" dirty="0">
+                <a:solidFill>
+                  <a:srgbClr val="DCDCDC"/>
+                </a:solidFill>
+                <a:highlight>
+                  <a:srgbClr val="1E1E1E"/>
+                </a:highlight>
+                <a:latin typeface="Consolas" panose="020B0609020204030204" pitchFamily="49" charset="0"/>
+              </a:rPr>
+              <a:t>            </a:t>
+            </a:r>
+            <a:r>
+              <a:rPr lang="it-IT" sz="800" dirty="0" err="1">
+                <a:solidFill>
+                  <a:srgbClr val="4EC9B0"/>
+                </a:solidFill>
+                <a:highlight>
+                  <a:srgbClr val="1E1E1E"/>
+                </a:highlight>
+                <a:latin typeface="Consolas" panose="020B0609020204030204" pitchFamily="49" charset="0"/>
+              </a:rPr>
+              <a:t>Console</a:t>
+            </a:r>
+            <a:r>
+              <a:rPr lang="it-IT" sz="800" dirty="0" err="1">
+                <a:solidFill>
+                  <a:srgbClr val="B4B4B4"/>
+                </a:solidFill>
+                <a:highlight>
+                  <a:srgbClr val="1E1E1E"/>
+                </a:highlight>
+                <a:latin typeface="Consolas" panose="020B0609020204030204" pitchFamily="49" charset="0"/>
+              </a:rPr>
+              <a:t>.</a:t>
+            </a:r>
+            <a:r>
+              <a:rPr lang="it-IT" sz="800" dirty="0" err="1">
+                <a:solidFill>
+                  <a:srgbClr val="DCDCDC"/>
+                </a:solidFill>
+                <a:highlight>
+                  <a:srgbClr val="1E1E1E"/>
+                </a:highlight>
+                <a:latin typeface="Consolas" panose="020B0609020204030204" pitchFamily="49" charset="0"/>
+              </a:rPr>
+              <a:t>WriteLine</a:t>
+            </a:r>
+            <a:r>
+              <a:rPr lang="it-IT" sz="800" dirty="0">
+                <a:solidFill>
+                  <a:srgbClr val="DCDCDC"/>
+                </a:solidFill>
+                <a:highlight>
+                  <a:srgbClr val="1E1E1E"/>
+                </a:highlight>
+                <a:latin typeface="Consolas" panose="020B0609020204030204" pitchFamily="49" charset="0"/>
+              </a:rPr>
+              <a:t>(</a:t>
+            </a:r>
+            <a:r>
+              <a:rPr lang="it-IT" sz="800" dirty="0" err="1">
+                <a:solidFill>
+                  <a:srgbClr val="DCDCDC"/>
+                </a:solidFill>
+                <a:highlight>
+                  <a:srgbClr val="1E1E1E"/>
+                </a:highlight>
+                <a:latin typeface="Consolas" panose="020B0609020204030204" pitchFamily="49" charset="0"/>
+              </a:rPr>
+              <a:t>outputPerimeter</a:t>
+            </a:r>
+            <a:r>
+              <a:rPr lang="it-IT" sz="800" dirty="0" err="1">
+                <a:solidFill>
+                  <a:srgbClr val="B4B4B4"/>
+                </a:solidFill>
+                <a:highlight>
+                  <a:srgbClr val="1E1E1E"/>
+                </a:highlight>
+                <a:latin typeface="Consolas" panose="020B0609020204030204" pitchFamily="49" charset="0"/>
+              </a:rPr>
+              <a:t>.</a:t>
+            </a:r>
+            <a:r>
+              <a:rPr lang="it-IT" sz="800" dirty="0" err="1">
+                <a:solidFill>
+                  <a:srgbClr val="DCDCDC"/>
+                </a:solidFill>
+                <a:highlight>
+                  <a:srgbClr val="1E1E1E"/>
+                </a:highlight>
+                <a:latin typeface="Consolas" panose="020B0609020204030204" pitchFamily="49" charset="0"/>
+              </a:rPr>
+              <a:t>ShowHtml</a:t>
+            </a:r>
+            <a:r>
+              <a:rPr lang="it-IT" sz="800" dirty="0">
+                <a:solidFill>
+                  <a:srgbClr val="DCDCDC"/>
+                </a:solidFill>
+                <a:highlight>
+                  <a:srgbClr val="1E1E1E"/>
+                </a:highlight>
+                <a:latin typeface="Consolas" panose="020B0609020204030204" pitchFamily="49" charset="0"/>
+              </a:rPr>
+              <a:t>());</a:t>
+            </a:r>
+          </a:p>
+          <a:p>
+            <a:endParaRPr lang="it-IT" sz="1000" dirty="0" smtClean="0">
+              <a:solidFill>
+                <a:srgbClr val="DCDCDC"/>
+              </a:solidFill>
+              <a:highlight>
+                <a:srgbClr val="1E1E1E"/>
+              </a:highlight>
+              <a:latin typeface="Consolas" panose="020B0609020204030204" pitchFamily="49" charset="0"/>
+            </a:endParaRPr>
+          </a:p>
+        </p:txBody>
+      </p:sp>
+    </p:spTree>
+    <p:extLst>
+      <p:ext uri="{BB962C8B-B14F-4D97-AF65-F5344CB8AC3E}">
+        <p14:creationId xmlns:p14="http://schemas.microsoft.com/office/powerpoint/2010/main" val="2095394683"/>
+      </p:ext>
+    </p:extLst>
+  </p:cSld>
+  <p:clrMapOvr>
+    <a:masterClrMapping/>
+  </p:clrMapOvr>
+  <p:timing>
+    <p:tnLst>
+      <p:par>
+        <p:cTn id="1" dur="indefinite" restart="never" nodeType="tmRoot"/>
+      </p:par>
+    </p:tnLst>
+  </p:timing>
+</p:sld>
+</file>
+
+<file path=ppt/slides/slide16.xml><?xml version="1.0" encoding="utf-8"?>
+<p:sld xmlns:a="http://schemas.openxmlformats.org/drawingml/2006/main" xmlns:r="http://schemas.openxmlformats.org/officeDocument/2006/relationships" xmlns:p="http://schemas.openxmlformats.org/presentationml/2006/main">
+  <p:cSld>
+    <p:spTree>
+      <p:nvGrpSpPr>
+        <p:cNvPr id="1" name=""/>
+        <p:cNvGrpSpPr/>
+        <p:nvPr/>
+      </p:nvGrpSpPr>
+      <p:grpSpPr>
+        <a:xfrm>
+          <a:off x="0" y="0"/>
+          <a:ext cx="0" cy="0"/>
+          <a:chOff x="0" y="0"/>
+          <a:chExt cx="0" cy="0"/>
+        </a:xfrm>
+      </p:grpSpPr>
+      <p:sp>
+        <p:nvSpPr>
+          <p:cNvPr id="2" name="Text Placeholder 1"/>
+          <p:cNvSpPr>
+            <a:spLocks noGrp="1"/>
+          </p:cNvSpPr>
+          <p:nvPr>
+            <p:ph type="body" sz="quarter" idx="11"/>
+          </p:nvPr>
+        </p:nvSpPr>
+        <p:spPr>
+          <a:xfrm>
+            <a:off x="328613" y="1079047"/>
+            <a:ext cx="8401246" cy="485802"/>
+          </a:xfrm>
+        </p:spPr>
+        <p:txBody>
+          <a:bodyPr/>
+          <a:lstStyle/>
+          <a:p>
+            <a:r>
+              <a:rPr lang="en-US" sz="2400" dirty="0" smtClean="0"/>
+              <a:t>ISP Interface Segregation Principle</a:t>
+            </a:r>
+            <a:endParaRPr lang="en-US" sz="2400" dirty="0" smtClean="0"/>
+          </a:p>
+          <a:p>
+            <a:endParaRPr lang="en-US" sz="1800" dirty="0" smtClean="0"/>
+          </a:p>
+          <a:p>
+            <a:endParaRPr lang="en-US" sz="1800" dirty="0" smtClean="0"/>
+          </a:p>
+        </p:txBody>
+      </p:sp>
+      <p:sp>
+        <p:nvSpPr>
+          <p:cNvPr id="5" name="TextBox 4"/>
+          <p:cNvSpPr txBox="1"/>
+          <p:nvPr/>
+        </p:nvSpPr>
+        <p:spPr>
+          <a:xfrm>
+            <a:off x="621372" y="1501213"/>
+            <a:ext cx="8210747" cy="2677656"/>
+          </a:xfrm>
+          <a:prstGeom prst="rect">
+            <a:avLst/>
+          </a:prstGeom>
+          <a:noFill/>
+        </p:spPr>
+        <p:txBody>
+          <a:bodyPr wrap="square" rtlCol="0">
+            <a:spAutoFit/>
+          </a:bodyPr>
+          <a:lstStyle/>
+          <a:p>
+            <a:endParaRPr lang="en-GB" sz="1600" dirty="0" smtClean="0">
+              <a:latin typeface="Chronicle Display" pitchFamily="50" charset="0"/>
+            </a:endParaRPr>
+          </a:p>
+          <a:p>
+            <a:r>
+              <a:rPr lang="en-GB" sz="2400" b="1" i="1" dirty="0" smtClean="0">
+                <a:latin typeface="Chronicle Display" pitchFamily="50" charset="0"/>
+              </a:rPr>
+              <a:t>A client never be forced to implement an interface that it doesn’t use or client shouldn’t be forced to depend on method they do not use.</a:t>
+            </a:r>
+          </a:p>
+          <a:p>
+            <a:endParaRPr lang="en-GB" sz="1600" b="1" i="1" dirty="0">
+              <a:latin typeface="Chronicle Display" pitchFamily="50" charset="0"/>
+            </a:endParaRPr>
+          </a:p>
+          <a:p>
+            <a:endParaRPr lang="en-GB" sz="1600" dirty="0" smtClean="0">
+              <a:latin typeface="Chronicle Display" pitchFamily="50" charset="0"/>
+            </a:endParaRPr>
+          </a:p>
+          <a:p>
+            <a:r>
+              <a:rPr lang="en-GB" sz="1600" dirty="0" smtClean="0">
+                <a:latin typeface="Chronicle Display" pitchFamily="50" charset="0"/>
+              </a:rPr>
+              <a:t>This mean it is important to make fine grained interfaces that are client specific.</a:t>
+            </a:r>
+          </a:p>
+          <a:p>
+            <a:endParaRPr lang="en-GB" sz="1600" b="1" i="1" dirty="0">
+              <a:latin typeface="Chronicle Display" pitchFamily="50" charset="0"/>
+            </a:endParaRPr>
+          </a:p>
+          <a:p>
+            <a:endParaRPr lang="en-GB" sz="1600" b="1" i="1" dirty="0" smtClean="0">
+              <a:latin typeface="Chronicle Display" pitchFamily="50" charset="0"/>
+            </a:endParaRPr>
+          </a:p>
+        </p:txBody>
+      </p:sp>
+    </p:spTree>
+    <p:extLst>
+      <p:ext uri="{BB962C8B-B14F-4D97-AF65-F5344CB8AC3E}">
+        <p14:creationId xmlns:p14="http://schemas.microsoft.com/office/powerpoint/2010/main" val="1258660463"/>
       </p:ext>
     </p:extLst>
   </p:cSld>
@@ -8727,13 +13525,13 @@
               <a:rPr lang="en-GB" sz="1600" dirty="0">
                 <a:latin typeface="Chronicle Display" pitchFamily="50" charset="0"/>
               </a:rPr>
-              <a:t>	 easily </a:t>
+              <a:t>	</a:t>
             </a:r>
             <a:r>
               <a:rPr lang="en-GB" sz="1600" dirty="0" smtClean="0">
                 <a:latin typeface="Chronicle Display" pitchFamily="50" charset="0"/>
               </a:rPr>
-              <a:t>maintain software</a:t>
+              <a:t>easily maintain software</a:t>
             </a:r>
           </a:p>
           <a:p>
@@ -8928,7 +13726,7 @@
               <a:rPr lang="en-GB" sz="1600" dirty="0" smtClean="0">
                 <a:latin typeface="Chronicle Display" pitchFamily="50" charset="0"/>
               </a:rPr>
-              <a:t>  	Single-responsibility principle</a:t>
+              <a:t>  	Single Responsibility Principle</a:t>
             </a:r>
             <a:endParaRPr lang="en-GB" sz="1600" dirty="0" smtClean="0">
               <a:latin typeface="Chronicle Display" pitchFamily="50" charset="0"/>
@@ -8950,7 +13748,7 @@
               <a:rPr lang="en-GB" sz="1600" dirty="0" smtClean="0">
                 <a:latin typeface="Chronicle Display" pitchFamily="50" charset="0"/>
               </a:rPr>
-              <a:t>  	Open-closed principle</a:t>
+              <a:t>  	Open Closed Principle</a:t>
             </a:r>
           </a:p>
           <a:p>
@@ -8981,7 +13779,7 @@
               <a:rPr lang="en-GB" sz="1600" dirty="0" smtClean="0">
                 <a:latin typeface="Chronicle Display" pitchFamily="50" charset="0"/>
               </a:rPr>
-              <a:t> substitution principle</a:t>
+              <a:t> Substitution Principle</a:t>
             </a:r>
           </a:p>
           <a:p>
@@ -9000,7 +13798,7 @@
               <a:rPr lang="en-GB" sz="1600" dirty="0" smtClean="0">
                 <a:latin typeface="Chronicle Display" pitchFamily="50" charset="0"/>
               </a:rPr>
-              <a:t>  	Interface aggregation n principle</a:t>
+              <a:t>  	Interface Segregation Principle</a:t>
             </a:r>
           </a:p>
           <a:p>
@@ -9019,7 +13817,7 @@
               <a:rPr lang="en-GB" sz="1600" dirty="0" smtClean="0">
                 <a:latin typeface="Chronicle Display" pitchFamily="50" charset="0"/>
               </a:rPr>
-              <a:t>  	Dependency inversion principle</a:t>
+              <a:t>  	Dependency Inversion Principle</a:t>
             </a:r>
           </a:p>
         </p:txBody>
@@ -9083,7 +13881,15 @@
           <a:p>
             <a:r>
               <a:rPr lang="en-US" sz="2400" dirty="0"/>
-              <a:t>SRP Single-Responsibility Principle</a:t>
+              <a:t>SRP </a:t>
+            </a:r>
+            <a:r>
+              <a:rPr lang="en-US" sz="2400" dirty="0" smtClean="0"/>
+              <a:t>Single Responsibility </a:t>
+            </a:r>
+            <a:r>
+              <a:rPr lang="en-US" sz="2400" dirty="0"/>
+              <a:t>Principle</a:t>
             </a:r>
           </a:p>
           <a:p>
@@ -9228,7 +14034,15 @@
           <a:p>
             <a:r>
               <a:rPr lang="en-US" sz="2400" dirty="0"/>
-              <a:t>SRP Single-Responsibility Principle</a:t>
+              <a:t>SRP </a:t>
+            </a:r>
+            <a:r>
+              <a:rPr lang="en-US" sz="2400" dirty="0" smtClean="0"/>
+              <a:t>Single Responsibility </a:t>
+            </a:r>
+            <a:r>
+              <a:rPr lang="en-US" sz="2400" dirty="0"/>
+              <a:t>Principle</a:t>
             </a:r>
           </a:p>
           <a:p>
@@ -11359,7 +16173,7 @@
           <a:p>
             <a:r>
               <a:rPr lang="en-US" sz="2400" dirty="0" smtClean="0"/>
-              <a:t>SRP Single-Responsibility </a:t>
+              <a:t>SRP Single Responsibility </a:t>
             </a:r>
             <a:r>
               <a:rPr lang="en-US" sz="2400" dirty="0"/>
@@ -11548,7 +16362,15 @@
           <a:p>
             <a:r>
               <a:rPr lang="en-US" sz="2400" dirty="0"/>
-              <a:t>SRP Single-Responsibility Principle</a:t>
+              <a:t>SRP </a:t>
+            </a:r>
+            <a:r>
+              <a:rPr lang="en-US" sz="2400" dirty="0" smtClean="0"/>
+              <a:t>Single Responsibility </a:t>
+            </a:r>
+            <a:r>
+              <a:rPr lang="en-US" sz="2400" dirty="0"/>
+              <a:t>Principle</a:t>
             </a:r>
           </a:p>
           <a:p>
@@ -13371,7 +18193,15 @@
           <a:p>
             <a:r>
               <a:rPr lang="en-US" sz="2400" dirty="0"/>
-              <a:t>SRP Single-Responsibility Principle</a:t>
+              <a:t>SRP </a:t>
+            </a:r>
+            <a:r>
+              <a:rPr lang="en-US" sz="2400" dirty="0" smtClean="0"/>
+              <a:t>Single Responsibility </a:t>
+            </a:r>
+            <a:r>
+              <a:rPr lang="en-US" sz="2400" dirty="0"/>
+              <a:t>Principle</a:t>
             </a:r>
           </a:p>
           <a:p>

--- a/docs/solid.pptx
+++ b/docs/solid.pptx
@@ -6,7 +6,7 @@
     <p:sldMasterId id="2147483648" r:id="rId2"/>
   </p:sldMasterIdLst>
   <p:notesMasterIdLst>
-    <p:notesMasterId r:id="rId19"/>
+    <p:notesMasterId r:id="rId22"/>
   </p:notesMasterIdLst>
   <p:sldIdLst>
     <p:sldId id="264" r:id="rId3"/>
@@ -25,6 +25,9 @@
     <p:sldId id="300" r:id="rId16"/>
     <p:sldId id="301" r:id="rId17"/>
     <p:sldId id="302" r:id="rId18"/>
+    <p:sldId id="303" r:id="rId19"/>
+    <p:sldId id="304" r:id="rId20"/>
+    <p:sldId id="305" r:id="rId21"/>
   </p:sldIdLst>
   <p:sldSz cx="9144000" cy="6858000" type="screen4x3"/>
   <p:notesSz cx="6858000" cy="9144000"/>
@@ -1083,6 +1086,258 @@
     <p:extLst>
       <p:ext uri="{BB962C8B-B14F-4D97-AF65-F5344CB8AC3E}">
         <p14:creationId xmlns:p14="http://schemas.microsoft.com/office/powerpoint/2010/main" val="2409970017"/>
+      </p:ext>
+    </p:extLst>
+  </p:cSld>
+  <p:clrMapOvr>
+    <a:masterClrMapping/>
+  </p:clrMapOvr>
+</p:notes>
+</file>
+
+<file path=ppt/notesSlides/notesSlide16.xml><?xml version="1.0" encoding="utf-8"?>
+<p:notes xmlns:a="http://schemas.openxmlformats.org/drawingml/2006/main" xmlns:r="http://schemas.openxmlformats.org/officeDocument/2006/relationships" xmlns:p="http://schemas.openxmlformats.org/presentationml/2006/main">
+  <p:cSld>
+    <p:spTree>
+      <p:nvGrpSpPr>
+        <p:cNvPr id="1" name=""/>
+        <p:cNvGrpSpPr/>
+        <p:nvPr/>
+      </p:nvGrpSpPr>
+      <p:grpSpPr>
+        <a:xfrm>
+          <a:off x="0" y="0"/>
+          <a:ext cx="0" cy="0"/>
+          <a:chOff x="0" y="0"/>
+          <a:chExt cx="0" cy="0"/>
+        </a:xfrm>
+      </p:grpSpPr>
+      <p:sp>
+        <p:nvSpPr>
+          <p:cNvPr id="2" name="Slide Image Placeholder 1"/>
+          <p:cNvSpPr>
+            <a:spLocks noGrp="1" noRot="1" noChangeAspect="1"/>
+          </p:cNvSpPr>
+          <p:nvPr>
+            <p:ph type="sldImg"/>
+          </p:nvPr>
+        </p:nvSpPr>
+        <p:spPr/>
+      </p:sp>
+      <p:sp>
+        <p:nvSpPr>
+          <p:cNvPr id="3" name="Notes Placeholder 2"/>
+          <p:cNvSpPr>
+            <a:spLocks noGrp="1"/>
+          </p:cNvSpPr>
+          <p:nvPr>
+            <p:ph type="body" idx="1"/>
+          </p:nvPr>
+        </p:nvSpPr>
+        <p:spPr/>
+        <p:txBody>
+          <a:bodyPr/>
+          <a:lstStyle/>
+          <a:p>
+            <a:endParaRPr lang="it-IT" dirty="0"/>
+          </a:p>
+        </p:txBody>
+      </p:sp>
+      <p:sp>
+        <p:nvSpPr>
+          <p:cNvPr id="4" name="Slide Number Placeholder 3"/>
+          <p:cNvSpPr>
+            <a:spLocks noGrp="1"/>
+          </p:cNvSpPr>
+          <p:nvPr>
+            <p:ph type="sldNum" sz="quarter" idx="10"/>
+          </p:nvPr>
+        </p:nvSpPr>
+        <p:spPr/>
+        <p:txBody>
+          <a:bodyPr/>
+          <a:lstStyle/>
+          <a:p>
+            <a:fld id="{2C5A56FE-B2E8-4285-8F31-2AEEB8EA39C6}" type="slidenum">
+              <a:rPr lang="en-GB" smtClean="0"/>
+              <a:t>17</a:t>
+            </a:fld>
+            <a:endParaRPr lang="en-GB"/>
+          </a:p>
+        </p:txBody>
+      </p:sp>
+    </p:spTree>
+    <p:extLst>
+      <p:ext uri="{BB962C8B-B14F-4D97-AF65-F5344CB8AC3E}">
+        <p14:creationId xmlns:p14="http://schemas.microsoft.com/office/powerpoint/2010/main" val="2237224610"/>
+      </p:ext>
+    </p:extLst>
+  </p:cSld>
+  <p:clrMapOvr>
+    <a:masterClrMapping/>
+  </p:clrMapOvr>
+</p:notes>
+</file>
+
+<file path=ppt/notesSlides/notesSlide17.xml><?xml version="1.0" encoding="utf-8"?>
+<p:notes xmlns:a="http://schemas.openxmlformats.org/drawingml/2006/main" xmlns:r="http://schemas.openxmlformats.org/officeDocument/2006/relationships" xmlns:p="http://schemas.openxmlformats.org/presentationml/2006/main">
+  <p:cSld>
+    <p:spTree>
+      <p:nvGrpSpPr>
+        <p:cNvPr id="1" name=""/>
+        <p:cNvGrpSpPr/>
+        <p:nvPr/>
+      </p:nvGrpSpPr>
+      <p:grpSpPr>
+        <a:xfrm>
+          <a:off x="0" y="0"/>
+          <a:ext cx="0" cy="0"/>
+          <a:chOff x="0" y="0"/>
+          <a:chExt cx="0" cy="0"/>
+        </a:xfrm>
+      </p:grpSpPr>
+      <p:sp>
+        <p:nvSpPr>
+          <p:cNvPr id="2" name="Slide Image Placeholder 1"/>
+          <p:cNvSpPr>
+            <a:spLocks noGrp="1" noRot="1" noChangeAspect="1"/>
+          </p:cNvSpPr>
+          <p:nvPr>
+            <p:ph type="sldImg"/>
+          </p:nvPr>
+        </p:nvSpPr>
+        <p:spPr/>
+      </p:sp>
+      <p:sp>
+        <p:nvSpPr>
+          <p:cNvPr id="3" name="Notes Placeholder 2"/>
+          <p:cNvSpPr>
+            <a:spLocks noGrp="1"/>
+          </p:cNvSpPr>
+          <p:nvPr>
+            <p:ph type="body" idx="1"/>
+          </p:nvPr>
+        </p:nvSpPr>
+        <p:spPr/>
+        <p:txBody>
+          <a:bodyPr/>
+          <a:lstStyle/>
+          <a:p>
+            <a:endParaRPr lang="it-IT" dirty="0"/>
+          </a:p>
+        </p:txBody>
+      </p:sp>
+      <p:sp>
+        <p:nvSpPr>
+          <p:cNvPr id="4" name="Slide Number Placeholder 3"/>
+          <p:cNvSpPr>
+            <a:spLocks noGrp="1"/>
+          </p:cNvSpPr>
+          <p:nvPr>
+            <p:ph type="sldNum" sz="quarter" idx="10"/>
+          </p:nvPr>
+        </p:nvSpPr>
+        <p:spPr/>
+        <p:txBody>
+          <a:bodyPr/>
+          <a:lstStyle/>
+          <a:p>
+            <a:fld id="{2C5A56FE-B2E8-4285-8F31-2AEEB8EA39C6}" type="slidenum">
+              <a:rPr lang="en-GB" smtClean="0"/>
+              <a:t>18</a:t>
+            </a:fld>
+            <a:endParaRPr lang="en-GB"/>
+          </a:p>
+        </p:txBody>
+      </p:sp>
+    </p:spTree>
+    <p:extLst>
+      <p:ext uri="{BB962C8B-B14F-4D97-AF65-F5344CB8AC3E}">
+        <p14:creationId xmlns:p14="http://schemas.microsoft.com/office/powerpoint/2010/main" val="2883972742"/>
+      </p:ext>
+    </p:extLst>
+  </p:cSld>
+  <p:clrMapOvr>
+    <a:masterClrMapping/>
+  </p:clrMapOvr>
+</p:notes>
+</file>
+
+<file path=ppt/notesSlides/notesSlide18.xml><?xml version="1.0" encoding="utf-8"?>
+<p:notes xmlns:a="http://schemas.openxmlformats.org/drawingml/2006/main" xmlns:r="http://schemas.openxmlformats.org/officeDocument/2006/relationships" xmlns:p="http://schemas.openxmlformats.org/presentationml/2006/main">
+  <p:cSld>
+    <p:spTree>
+      <p:nvGrpSpPr>
+        <p:cNvPr id="1" name=""/>
+        <p:cNvGrpSpPr/>
+        <p:nvPr/>
+      </p:nvGrpSpPr>
+      <p:grpSpPr>
+        <a:xfrm>
+          <a:off x="0" y="0"/>
+          <a:ext cx="0" cy="0"/>
+          <a:chOff x="0" y="0"/>
+          <a:chExt cx="0" cy="0"/>
+        </a:xfrm>
+      </p:grpSpPr>
+      <p:sp>
+        <p:nvSpPr>
+          <p:cNvPr id="2" name="Slide Image Placeholder 1"/>
+          <p:cNvSpPr>
+            <a:spLocks noGrp="1" noRot="1" noChangeAspect="1"/>
+          </p:cNvSpPr>
+          <p:nvPr>
+            <p:ph type="sldImg"/>
+          </p:nvPr>
+        </p:nvSpPr>
+        <p:spPr/>
+      </p:sp>
+      <p:sp>
+        <p:nvSpPr>
+          <p:cNvPr id="3" name="Notes Placeholder 2"/>
+          <p:cNvSpPr>
+            <a:spLocks noGrp="1"/>
+          </p:cNvSpPr>
+          <p:nvPr>
+            <p:ph type="body" idx="1"/>
+          </p:nvPr>
+        </p:nvSpPr>
+        <p:spPr/>
+        <p:txBody>
+          <a:bodyPr/>
+          <a:lstStyle/>
+          <a:p>
+            <a:endParaRPr lang="it-IT" dirty="0"/>
+          </a:p>
+        </p:txBody>
+      </p:sp>
+      <p:sp>
+        <p:nvSpPr>
+          <p:cNvPr id="4" name="Slide Number Placeholder 3"/>
+          <p:cNvSpPr>
+            <a:spLocks noGrp="1"/>
+          </p:cNvSpPr>
+          <p:nvPr>
+            <p:ph type="sldNum" sz="quarter" idx="10"/>
+          </p:nvPr>
+        </p:nvSpPr>
+        <p:spPr/>
+        <p:txBody>
+          <a:bodyPr/>
+          <a:lstStyle/>
+          <a:p>
+            <a:fld id="{2C5A56FE-B2E8-4285-8F31-2AEEB8EA39C6}" type="slidenum">
+              <a:rPr lang="en-GB" smtClean="0"/>
+              <a:t>19</a:t>
+            </a:fld>
+            <a:endParaRPr lang="en-GB"/>
+          </a:p>
+        </p:txBody>
+      </p:sp>
+    </p:spTree>
+    <p:extLst>
+      <p:ext uri="{BB962C8B-B14F-4D97-AF65-F5344CB8AC3E}">
+        <p14:creationId xmlns:p14="http://schemas.microsoft.com/office/powerpoint/2010/main" val="1888146680"/>
       </p:ext>
     </p:extLst>
   </p:cSld>
@@ -13370,6 +13625,6111 @@
     <p:extLst>
       <p:ext uri="{BB962C8B-B14F-4D97-AF65-F5344CB8AC3E}">
         <p14:creationId xmlns:p14="http://schemas.microsoft.com/office/powerpoint/2010/main" val="1258660463"/>
+      </p:ext>
+    </p:extLst>
+  </p:cSld>
+  <p:clrMapOvr>
+    <a:masterClrMapping/>
+  </p:clrMapOvr>
+  <p:timing>
+    <p:tnLst>
+      <p:par>
+        <p:cTn id="1" dur="indefinite" restart="never" nodeType="tmRoot"/>
+      </p:par>
+    </p:tnLst>
+  </p:timing>
+</p:sld>
+</file>
+
+<file path=ppt/slides/slide17.xml><?xml version="1.0" encoding="utf-8"?>
+<p:sld xmlns:a="http://schemas.openxmlformats.org/drawingml/2006/main" xmlns:r="http://schemas.openxmlformats.org/officeDocument/2006/relationships" xmlns:p="http://schemas.openxmlformats.org/presentationml/2006/main">
+  <p:cSld>
+    <p:spTree>
+      <p:nvGrpSpPr>
+        <p:cNvPr id="1" name=""/>
+        <p:cNvGrpSpPr/>
+        <p:nvPr/>
+      </p:nvGrpSpPr>
+      <p:grpSpPr>
+        <a:xfrm>
+          <a:off x="0" y="0"/>
+          <a:ext cx="0" cy="0"/>
+          <a:chOff x="0" y="0"/>
+          <a:chExt cx="0" cy="0"/>
+        </a:xfrm>
+      </p:grpSpPr>
+      <p:sp>
+        <p:nvSpPr>
+          <p:cNvPr id="2" name="Text Placeholder 1"/>
+          <p:cNvSpPr>
+            <a:spLocks noGrp="1"/>
+          </p:cNvSpPr>
+          <p:nvPr>
+            <p:ph type="body" sz="quarter" idx="11"/>
+          </p:nvPr>
+        </p:nvSpPr>
+        <p:spPr>
+          <a:xfrm>
+            <a:off x="328613" y="1079047"/>
+            <a:ext cx="8401246" cy="485802"/>
+          </a:xfrm>
+        </p:spPr>
+        <p:txBody>
+          <a:bodyPr/>
+          <a:lstStyle/>
+          <a:p>
+            <a:r>
+              <a:rPr lang="en-US" sz="2400" dirty="0"/>
+              <a:t>LSP </a:t>
+            </a:r>
+            <a:r>
+              <a:rPr lang="en-US" sz="2400" dirty="0" err="1"/>
+              <a:t>Liskov</a:t>
+            </a:r>
+            <a:r>
+              <a:rPr lang="en-US" sz="2400" dirty="0"/>
+              <a:t> Substitution Principle</a:t>
+            </a:r>
+          </a:p>
+          <a:p>
+            <a:endParaRPr lang="en-US" sz="1800" dirty="0" smtClean="0"/>
+          </a:p>
+          <a:p>
+            <a:endParaRPr lang="en-US" sz="1800" dirty="0" smtClean="0"/>
+          </a:p>
+        </p:txBody>
+      </p:sp>
+      <p:sp>
+        <p:nvSpPr>
+          <p:cNvPr id="6" name="TextBox 5"/>
+          <p:cNvSpPr txBox="1"/>
+          <p:nvPr/>
+        </p:nvSpPr>
+        <p:spPr>
+          <a:xfrm>
+            <a:off x="621370" y="1595329"/>
+            <a:ext cx="8210747" cy="4154984"/>
+          </a:xfrm>
+          <a:prstGeom prst="rect">
+            <a:avLst/>
+          </a:prstGeom>
+          <a:solidFill>
+            <a:schemeClr val="tx1"/>
+          </a:solidFill>
+        </p:spPr>
+        <p:txBody>
+          <a:bodyPr wrap="square" rtlCol="0">
+            <a:spAutoFit/>
+          </a:bodyPr>
+          <a:lstStyle/>
+          <a:p>
+            <a:r>
+              <a:rPr lang="it-IT" sz="800" dirty="0">
+                <a:solidFill>
+                  <a:srgbClr val="DCDCDC"/>
+                </a:solidFill>
+                <a:highlight>
+                  <a:srgbClr val="1E1E1E"/>
+                </a:highlight>
+                <a:latin typeface="Consolas" panose="020B0609020204030204" pitchFamily="49" charset="0"/>
+              </a:rPr>
+              <a:t> </a:t>
+            </a:r>
+            <a:r>
+              <a:rPr lang="it-IT" sz="800" dirty="0" smtClean="0">
+                <a:solidFill>
+                  <a:srgbClr val="DCDCDC"/>
+                </a:solidFill>
+                <a:highlight>
+                  <a:srgbClr val="1E1E1E"/>
+                </a:highlight>
+                <a:latin typeface="Consolas" panose="020B0609020204030204" pitchFamily="49" charset="0"/>
+              </a:rPr>
+              <a:t>   </a:t>
+            </a:r>
+            <a:r>
+              <a:rPr lang="it-IT" sz="800" dirty="0" smtClean="0">
+                <a:solidFill>
+                  <a:srgbClr val="569CD6"/>
+                </a:solidFill>
+                <a:highlight>
+                  <a:srgbClr val="1E1E1E"/>
+                </a:highlight>
+                <a:latin typeface="Consolas" panose="020B0609020204030204" pitchFamily="49" charset="0"/>
+              </a:rPr>
+              <a:t>public</a:t>
+            </a:r>
+            <a:r>
+              <a:rPr lang="it-IT" sz="800" dirty="0" smtClean="0">
+                <a:solidFill>
+                  <a:srgbClr val="DCDCDC"/>
+                </a:solidFill>
+                <a:highlight>
+                  <a:srgbClr val="1E1E1E"/>
+                </a:highlight>
+                <a:latin typeface="Consolas" panose="020B0609020204030204" pitchFamily="49" charset="0"/>
+              </a:rPr>
+              <a:t> </a:t>
+            </a:r>
+            <a:r>
+              <a:rPr lang="it-IT" sz="800" dirty="0" err="1">
+                <a:solidFill>
+                  <a:srgbClr val="569CD6"/>
+                </a:solidFill>
+                <a:highlight>
+                  <a:srgbClr val="1E1E1E"/>
+                </a:highlight>
+                <a:latin typeface="Consolas" panose="020B0609020204030204" pitchFamily="49" charset="0"/>
+              </a:rPr>
+              <a:t>class</a:t>
+            </a:r>
+            <a:r>
+              <a:rPr lang="it-IT" sz="800" dirty="0">
+                <a:solidFill>
+                  <a:srgbClr val="DCDCDC"/>
+                </a:solidFill>
+                <a:highlight>
+                  <a:srgbClr val="1E1E1E"/>
+                </a:highlight>
+                <a:latin typeface="Consolas" panose="020B0609020204030204" pitchFamily="49" charset="0"/>
+              </a:rPr>
+              <a:t> </a:t>
+            </a:r>
+            <a:r>
+              <a:rPr lang="it-IT" sz="800" dirty="0" err="1">
+                <a:solidFill>
+                  <a:srgbClr val="4EC9B0"/>
+                </a:solidFill>
+                <a:highlight>
+                  <a:srgbClr val="1E1E1E"/>
+                </a:highlight>
+                <a:latin typeface="Consolas" panose="020B0609020204030204" pitchFamily="49" charset="0"/>
+              </a:rPr>
+              <a:t>GenericCalculator</a:t>
+            </a:r>
+            <a:endParaRPr lang="it-IT" sz="800" dirty="0">
+              <a:solidFill>
+                <a:srgbClr val="DCDCDC"/>
+              </a:solidFill>
+              <a:highlight>
+                <a:srgbClr val="1E1E1E"/>
+              </a:highlight>
+              <a:latin typeface="Consolas" panose="020B0609020204030204" pitchFamily="49" charset="0"/>
+            </a:endParaRPr>
+          </a:p>
+          <a:p>
+            <a:r>
+              <a:rPr lang="it-IT" sz="800" dirty="0">
+                <a:solidFill>
+                  <a:srgbClr val="DCDCDC"/>
+                </a:solidFill>
+                <a:highlight>
+                  <a:srgbClr val="1E1E1E"/>
+                </a:highlight>
+                <a:latin typeface="Consolas" panose="020B0609020204030204" pitchFamily="49" charset="0"/>
+              </a:rPr>
+              <a:t>    {</a:t>
+            </a:r>
+          </a:p>
+          <a:p>
+            <a:r>
+              <a:rPr lang="it-IT" sz="800" dirty="0">
+                <a:solidFill>
+                  <a:srgbClr val="DCDCDC"/>
+                </a:solidFill>
+                <a:highlight>
+                  <a:srgbClr val="1E1E1E"/>
+                </a:highlight>
+                <a:latin typeface="Consolas" panose="020B0609020204030204" pitchFamily="49" charset="0"/>
+              </a:rPr>
+              <a:t>        </a:t>
+            </a:r>
+            <a:r>
+              <a:rPr lang="it-IT" sz="800" dirty="0">
+                <a:solidFill>
+                  <a:srgbClr val="569CD6"/>
+                </a:solidFill>
+                <a:highlight>
+                  <a:srgbClr val="1E1E1E"/>
+                </a:highlight>
+                <a:latin typeface="Consolas" panose="020B0609020204030204" pitchFamily="49" charset="0"/>
+              </a:rPr>
+              <a:t>public</a:t>
+            </a:r>
+            <a:r>
+              <a:rPr lang="it-IT" sz="800" dirty="0">
+                <a:solidFill>
+                  <a:srgbClr val="DCDCDC"/>
+                </a:solidFill>
+                <a:highlight>
+                  <a:srgbClr val="1E1E1E"/>
+                </a:highlight>
+                <a:latin typeface="Consolas" panose="020B0609020204030204" pitchFamily="49" charset="0"/>
+              </a:rPr>
+              <a:t> </a:t>
+            </a:r>
+            <a:r>
+              <a:rPr lang="it-IT" sz="800" dirty="0" err="1">
+                <a:solidFill>
+                  <a:srgbClr val="569CD6"/>
+                </a:solidFill>
+                <a:highlight>
+                  <a:srgbClr val="1E1E1E"/>
+                </a:highlight>
+                <a:latin typeface="Consolas" panose="020B0609020204030204" pitchFamily="49" charset="0"/>
+              </a:rPr>
+              <a:t>virtual</a:t>
+            </a:r>
+            <a:r>
+              <a:rPr lang="it-IT" sz="800" dirty="0">
+                <a:solidFill>
+                  <a:srgbClr val="DCDCDC"/>
+                </a:solidFill>
+                <a:highlight>
+                  <a:srgbClr val="1E1E1E"/>
+                </a:highlight>
+                <a:latin typeface="Consolas" panose="020B0609020204030204" pitchFamily="49" charset="0"/>
+              </a:rPr>
+              <a:t> </a:t>
+            </a:r>
+            <a:r>
+              <a:rPr lang="it-IT" sz="800" dirty="0">
+                <a:solidFill>
+                  <a:srgbClr val="569CD6"/>
+                </a:solidFill>
+                <a:highlight>
+                  <a:srgbClr val="1E1E1E"/>
+                </a:highlight>
+                <a:latin typeface="Consolas" panose="020B0609020204030204" pitchFamily="49" charset="0"/>
+              </a:rPr>
+              <a:t>float</a:t>
+            </a:r>
+            <a:r>
+              <a:rPr lang="it-IT" sz="800" dirty="0">
+                <a:solidFill>
+                  <a:srgbClr val="DCDCDC"/>
+                </a:solidFill>
+                <a:highlight>
+                  <a:srgbClr val="1E1E1E"/>
+                </a:highlight>
+                <a:latin typeface="Consolas" panose="020B0609020204030204" pitchFamily="49" charset="0"/>
+              </a:rPr>
+              <a:t> Sum()</a:t>
+            </a:r>
+          </a:p>
+          <a:p>
+            <a:r>
+              <a:rPr lang="it-IT" sz="800" dirty="0">
+                <a:solidFill>
+                  <a:srgbClr val="DCDCDC"/>
+                </a:solidFill>
+                <a:highlight>
+                  <a:srgbClr val="1E1E1E"/>
+                </a:highlight>
+                <a:latin typeface="Consolas" panose="020B0609020204030204" pitchFamily="49" charset="0"/>
+              </a:rPr>
+              <a:t>        {</a:t>
+            </a:r>
+          </a:p>
+          <a:p>
+            <a:r>
+              <a:rPr lang="it-IT" sz="800" dirty="0">
+                <a:solidFill>
+                  <a:srgbClr val="DCDCDC"/>
+                </a:solidFill>
+                <a:highlight>
+                  <a:srgbClr val="1E1E1E"/>
+                </a:highlight>
+                <a:latin typeface="Consolas" panose="020B0609020204030204" pitchFamily="49" charset="0"/>
+              </a:rPr>
+              <a:t>            </a:t>
+            </a:r>
+            <a:r>
+              <a:rPr lang="it-IT" sz="800" dirty="0" err="1">
+                <a:solidFill>
+                  <a:srgbClr val="569CD6"/>
+                </a:solidFill>
+                <a:highlight>
+                  <a:srgbClr val="1E1E1E"/>
+                </a:highlight>
+                <a:latin typeface="Consolas" panose="020B0609020204030204" pitchFamily="49" charset="0"/>
+              </a:rPr>
+              <a:t>return</a:t>
+            </a:r>
+            <a:r>
+              <a:rPr lang="it-IT" sz="800" dirty="0">
+                <a:solidFill>
+                  <a:srgbClr val="DCDCDC"/>
+                </a:solidFill>
+                <a:highlight>
+                  <a:srgbClr val="1E1E1E"/>
+                </a:highlight>
+                <a:latin typeface="Consolas" panose="020B0609020204030204" pitchFamily="49" charset="0"/>
+              </a:rPr>
+              <a:t> </a:t>
+            </a:r>
+            <a:r>
+              <a:rPr lang="it-IT" sz="800" dirty="0">
+                <a:solidFill>
+                  <a:srgbClr val="B5CEA8"/>
+                </a:solidFill>
+                <a:highlight>
+                  <a:srgbClr val="1E1E1E"/>
+                </a:highlight>
+                <a:latin typeface="Consolas" panose="020B0609020204030204" pitchFamily="49" charset="0"/>
+              </a:rPr>
+              <a:t>0</a:t>
+            </a:r>
+            <a:r>
+              <a:rPr lang="it-IT" sz="800" dirty="0">
+                <a:solidFill>
+                  <a:srgbClr val="DCDCDC"/>
+                </a:solidFill>
+                <a:highlight>
+                  <a:srgbClr val="1E1E1E"/>
+                </a:highlight>
+                <a:latin typeface="Consolas" panose="020B0609020204030204" pitchFamily="49" charset="0"/>
+              </a:rPr>
+              <a:t>;</a:t>
+            </a:r>
+          </a:p>
+          <a:p>
+            <a:r>
+              <a:rPr lang="it-IT" sz="800" dirty="0">
+                <a:solidFill>
+                  <a:srgbClr val="DCDCDC"/>
+                </a:solidFill>
+                <a:highlight>
+                  <a:srgbClr val="1E1E1E"/>
+                </a:highlight>
+                <a:latin typeface="Consolas" panose="020B0609020204030204" pitchFamily="49" charset="0"/>
+              </a:rPr>
+              <a:t>        }</a:t>
+            </a:r>
+          </a:p>
+          <a:p>
+            <a:r>
+              <a:rPr lang="it-IT" sz="800" dirty="0">
+                <a:solidFill>
+                  <a:srgbClr val="DCDCDC"/>
+                </a:solidFill>
+                <a:highlight>
+                  <a:srgbClr val="1E1E1E"/>
+                </a:highlight>
+                <a:latin typeface="Consolas" panose="020B0609020204030204" pitchFamily="49" charset="0"/>
+              </a:rPr>
+              <a:t>    }</a:t>
+            </a:r>
+          </a:p>
+          <a:p>
+            <a:endParaRPr lang="it-IT" sz="800" dirty="0">
+              <a:solidFill>
+                <a:srgbClr val="DCDCDC"/>
+              </a:solidFill>
+              <a:highlight>
+                <a:srgbClr val="1E1E1E"/>
+              </a:highlight>
+              <a:latin typeface="Consolas" panose="020B0609020204030204" pitchFamily="49" charset="0"/>
+            </a:endParaRPr>
+          </a:p>
+          <a:p>
+            <a:r>
+              <a:rPr lang="it-IT" sz="800" dirty="0">
+                <a:solidFill>
+                  <a:srgbClr val="DCDCDC"/>
+                </a:solidFill>
+                <a:highlight>
+                  <a:srgbClr val="1E1E1E"/>
+                </a:highlight>
+                <a:latin typeface="Consolas" panose="020B0609020204030204" pitchFamily="49" charset="0"/>
+              </a:rPr>
+              <a:t>    </a:t>
+            </a:r>
+            <a:r>
+              <a:rPr lang="it-IT" sz="800" dirty="0">
+                <a:solidFill>
+                  <a:srgbClr val="569CD6"/>
+                </a:solidFill>
+                <a:highlight>
+                  <a:srgbClr val="1E1E1E"/>
+                </a:highlight>
+                <a:latin typeface="Consolas" panose="020B0609020204030204" pitchFamily="49" charset="0"/>
+              </a:rPr>
+              <a:t>public</a:t>
+            </a:r>
+            <a:r>
+              <a:rPr lang="it-IT" sz="800" dirty="0">
+                <a:solidFill>
+                  <a:srgbClr val="DCDCDC"/>
+                </a:solidFill>
+                <a:highlight>
+                  <a:srgbClr val="1E1E1E"/>
+                </a:highlight>
+                <a:latin typeface="Consolas" panose="020B0609020204030204" pitchFamily="49" charset="0"/>
+              </a:rPr>
+              <a:t> </a:t>
+            </a:r>
+            <a:r>
+              <a:rPr lang="it-IT" sz="800" dirty="0" err="1">
+                <a:solidFill>
+                  <a:srgbClr val="569CD6"/>
+                </a:solidFill>
+                <a:highlight>
+                  <a:srgbClr val="1E1E1E"/>
+                </a:highlight>
+                <a:latin typeface="Consolas" panose="020B0609020204030204" pitchFamily="49" charset="0"/>
+              </a:rPr>
+              <a:t>class</a:t>
+            </a:r>
+            <a:r>
+              <a:rPr lang="it-IT" sz="800" dirty="0">
+                <a:solidFill>
+                  <a:srgbClr val="DCDCDC"/>
+                </a:solidFill>
+                <a:highlight>
+                  <a:srgbClr val="1E1E1E"/>
+                </a:highlight>
+                <a:latin typeface="Consolas" panose="020B0609020204030204" pitchFamily="49" charset="0"/>
+              </a:rPr>
+              <a:t> </a:t>
+            </a:r>
+            <a:r>
+              <a:rPr lang="it-IT" sz="800" dirty="0" err="1">
+                <a:solidFill>
+                  <a:srgbClr val="4EC9B0"/>
+                </a:solidFill>
+                <a:highlight>
+                  <a:srgbClr val="1E1E1E"/>
+                </a:highlight>
+                <a:latin typeface="Consolas" panose="020B0609020204030204" pitchFamily="49" charset="0"/>
+              </a:rPr>
+              <a:t>AreaCalculator</a:t>
+            </a:r>
+            <a:r>
+              <a:rPr lang="it-IT" sz="800" dirty="0">
+                <a:solidFill>
+                  <a:srgbClr val="DCDCDC"/>
+                </a:solidFill>
+                <a:highlight>
+                  <a:srgbClr val="1E1E1E"/>
+                </a:highlight>
+                <a:latin typeface="Consolas" panose="020B0609020204030204" pitchFamily="49" charset="0"/>
+              </a:rPr>
+              <a:t> : </a:t>
+            </a:r>
+            <a:r>
+              <a:rPr lang="it-IT" sz="800" dirty="0" err="1">
+                <a:solidFill>
+                  <a:srgbClr val="4EC9B0"/>
+                </a:solidFill>
+                <a:highlight>
+                  <a:srgbClr val="1E1E1E"/>
+                </a:highlight>
+                <a:latin typeface="Consolas" panose="020B0609020204030204" pitchFamily="49" charset="0"/>
+              </a:rPr>
+              <a:t>GenericCalculator</a:t>
+            </a:r>
+            <a:endParaRPr lang="it-IT" sz="800" dirty="0">
+              <a:solidFill>
+                <a:srgbClr val="DCDCDC"/>
+              </a:solidFill>
+              <a:highlight>
+                <a:srgbClr val="1E1E1E"/>
+              </a:highlight>
+              <a:latin typeface="Consolas" panose="020B0609020204030204" pitchFamily="49" charset="0"/>
+            </a:endParaRPr>
+          </a:p>
+          <a:p>
+            <a:r>
+              <a:rPr lang="it-IT" sz="800" dirty="0">
+                <a:solidFill>
+                  <a:srgbClr val="DCDCDC"/>
+                </a:solidFill>
+                <a:highlight>
+                  <a:srgbClr val="1E1E1E"/>
+                </a:highlight>
+                <a:latin typeface="Consolas" panose="020B0609020204030204" pitchFamily="49" charset="0"/>
+              </a:rPr>
+              <a:t>    {</a:t>
+            </a:r>
+          </a:p>
+          <a:p>
+            <a:r>
+              <a:rPr lang="it-IT" sz="800" dirty="0">
+                <a:solidFill>
+                  <a:srgbClr val="DCDCDC"/>
+                </a:solidFill>
+                <a:highlight>
+                  <a:srgbClr val="1E1E1E"/>
+                </a:highlight>
+                <a:latin typeface="Consolas" panose="020B0609020204030204" pitchFamily="49" charset="0"/>
+              </a:rPr>
+              <a:t>        </a:t>
+            </a:r>
+            <a:r>
+              <a:rPr lang="it-IT" sz="800" dirty="0">
+                <a:solidFill>
+                  <a:srgbClr val="569CD6"/>
+                </a:solidFill>
+                <a:highlight>
+                  <a:srgbClr val="1E1E1E"/>
+                </a:highlight>
+                <a:latin typeface="Consolas" panose="020B0609020204030204" pitchFamily="49" charset="0"/>
+              </a:rPr>
+              <a:t>private</a:t>
+            </a:r>
+            <a:r>
+              <a:rPr lang="it-IT" sz="800" dirty="0">
+                <a:solidFill>
+                  <a:srgbClr val="DCDCDC"/>
+                </a:solidFill>
+                <a:highlight>
+                  <a:srgbClr val="1E1E1E"/>
+                </a:highlight>
+                <a:latin typeface="Consolas" panose="020B0609020204030204" pitchFamily="49" charset="0"/>
+              </a:rPr>
+              <a:t> </a:t>
+            </a:r>
+            <a:r>
+              <a:rPr lang="it-IT" sz="800" dirty="0" err="1">
+                <a:solidFill>
+                  <a:srgbClr val="569CD6"/>
+                </a:solidFill>
+                <a:highlight>
+                  <a:srgbClr val="1E1E1E"/>
+                </a:highlight>
+                <a:latin typeface="Consolas" panose="020B0609020204030204" pitchFamily="49" charset="0"/>
+              </a:rPr>
+              <a:t>readonly</a:t>
+            </a:r>
+            <a:r>
+              <a:rPr lang="it-IT" sz="800" dirty="0">
+                <a:solidFill>
+                  <a:srgbClr val="DCDCDC"/>
+                </a:solidFill>
+                <a:highlight>
+                  <a:srgbClr val="1E1E1E"/>
+                </a:highlight>
+                <a:latin typeface="Consolas" panose="020B0609020204030204" pitchFamily="49" charset="0"/>
+              </a:rPr>
+              <a:t> </a:t>
+            </a:r>
+            <a:r>
+              <a:rPr lang="it-IT" sz="800" dirty="0" err="1">
+                <a:solidFill>
+                  <a:srgbClr val="B8D7A3"/>
+                </a:solidFill>
+                <a:highlight>
+                  <a:srgbClr val="1E1E1E"/>
+                </a:highlight>
+                <a:latin typeface="Consolas" panose="020B0609020204030204" pitchFamily="49" charset="0"/>
+              </a:rPr>
+              <a:t>IShape</a:t>
+            </a:r>
+            <a:r>
+              <a:rPr lang="it-IT" sz="800" dirty="0">
+                <a:solidFill>
+                  <a:srgbClr val="DCDCDC"/>
+                </a:solidFill>
+                <a:highlight>
+                  <a:srgbClr val="1E1E1E"/>
+                </a:highlight>
+                <a:latin typeface="Consolas" panose="020B0609020204030204" pitchFamily="49" charset="0"/>
+              </a:rPr>
+              <a:t>[] </a:t>
+            </a:r>
+            <a:r>
+              <a:rPr lang="it-IT" sz="800" dirty="0" err="1">
+                <a:solidFill>
+                  <a:srgbClr val="DCDCDC"/>
+                </a:solidFill>
+                <a:highlight>
+                  <a:srgbClr val="1E1E1E"/>
+                </a:highlight>
+                <a:latin typeface="Consolas" panose="020B0609020204030204" pitchFamily="49" charset="0"/>
+              </a:rPr>
+              <a:t>shapes</a:t>
+            </a:r>
+            <a:r>
+              <a:rPr lang="it-IT" sz="800" dirty="0" smtClean="0">
+                <a:solidFill>
+                  <a:srgbClr val="DCDCDC"/>
+                </a:solidFill>
+                <a:highlight>
+                  <a:srgbClr val="1E1E1E"/>
+                </a:highlight>
+                <a:latin typeface="Consolas" panose="020B0609020204030204" pitchFamily="49" charset="0"/>
+              </a:rPr>
+              <a:t>;</a:t>
+            </a:r>
+            <a:endParaRPr lang="it-IT" sz="800" dirty="0">
+              <a:solidFill>
+                <a:srgbClr val="DCDCDC"/>
+              </a:solidFill>
+              <a:highlight>
+                <a:srgbClr val="1E1E1E"/>
+              </a:highlight>
+              <a:latin typeface="Consolas" panose="020B0609020204030204" pitchFamily="49" charset="0"/>
+            </a:endParaRPr>
+          </a:p>
+          <a:p>
+            <a:r>
+              <a:rPr lang="it-IT" sz="800" dirty="0">
+                <a:solidFill>
+                  <a:srgbClr val="DCDCDC"/>
+                </a:solidFill>
+                <a:highlight>
+                  <a:srgbClr val="1E1E1E"/>
+                </a:highlight>
+                <a:latin typeface="Consolas" panose="020B0609020204030204" pitchFamily="49" charset="0"/>
+              </a:rPr>
+              <a:t>        </a:t>
+            </a:r>
+            <a:r>
+              <a:rPr lang="it-IT" sz="800" dirty="0">
+                <a:solidFill>
+                  <a:srgbClr val="569CD6"/>
+                </a:solidFill>
+                <a:highlight>
+                  <a:srgbClr val="1E1E1E"/>
+                </a:highlight>
+                <a:latin typeface="Consolas" panose="020B0609020204030204" pitchFamily="49" charset="0"/>
+              </a:rPr>
+              <a:t>public</a:t>
+            </a:r>
+            <a:r>
+              <a:rPr lang="it-IT" sz="800" dirty="0">
+                <a:solidFill>
+                  <a:srgbClr val="DCDCDC"/>
+                </a:solidFill>
+                <a:highlight>
+                  <a:srgbClr val="1E1E1E"/>
+                </a:highlight>
+                <a:latin typeface="Consolas" panose="020B0609020204030204" pitchFamily="49" charset="0"/>
+              </a:rPr>
+              <a:t> </a:t>
+            </a:r>
+            <a:r>
+              <a:rPr lang="it-IT" sz="800" dirty="0" err="1">
+                <a:solidFill>
+                  <a:srgbClr val="DCDCDC"/>
+                </a:solidFill>
+                <a:highlight>
+                  <a:srgbClr val="1E1E1E"/>
+                </a:highlight>
+                <a:latin typeface="Consolas" panose="020B0609020204030204" pitchFamily="49" charset="0"/>
+              </a:rPr>
+              <a:t>AreaCalculator</a:t>
+            </a:r>
+            <a:r>
+              <a:rPr lang="it-IT" sz="800" dirty="0">
+                <a:solidFill>
+                  <a:srgbClr val="DCDCDC"/>
+                </a:solidFill>
+                <a:highlight>
+                  <a:srgbClr val="1E1E1E"/>
+                </a:highlight>
+                <a:latin typeface="Consolas" panose="020B0609020204030204" pitchFamily="49" charset="0"/>
+              </a:rPr>
+              <a:t>(</a:t>
+            </a:r>
+            <a:r>
+              <a:rPr lang="it-IT" sz="800" dirty="0" err="1">
+                <a:solidFill>
+                  <a:srgbClr val="B8D7A3"/>
+                </a:solidFill>
+                <a:highlight>
+                  <a:srgbClr val="1E1E1E"/>
+                </a:highlight>
+                <a:latin typeface="Consolas" panose="020B0609020204030204" pitchFamily="49" charset="0"/>
+              </a:rPr>
+              <a:t>IShape</a:t>
+            </a:r>
+            <a:r>
+              <a:rPr lang="it-IT" sz="800" dirty="0">
+                <a:solidFill>
+                  <a:srgbClr val="DCDCDC"/>
+                </a:solidFill>
+                <a:highlight>
+                  <a:srgbClr val="1E1E1E"/>
+                </a:highlight>
+                <a:latin typeface="Consolas" panose="020B0609020204030204" pitchFamily="49" charset="0"/>
+              </a:rPr>
+              <a:t>[] </a:t>
+            </a:r>
+            <a:r>
+              <a:rPr lang="it-IT" sz="800" dirty="0" err="1">
+                <a:solidFill>
+                  <a:srgbClr val="DCDCDC"/>
+                </a:solidFill>
+                <a:highlight>
+                  <a:srgbClr val="1E1E1E"/>
+                </a:highlight>
+                <a:latin typeface="Consolas" panose="020B0609020204030204" pitchFamily="49" charset="0"/>
+              </a:rPr>
+              <a:t>shapes</a:t>
+            </a:r>
+            <a:r>
+              <a:rPr lang="it-IT" sz="800" dirty="0">
+                <a:solidFill>
+                  <a:srgbClr val="DCDCDC"/>
+                </a:solidFill>
+                <a:highlight>
+                  <a:srgbClr val="1E1E1E"/>
+                </a:highlight>
+                <a:latin typeface="Consolas" panose="020B0609020204030204" pitchFamily="49" charset="0"/>
+              </a:rPr>
+              <a:t>)</a:t>
+            </a:r>
+          </a:p>
+          <a:p>
+            <a:r>
+              <a:rPr lang="it-IT" sz="800" dirty="0">
+                <a:solidFill>
+                  <a:srgbClr val="DCDCDC"/>
+                </a:solidFill>
+                <a:highlight>
+                  <a:srgbClr val="1E1E1E"/>
+                </a:highlight>
+                <a:latin typeface="Consolas" panose="020B0609020204030204" pitchFamily="49" charset="0"/>
+              </a:rPr>
+              <a:t>        {</a:t>
+            </a:r>
+          </a:p>
+          <a:p>
+            <a:r>
+              <a:rPr lang="it-IT" sz="800" dirty="0">
+                <a:solidFill>
+                  <a:srgbClr val="DCDCDC"/>
+                </a:solidFill>
+                <a:highlight>
+                  <a:srgbClr val="1E1E1E"/>
+                </a:highlight>
+                <a:latin typeface="Consolas" panose="020B0609020204030204" pitchFamily="49" charset="0"/>
+              </a:rPr>
+              <a:t>            </a:t>
+            </a:r>
+            <a:r>
+              <a:rPr lang="it-IT" sz="800" dirty="0" err="1">
+                <a:solidFill>
+                  <a:srgbClr val="569CD6"/>
+                </a:solidFill>
+                <a:highlight>
+                  <a:srgbClr val="1E1E1E"/>
+                </a:highlight>
+                <a:latin typeface="Consolas" panose="020B0609020204030204" pitchFamily="49" charset="0"/>
+              </a:rPr>
+              <a:t>this</a:t>
+            </a:r>
+            <a:r>
+              <a:rPr lang="it-IT" sz="800" dirty="0" err="1">
+                <a:solidFill>
+                  <a:srgbClr val="B4B4B4"/>
+                </a:solidFill>
+                <a:highlight>
+                  <a:srgbClr val="1E1E1E"/>
+                </a:highlight>
+                <a:latin typeface="Consolas" panose="020B0609020204030204" pitchFamily="49" charset="0"/>
+              </a:rPr>
+              <a:t>.</a:t>
+            </a:r>
+            <a:r>
+              <a:rPr lang="it-IT" sz="800" dirty="0" err="1">
+                <a:solidFill>
+                  <a:srgbClr val="DCDCDC"/>
+                </a:solidFill>
+                <a:highlight>
+                  <a:srgbClr val="1E1E1E"/>
+                </a:highlight>
+                <a:latin typeface="Consolas" panose="020B0609020204030204" pitchFamily="49" charset="0"/>
+              </a:rPr>
+              <a:t>shapes</a:t>
+            </a:r>
+            <a:r>
+              <a:rPr lang="it-IT" sz="800" dirty="0">
+                <a:solidFill>
+                  <a:srgbClr val="DCDCDC"/>
+                </a:solidFill>
+                <a:highlight>
+                  <a:srgbClr val="1E1E1E"/>
+                </a:highlight>
+                <a:latin typeface="Consolas" panose="020B0609020204030204" pitchFamily="49" charset="0"/>
+              </a:rPr>
+              <a:t> </a:t>
+            </a:r>
+            <a:r>
+              <a:rPr lang="it-IT" sz="800" dirty="0">
+                <a:solidFill>
+                  <a:srgbClr val="B4B4B4"/>
+                </a:solidFill>
+                <a:highlight>
+                  <a:srgbClr val="1E1E1E"/>
+                </a:highlight>
+                <a:latin typeface="Consolas" panose="020B0609020204030204" pitchFamily="49" charset="0"/>
+              </a:rPr>
+              <a:t>=</a:t>
+            </a:r>
+            <a:r>
+              <a:rPr lang="it-IT" sz="800" dirty="0">
+                <a:solidFill>
+                  <a:srgbClr val="DCDCDC"/>
+                </a:solidFill>
+                <a:highlight>
+                  <a:srgbClr val="1E1E1E"/>
+                </a:highlight>
+                <a:latin typeface="Consolas" panose="020B0609020204030204" pitchFamily="49" charset="0"/>
+              </a:rPr>
+              <a:t> </a:t>
+            </a:r>
+            <a:r>
+              <a:rPr lang="it-IT" sz="800" dirty="0" err="1">
+                <a:solidFill>
+                  <a:srgbClr val="DCDCDC"/>
+                </a:solidFill>
+                <a:highlight>
+                  <a:srgbClr val="1E1E1E"/>
+                </a:highlight>
+                <a:latin typeface="Consolas" panose="020B0609020204030204" pitchFamily="49" charset="0"/>
+              </a:rPr>
+              <a:t>shapes</a:t>
+            </a:r>
+            <a:r>
+              <a:rPr lang="it-IT" sz="800" dirty="0">
+                <a:solidFill>
+                  <a:srgbClr val="DCDCDC"/>
+                </a:solidFill>
+                <a:highlight>
+                  <a:srgbClr val="1E1E1E"/>
+                </a:highlight>
+                <a:latin typeface="Consolas" panose="020B0609020204030204" pitchFamily="49" charset="0"/>
+              </a:rPr>
+              <a:t>;</a:t>
+            </a:r>
+          </a:p>
+          <a:p>
+            <a:r>
+              <a:rPr lang="it-IT" sz="800" dirty="0">
+                <a:solidFill>
+                  <a:srgbClr val="DCDCDC"/>
+                </a:solidFill>
+                <a:highlight>
+                  <a:srgbClr val="1E1E1E"/>
+                </a:highlight>
+                <a:latin typeface="Consolas" panose="020B0609020204030204" pitchFamily="49" charset="0"/>
+              </a:rPr>
+              <a:t>        </a:t>
+            </a:r>
+            <a:r>
+              <a:rPr lang="it-IT" sz="800" dirty="0" smtClean="0">
+                <a:solidFill>
+                  <a:srgbClr val="DCDCDC"/>
+                </a:solidFill>
+                <a:highlight>
+                  <a:srgbClr val="1E1E1E"/>
+                </a:highlight>
+                <a:latin typeface="Consolas" panose="020B0609020204030204" pitchFamily="49" charset="0"/>
+              </a:rPr>
+              <a:t>}</a:t>
+            </a:r>
+            <a:endParaRPr lang="it-IT" sz="800" dirty="0">
+              <a:solidFill>
+                <a:srgbClr val="DCDCDC"/>
+              </a:solidFill>
+              <a:highlight>
+                <a:srgbClr val="1E1E1E"/>
+              </a:highlight>
+              <a:latin typeface="Consolas" panose="020B0609020204030204" pitchFamily="49" charset="0"/>
+            </a:endParaRPr>
+          </a:p>
+          <a:p>
+            <a:r>
+              <a:rPr lang="it-IT" sz="800" dirty="0">
+                <a:solidFill>
+                  <a:srgbClr val="DCDCDC"/>
+                </a:solidFill>
+                <a:highlight>
+                  <a:srgbClr val="1E1E1E"/>
+                </a:highlight>
+                <a:latin typeface="Consolas" panose="020B0609020204030204" pitchFamily="49" charset="0"/>
+              </a:rPr>
+              <a:t>        </a:t>
+            </a:r>
+            <a:r>
+              <a:rPr lang="it-IT" sz="800" dirty="0">
+                <a:solidFill>
+                  <a:srgbClr val="569CD6"/>
+                </a:solidFill>
+                <a:highlight>
+                  <a:srgbClr val="1E1E1E"/>
+                </a:highlight>
+                <a:latin typeface="Consolas" panose="020B0609020204030204" pitchFamily="49" charset="0"/>
+              </a:rPr>
+              <a:t>public</a:t>
+            </a:r>
+            <a:r>
+              <a:rPr lang="it-IT" sz="800" dirty="0">
+                <a:solidFill>
+                  <a:srgbClr val="DCDCDC"/>
+                </a:solidFill>
+                <a:highlight>
+                  <a:srgbClr val="1E1E1E"/>
+                </a:highlight>
+                <a:latin typeface="Consolas" panose="020B0609020204030204" pitchFamily="49" charset="0"/>
+              </a:rPr>
+              <a:t> </a:t>
+            </a:r>
+            <a:r>
+              <a:rPr lang="it-IT" sz="800" dirty="0" err="1">
+                <a:solidFill>
+                  <a:srgbClr val="569CD6"/>
+                </a:solidFill>
+                <a:highlight>
+                  <a:srgbClr val="1E1E1E"/>
+                </a:highlight>
+                <a:latin typeface="Consolas" panose="020B0609020204030204" pitchFamily="49" charset="0"/>
+              </a:rPr>
+              <a:t>override</a:t>
+            </a:r>
+            <a:r>
+              <a:rPr lang="it-IT" sz="800" dirty="0">
+                <a:solidFill>
+                  <a:srgbClr val="DCDCDC"/>
+                </a:solidFill>
+                <a:highlight>
+                  <a:srgbClr val="1E1E1E"/>
+                </a:highlight>
+                <a:latin typeface="Consolas" panose="020B0609020204030204" pitchFamily="49" charset="0"/>
+              </a:rPr>
+              <a:t> </a:t>
+            </a:r>
+            <a:r>
+              <a:rPr lang="it-IT" sz="800" dirty="0">
+                <a:solidFill>
+                  <a:srgbClr val="569CD6"/>
+                </a:solidFill>
+                <a:highlight>
+                  <a:srgbClr val="1E1E1E"/>
+                </a:highlight>
+                <a:latin typeface="Consolas" panose="020B0609020204030204" pitchFamily="49" charset="0"/>
+              </a:rPr>
+              <a:t>float</a:t>
+            </a:r>
+            <a:r>
+              <a:rPr lang="it-IT" sz="800" dirty="0">
+                <a:solidFill>
+                  <a:srgbClr val="DCDCDC"/>
+                </a:solidFill>
+                <a:highlight>
+                  <a:srgbClr val="1E1E1E"/>
+                </a:highlight>
+                <a:latin typeface="Consolas" panose="020B0609020204030204" pitchFamily="49" charset="0"/>
+              </a:rPr>
+              <a:t> Sum()</a:t>
+            </a:r>
+          </a:p>
+          <a:p>
+            <a:r>
+              <a:rPr lang="it-IT" sz="800" dirty="0">
+                <a:solidFill>
+                  <a:srgbClr val="DCDCDC"/>
+                </a:solidFill>
+                <a:highlight>
+                  <a:srgbClr val="1E1E1E"/>
+                </a:highlight>
+                <a:latin typeface="Consolas" panose="020B0609020204030204" pitchFamily="49" charset="0"/>
+              </a:rPr>
+              <a:t>        {</a:t>
+            </a:r>
+          </a:p>
+          <a:p>
+            <a:r>
+              <a:rPr lang="it-IT" sz="800" dirty="0">
+                <a:solidFill>
+                  <a:srgbClr val="DCDCDC"/>
+                </a:solidFill>
+                <a:highlight>
+                  <a:srgbClr val="1E1E1E"/>
+                </a:highlight>
+                <a:latin typeface="Consolas" panose="020B0609020204030204" pitchFamily="49" charset="0"/>
+              </a:rPr>
+              <a:t>            </a:t>
+            </a:r>
+            <a:r>
+              <a:rPr lang="it-IT" sz="800" dirty="0" err="1">
+                <a:solidFill>
+                  <a:srgbClr val="569CD6"/>
+                </a:solidFill>
+                <a:highlight>
+                  <a:srgbClr val="1E1E1E"/>
+                </a:highlight>
+                <a:latin typeface="Consolas" panose="020B0609020204030204" pitchFamily="49" charset="0"/>
+              </a:rPr>
+              <a:t>return</a:t>
+            </a:r>
+            <a:r>
+              <a:rPr lang="it-IT" sz="800" dirty="0">
+                <a:solidFill>
+                  <a:srgbClr val="DCDCDC"/>
+                </a:solidFill>
+                <a:highlight>
+                  <a:srgbClr val="1E1E1E"/>
+                </a:highlight>
+                <a:latin typeface="Consolas" panose="020B0609020204030204" pitchFamily="49" charset="0"/>
+              </a:rPr>
+              <a:t> </a:t>
+            </a:r>
+            <a:r>
+              <a:rPr lang="it-IT" sz="800" dirty="0" err="1">
+                <a:solidFill>
+                  <a:srgbClr val="DCDCDC"/>
+                </a:solidFill>
+                <a:highlight>
+                  <a:srgbClr val="1E1E1E"/>
+                </a:highlight>
+                <a:latin typeface="Consolas" panose="020B0609020204030204" pitchFamily="49" charset="0"/>
+              </a:rPr>
+              <a:t>shapes</a:t>
+            </a:r>
+            <a:r>
+              <a:rPr lang="it-IT" sz="800" dirty="0" err="1">
+                <a:solidFill>
+                  <a:srgbClr val="B4B4B4"/>
+                </a:solidFill>
+                <a:highlight>
+                  <a:srgbClr val="1E1E1E"/>
+                </a:highlight>
+                <a:latin typeface="Consolas" panose="020B0609020204030204" pitchFamily="49" charset="0"/>
+              </a:rPr>
+              <a:t>.</a:t>
+            </a:r>
+            <a:r>
+              <a:rPr lang="it-IT" sz="800" dirty="0" err="1">
+                <a:solidFill>
+                  <a:srgbClr val="DCDCDC"/>
+                </a:solidFill>
+                <a:highlight>
+                  <a:srgbClr val="1E1E1E"/>
+                </a:highlight>
+                <a:latin typeface="Consolas" panose="020B0609020204030204" pitchFamily="49" charset="0"/>
+              </a:rPr>
+              <a:t>Sum</a:t>
+            </a:r>
+            <a:r>
+              <a:rPr lang="it-IT" sz="800" dirty="0">
+                <a:solidFill>
+                  <a:srgbClr val="DCDCDC"/>
+                </a:solidFill>
+                <a:highlight>
+                  <a:srgbClr val="1E1E1E"/>
+                </a:highlight>
+                <a:latin typeface="Consolas" panose="020B0609020204030204" pitchFamily="49" charset="0"/>
+              </a:rPr>
+              <a:t>(s </a:t>
+            </a:r>
+            <a:r>
+              <a:rPr lang="it-IT" sz="800" dirty="0">
+                <a:solidFill>
+                  <a:srgbClr val="B4B4B4"/>
+                </a:solidFill>
+                <a:highlight>
+                  <a:srgbClr val="1E1E1E"/>
+                </a:highlight>
+                <a:latin typeface="Consolas" panose="020B0609020204030204" pitchFamily="49" charset="0"/>
+              </a:rPr>
+              <a:t>=&gt;</a:t>
+            </a:r>
+            <a:r>
+              <a:rPr lang="it-IT" sz="800" dirty="0">
+                <a:solidFill>
+                  <a:srgbClr val="DCDCDC"/>
+                </a:solidFill>
+                <a:highlight>
+                  <a:srgbClr val="1E1E1E"/>
+                </a:highlight>
+                <a:latin typeface="Consolas" panose="020B0609020204030204" pitchFamily="49" charset="0"/>
+              </a:rPr>
+              <a:t> </a:t>
+            </a:r>
+            <a:r>
+              <a:rPr lang="it-IT" sz="800" dirty="0" err="1">
+                <a:solidFill>
+                  <a:srgbClr val="DCDCDC"/>
+                </a:solidFill>
+                <a:highlight>
+                  <a:srgbClr val="1E1E1E"/>
+                </a:highlight>
+                <a:latin typeface="Consolas" panose="020B0609020204030204" pitchFamily="49" charset="0"/>
+              </a:rPr>
+              <a:t>s</a:t>
+            </a:r>
+            <a:r>
+              <a:rPr lang="it-IT" sz="800" dirty="0" err="1">
+                <a:solidFill>
+                  <a:srgbClr val="B4B4B4"/>
+                </a:solidFill>
+                <a:highlight>
+                  <a:srgbClr val="1E1E1E"/>
+                </a:highlight>
+                <a:latin typeface="Consolas" panose="020B0609020204030204" pitchFamily="49" charset="0"/>
+              </a:rPr>
+              <a:t>.</a:t>
+            </a:r>
+            <a:r>
+              <a:rPr lang="it-IT" sz="800" dirty="0" err="1">
+                <a:solidFill>
+                  <a:srgbClr val="DCDCDC"/>
+                </a:solidFill>
+                <a:highlight>
+                  <a:srgbClr val="1E1E1E"/>
+                </a:highlight>
+                <a:latin typeface="Consolas" panose="020B0609020204030204" pitchFamily="49" charset="0"/>
+              </a:rPr>
+              <a:t>GetArea</a:t>
+            </a:r>
+            <a:r>
+              <a:rPr lang="it-IT" sz="800" dirty="0">
+                <a:solidFill>
+                  <a:srgbClr val="DCDCDC"/>
+                </a:solidFill>
+                <a:highlight>
+                  <a:srgbClr val="1E1E1E"/>
+                </a:highlight>
+                <a:latin typeface="Consolas" panose="020B0609020204030204" pitchFamily="49" charset="0"/>
+              </a:rPr>
+              <a:t>());</a:t>
+            </a:r>
+          </a:p>
+          <a:p>
+            <a:r>
+              <a:rPr lang="it-IT" sz="800" dirty="0">
+                <a:solidFill>
+                  <a:srgbClr val="DCDCDC"/>
+                </a:solidFill>
+                <a:highlight>
+                  <a:srgbClr val="1E1E1E"/>
+                </a:highlight>
+                <a:latin typeface="Consolas" panose="020B0609020204030204" pitchFamily="49" charset="0"/>
+              </a:rPr>
+              <a:t>        }</a:t>
+            </a:r>
+          </a:p>
+          <a:p>
+            <a:r>
+              <a:rPr lang="it-IT" sz="800" dirty="0">
+                <a:solidFill>
+                  <a:srgbClr val="DCDCDC"/>
+                </a:solidFill>
+                <a:highlight>
+                  <a:srgbClr val="1E1E1E"/>
+                </a:highlight>
+                <a:latin typeface="Consolas" panose="020B0609020204030204" pitchFamily="49" charset="0"/>
+              </a:rPr>
+              <a:t>    }</a:t>
+            </a:r>
+          </a:p>
+          <a:p>
+            <a:endParaRPr lang="it-IT" sz="800" dirty="0">
+              <a:solidFill>
+                <a:srgbClr val="DCDCDC"/>
+              </a:solidFill>
+              <a:highlight>
+                <a:srgbClr val="1E1E1E"/>
+              </a:highlight>
+              <a:latin typeface="Consolas" panose="020B0609020204030204" pitchFamily="49" charset="0"/>
+            </a:endParaRPr>
+          </a:p>
+          <a:p>
+            <a:r>
+              <a:rPr lang="it-IT" sz="800" dirty="0">
+                <a:solidFill>
+                  <a:srgbClr val="DCDCDC"/>
+                </a:solidFill>
+                <a:highlight>
+                  <a:srgbClr val="1E1E1E"/>
+                </a:highlight>
+                <a:latin typeface="Consolas" panose="020B0609020204030204" pitchFamily="49" charset="0"/>
+              </a:rPr>
+              <a:t>    </a:t>
+            </a:r>
+            <a:r>
+              <a:rPr lang="it-IT" sz="800" dirty="0">
+                <a:solidFill>
+                  <a:srgbClr val="569CD6"/>
+                </a:solidFill>
+                <a:highlight>
+                  <a:srgbClr val="1E1E1E"/>
+                </a:highlight>
+                <a:latin typeface="Consolas" panose="020B0609020204030204" pitchFamily="49" charset="0"/>
+              </a:rPr>
+              <a:t>public</a:t>
+            </a:r>
+            <a:r>
+              <a:rPr lang="it-IT" sz="800" dirty="0">
+                <a:solidFill>
+                  <a:srgbClr val="DCDCDC"/>
+                </a:solidFill>
+                <a:highlight>
+                  <a:srgbClr val="1E1E1E"/>
+                </a:highlight>
+                <a:latin typeface="Consolas" panose="020B0609020204030204" pitchFamily="49" charset="0"/>
+              </a:rPr>
+              <a:t> </a:t>
+            </a:r>
+            <a:r>
+              <a:rPr lang="it-IT" sz="800" dirty="0" err="1">
+                <a:solidFill>
+                  <a:srgbClr val="569CD6"/>
+                </a:solidFill>
+                <a:highlight>
+                  <a:srgbClr val="1E1E1E"/>
+                </a:highlight>
+                <a:latin typeface="Consolas" panose="020B0609020204030204" pitchFamily="49" charset="0"/>
+              </a:rPr>
+              <a:t>class</a:t>
+            </a:r>
+            <a:r>
+              <a:rPr lang="it-IT" sz="800" dirty="0">
+                <a:solidFill>
+                  <a:srgbClr val="DCDCDC"/>
+                </a:solidFill>
+                <a:highlight>
+                  <a:srgbClr val="1E1E1E"/>
+                </a:highlight>
+                <a:latin typeface="Consolas" panose="020B0609020204030204" pitchFamily="49" charset="0"/>
+              </a:rPr>
+              <a:t> </a:t>
+            </a:r>
+            <a:r>
+              <a:rPr lang="it-IT" sz="800" dirty="0" err="1">
+                <a:solidFill>
+                  <a:srgbClr val="4EC9B0"/>
+                </a:solidFill>
+                <a:highlight>
+                  <a:srgbClr val="1E1E1E"/>
+                </a:highlight>
+                <a:latin typeface="Consolas" panose="020B0609020204030204" pitchFamily="49" charset="0"/>
+              </a:rPr>
+              <a:t>PerimeterCalculator</a:t>
+            </a:r>
+            <a:r>
+              <a:rPr lang="it-IT" sz="800" dirty="0">
+                <a:solidFill>
+                  <a:srgbClr val="DCDCDC"/>
+                </a:solidFill>
+                <a:highlight>
+                  <a:srgbClr val="1E1E1E"/>
+                </a:highlight>
+                <a:latin typeface="Consolas" panose="020B0609020204030204" pitchFamily="49" charset="0"/>
+              </a:rPr>
+              <a:t> : </a:t>
+            </a:r>
+            <a:r>
+              <a:rPr lang="it-IT" sz="800" dirty="0" err="1">
+                <a:solidFill>
+                  <a:srgbClr val="4EC9B0"/>
+                </a:solidFill>
+                <a:highlight>
+                  <a:srgbClr val="1E1E1E"/>
+                </a:highlight>
+                <a:latin typeface="Consolas" panose="020B0609020204030204" pitchFamily="49" charset="0"/>
+              </a:rPr>
+              <a:t>GenericCalculator</a:t>
+            </a:r>
+            <a:endParaRPr lang="it-IT" sz="800" dirty="0">
+              <a:solidFill>
+                <a:srgbClr val="DCDCDC"/>
+              </a:solidFill>
+              <a:highlight>
+                <a:srgbClr val="1E1E1E"/>
+              </a:highlight>
+              <a:latin typeface="Consolas" panose="020B0609020204030204" pitchFamily="49" charset="0"/>
+            </a:endParaRPr>
+          </a:p>
+          <a:p>
+            <a:r>
+              <a:rPr lang="it-IT" sz="800" dirty="0">
+                <a:solidFill>
+                  <a:srgbClr val="DCDCDC"/>
+                </a:solidFill>
+                <a:highlight>
+                  <a:srgbClr val="1E1E1E"/>
+                </a:highlight>
+                <a:latin typeface="Consolas" panose="020B0609020204030204" pitchFamily="49" charset="0"/>
+              </a:rPr>
+              <a:t>    {</a:t>
+            </a:r>
+          </a:p>
+          <a:p>
+            <a:r>
+              <a:rPr lang="it-IT" sz="800" dirty="0">
+                <a:solidFill>
+                  <a:srgbClr val="DCDCDC"/>
+                </a:solidFill>
+                <a:highlight>
+                  <a:srgbClr val="1E1E1E"/>
+                </a:highlight>
+                <a:latin typeface="Consolas" panose="020B0609020204030204" pitchFamily="49" charset="0"/>
+              </a:rPr>
+              <a:t>        </a:t>
+            </a:r>
+            <a:r>
+              <a:rPr lang="it-IT" sz="800" dirty="0">
+                <a:solidFill>
+                  <a:srgbClr val="569CD6"/>
+                </a:solidFill>
+                <a:highlight>
+                  <a:srgbClr val="1E1E1E"/>
+                </a:highlight>
+                <a:latin typeface="Consolas" panose="020B0609020204030204" pitchFamily="49" charset="0"/>
+              </a:rPr>
+              <a:t>private</a:t>
+            </a:r>
+            <a:r>
+              <a:rPr lang="it-IT" sz="800" dirty="0">
+                <a:solidFill>
+                  <a:srgbClr val="DCDCDC"/>
+                </a:solidFill>
+                <a:highlight>
+                  <a:srgbClr val="1E1E1E"/>
+                </a:highlight>
+                <a:latin typeface="Consolas" panose="020B0609020204030204" pitchFamily="49" charset="0"/>
+              </a:rPr>
+              <a:t> </a:t>
+            </a:r>
+            <a:r>
+              <a:rPr lang="it-IT" sz="800" dirty="0" err="1">
+                <a:solidFill>
+                  <a:srgbClr val="569CD6"/>
+                </a:solidFill>
+                <a:highlight>
+                  <a:srgbClr val="1E1E1E"/>
+                </a:highlight>
+                <a:latin typeface="Consolas" panose="020B0609020204030204" pitchFamily="49" charset="0"/>
+              </a:rPr>
+              <a:t>readonly</a:t>
+            </a:r>
+            <a:r>
+              <a:rPr lang="it-IT" sz="800" dirty="0">
+                <a:solidFill>
+                  <a:srgbClr val="DCDCDC"/>
+                </a:solidFill>
+                <a:highlight>
+                  <a:srgbClr val="1E1E1E"/>
+                </a:highlight>
+                <a:latin typeface="Consolas" panose="020B0609020204030204" pitchFamily="49" charset="0"/>
+              </a:rPr>
+              <a:t> </a:t>
+            </a:r>
+            <a:r>
+              <a:rPr lang="it-IT" sz="800" dirty="0" err="1">
+                <a:solidFill>
+                  <a:srgbClr val="B8D7A3"/>
+                </a:solidFill>
+                <a:highlight>
+                  <a:srgbClr val="1E1E1E"/>
+                </a:highlight>
+                <a:latin typeface="Consolas" panose="020B0609020204030204" pitchFamily="49" charset="0"/>
+              </a:rPr>
+              <a:t>ISquaredShape</a:t>
+            </a:r>
+            <a:r>
+              <a:rPr lang="it-IT" sz="800" dirty="0">
+                <a:solidFill>
+                  <a:srgbClr val="DCDCDC"/>
+                </a:solidFill>
+                <a:highlight>
+                  <a:srgbClr val="1E1E1E"/>
+                </a:highlight>
+                <a:latin typeface="Consolas" panose="020B0609020204030204" pitchFamily="49" charset="0"/>
+              </a:rPr>
+              <a:t>[] </a:t>
+            </a:r>
+            <a:r>
+              <a:rPr lang="it-IT" sz="800" dirty="0" err="1">
+                <a:solidFill>
+                  <a:srgbClr val="DCDCDC"/>
+                </a:solidFill>
+                <a:highlight>
+                  <a:srgbClr val="1E1E1E"/>
+                </a:highlight>
+                <a:latin typeface="Consolas" panose="020B0609020204030204" pitchFamily="49" charset="0"/>
+              </a:rPr>
+              <a:t>shapes</a:t>
+            </a:r>
+            <a:r>
+              <a:rPr lang="it-IT" sz="800" dirty="0" smtClean="0">
+                <a:solidFill>
+                  <a:srgbClr val="DCDCDC"/>
+                </a:solidFill>
+                <a:highlight>
+                  <a:srgbClr val="1E1E1E"/>
+                </a:highlight>
+                <a:latin typeface="Consolas" panose="020B0609020204030204" pitchFamily="49" charset="0"/>
+              </a:rPr>
+              <a:t>;</a:t>
+            </a:r>
+            <a:endParaRPr lang="it-IT" sz="800" dirty="0">
+              <a:solidFill>
+                <a:srgbClr val="DCDCDC"/>
+              </a:solidFill>
+              <a:highlight>
+                <a:srgbClr val="1E1E1E"/>
+              </a:highlight>
+              <a:latin typeface="Consolas" panose="020B0609020204030204" pitchFamily="49" charset="0"/>
+            </a:endParaRPr>
+          </a:p>
+          <a:p>
+            <a:r>
+              <a:rPr lang="it-IT" sz="800" dirty="0">
+                <a:solidFill>
+                  <a:srgbClr val="DCDCDC"/>
+                </a:solidFill>
+                <a:highlight>
+                  <a:srgbClr val="1E1E1E"/>
+                </a:highlight>
+                <a:latin typeface="Consolas" panose="020B0609020204030204" pitchFamily="49" charset="0"/>
+              </a:rPr>
+              <a:t>        </a:t>
+            </a:r>
+            <a:r>
+              <a:rPr lang="it-IT" sz="800" dirty="0">
+                <a:solidFill>
+                  <a:srgbClr val="569CD6"/>
+                </a:solidFill>
+                <a:highlight>
+                  <a:srgbClr val="1E1E1E"/>
+                </a:highlight>
+                <a:latin typeface="Consolas" panose="020B0609020204030204" pitchFamily="49" charset="0"/>
+              </a:rPr>
+              <a:t>public</a:t>
+            </a:r>
+            <a:r>
+              <a:rPr lang="it-IT" sz="800" dirty="0">
+                <a:solidFill>
+                  <a:srgbClr val="DCDCDC"/>
+                </a:solidFill>
+                <a:highlight>
+                  <a:srgbClr val="1E1E1E"/>
+                </a:highlight>
+                <a:latin typeface="Consolas" panose="020B0609020204030204" pitchFamily="49" charset="0"/>
+              </a:rPr>
+              <a:t> </a:t>
+            </a:r>
+            <a:r>
+              <a:rPr lang="it-IT" sz="800" dirty="0" err="1">
+                <a:solidFill>
+                  <a:srgbClr val="DCDCDC"/>
+                </a:solidFill>
+                <a:highlight>
+                  <a:srgbClr val="1E1E1E"/>
+                </a:highlight>
+                <a:latin typeface="Consolas" panose="020B0609020204030204" pitchFamily="49" charset="0"/>
+              </a:rPr>
+              <a:t>PerimeterCalculator</a:t>
+            </a:r>
+            <a:r>
+              <a:rPr lang="it-IT" sz="800" dirty="0">
+                <a:solidFill>
+                  <a:srgbClr val="DCDCDC"/>
+                </a:solidFill>
+                <a:highlight>
+                  <a:srgbClr val="1E1E1E"/>
+                </a:highlight>
+                <a:latin typeface="Consolas" panose="020B0609020204030204" pitchFamily="49" charset="0"/>
+              </a:rPr>
+              <a:t>(</a:t>
+            </a:r>
+            <a:r>
+              <a:rPr lang="it-IT" sz="800" dirty="0" err="1">
+                <a:solidFill>
+                  <a:srgbClr val="B8D7A3"/>
+                </a:solidFill>
+                <a:highlight>
+                  <a:srgbClr val="1E1E1E"/>
+                </a:highlight>
+                <a:latin typeface="Consolas" panose="020B0609020204030204" pitchFamily="49" charset="0"/>
+              </a:rPr>
+              <a:t>ISquaredShape</a:t>
+            </a:r>
+            <a:r>
+              <a:rPr lang="it-IT" sz="800" dirty="0">
+                <a:solidFill>
+                  <a:srgbClr val="DCDCDC"/>
+                </a:solidFill>
+                <a:highlight>
+                  <a:srgbClr val="1E1E1E"/>
+                </a:highlight>
+                <a:latin typeface="Consolas" panose="020B0609020204030204" pitchFamily="49" charset="0"/>
+              </a:rPr>
+              <a:t>[] </a:t>
+            </a:r>
+            <a:r>
+              <a:rPr lang="it-IT" sz="800" dirty="0" err="1">
+                <a:solidFill>
+                  <a:srgbClr val="DCDCDC"/>
+                </a:solidFill>
+                <a:highlight>
+                  <a:srgbClr val="1E1E1E"/>
+                </a:highlight>
+                <a:latin typeface="Consolas" panose="020B0609020204030204" pitchFamily="49" charset="0"/>
+              </a:rPr>
+              <a:t>shapes</a:t>
+            </a:r>
+            <a:r>
+              <a:rPr lang="it-IT" sz="800" dirty="0">
+                <a:solidFill>
+                  <a:srgbClr val="DCDCDC"/>
+                </a:solidFill>
+                <a:highlight>
+                  <a:srgbClr val="1E1E1E"/>
+                </a:highlight>
+                <a:latin typeface="Consolas" panose="020B0609020204030204" pitchFamily="49" charset="0"/>
+              </a:rPr>
+              <a:t>)</a:t>
+            </a:r>
+          </a:p>
+          <a:p>
+            <a:r>
+              <a:rPr lang="it-IT" sz="800" dirty="0">
+                <a:solidFill>
+                  <a:srgbClr val="DCDCDC"/>
+                </a:solidFill>
+                <a:highlight>
+                  <a:srgbClr val="1E1E1E"/>
+                </a:highlight>
+                <a:latin typeface="Consolas" panose="020B0609020204030204" pitchFamily="49" charset="0"/>
+              </a:rPr>
+              <a:t>        {</a:t>
+            </a:r>
+          </a:p>
+          <a:p>
+            <a:r>
+              <a:rPr lang="it-IT" sz="800" dirty="0">
+                <a:solidFill>
+                  <a:srgbClr val="DCDCDC"/>
+                </a:solidFill>
+                <a:highlight>
+                  <a:srgbClr val="1E1E1E"/>
+                </a:highlight>
+                <a:latin typeface="Consolas" panose="020B0609020204030204" pitchFamily="49" charset="0"/>
+              </a:rPr>
+              <a:t>            </a:t>
+            </a:r>
+            <a:r>
+              <a:rPr lang="it-IT" sz="800" dirty="0" err="1">
+                <a:solidFill>
+                  <a:srgbClr val="569CD6"/>
+                </a:solidFill>
+                <a:highlight>
+                  <a:srgbClr val="1E1E1E"/>
+                </a:highlight>
+                <a:latin typeface="Consolas" panose="020B0609020204030204" pitchFamily="49" charset="0"/>
+              </a:rPr>
+              <a:t>this</a:t>
+            </a:r>
+            <a:r>
+              <a:rPr lang="it-IT" sz="800" dirty="0" err="1">
+                <a:solidFill>
+                  <a:srgbClr val="B4B4B4"/>
+                </a:solidFill>
+                <a:highlight>
+                  <a:srgbClr val="1E1E1E"/>
+                </a:highlight>
+                <a:latin typeface="Consolas" panose="020B0609020204030204" pitchFamily="49" charset="0"/>
+              </a:rPr>
+              <a:t>.</a:t>
+            </a:r>
+            <a:r>
+              <a:rPr lang="it-IT" sz="800" dirty="0" err="1">
+                <a:solidFill>
+                  <a:srgbClr val="DCDCDC"/>
+                </a:solidFill>
+                <a:highlight>
+                  <a:srgbClr val="1E1E1E"/>
+                </a:highlight>
+                <a:latin typeface="Consolas" panose="020B0609020204030204" pitchFamily="49" charset="0"/>
+              </a:rPr>
+              <a:t>shapes</a:t>
+            </a:r>
+            <a:r>
+              <a:rPr lang="it-IT" sz="800" dirty="0">
+                <a:solidFill>
+                  <a:srgbClr val="DCDCDC"/>
+                </a:solidFill>
+                <a:highlight>
+                  <a:srgbClr val="1E1E1E"/>
+                </a:highlight>
+                <a:latin typeface="Consolas" panose="020B0609020204030204" pitchFamily="49" charset="0"/>
+              </a:rPr>
+              <a:t> </a:t>
+            </a:r>
+            <a:r>
+              <a:rPr lang="it-IT" sz="800" dirty="0">
+                <a:solidFill>
+                  <a:srgbClr val="B4B4B4"/>
+                </a:solidFill>
+                <a:highlight>
+                  <a:srgbClr val="1E1E1E"/>
+                </a:highlight>
+                <a:latin typeface="Consolas" panose="020B0609020204030204" pitchFamily="49" charset="0"/>
+              </a:rPr>
+              <a:t>=</a:t>
+            </a:r>
+            <a:r>
+              <a:rPr lang="it-IT" sz="800" dirty="0">
+                <a:solidFill>
+                  <a:srgbClr val="DCDCDC"/>
+                </a:solidFill>
+                <a:highlight>
+                  <a:srgbClr val="1E1E1E"/>
+                </a:highlight>
+                <a:latin typeface="Consolas" panose="020B0609020204030204" pitchFamily="49" charset="0"/>
+              </a:rPr>
+              <a:t> </a:t>
+            </a:r>
+            <a:r>
+              <a:rPr lang="it-IT" sz="800" dirty="0" err="1">
+                <a:solidFill>
+                  <a:srgbClr val="DCDCDC"/>
+                </a:solidFill>
+                <a:highlight>
+                  <a:srgbClr val="1E1E1E"/>
+                </a:highlight>
+                <a:latin typeface="Consolas" panose="020B0609020204030204" pitchFamily="49" charset="0"/>
+              </a:rPr>
+              <a:t>shapes</a:t>
+            </a:r>
+            <a:r>
+              <a:rPr lang="it-IT" sz="800" dirty="0">
+                <a:solidFill>
+                  <a:srgbClr val="DCDCDC"/>
+                </a:solidFill>
+                <a:highlight>
+                  <a:srgbClr val="1E1E1E"/>
+                </a:highlight>
+                <a:latin typeface="Consolas" panose="020B0609020204030204" pitchFamily="49" charset="0"/>
+              </a:rPr>
+              <a:t>;</a:t>
+            </a:r>
+          </a:p>
+          <a:p>
+            <a:r>
+              <a:rPr lang="it-IT" sz="800" dirty="0">
+                <a:solidFill>
+                  <a:srgbClr val="DCDCDC"/>
+                </a:solidFill>
+                <a:highlight>
+                  <a:srgbClr val="1E1E1E"/>
+                </a:highlight>
+                <a:latin typeface="Consolas" panose="020B0609020204030204" pitchFamily="49" charset="0"/>
+              </a:rPr>
+              <a:t>        </a:t>
+            </a:r>
+            <a:r>
+              <a:rPr lang="it-IT" sz="800" dirty="0" smtClean="0">
+                <a:solidFill>
+                  <a:srgbClr val="DCDCDC"/>
+                </a:solidFill>
+                <a:highlight>
+                  <a:srgbClr val="1E1E1E"/>
+                </a:highlight>
+                <a:latin typeface="Consolas" panose="020B0609020204030204" pitchFamily="49" charset="0"/>
+              </a:rPr>
+              <a:t>}</a:t>
+            </a:r>
+            <a:endParaRPr lang="it-IT" sz="800" dirty="0">
+              <a:solidFill>
+                <a:srgbClr val="DCDCDC"/>
+              </a:solidFill>
+              <a:highlight>
+                <a:srgbClr val="1E1E1E"/>
+              </a:highlight>
+              <a:latin typeface="Consolas" panose="020B0609020204030204" pitchFamily="49" charset="0"/>
+            </a:endParaRPr>
+          </a:p>
+          <a:p>
+            <a:r>
+              <a:rPr lang="it-IT" sz="800" dirty="0">
+                <a:solidFill>
+                  <a:srgbClr val="DCDCDC"/>
+                </a:solidFill>
+                <a:highlight>
+                  <a:srgbClr val="1E1E1E"/>
+                </a:highlight>
+                <a:latin typeface="Consolas" panose="020B0609020204030204" pitchFamily="49" charset="0"/>
+              </a:rPr>
+              <a:t>        </a:t>
+            </a:r>
+            <a:r>
+              <a:rPr lang="it-IT" sz="800" dirty="0">
+                <a:solidFill>
+                  <a:srgbClr val="569CD6"/>
+                </a:solidFill>
+                <a:highlight>
+                  <a:srgbClr val="1E1E1E"/>
+                </a:highlight>
+                <a:latin typeface="Consolas" panose="020B0609020204030204" pitchFamily="49" charset="0"/>
+              </a:rPr>
+              <a:t>public</a:t>
+            </a:r>
+            <a:r>
+              <a:rPr lang="it-IT" sz="800" dirty="0">
+                <a:solidFill>
+                  <a:srgbClr val="DCDCDC"/>
+                </a:solidFill>
+                <a:highlight>
+                  <a:srgbClr val="1E1E1E"/>
+                </a:highlight>
+                <a:latin typeface="Consolas" panose="020B0609020204030204" pitchFamily="49" charset="0"/>
+              </a:rPr>
+              <a:t> </a:t>
+            </a:r>
+            <a:r>
+              <a:rPr lang="it-IT" sz="800" dirty="0" err="1">
+                <a:solidFill>
+                  <a:srgbClr val="569CD6"/>
+                </a:solidFill>
+                <a:highlight>
+                  <a:srgbClr val="1E1E1E"/>
+                </a:highlight>
+                <a:latin typeface="Consolas" panose="020B0609020204030204" pitchFamily="49" charset="0"/>
+              </a:rPr>
+              <a:t>override</a:t>
+            </a:r>
+            <a:r>
+              <a:rPr lang="it-IT" sz="800" dirty="0">
+                <a:solidFill>
+                  <a:srgbClr val="DCDCDC"/>
+                </a:solidFill>
+                <a:highlight>
+                  <a:srgbClr val="1E1E1E"/>
+                </a:highlight>
+                <a:latin typeface="Consolas" panose="020B0609020204030204" pitchFamily="49" charset="0"/>
+              </a:rPr>
+              <a:t> </a:t>
+            </a:r>
+            <a:r>
+              <a:rPr lang="it-IT" sz="800" dirty="0">
+                <a:solidFill>
+                  <a:srgbClr val="569CD6"/>
+                </a:solidFill>
+                <a:highlight>
+                  <a:srgbClr val="1E1E1E"/>
+                </a:highlight>
+                <a:latin typeface="Consolas" panose="020B0609020204030204" pitchFamily="49" charset="0"/>
+              </a:rPr>
+              <a:t>float</a:t>
+            </a:r>
+            <a:r>
+              <a:rPr lang="it-IT" sz="800" dirty="0">
+                <a:solidFill>
+                  <a:srgbClr val="DCDCDC"/>
+                </a:solidFill>
+                <a:highlight>
+                  <a:srgbClr val="1E1E1E"/>
+                </a:highlight>
+                <a:latin typeface="Consolas" panose="020B0609020204030204" pitchFamily="49" charset="0"/>
+              </a:rPr>
+              <a:t> Sum()</a:t>
+            </a:r>
+          </a:p>
+          <a:p>
+            <a:r>
+              <a:rPr lang="it-IT" sz="800" dirty="0">
+                <a:solidFill>
+                  <a:srgbClr val="DCDCDC"/>
+                </a:solidFill>
+                <a:highlight>
+                  <a:srgbClr val="1E1E1E"/>
+                </a:highlight>
+                <a:latin typeface="Consolas" panose="020B0609020204030204" pitchFamily="49" charset="0"/>
+              </a:rPr>
+              <a:t>        {</a:t>
+            </a:r>
+          </a:p>
+          <a:p>
+            <a:r>
+              <a:rPr lang="it-IT" sz="800" dirty="0">
+                <a:solidFill>
+                  <a:srgbClr val="DCDCDC"/>
+                </a:solidFill>
+                <a:highlight>
+                  <a:srgbClr val="1E1E1E"/>
+                </a:highlight>
+                <a:latin typeface="Consolas" panose="020B0609020204030204" pitchFamily="49" charset="0"/>
+              </a:rPr>
+              <a:t>            </a:t>
+            </a:r>
+            <a:r>
+              <a:rPr lang="it-IT" sz="800" dirty="0" err="1">
+                <a:solidFill>
+                  <a:srgbClr val="569CD6"/>
+                </a:solidFill>
+                <a:highlight>
+                  <a:srgbClr val="1E1E1E"/>
+                </a:highlight>
+                <a:latin typeface="Consolas" panose="020B0609020204030204" pitchFamily="49" charset="0"/>
+              </a:rPr>
+              <a:t>return</a:t>
+            </a:r>
+            <a:r>
+              <a:rPr lang="it-IT" sz="800" dirty="0">
+                <a:solidFill>
+                  <a:srgbClr val="DCDCDC"/>
+                </a:solidFill>
+                <a:highlight>
+                  <a:srgbClr val="1E1E1E"/>
+                </a:highlight>
+                <a:latin typeface="Consolas" panose="020B0609020204030204" pitchFamily="49" charset="0"/>
+              </a:rPr>
+              <a:t> </a:t>
+            </a:r>
+            <a:r>
+              <a:rPr lang="it-IT" sz="800" dirty="0" err="1">
+                <a:solidFill>
+                  <a:srgbClr val="DCDCDC"/>
+                </a:solidFill>
+                <a:highlight>
+                  <a:srgbClr val="1E1E1E"/>
+                </a:highlight>
+                <a:latin typeface="Consolas" panose="020B0609020204030204" pitchFamily="49" charset="0"/>
+              </a:rPr>
+              <a:t>shapes</a:t>
+            </a:r>
+            <a:r>
+              <a:rPr lang="it-IT" sz="800" dirty="0" err="1">
+                <a:solidFill>
+                  <a:srgbClr val="B4B4B4"/>
+                </a:solidFill>
+                <a:highlight>
+                  <a:srgbClr val="1E1E1E"/>
+                </a:highlight>
+                <a:latin typeface="Consolas" panose="020B0609020204030204" pitchFamily="49" charset="0"/>
+              </a:rPr>
+              <a:t>.</a:t>
+            </a:r>
+            <a:r>
+              <a:rPr lang="it-IT" sz="800" dirty="0" err="1">
+                <a:solidFill>
+                  <a:srgbClr val="DCDCDC"/>
+                </a:solidFill>
+                <a:highlight>
+                  <a:srgbClr val="1E1E1E"/>
+                </a:highlight>
+                <a:latin typeface="Consolas" panose="020B0609020204030204" pitchFamily="49" charset="0"/>
+              </a:rPr>
+              <a:t>Sum</a:t>
+            </a:r>
+            <a:r>
+              <a:rPr lang="it-IT" sz="800" dirty="0">
+                <a:solidFill>
+                  <a:srgbClr val="DCDCDC"/>
+                </a:solidFill>
+                <a:highlight>
+                  <a:srgbClr val="1E1E1E"/>
+                </a:highlight>
+                <a:latin typeface="Consolas" panose="020B0609020204030204" pitchFamily="49" charset="0"/>
+              </a:rPr>
+              <a:t>(s </a:t>
+            </a:r>
+            <a:r>
+              <a:rPr lang="it-IT" sz="800" dirty="0">
+                <a:solidFill>
+                  <a:srgbClr val="B4B4B4"/>
+                </a:solidFill>
+                <a:highlight>
+                  <a:srgbClr val="1E1E1E"/>
+                </a:highlight>
+                <a:latin typeface="Consolas" panose="020B0609020204030204" pitchFamily="49" charset="0"/>
+              </a:rPr>
+              <a:t>=&gt;</a:t>
+            </a:r>
+            <a:r>
+              <a:rPr lang="it-IT" sz="800" dirty="0">
+                <a:solidFill>
+                  <a:srgbClr val="DCDCDC"/>
+                </a:solidFill>
+                <a:highlight>
+                  <a:srgbClr val="1E1E1E"/>
+                </a:highlight>
+                <a:latin typeface="Consolas" panose="020B0609020204030204" pitchFamily="49" charset="0"/>
+              </a:rPr>
+              <a:t> </a:t>
+            </a:r>
+            <a:r>
+              <a:rPr lang="it-IT" sz="800" dirty="0" err="1">
+                <a:solidFill>
+                  <a:srgbClr val="DCDCDC"/>
+                </a:solidFill>
+                <a:highlight>
+                  <a:srgbClr val="1E1E1E"/>
+                </a:highlight>
+                <a:latin typeface="Consolas" panose="020B0609020204030204" pitchFamily="49" charset="0"/>
+              </a:rPr>
+              <a:t>s</a:t>
+            </a:r>
+            <a:r>
+              <a:rPr lang="it-IT" sz="800" dirty="0" err="1">
+                <a:solidFill>
+                  <a:srgbClr val="B4B4B4"/>
+                </a:solidFill>
+                <a:highlight>
+                  <a:srgbClr val="1E1E1E"/>
+                </a:highlight>
+                <a:latin typeface="Consolas" panose="020B0609020204030204" pitchFamily="49" charset="0"/>
+              </a:rPr>
+              <a:t>.</a:t>
+            </a:r>
+            <a:r>
+              <a:rPr lang="it-IT" sz="800" dirty="0" err="1">
+                <a:solidFill>
+                  <a:srgbClr val="DCDCDC"/>
+                </a:solidFill>
+                <a:highlight>
+                  <a:srgbClr val="1E1E1E"/>
+                </a:highlight>
+                <a:latin typeface="Consolas" panose="020B0609020204030204" pitchFamily="49" charset="0"/>
+              </a:rPr>
+              <a:t>GetPerimeter</a:t>
+            </a:r>
+            <a:r>
+              <a:rPr lang="it-IT" sz="800" dirty="0">
+                <a:solidFill>
+                  <a:srgbClr val="DCDCDC"/>
+                </a:solidFill>
+                <a:highlight>
+                  <a:srgbClr val="1E1E1E"/>
+                </a:highlight>
+                <a:latin typeface="Consolas" panose="020B0609020204030204" pitchFamily="49" charset="0"/>
+              </a:rPr>
+              <a:t>());</a:t>
+            </a:r>
+          </a:p>
+          <a:p>
+            <a:r>
+              <a:rPr lang="it-IT" sz="800" dirty="0">
+                <a:solidFill>
+                  <a:srgbClr val="DCDCDC"/>
+                </a:solidFill>
+                <a:highlight>
+                  <a:srgbClr val="1E1E1E"/>
+                </a:highlight>
+                <a:latin typeface="Consolas" panose="020B0609020204030204" pitchFamily="49" charset="0"/>
+              </a:rPr>
+              <a:t>        }</a:t>
+            </a:r>
+          </a:p>
+          <a:p>
+            <a:r>
+              <a:rPr lang="it-IT" sz="800" dirty="0">
+                <a:solidFill>
+                  <a:srgbClr val="DCDCDC"/>
+                </a:solidFill>
+                <a:highlight>
+                  <a:srgbClr val="1E1E1E"/>
+                </a:highlight>
+                <a:latin typeface="Consolas" panose="020B0609020204030204" pitchFamily="49" charset="0"/>
+              </a:rPr>
+              <a:t>    }</a:t>
+            </a:r>
+            <a:endParaRPr lang="it-IT" sz="800" dirty="0" smtClean="0">
+              <a:solidFill>
+                <a:srgbClr val="DCDCDC"/>
+              </a:solidFill>
+              <a:highlight>
+                <a:srgbClr val="1E1E1E"/>
+              </a:highlight>
+              <a:latin typeface="Consolas" panose="020B0609020204030204" pitchFamily="49" charset="0"/>
+            </a:endParaRPr>
+          </a:p>
+        </p:txBody>
+      </p:sp>
+    </p:spTree>
+    <p:extLst>
+      <p:ext uri="{BB962C8B-B14F-4D97-AF65-F5344CB8AC3E}">
+        <p14:creationId xmlns:p14="http://schemas.microsoft.com/office/powerpoint/2010/main" val="2437559805"/>
+      </p:ext>
+    </p:extLst>
+  </p:cSld>
+  <p:clrMapOvr>
+    <a:masterClrMapping/>
+  </p:clrMapOvr>
+  <p:timing>
+    <p:tnLst>
+      <p:par>
+        <p:cTn id="1" dur="indefinite" restart="never" nodeType="tmRoot"/>
+      </p:par>
+    </p:tnLst>
+  </p:timing>
+</p:sld>
+</file>
+
+<file path=ppt/slides/slide18.xml><?xml version="1.0" encoding="utf-8"?>
+<p:sld xmlns:a="http://schemas.openxmlformats.org/drawingml/2006/main" xmlns:r="http://schemas.openxmlformats.org/officeDocument/2006/relationships" xmlns:p="http://schemas.openxmlformats.org/presentationml/2006/main">
+  <p:cSld>
+    <p:spTree>
+      <p:nvGrpSpPr>
+        <p:cNvPr id="1" name=""/>
+        <p:cNvGrpSpPr/>
+        <p:nvPr/>
+      </p:nvGrpSpPr>
+      <p:grpSpPr>
+        <a:xfrm>
+          <a:off x="0" y="0"/>
+          <a:ext cx="0" cy="0"/>
+          <a:chOff x="0" y="0"/>
+          <a:chExt cx="0" cy="0"/>
+        </a:xfrm>
+      </p:grpSpPr>
+      <p:sp>
+        <p:nvSpPr>
+          <p:cNvPr id="2" name="Text Placeholder 1"/>
+          <p:cNvSpPr>
+            <a:spLocks noGrp="1"/>
+          </p:cNvSpPr>
+          <p:nvPr>
+            <p:ph type="body" sz="quarter" idx="11"/>
+          </p:nvPr>
+        </p:nvSpPr>
+        <p:spPr>
+          <a:xfrm>
+            <a:off x="328613" y="1079047"/>
+            <a:ext cx="8401246" cy="485802"/>
+          </a:xfrm>
+        </p:spPr>
+        <p:txBody>
+          <a:bodyPr/>
+          <a:lstStyle/>
+          <a:p>
+            <a:r>
+              <a:rPr lang="en-US" sz="2400" dirty="0"/>
+              <a:t>LSP </a:t>
+            </a:r>
+            <a:r>
+              <a:rPr lang="en-US" sz="2400" dirty="0" err="1"/>
+              <a:t>Liskov</a:t>
+            </a:r>
+            <a:r>
+              <a:rPr lang="en-US" sz="2400" dirty="0"/>
+              <a:t> Substitution Principle</a:t>
+            </a:r>
+          </a:p>
+          <a:p>
+            <a:endParaRPr lang="en-US" sz="1800" dirty="0" smtClean="0"/>
+          </a:p>
+          <a:p>
+            <a:endParaRPr lang="en-US" sz="1800" dirty="0" smtClean="0"/>
+          </a:p>
+        </p:txBody>
+      </p:sp>
+      <p:sp>
+        <p:nvSpPr>
+          <p:cNvPr id="6" name="TextBox 5"/>
+          <p:cNvSpPr txBox="1"/>
+          <p:nvPr/>
+        </p:nvSpPr>
+        <p:spPr>
+          <a:xfrm>
+            <a:off x="621370" y="1572469"/>
+            <a:ext cx="8210747" cy="5016758"/>
+          </a:xfrm>
+          <a:prstGeom prst="rect">
+            <a:avLst/>
+          </a:prstGeom>
+          <a:solidFill>
+            <a:schemeClr val="tx1"/>
+          </a:solidFill>
+        </p:spPr>
+        <p:txBody>
+          <a:bodyPr wrap="square" rtlCol="0">
+            <a:spAutoFit/>
+          </a:bodyPr>
+          <a:lstStyle/>
+          <a:p>
+            <a:r>
+              <a:rPr lang="it-IT" sz="800" dirty="0">
+                <a:solidFill>
+                  <a:srgbClr val="DCDCDC"/>
+                </a:solidFill>
+                <a:highlight>
+                  <a:srgbClr val="1E1E1E"/>
+                </a:highlight>
+                <a:latin typeface="Consolas" panose="020B0609020204030204" pitchFamily="49" charset="0"/>
+              </a:rPr>
+              <a:t> </a:t>
+            </a:r>
+            <a:r>
+              <a:rPr lang="it-IT" sz="800" dirty="0" smtClean="0">
+                <a:solidFill>
+                  <a:srgbClr val="DCDCDC"/>
+                </a:solidFill>
+                <a:highlight>
+                  <a:srgbClr val="1E1E1E"/>
+                </a:highlight>
+                <a:latin typeface="Consolas" panose="020B0609020204030204" pitchFamily="49" charset="0"/>
+              </a:rPr>
+              <a:t>   </a:t>
+            </a:r>
+            <a:r>
+              <a:rPr lang="it-IT" sz="800" dirty="0" smtClean="0">
+                <a:solidFill>
+                  <a:srgbClr val="569CD6"/>
+                </a:solidFill>
+                <a:highlight>
+                  <a:srgbClr val="1E1E1E"/>
+                </a:highlight>
+                <a:latin typeface="Consolas" panose="020B0609020204030204" pitchFamily="49" charset="0"/>
+              </a:rPr>
+              <a:t>public</a:t>
+            </a:r>
+            <a:r>
+              <a:rPr lang="it-IT" sz="800" dirty="0" smtClean="0">
+                <a:solidFill>
+                  <a:srgbClr val="DCDCDC"/>
+                </a:solidFill>
+                <a:highlight>
+                  <a:srgbClr val="1E1E1E"/>
+                </a:highlight>
+                <a:latin typeface="Consolas" panose="020B0609020204030204" pitchFamily="49" charset="0"/>
+              </a:rPr>
+              <a:t> </a:t>
+            </a:r>
+            <a:r>
+              <a:rPr lang="it-IT" sz="800" dirty="0" err="1">
+                <a:solidFill>
+                  <a:srgbClr val="569CD6"/>
+                </a:solidFill>
+                <a:highlight>
+                  <a:srgbClr val="1E1E1E"/>
+                </a:highlight>
+                <a:latin typeface="Consolas" panose="020B0609020204030204" pitchFamily="49" charset="0"/>
+              </a:rPr>
+              <a:t>interface</a:t>
+            </a:r>
+            <a:r>
+              <a:rPr lang="it-IT" sz="800" dirty="0">
+                <a:solidFill>
+                  <a:srgbClr val="DCDCDC"/>
+                </a:solidFill>
+                <a:highlight>
+                  <a:srgbClr val="1E1E1E"/>
+                </a:highlight>
+                <a:latin typeface="Consolas" panose="020B0609020204030204" pitchFamily="49" charset="0"/>
+              </a:rPr>
+              <a:t> </a:t>
+            </a:r>
+            <a:r>
+              <a:rPr lang="it-IT" sz="800" dirty="0" err="1">
+                <a:solidFill>
+                  <a:srgbClr val="B8D7A3"/>
+                </a:solidFill>
+                <a:highlight>
+                  <a:srgbClr val="1E1E1E"/>
+                </a:highlight>
+                <a:latin typeface="Consolas" panose="020B0609020204030204" pitchFamily="49" charset="0"/>
+              </a:rPr>
+              <a:t>IShape</a:t>
+            </a:r>
+            <a:endParaRPr lang="it-IT" sz="800" dirty="0">
+              <a:solidFill>
+                <a:srgbClr val="DCDCDC"/>
+              </a:solidFill>
+              <a:highlight>
+                <a:srgbClr val="1E1E1E"/>
+              </a:highlight>
+              <a:latin typeface="Consolas" panose="020B0609020204030204" pitchFamily="49" charset="0"/>
+            </a:endParaRPr>
+          </a:p>
+          <a:p>
+            <a:r>
+              <a:rPr lang="it-IT" sz="800" dirty="0">
+                <a:solidFill>
+                  <a:srgbClr val="DCDCDC"/>
+                </a:solidFill>
+                <a:highlight>
+                  <a:srgbClr val="1E1E1E"/>
+                </a:highlight>
+                <a:latin typeface="Consolas" panose="020B0609020204030204" pitchFamily="49" charset="0"/>
+              </a:rPr>
+              <a:t>    {</a:t>
+            </a:r>
+          </a:p>
+          <a:p>
+            <a:r>
+              <a:rPr lang="it-IT" sz="800" dirty="0">
+                <a:solidFill>
+                  <a:srgbClr val="DCDCDC"/>
+                </a:solidFill>
+                <a:highlight>
+                  <a:srgbClr val="1E1E1E"/>
+                </a:highlight>
+                <a:latin typeface="Consolas" panose="020B0609020204030204" pitchFamily="49" charset="0"/>
+              </a:rPr>
+              <a:t>        </a:t>
+            </a:r>
+            <a:r>
+              <a:rPr lang="it-IT" sz="800" dirty="0">
+                <a:solidFill>
+                  <a:srgbClr val="569CD6"/>
+                </a:solidFill>
+                <a:highlight>
+                  <a:srgbClr val="1E1E1E"/>
+                </a:highlight>
+                <a:latin typeface="Consolas" panose="020B0609020204030204" pitchFamily="49" charset="0"/>
+              </a:rPr>
+              <a:t>float</a:t>
+            </a:r>
+            <a:r>
+              <a:rPr lang="it-IT" sz="800" dirty="0">
+                <a:solidFill>
+                  <a:srgbClr val="DCDCDC"/>
+                </a:solidFill>
+                <a:highlight>
+                  <a:srgbClr val="1E1E1E"/>
+                </a:highlight>
+                <a:latin typeface="Consolas" panose="020B0609020204030204" pitchFamily="49" charset="0"/>
+              </a:rPr>
+              <a:t> </a:t>
+            </a:r>
+            <a:r>
+              <a:rPr lang="it-IT" sz="800" dirty="0" err="1">
+                <a:solidFill>
+                  <a:srgbClr val="DCDCDC"/>
+                </a:solidFill>
+                <a:highlight>
+                  <a:srgbClr val="1E1E1E"/>
+                </a:highlight>
+                <a:latin typeface="Consolas" panose="020B0609020204030204" pitchFamily="49" charset="0"/>
+              </a:rPr>
+              <a:t>GetArea</a:t>
+            </a:r>
+            <a:r>
+              <a:rPr lang="it-IT" sz="800" dirty="0">
+                <a:solidFill>
+                  <a:srgbClr val="DCDCDC"/>
+                </a:solidFill>
+                <a:highlight>
+                  <a:srgbClr val="1E1E1E"/>
+                </a:highlight>
+                <a:latin typeface="Consolas" panose="020B0609020204030204" pitchFamily="49" charset="0"/>
+              </a:rPr>
+              <a:t>();</a:t>
+            </a:r>
+          </a:p>
+          <a:p>
+            <a:r>
+              <a:rPr lang="it-IT" sz="800" dirty="0">
+                <a:solidFill>
+                  <a:srgbClr val="DCDCDC"/>
+                </a:solidFill>
+                <a:highlight>
+                  <a:srgbClr val="1E1E1E"/>
+                </a:highlight>
+                <a:latin typeface="Consolas" panose="020B0609020204030204" pitchFamily="49" charset="0"/>
+              </a:rPr>
+              <a:t>    }</a:t>
+            </a:r>
+          </a:p>
+          <a:p>
+            <a:r>
+              <a:rPr lang="it-IT" sz="800" dirty="0">
+                <a:solidFill>
+                  <a:srgbClr val="DCDCDC"/>
+                </a:solidFill>
+                <a:highlight>
+                  <a:srgbClr val="1E1E1E"/>
+                </a:highlight>
+                <a:latin typeface="Consolas" panose="020B0609020204030204" pitchFamily="49" charset="0"/>
+              </a:rPr>
+              <a:t>    </a:t>
+            </a:r>
+          </a:p>
+          <a:p>
+            <a:r>
+              <a:rPr lang="it-IT" sz="800" dirty="0">
+                <a:solidFill>
+                  <a:srgbClr val="DCDCDC"/>
+                </a:solidFill>
+                <a:highlight>
+                  <a:srgbClr val="1E1E1E"/>
+                </a:highlight>
+                <a:latin typeface="Consolas" panose="020B0609020204030204" pitchFamily="49" charset="0"/>
+              </a:rPr>
+              <a:t>    </a:t>
+            </a:r>
+            <a:r>
+              <a:rPr lang="it-IT" sz="800" dirty="0">
+                <a:solidFill>
+                  <a:srgbClr val="569CD6"/>
+                </a:solidFill>
+                <a:highlight>
+                  <a:srgbClr val="1E1E1E"/>
+                </a:highlight>
+                <a:latin typeface="Consolas" panose="020B0609020204030204" pitchFamily="49" charset="0"/>
+              </a:rPr>
+              <a:t>public</a:t>
+            </a:r>
+            <a:r>
+              <a:rPr lang="it-IT" sz="800" dirty="0">
+                <a:solidFill>
+                  <a:srgbClr val="DCDCDC"/>
+                </a:solidFill>
+                <a:highlight>
+                  <a:srgbClr val="1E1E1E"/>
+                </a:highlight>
+                <a:latin typeface="Consolas" panose="020B0609020204030204" pitchFamily="49" charset="0"/>
+              </a:rPr>
+              <a:t> </a:t>
+            </a:r>
+            <a:r>
+              <a:rPr lang="it-IT" sz="800" dirty="0" err="1">
+                <a:solidFill>
+                  <a:srgbClr val="569CD6"/>
+                </a:solidFill>
+                <a:highlight>
+                  <a:srgbClr val="1E1E1E"/>
+                </a:highlight>
+                <a:latin typeface="Consolas" panose="020B0609020204030204" pitchFamily="49" charset="0"/>
+              </a:rPr>
+              <a:t>interface</a:t>
+            </a:r>
+            <a:r>
+              <a:rPr lang="it-IT" sz="800" dirty="0">
+                <a:solidFill>
+                  <a:srgbClr val="DCDCDC"/>
+                </a:solidFill>
+                <a:highlight>
+                  <a:srgbClr val="1E1E1E"/>
+                </a:highlight>
+                <a:latin typeface="Consolas" panose="020B0609020204030204" pitchFamily="49" charset="0"/>
+              </a:rPr>
+              <a:t> </a:t>
+            </a:r>
+            <a:r>
+              <a:rPr lang="it-IT" sz="800" dirty="0" err="1">
+                <a:solidFill>
+                  <a:srgbClr val="B8D7A3"/>
+                </a:solidFill>
+                <a:highlight>
+                  <a:srgbClr val="1E1E1E"/>
+                </a:highlight>
+                <a:latin typeface="Consolas" panose="020B0609020204030204" pitchFamily="49" charset="0"/>
+              </a:rPr>
+              <a:t>ISquaredShape</a:t>
+            </a:r>
+            <a:endParaRPr lang="it-IT" sz="800" dirty="0">
+              <a:solidFill>
+                <a:srgbClr val="DCDCDC"/>
+              </a:solidFill>
+              <a:highlight>
+                <a:srgbClr val="1E1E1E"/>
+              </a:highlight>
+              <a:latin typeface="Consolas" panose="020B0609020204030204" pitchFamily="49" charset="0"/>
+            </a:endParaRPr>
+          </a:p>
+          <a:p>
+            <a:r>
+              <a:rPr lang="it-IT" sz="800" dirty="0">
+                <a:solidFill>
+                  <a:srgbClr val="DCDCDC"/>
+                </a:solidFill>
+                <a:highlight>
+                  <a:srgbClr val="1E1E1E"/>
+                </a:highlight>
+                <a:latin typeface="Consolas" panose="020B0609020204030204" pitchFamily="49" charset="0"/>
+              </a:rPr>
+              <a:t>    {</a:t>
+            </a:r>
+          </a:p>
+          <a:p>
+            <a:r>
+              <a:rPr lang="it-IT" sz="800" dirty="0">
+                <a:solidFill>
+                  <a:srgbClr val="DCDCDC"/>
+                </a:solidFill>
+                <a:highlight>
+                  <a:srgbClr val="1E1E1E"/>
+                </a:highlight>
+                <a:latin typeface="Consolas" panose="020B0609020204030204" pitchFamily="49" charset="0"/>
+              </a:rPr>
+              <a:t>        </a:t>
+            </a:r>
+            <a:r>
+              <a:rPr lang="it-IT" sz="800" dirty="0">
+                <a:solidFill>
+                  <a:srgbClr val="569CD6"/>
+                </a:solidFill>
+                <a:highlight>
+                  <a:srgbClr val="1E1E1E"/>
+                </a:highlight>
+                <a:latin typeface="Consolas" panose="020B0609020204030204" pitchFamily="49" charset="0"/>
+              </a:rPr>
+              <a:t>float</a:t>
+            </a:r>
+            <a:r>
+              <a:rPr lang="it-IT" sz="800" dirty="0">
+                <a:solidFill>
+                  <a:srgbClr val="DCDCDC"/>
+                </a:solidFill>
+                <a:highlight>
+                  <a:srgbClr val="1E1E1E"/>
+                </a:highlight>
+                <a:latin typeface="Consolas" panose="020B0609020204030204" pitchFamily="49" charset="0"/>
+              </a:rPr>
+              <a:t> </a:t>
+            </a:r>
+            <a:r>
+              <a:rPr lang="it-IT" sz="800" dirty="0" err="1">
+                <a:solidFill>
+                  <a:srgbClr val="DCDCDC"/>
+                </a:solidFill>
+                <a:highlight>
+                  <a:srgbClr val="1E1E1E"/>
+                </a:highlight>
+                <a:latin typeface="Consolas" panose="020B0609020204030204" pitchFamily="49" charset="0"/>
+              </a:rPr>
+              <a:t>GetPerimeter</a:t>
+            </a:r>
+            <a:r>
+              <a:rPr lang="it-IT" sz="800" dirty="0">
+                <a:solidFill>
+                  <a:srgbClr val="DCDCDC"/>
+                </a:solidFill>
+                <a:highlight>
+                  <a:srgbClr val="1E1E1E"/>
+                </a:highlight>
+                <a:latin typeface="Consolas" panose="020B0609020204030204" pitchFamily="49" charset="0"/>
+              </a:rPr>
+              <a:t>();</a:t>
+            </a:r>
+          </a:p>
+          <a:p>
+            <a:r>
+              <a:rPr lang="it-IT" sz="800" dirty="0">
+                <a:solidFill>
+                  <a:srgbClr val="DCDCDC"/>
+                </a:solidFill>
+                <a:highlight>
+                  <a:srgbClr val="1E1E1E"/>
+                </a:highlight>
+                <a:latin typeface="Consolas" panose="020B0609020204030204" pitchFamily="49" charset="0"/>
+              </a:rPr>
+              <a:t>    }</a:t>
+            </a:r>
+          </a:p>
+          <a:p>
+            <a:endParaRPr lang="it-IT" sz="800" dirty="0">
+              <a:solidFill>
+                <a:srgbClr val="DCDCDC"/>
+              </a:solidFill>
+              <a:highlight>
+                <a:srgbClr val="1E1E1E"/>
+              </a:highlight>
+              <a:latin typeface="Consolas" panose="020B0609020204030204" pitchFamily="49" charset="0"/>
+            </a:endParaRPr>
+          </a:p>
+          <a:p>
+            <a:r>
+              <a:rPr lang="it-IT" sz="800" dirty="0">
+                <a:solidFill>
+                  <a:srgbClr val="DCDCDC"/>
+                </a:solidFill>
+                <a:highlight>
+                  <a:srgbClr val="1E1E1E"/>
+                </a:highlight>
+                <a:latin typeface="Consolas" panose="020B0609020204030204" pitchFamily="49" charset="0"/>
+              </a:rPr>
+              <a:t>    </a:t>
+            </a:r>
+            <a:r>
+              <a:rPr lang="it-IT" sz="800" dirty="0">
+                <a:solidFill>
+                  <a:srgbClr val="569CD6"/>
+                </a:solidFill>
+                <a:highlight>
+                  <a:srgbClr val="1E1E1E"/>
+                </a:highlight>
+                <a:latin typeface="Consolas" panose="020B0609020204030204" pitchFamily="49" charset="0"/>
+              </a:rPr>
+              <a:t>public</a:t>
+            </a:r>
+            <a:r>
+              <a:rPr lang="it-IT" sz="800" dirty="0">
+                <a:solidFill>
+                  <a:srgbClr val="DCDCDC"/>
+                </a:solidFill>
+                <a:highlight>
+                  <a:srgbClr val="1E1E1E"/>
+                </a:highlight>
+                <a:latin typeface="Consolas" panose="020B0609020204030204" pitchFamily="49" charset="0"/>
+              </a:rPr>
+              <a:t> </a:t>
+            </a:r>
+            <a:r>
+              <a:rPr lang="it-IT" sz="800" dirty="0" err="1">
+                <a:solidFill>
+                  <a:srgbClr val="569CD6"/>
+                </a:solidFill>
+                <a:highlight>
+                  <a:srgbClr val="1E1E1E"/>
+                </a:highlight>
+                <a:latin typeface="Consolas" panose="020B0609020204030204" pitchFamily="49" charset="0"/>
+              </a:rPr>
+              <a:t>class</a:t>
+            </a:r>
+            <a:r>
+              <a:rPr lang="it-IT" sz="800" dirty="0">
+                <a:solidFill>
+                  <a:srgbClr val="DCDCDC"/>
+                </a:solidFill>
+                <a:highlight>
+                  <a:srgbClr val="1E1E1E"/>
+                </a:highlight>
+                <a:latin typeface="Consolas" panose="020B0609020204030204" pitchFamily="49" charset="0"/>
+              </a:rPr>
+              <a:t> </a:t>
+            </a:r>
+            <a:r>
+              <a:rPr lang="it-IT" sz="800" dirty="0" err="1">
+                <a:solidFill>
+                  <a:srgbClr val="4EC9B0"/>
+                </a:solidFill>
+                <a:highlight>
+                  <a:srgbClr val="1E1E1E"/>
+                </a:highlight>
+                <a:latin typeface="Consolas" panose="020B0609020204030204" pitchFamily="49" charset="0"/>
+              </a:rPr>
+              <a:t>Squared</a:t>
+            </a:r>
+            <a:r>
+              <a:rPr lang="it-IT" sz="800" dirty="0">
+                <a:solidFill>
+                  <a:srgbClr val="DCDCDC"/>
+                </a:solidFill>
+                <a:highlight>
+                  <a:srgbClr val="1E1E1E"/>
+                </a:highlight>
+                <a:latin typeface="Consolas" panose="020B0609020204030204" pitchFamily="49" charset="0"/>
+              </a:rPr>
+              <a:t> : </a:t>
+            </a:r>
+            <a:r>
+              <a:rPr lang="it-IT" sz="800" dirty="0" err="1">
+                <a:solidFill>
+                  <a:srgbClr val="B8D7A3"/>
+                </a:solidFill>
+                <a:highlight>
+                  <a:srgbClr val="1E1E1E"/>
+                </a:highlight>
+                <a:latin typeface="Consolas" panose="020B0609020204030204" pitchFamily="49" charset="0"/>
+              </a:rPr>
+              <a:t>IShape</a:t>
+            </a:r>
+            <a:r>
+              <a:rPr lang="it-IT" sz="800" dirty="0">
+                <a:solidFill>
+                  <a:srgbClr val="DCDCDC"/>
+                </a:solidFill>
+                <a:highlight>
+                  <a:srgbClr val="1E1E1E"/>
+                </a:highlight>
+                <a:latin typeface="Consolas" panose="020B0609020204030204" pitchFamily="49" charset="0"/>
+              </a:rPr>
+              <a:t>,</a:t>
+            </a:r>
+          </a:p>
+          <a:p>
+            <a:r>
+              <a:rPr lang="it-IT" sz="800" dirty="0">
+                <a:solidFill>
+                  <a:srgbClr val="DCDCDC"/>
+                </a:solidFill>
+                <a:highlight>
+                  <a:srgbClr val="1E1E1E"/>
+                </a:highlight>
+                <a:latin typeface="Consolas" panose="020B0609020204030204" pitchFamily="49" charset="0"/>
+              </a:rPr>
+              <a:t>                           </a:t>
+            </a:r>
+            <a:r>
+              <a:rPr lang="it-IT" sz="800" dirty="0" err="1">
+                <a:solidFill>
+                  <a:srgbClr val="B8D7A3"/>
+                </a:solidFill>
+                <a:highlight>
+                  <a:srgbClr val="1E1E1E"/>
+                </a:highlight>
+                <a:latin typeface="Consolas" panose="020B0609020204030204" pitchFamily="49" charset="0"/>
+              </a:rPr>
+              <a:t>ISquaredShape</a:t>
+            </a:r>
+            <a:endParaRPr lang="it-IT" sz="800" dirty="0">
+              <a:solidFill>
+                <a:srgbClr val="DCDCDC"/>
+              </a:solidFill>
+              <a:highlight>
+                <a:srgbClr val="1E1E1E"/>
+              </a:highlight>
+              <a:latin typeface="Consolas" panose="020B0609020204030204" pitchFamily="49" charset="0"/>
+            </a:endParaRPr>
+          </a:p>
+          <a:p>
+            <a:r>
+              <a:rPr lang="it-IT" sz="800" dirty="0">
+                <a:solidFill>
+                  <a:srgbClr val="DCDCDC"/>
+                </a:solidFill>
+                <a:highlight>
+                  <a:srgbClr val="1E1E1E"/>
+                </a:highlight>
+                <a:latin typeface="Consolas" panose="020B0609020204030204" pitchFamily="49" charset="0"/>
+              </a:rPr>
+              <a:t>    {</a:t>
+            </a:r>
+          </a:p>
+          <a:p>
+            <a:r>
+              <a:rPr lang="it-IT" sz="800" dirty="0">
+                <a:solidFill>
+                  <a:srgbClr val="DCDCDC"/>
+                </a:solidFill>
+                <a:highlight>
+                  <a:srgbClr val="1E1E1E"/>
+                </a:highlight>
+                <a:latin typeface="Consolas" panose="020B0609020204030204" pitchFamily="49" charset="0"/>
+              </a:rPr>
+              <a:t>        </a:t>
+            </a:r>
+            <a:r>
+              <a:rPr lang="it-IT" sz="800" dirty="0">
+                <a:solidFill>
+                  <a:srgbClr val="569CD6"/>
+                </a:solidFill>
+                <a:highlight>
+                  <a:srgbClr val="1E1E1E"/>
+                </a:highlight>
+                <a:latin typeface="Consolas" panose="020B0609020204030204" pitchFamily="49" charset="0"/>
+              </a:rPr>
+              <a:t>private</a:t>
+            </a:r>
+            <a:r>
+              <a:rPr lang="it-IT" sz="800" dirty="0">
+                <a:solidFill>
+                  <a:srgbClr val="DCDCDC"/>
+                </a:solidFill>
+                <a:highlight>
+                  <a:srgbClr val="1E1E1E"/>
+                </a:highlight>
+                <a:latin typeface="Consolas" panose="020B0609020204030204" pitchFamily="49" charset="0"/>
+              </a:rPr>
+              <a:t> </a:t>
+            </a:r>
+            <a:r>
+              <a:rPr lang="it-IT" sz="800" dirty="0" err="1">
+                <a:solidFill>
+                  <a:srgbClr val="569CD6"/>
+                </a:solidFill>
+                <a:highlight>
+                  <a:srgbClr val="1E1E1E"/>
+                </a:highlight>
+                <a:latin typeface="Consolas" panose="020B0609020204030204" pitchFamily="49" charset="0"/>
+              </a:rPr>
+              <a:t>readonly</a:t>
+            </a:r>
+            <a:r>
+              <a:rPr lang="it-IT" sz="800" dirty="0">
+                <a:solidFill>
+                  <a:srgbClr val="DCDCDC"/>
+                </a:solidFill>
+                <a:highlight>
+                  <a:srgbClr val="1E1E1E"/>
+                </a:highlight>
+                <a:latin typeface="Consolas" panose="020B0609020204030204" pitchFamily="49" charset="0"/>
+              </a:rPr>
+              <a:t> </a:t>
+            </a:r>
+            <a:r>
+              <a:rPr lang="it-IT" sz="800" dirty="0">
+                <a:solidFill>
+                  <a:srgbClr val="569CD6"/>
+                </a:solidFill>
+                <a:highlight>
+                  <a:srgbClr val="1E1E1E"/>
+                </a:highlight>
+                <a:latin typeface="Consolas" panose="020B0609020204030204" pitchFamily="49" charset="0"/>
+              </a:rPr>
+              <a:t>float</a:t>
+            </a:r>
+            <a:r>
+              <a:rPr lang="it-IT" sz="800" dirty="0">
+                <a:solidFill>
+                  <a:srgbClr val="DCDCDC"/>
+                </a:solidFill>
+                <a:highlight>
+                  <a:srgbClr val="1E1E1E"/>
+                </a:highlight>
+                <a:latin typeface="Consolas" panose="020B0609020204030204" pitchFamily="49" charset="0"/>
+              </a:rPr>
+              <a:t> </a:t>
+            </a:r>
+            <a:r>
+              <a:rPr lang="it-IT" sz="800" dirty="0" err="1">
+                <a:solidFill>
+                  <a:srgbClr val="DCDCDC"/>
+                </a:solidFill>
+                <a:highlight>
+                  <a:srgbClr val="1E1E1E"/>
+                </a:highlight>
+                <a:latin typeface="Consolas" panose="020B0609020204030204" pitchFamily="49" charset="0"/>
+              </a:rPr>
+              <a:t>length</a:t>
+            </a:r>
+            <a:r>
+              <a:rPr lang="it-IT" sz="800" dirty="0" smtClean="0">
+                <a:solidFill>
+                  <a:srgbClr val="DCDCDC"/>
+                </a:solidFill>
+                <a:highlight>
+                  <a:srgbClr val="1E1E1E"/>
+                </a:highlight>
+                <a:latin typeface="Consolas" panose="020B0609020204030204" pitchFamily="49" charset="0"/>
+              </a:rPr>
+              <a:t>;</a:t>
+            </a:r>
+            <a:endParaRPr lang="it-IT" sz="800" dirty="0">
+              <a:solidFill>
+                <a:srgbClr val="DCDCDC"/>
+              </a:solidFill>
+              <a:highlight>
+                <a:srgbClr val="1E1E1E"/>
+              </a:highlight>
+              <a:latin typeface="Consolas" panose="020B0609020204030204" pitchFamily="49" charset="0"/>
+            </a:endParaRPr>
+          </a:p>
+          <a:p>
+            <a:r>
+              <a:rPr lang="it-IT" sz="800" dirty="0">
+                <a:solidFill>
+                  <a:srgbClr val="DCDCDC"/>
+                </a:solidFill>
+                <a:highlight>
+                  <a:srgbClr val="1E1E1E"/>
+                </a:highlight>
+                <a:latin typeface="Consolas" panose="020B0609020204030204" pitchFamily="49" charset="0"/>
+              </a:rPr>
+              <a:t>        </a:t>
+            </a:r>
+            <a:r>
+              <a:rPr lang="it-IT" sz="800" dirty="0">
+                <a:solidFill>
+                  <a:srgbClr val="569CD6"/>
+                </a:solidFill>
+                <a:highlight>
+                  <a:srgbClr val="1E1E1E"/>
+                </a:highlight>
+                <a:latin typeface="Consolas" panose="020B0609020204030204" pitchFamily="49" charset="0"/>
+              </a:rPr>
+              <a:t>public</a:t>
+            </a:r>
+            <a:r>
+              <a:rPr lang="it-IT" sz="800" dirty="0">
+                <a:solidFill>
+                  <a:srgbClr val="DCDCDC"/>
+                </a:solidFill>
+                <a:highlight>
+                  <a:srgbClr val="1E1E1E"/>
+                </a:highlight>
+                <a:latin typeface="Consolas" panose="020B0609020204030204" pitchFamily="49" charset="0"/>
+              </a:rPr>
+              <a:t> </a:t>
+            </a:r>
+            <a:r>
+              <a:rPr lang="it-IT" sz="800" dirty="0" err="1">
+                <a:solidFill>
+                  <a:srgbClr val="DCDCDC"/>
+                </a:solidFill>
+                <a:highlight>
+                  <a:srgbClr val="1E1E1E"/>
+                </a:highlight>
+                <a:latin typeface="Consolas" panose="020B0609020204030204" pitchFamily="49" charset="0"/>
+              </a:rPr>
+              <a:t>Squared</a:t>
+            </a:r>
+            <a:r>
+              <a:rPr lang="it-IT" sz="800" dirty="0">
+                <a:solidFill>
+                  <a:srgbClr val="DCDCDC"/>
+                </a:solidFill>
+                <a:highlight>
+                  <a:srgbClr val="1E1E1E"/>
+                </a:highlight>
+                <a:latin typeface="Consolas" panose="020B0609020204030204" pitchFamily="49" charset="0"/>
+              </a:rPr>
+              <a:t>(</a:t>
+            </a:r>
+            <a:r>
+              <a:rPr lang="it-IT" sz="800" dirty="0">
+                <a:solidFill>
+                  <a:srgbClr val="569CD6"/>
+                </a:solidFill>
+                <a:highlight>
+                  <a:srgbClr val="1E1E1E"/>
+                </a:highlight>
+                <a:latin typeface="Consolas" panose="020B0609020204030204" pitchFamily="49" charset="0"/>
+              </a:rPr>
+              <a:t>float</a:t>
+            </a:r>
+            <a:r>
+              <a:rPr lang="it-IT" sz="800" dirty="0">
+                <a:solidFill>
+                  <a:srgbClr val="DCDCDC"/>
+                </a:solidFill>
+                <a:highlight>
+                  <a:srgbClr val="1E1E1E"/>
+                </a:highlight>
+                <a:latin typeface="Consolas" panose="020B0609020204030204" pitchFamily="49" charset="0"/>
+              </a:rPr>
+              <a:t> </a:t>
+            </a:r>
+            <a:r>
+              <a:rPr lang="it-IT" sz="800" dirty="0" err="1">
+                <a:solidFill>
+                  <a:srgbClr val="DCDCDC"/>
+                </a:solidFill>
+                <a:highlight>
+                  <a:srgbClr val="1E1E1E"/>
+                </a:highlight>
+                <a:latin typeface="Consolas" panose="020B0609020204030204" pitchFamily="49" charset="0"/>
+              </a:rPr>
+              <a:t>length</a:t>
+            </a:r>
+            <a:r>
+              <a:rPr lang="it-IT" sz="800" dirty="0">
+                <a:solidFill>
+                  <a:srgbClr val="DCDCDC"/>
+                </a:solidFill>
+                <a:highlight>
+                  <a:srgbClr val="1E1E1E"/>
+                </a:highlight>
+                <a:latin typeface="Consolas" panose="020B0609020204030204" pitchFamily="49" charset="0"/>
+              </a:rPr>
+              <a:t>)</a:t>
+            </a:r>
+          </a:p>
+          <a:p>
+            <a:r>
+              <a:rPr lang="it-IT" sz="800" dirty="0">
+                <a:solidFill>
+                  <a:srgbClr val="DCDCDC"/>
+                </a:solidFill>
+                <a:highlight>
+                  <a:srgbClr val="1E1E1E"/>
+                </a:highlight>
+                <a:latin typeface="Consolas" panose="020B0609020204030204" pitchFamily="49" charset="0"/>
+              </a:rPr>
+              <a:t>        {</a:t>
+            </a:r>
+          </a:p>
+          <a:p>
+            <a:r>
+              <a:rPr lang="it-IT" sz="800" dirty="0">
+                <a:solidFill>
+                  <a:srgbClr val="DCDCDC"/>
+                </a:solidFill>
+                <a:highlight>
+                  <a:srgbClr val="1E1E1E"/>
+                </a:highlight>
+                <a:latin typeface="Consolas" panose="020B0609020204030204" pitchFamily="49" charset="0"/>
+              </a:rPr>
+              <a:t>            </a:t>
+            </a:r>
+            <a:r>
+              <a:rPr lang="it-IT" sz="800" dirty="0" err="1">
+                <a:solidFill>
+                  <a:srgbClr val="569CD6"/>
+                </a:solidFill>
+                <a:highlight>
+                  <a:srgbClr val="1E1E1E"/>
+                </a:highlight>
+                <a:latin typeface="Consolas" panose="020B0609020204030204" pitchFamily="49" charset="0"/>
+              </a:rPr>
+              <a:t>this</a:t>
+            </a:r>
+            <a:r>
+              <a:rPr lang="it-IT" sz="800" dirty="0" err="1">
+                <a:solidFill>
+                  <a:srgbClr val="B4B4B4"/>
+                </a:solidFill>
+                <a:highlight>
+                  <a:srgbClr val="1E1E1E"/>
+                </a:highlight>
+                <a:latin typeface="Consolas" panose="020B0609020204030204" pitchFamily="49" charset="0"/>
+              </a:rPr>
+              <a:t>.</a:t>
+            </a:r>
+            <a:r>
+              <a:rPr lang="it-IT" sz="800" dirty="0" err="1">
+                <a:solidFill>
+                  <a:srgbClr val="DCDCDC"/>
+                </a:solidFill>
+                <a:highlight>
+                  <a:srgbClr val="1E1E1E"/>
+                </a:highlight>
+                <a:latin typeface="Consolas" panose="020B0609020204030204" pitchFamily="49" charset="0"/>
+              </a:rPr>
+              <a:t>length</a:t>
+            </a:r>
+            <a:r>
+              <a:rPr lang="it-IT" sz="800" dirty="0">
+                <a:solidFill>
+                  <a:srgbClr val="DCDCDC"/>
+                </a:solidFill>
+                <a:highlight>
+                  <a:srgbClr val="1E1E1E"/>
+                </a:highlight>
+                <a:latin typeface="Consolas" panose="020B0609020204030204" pitchFamily="49" charset="0"/>
+              </a:rPr>
+              <a:t> </a:t>
+            </a:r>
+            <a:r>
+              <a:rPr lang="it-IT" sz="800" dirty="0">
+                <a:solidFill>
+                  <a:srgbClr val="B4B4B4"/>
+                </a:solidFill>
+                <a:highlight>
+                  <a:srgbClr val="1E1E1E"/>
+                </a:highlight>
+                <a:latin typeface="Consolas" panose="020B0609020204030204" pitchFamily="49" charset="0"/>
+              </a:rPr>
+              <a:t>=</a:t>
+            </a:r>
+            <a:r>
+              <a:rPr lang="it-IT" sz="800" dirty="0">
+                <a:solidFill>
+                  <a:srgbClr val="DCDCDC"/>
+                </a:solidFill>
+                <a:highlight>
+                  <a:srgbClr val="1E1E1E"/>
+                </a:highlight>
+                <a:latin typeface="Consolas" panose="020B0609020204030204" pitchFamily="49" charset="0"/>
+              </a:rPr>
+              <a:t> </a:t>
+            </a:r>
+            <a:r>
+              <a:rPr lang="it-IT" sz="800" dirty="0" err="1">
+                <a:solidFill>
+                  <a:srgbClr val="DCDCDC"/>
+                </a:solidFill>
+                <a:highlight>
+                  <a:srgbClr val="1E1E1E"/>
+                </a:highlight>
+                <a:latin typeface="Consolas" panose="020B0609020204030204" pitchFamily="49" charset="0"/>
+              </a:rPr>
+              <a:t>length</a:t>
+            </a:r>
+            <a:r>
+              <a:rPr lang="it-IT" sz="800" dirty="0">
+                <a:solidFill>
+                  <a:srgbClr val="DCDCDC"/>
+                </a:solidFill>
+                <a:highlight>
+                  <a:srgbClr val="1E1E1E"/>
+                </a:highlight>
+                <a:latin typeface="Consolas" panose="020B0609020204030204" pitchFamily="49" charset="0"/>
+              </a:rPr>
+              <a:t>;</a:t>
+            </a:r>
+          </a:p>
+          <a:p>
+            <a:r>
+              <a:rPr lang="it-IT" sz="800" dirty="0">
+                <a:solidFill>
+                  <a:srgbClr val="DCDCDC"/>
+                </a:solidFill>
+                <a:highlight>
+                  <a:srgbClr val="1E1E1E"/>
+                </a:highlight>
+                <a:latin typeface="Consolas" panose="020B0609020204030204" pitchFamily="49" charset="0"/>
+              </a:rPr>
+              <a:t>        </a:t>
+            </a:r>
+            <a:r>
+              <a:rPr lang="it-IT" sz="800" dirty="0" smtClean="0">
+                <a:solidFill>
+                  <a:srgbClr val="DCDCDC"/>
+                </a:solidFill>
+                <a:highlight>
+                  <a:srgbClr val="1E1E1E"/>
+                </a:highlight>
+                <a:latin typeface="Consolas" panose="020B0609020204030204" pitchFamily="49" charset="0"/>
+              </a:rPr>
+              <a:t>}</a:t>
+            </a:r>
+            <a:endParaRPr lang="it-IT" sz="800" dirty="0">
+              <a:solidFill>
+                <a:srgbClr val="DCDCDC"/>
+              </a:solidFill>
+              <a:highlight>
+                <a:srgbClr val="1E1E1E"/>
+              </a:highlight>
+              <a:latin typeface="Consolas" panose="020B0609020204030204" pitchFamily="49" charset="0"/>
+            </a:endParaRPr>
+          </a:p>
+          <a:p>
+            <a:r>
+              <a:rPr lang="it-IT" sz="800" dirty="0">
+                <a:solidFill>
+                  <a:srgbClr val="DCDCDC"/>
+                </a:solidFill>
+                <a:highlight>
+                  <a:srgbClr val="1E1E1E"/>
+                </a:highlight>
+                <a:latin typeface="Consolas" panose="020B0609020204030204" pitchFamily="49" charset="0"/>
+              </a:rPr>
+              <a:t>        </a:t>
+            </a:r>
+            <a:r>
+              <a:rPr lang="it-IT" sz="800" dirty="0">
+                <a:solidFill>
+                  <a:srgbClr val="569CD6"/>
+                </a:solidFill>
+                <a:highlight>
+                  <a:srgbClr val="1E1E1E"/>
+                </a:highlight>
+                <a:latin typeface="Consolas" panose="020B0609020204030204" pitchFamily="49" charset="0"/>
+              </a:rPr>
+              <a:t>public</a:t>
+            </a:r>
+            <a:r>
+              <a:rPr lang="it-IT" sz="800" dirty="0">
+                <a:solidFill>
+                  <a:srgbClr val="DCDCDC"/>
+                </a:solidFill>
+                <a:highlight>
+                  <a:srgbClr val="1E1E1E"/>
+                </a:highlight>
+                <a:latin typeface="Consolas" panose="020B0609020204030204" pitchFamily="49" charset="0"/>
+              </a:rPr>
+              <a:t> </a:t>
+            </a:r>
+            <a:r>
+              <a:rPr lang="it-IT" sz="800" dirty="0">
+                <a:solidFill>
+                  <a:srgbClr val="569CD6"/>
+                </a:solidFill>
+                <a:highlight>
+                  <a:srgbClr val="1E1E1E"/>
+                </a:highlight>
+                <a:latin typeface="Consolas" panose="020B0609020204030204" pitchFamily="49" charset="0"/>
+              </a:rPr>
+              <a:t>float</a:t>
+            </a:r>
+            <a:r>
+              <a:rPr lang="it-IT" sz="800" dirty="0">
+                <a:solidFill>
+                  <a:srgbClr val="DCDCDC"/>
+                </a:solidFill>
+                <a:highlight>
+                  <a:srgbClr val="1E1E1E"/>
+                </a:highlight>
+                <a:latin typeface="Consolas" panose="020B0609020204030204" pitchFamily="49" charset="0"/>
+              </a:rPr>
+              <a:t> </a:t>
+            </a:r>
+            <a:r>
+              <a:rPr lang="it-IT" sz="800" dirty="0" err="1">
+                <a:solidFill>
+                  <a:srgbClr val="DCDCDC"/>
+                </a:solidFill>
+                <a:highlight>
+                  <a:srgbClr val="1E1E1E"/>
+                </a:highlight>
+                <a:latin typeface="Consolas" panose="020B0609020204030204" pitchFamily="49" charset="0"/>
+              </a:rPr>
+              <a:t>GetArea</a:t>
+            </a:r>
+            <a:r>
+              <a:rPr lang="it-IT" sz="800" dirty="0">
+                <a:solidFill>
+                  <a:srgbClr val="DCDCDC"/>
+                </a:solidFill>
+                <a:highlight>
+                  <a:srgbClr val="1E1E1E"/>
+                </a:highlight>
+                <a:latin typeface="Consolas" panose="020B0609020204030204" pitchFamily="49" charset="0"/>
+              </a:rPr>
+              <a:t>()</a:t>
+            </a:r>
+          </a:p>
+          <a:p>
+            <a:r>
+              <a:rPr lang="it-IT" sz="800" dirty="0">
+                <a:solidFill>
+                  <a:srgbClr val="DCDCDC"/>
+                </a:solidFill>
+                <a:highlight>
+                  <a:srgbClr val="1E1E1E"/>
+                </a:highlight>
+                <a:latin typeface="Consolas" panose="020B0609020204030204" pitchFamily="49" charset="0"/>
+              </a:rPr>
+              <a:t>        {</a:t>
+            </a:r>
+          </a:p>
+          <a:p>
+            <a:r>
+              <a:rPr lang="it-IT" sz="800" dirty="0">
+                <a:solidFill>
+                  <a:srgbClr val="DCDCDC"/>
+                </a:solidFill>
+                <a:highlight>
+                  <a:srgbClr val="1E1E1E"/>
+                </a:highlight>
+                <a:latin typeface="Consolas" panose="020B0609020204030204" pitchFamily="49" charset="0"/>
+              </a:rPr>
+              <a:t>            </a:t>
+            </a:r>
+            <a:r>
+              <a:rPr lang="it-IT" sz="800" dirty="0" err="1">
+                <a:solidFill>
+                  <a:srgbClr val="569CD6"/>
+                </a:solidFill>
+                <a:highlight>
+                  <a:srgbClr val="1E1E1E"/>
+                </a:highlight>
+                <a:latin typeface="Consolas" panose="020B0609020204030204" pitchFamily="49" charset="0"/>
+              </a:rPr>
+              <a:t>return</a:t>
+            </a:r>
+            <a:r>
+              <a:rPr lang="it-IT" sz="800" dirty="0">
+                <a:solidFill>
+                  <a:srgbClr val="DCDCDC"/>
+                </a:solidFill>
+                <a:highlight>
+                  <a:srgbClr val="1E1E1E"/>
+                </a:highlight>
+                <a:latin typeface="Consolas" panose="020B0609020204030204" pitchFamily="49" charset="0"/>
+              </a:rPr>
+              <a:t> </a:t>
+            </a:r>
+            <a:r>
+              <a:rPr lang="it-IT" sz="800" dirty="0" err="1">
+                <a:solidFill>
+                  <a:srgbClr val="DCDCDC"/>
+                </a:solidFill>
+                <a:highlight>
+                  <a:srgbClr val="1E1E1E"/>
+                </a:highlight>
+                <a:latin typeface="Consolas" panose="020B0609020204030204" pitchFamily="49" charset="0"/>
+              </a:rPr>
+              <a:t>length</a:t>
+            </a:r>
+            <a:r>
+              <a:rPr lang="it-IT" sz="800" dirty="0">
+                <a:solidFill>
+                  <a:srgbClr val="DCDCDC"/>
+                </a:solidFill>
+                <a:highlight>
+                  <a:srgbClr val="1E1E1E"/>
+                </a:highlight>
+                <a:latin typeface="Consolas" panose="020B0609020204030204" pitchFamily="49" charset="0"/>
+              </a:rPr>
+              <a:t> </a:t>
+            </a:r>
+            <a:r>
+              <a:rPr lang="it-IT" sz="800" dirty="0">
+                <a:solidFill>
+                  <a:srgbClr val="B4B4B4"/>
+                </a:solidFill>
+                <a:highlight>
+                  <a:srgbClr val="1E1E1E"/>
+                </a:highlight>
+                <a:latin typeface="Consolas" panose="020B0609020204030204" pitchFamily="49" charset="0"/>
+              </a:rPr>
+              <a:t>*</a:t>
+            </a:r>
+            <a:r>
+              <a:rPr lang="it-IT" sz="800" dirty="0">
+                <a:solidFill>
+                  <a:srgbClr val="DCDCDC"/>
+                </a:solidFill>
+                <a:highlight>
+                  <a:srgbClr val="1E1E1E"/>
+                </a:highlight>
+                <a:latin typeface="Consolas" panose="020B0609020204030204" pitchFamily="49" charset="0"/>
+              </a:rPr>
+              <a:t> </a:t>
+            </a:r>
+            <a:r>
+              <a:rPr lang="it-IT" sz="800" dirty="0" err="1">
+                <a:solidFill>
+                  <a:srgbClr val="DCDCDC"/>
+                </a:solidFill>
+                <a:highlight>
+                  <a:srgbClr val="1E1E1E"/>
+                </a:highlight>
+                <a:latin typeface="Consolas" panose="020B0609020204030204" pitchFamily="49" charset="0"/>
+              </a:rPr>
+              <a:t>length</a:t>
+            </a:r>
+            <a:r>
+              <a:rPr lang="it-IT" sz="800" dirty="0">
+                <a:solidFill>
+                  <a:srgbClr val="DCDCDC"/>
+                </a:solidFill>
+                <a:highlight>
+                  <a:srgbClr val="1E1E1E"/>
+                </a:highlight>
+                <a:latin typeface="Consolas" panose="020B0609020204030204" pitchFamily="49" charset="0"/>
+              </a:rPr>
+              <a:t>;</a:t>
+            </a:r>
+          </a:p>
+          <a:p>
+            <a:r>
+              <a:rPr lang="it-IT" sz="800" dirty="0">
+                <a:solidFill>
+                  <a:srgbClr val="DCDCDC"/>
+                </a:solidFill>
+                <a:highlight>
+                  <a:srgbClr val="1E1E1E"/>
+                </a:highlight>
+                <a:latin typeface="Consolas" panose="020B0609020204030204" pitchFamily="49" charset="0"/>
+              </a:rPr>
+              <a:t>        </a:t>
+            </a:r>
+            <a:r>
+              <a:rPr lang="it-IT" sz="800" dirty="0" smtClean="0">
+                <a:solidFill>
+                  <a:srgbClr val="DCDCDC"/>
+                </a:solidFill>
+                <a:highlight>
+                  <a:srgbClr val="1E1E1E"/>
+                </a:highlight>
+                <a:latin typeface="Consolas" panose="020B0609020204030204" pitchFamily="49" charset="0"/>
+              </a:rPr>
+              <a:t>}</a:t>
+            </a:r>
+            <a:endParaRPr lang="it-IT" sz="800" dirty="0">
+              <a:solidFill>
+                <a:srgbClr val="DCDCDC"/>
+              </a:solidFill>
+              <a:highlight>
+                <a:srgbClr val="1E1E1E"/>
+              </a:highlight>
+              <a:latin typeface="Consolas" panose="020B0609020204030204" pitchFamily="49" charset="0"/>
+            </a:endParaRPr>
+          </a:p>
+          <a:p>
+            <a:r>
+              <a:rPr lang="it-IT" sz="800" dirty="0">
+                <a:solidFill>
+                  <a:srgbClr val="DCDCDC"/>
+                </a:solidFill>
+                <a:highlight>
+                  <a:srgbClr val="1E1E1E"/>
+                </a:highlight>
+                <a:latin typeface="Consolas" panose="020B0609020204030204" pitchFamily="49" charset="0"/>
+              </a:rPr>
+              <a:t>        </a:t>
+            </a:r>
+            <a:r>
+              <a:rPr lang="it-IT" sz="800" dirty="0">
+                <a:solidFill>
+                  <a:srgbClr val="569CD6"/>
+                </a:solidFill>
+                <a:highlight>
+                  <a:srgbClr val="1E1E1E"/>
+                </a:highlight>
+                <a:latin typeface="Consolas" panose="020B0609020204030204" pitchFamily="49" charset="0"/>
+              </a:rPr>
+              <a:t>public</a:t>
+            </a:r>
+            <a:r>
+              <a:rPr lang="it-IT" sz="800" dirty="0">
+                <a:solidFill>
+                  <a:srgbClr val="DCDCDC"/>
+                </a:solidFill>
+                <a:highlight>
+                  <a:srgbClr val="1E1E1E"/>
+                </a:highlight>
+                <a:latin typeface="Consolas" panose="020B0609020204030204" pitchFamily="49" charset="0"/>
+              </a:rPr>
+              <a:t> </a:t>
+            </a:r>
+            <a:r>
+              <a:rPr lang="it-IT" sz="800" dirty="0">
+                <a:solidFill>
+                  <a:srgbClr val="569CD6"/>
+                </a:solidFill>
+                <a:highlight>
+                  <a:srgbClr val="1E1E1E"/>
+                </a:highlight>
+                <a:latin typeface="Consolas" panose="020B0609020204030204" pitchFamily="49" charset="0"/>
+              </a:rPr>
+              <a:t>float</a:t>
+            </a:r>
+            <a:r>
+              <a:rPr lang="it-IT" sz="800" dirty="0">
+                <a:solidFill>
+                  <a:srgbClr val="DCDCDC"/>
+                </a:solidFill>
+                <a:highlight>
+                  <a:srgbClr val="1E1E1E"/>
+                </a:highlight>
+                <a:latin typeface="Consolas" panose="020B0609020204030204" pitchFamily="49" charset="0"/>
+              </a:rPr>
+              <a:t> </a:t>
+            </a:r>
+            <a:r>
+              <a:rPr lang="it-IT" sz="800" dirty="0" err="1">
+                <a:solidFill>
+                  <a:srgbClr val="DCDCDC"/>
+                </a:solidFill>
+                <a:highlight>
+                  <a:srgbClr val="1E1E1E"/>
+                </a:highlight>
+                <a:latin typeface="Consolas" panose="020B0609020204030204" pitchFamily="49" charset="0"/>
+              </a:rPr>
+              <a:t>GetPerimeter</a:t>
+            </a:r>
+            <a:r>
+              <a:rPr lang="it-IT" sz="800" dirty="0">
+                <a:solidFill>
+                  <a:srgbClr val="DCDCDC"/>
+                </a:solidFill>
+                <a:highlight>
+                  <a:srgbClr val="1E1E1E"/>
+                </a:highlight>
+                <a:latin typeface="Consolas" panose="020B0609020204030204" pitchFamily="49" charset="0"/>
+              </a:rPr>
+              <a:t>()</a:t>
+            </a:r>
+          </a:p>
+          <a:p>
+            <a:r>
+              <a:rPr lang="it-IT" sz="800" dirty="0">
+                <a:solidFill>
+                  <a:srgbClr val="DCDCDC"/>
+                </a:solidFill>
+                <a:highlight>
+                  <a:srgbClr val="1E1E1E"/>
+                </a:highlight>
+                <a:latin typeface="Consolas" panose="020B0609020204030204" pitchFamily="49" charset="0"/>
+              </a:rPr>
+              <a:t>        {</a:t>
+            </a:r>
+          </a:p>
+          <a:p>
+            <a:r>
+              <a:rPr lang="it-IT" sz="800" dirty="0">
+                <a:solidFill>
+                  <a:srgbClr val="DCDCDC"/>
+                </a:solidFill>
+                <a:highlight>
+                  <a:srgbClr val="1E1E1E"/>
+                </a:highlight>
+                <a:latin typeface="Consolas" panose="020B0609020204030204" pitchFamily="49" charset="0"/>
+              </a:rPr>
+              <a:t>            </a:t>
+            </a:r>
+            <a:r>
+              <a:rPr lang="it-IT" sz="800" dirty="0" err="1">
+                <a:solidFill>
+                  <a:srgbClr val="569CD6"/>
+                </a:solidFill>
+                <a:highlight>
+                  <a:srgbClr val="1E1E1E"/>
+                </a:highlight>
+                <a:latin typeface="Consolas" panose="020B0609020204030204" pitchFamily="49" charset="0"/>
+              </a:rPr>
+              <a:t>return</a:t>
+            </a:r>
+            <a:r>
+              <a:rPr lang="it-IT" sz="800" dirty="0">
+                <a:solidFill>
+                  <a:srgbClr val="DCDCDC"/>
+                </a:solidFill>
+                <a:highlight>
+                  <a:srgbClr val="1E1E1E"/>
+                </a:highlight>
+                <a:latin typeface="Consolas" panose="020B0609020204030204" pitchFamily="49" charset="0"/>
+              </a:rPr>
+              <a:t> </a:t>
+            </a:r>
+            <a:r>
+              <a:rPr lang="it-IT" sz="800" dirty="0" err="1">
+                <a:solidFill>
+                  <a:srgbClr val="DCDCDC"/>
+                </a:solidFill>
+                <a:highlight>
+                  <a:srgbClr val="1E1E1E"/>
+                </a:highlight>
+                <a:latin typeface="Consolas" panose="020B0609020204030204" pitchFamily="49" charset="0"/>
+              </a:rPr>
+              <a:t>length</a:t>
+            </a:r>
+            <a:r>
+              <a:rPr lang="it-IT" sz="800" dirty="0">
+                <a:solidFill>
+                  <a:srgbClr val="DCDCDC"/>
+                </a:solidFill>
+                <a:highlight>
+                  <a:srgbClr val="1E1E1E"/>
+                </a:highlight>
+                <a:latin typeface="Consolas" panose="020B0609020204030204" pitchFamily="49" charset="0"/>
+              </a:rPr>
+              <a:t> </a:t>
+            </a:r>
+            <a:r>
+              <a:rPr lang="it-IT" sz="800" dirty="0">
+                <a:solidFill>
+                  <a:srgbClr val="B4B4B4"/>
+                </a:solidFill>
+                <a:highlight>
+                  <a:srgbClr val="1E1E1E"/>
+                </a:highlight>
+                <a:latin typeface="Consolas" panose="020B0609020204030204" pitchFamily="49" charset="0"/>
+              </a:rPr>
+              <a:t>*</a:t>
+            </a:r>
+            <a:r>
+              <a:rPr lang="it-IT" sz="800" dirty="0">
+                <a:solidFill>
+                  <a:srgbClr val="DCDCDC"/>
+                </a:solidFill>
+                <a:highlight>
+                  <a:srgbClr val="1E1E1E"/>
+                </a:highlight>
+                <a:latin typeface="Consolas" panose="020B0609020204030204" pitchFamily="49" charset="0"/>
+              </a:rPr>
+              <a:t> </a:t>
+            </a:r>
+            <a:r>
+              <a:rPr lang="it-IT" sz="800" dirty="0">
+                <a:solidFill>
+                  <a:srgbClr val="B5CEA8"/>
+                </a:solidFill>
+                <a:highlight>
+                  <a:srgbClr val="1E1E1E"/>
+                </a:highlight>
+                <a:latin typeface="Consolas" panose="020B0609020204030204" pitchFamily="49" charset="0"/>
+              </a:rPr>
+              <a:t>4</a:t>
+            </a:r>
+            <a:r>
+              <a:rPr lang="it-IT" sz="800" dirty="0">
+                <a:solidFill>
+                  <a:srgbClr val="DCDCDC"/>
+                </a:solidFill>
+                <a:highlight>
+                  <a:srgbClr val="1E1E1E"/>
+                </a:highlight>
+                <a:latin typeface="Consolas" panose="020B0609020204030204" pitchFamily="49" charset="0"/>
+              </a:rPr>
+              <a:t>;</a:t>
+            </a:r>
+          </a:p>
+          <a:p>
+            <a:r>
+              <a:rPr lang="it-IT" sz="800" dirty="0">
+                <a:solidFill>
+                  <a:srgbClr val="DCDCDC"/>
+                </a:solidFill>
+                <a:highlight>
+                  <a:srgbClr val="1E1E1E"/>
+                </a:highlight>
+                <a:latin typeface="Consolas" panose="020B0609020204030204" pitchFamily="49" charset="0"/>
+              </a:rPr>
+              <a:t>        }</a:t>
+            </a:r>
+          </a:p>
+          <a:p>
+            <a:r>
+              <a:rPr lang="it-IT" sz="800" dirty="0">
+                <a:solidFill>
+                  <a:srgbClr val="DCDCDC"/>
+                </a:solidFill>
+                <a:highlight>
+                  <a:srgbClr val="1E1E1E"/>
+                </a:highlight>
+                <a:latin typeface="Consolas" panose="020B0609020204030204" pitchFamily="49" charset="0"/>
+              </a:rPr>
+              <a:t>    </a:t>
+            </a:r>
+            <a:r>
+              <a:rPr lang="it-IT" sz="800" dirty="0" smtClean="0">
+                <a:solidFill>
+                  <a:srgbClr val="DCDCDC"/>
+                </a:solidFill>
+                <a:highlight>
+                  <a:srgbClr val="1E1E1E"/>
+                </a:highlight>
+                <a:latin typeface="Consolas" panose="020B0609020204030204" pitchFamily="49" charset="0"/>
+              </a:rPr>
+              <a:t>}</a:t>
+            </a:r>
+          </a:p>
+          <a:p>
+            <a:endParaRPr lang="it-IT" sz="800" dirty="0" smtClean="0">
+              <a:solidFill>
+                <a:srgbClr val="DCDCDC"/>
+              </a:solidFill>
+              <a:highlight>
+                <a:srgbClr val="1E1E1E"/>
+              </a:highlight>
+              <a:latin typeface="Consolas" panose="020B0609020204030204" pitchFamily="49" charset="0"/>
+            </a:endParaRPr>
+          </a:p>
+          <a:p>
+            <a:r>
+              <a:rPr lang="it-IT" sz="800" dirty="0" smtClean="0">
+                <a:solidFill>
+                  <a:srgbClr val="DCDCDC"/>
+                </a:solidFill>
+                <a:highlight>
+                  <a:srgbClr val="1E1E1E"/>
+                </a:highlight>
+                <a:latin typeface="Consolas" panose="020B0609020204030204" pitchFamily="49" charset="0"/>
+              </a:rPr>
+              <a:t>    </a:t>
+            </a:r>
+            <a:r>
+              <a:rPr lang="it-IT" sz="800" dirty="0" smtClean="0">
+                <a:solidFill>
+                  <a:srgbClr val="569CD6"/>
+                </a:solidFill>
+                <a:highlight>
+                  <a:srgbClr val="1E1E1E"/>
+                </a:highlight>
+                <a:latin typeface="Consolas" panose="020B0609020204030204" pitchFamily="49" charset="0"/>
+              </a:rPr>
+              <a:t>public</a:t>
+            </a:r>
+            <a:r>
+              <a:rPr lang="it-IT" sz="800" dirty="0" smtClean="0">
+                <a:solidFill>
+                  <a:srgbClr val="DCDCDC"/>
+                </a:solidFill>
+                <a:highlight>
+                  <a:srgbClr val="1E1E1E"/>
+                </a:highlight>
+                <a:latin typeface="Consolas" panose="020B0609020204030204" pitchFamily="49" charset="0"/>
+              </a:rPr>
+              <a:t> </a:t>
+            </a:r>
+            <a:r>
+              <a:rPr lang="it-IT" sz="800" dirty="0" err="1">
+                <a:solidFill>
+                  <a:srgbClr val="569CD6"/>
+                </a:solidFill>
+                <a:highlight>
+                  <a:srgbClr val="1E1E1E"/>
+                </a:highlight>
+                <a:latin typeface="Consolas" panose="020B0609020204030204" pitchFamily="49" charset="0"/>
+              </a:rPr>
+              <a:t>class</a:t>
+            </a:r>
+            <a:r>
+              <a:rPr lang="it-IT" sz="800" dirty="0">
+                <a:solidFill>
+                  <a:srgbClr val="DCDCDC"/>
+                </a:solidFill>
+                <a:highlight>
+                  <a:srgbClr val="1E1E1E"/>
+                </a:highlight>
+                <a:latin typeface="Consolas" panose="020B0609020204030204" pitchFamily="49" charset="0"/>
+              </a:rPr>
+              <a:t> </a:t>
+            </a:r>
+            <a:r>
+              <a:rPr lang="it-IT" sz="800" dirty="0" err="1">
+                <a:solidFill>
+                  <a:srgbClr val="4EC9B0"/>
+                </a:solidFill>
+                <a:highlight>
+                  <a:srgbClr val="1E1E1E"/>
+                </a:highlight>
+                <a:latin typeface="Consolas" panose="020B0609020204030204" pitchFamily="49" charset="0"/>
+              </a:rPr>
+              <a:t>Circle</a:t>
+            </a:r>
+            <a:r>
+              <a:rPr lang="it-IT" sz="800" dirty="0">
+                <a:solidFill>
+                  <a:srgbClr val="DCDCDC"/>
+                </a:solidFill>
+                <a:highlight>
+                  <a:srgbClr val="1E1E1E"/>
+                </a:highlight>
+                <a:latin typeface="Consolas" panose="020B0609020204030204" pitchFamily="49" charset="0"/>
+              </a:rPr>
+              <a:t> : </a:t>
+            </a:r>
+            <a:r>
+              <a:rPr lang="it-IT" sz="800" dirty="0" err="1">
+                <a:solidFill>
+                  <a:srgbClr val="B8D7A3"/>
+                </a:solidFill>
+                <a:highlight>
+                  <a:srgbClr val="1E1E1E"/>
+                </a:highlight>
+                <a:latin typeface="Consolas" panose="020B0609020204030204" pitchFamily="49" charset="0"/>
+              </a:rPr>
+              <a:t>IShape</a:t>
+            </a:r>
+            <a:endParaRPr lang="it-IT" sz="800" dirty="0">
+              <a:solidFill>
+                <a:srgbClr val="DCDCDC"/>
+              </a:solidFill>
+              <a:highlight>
+                <a:srgbClr val="1E1E1E"/>
+              </a:highlight>
+              <a:latin typeface="Consolas" panose="020B0609020204030204" pitchFamily="49" charset="0"/>
+            </a:endParaRPr>
+          </a:p>
+          <a:p>
+            <a:r>
+              <a:rPr lang="it-IT" sz="800" dirty="0">
+                <a:solidFill>
+                  <a:srgbClr val="DCDCDC"/>
+                </a:solidFill>
+                <a:highlight>
+                  <a:srgbClr val="1E1E1E"/>
+                </a:highlight>
+                <a:latin typeface="Consolas" panose="020B0609020204030204" pitchFamily="49" charset="0"/>
+              </a:rPr>
+              <a:t>    {</a:t>
+            </a:r>
+          </a:p>
+          <a:p>
+            <a:r>
+              <a:rPr lang="it-IT" sz="800" dirty="0">
+                <a:solidFill>
+                  <a:srgbClr val="DCDCDC"/>
+                </a:solidFill>
+                <a:highlight>
+                  <a:srgbClr val="1E1E1E"/>
+                </a:highlight>
+                <a:latin typeface="Consolas" panose="020B0609020204030204" pitchFamily="49" charset="0"/>
+              </a:rPr>
+              <a:t>        </a:t>
+            </a:r>
+            <a:r>
+              <a:rPr lang="it-IT" sz="800" dirty="0">
+                <a:solidFill>
+                  <a:srgbClr val="569CD6"/>
+                </a:solidFill>
+                <a:highlight>
+                  <a:srgbClr val="1E1E1E"/>
+                </a:highlight>
+                <a:latin typeface="Consolas" panose="020B0609020204030204" pitchFamily="49" charset="0"/>
+              </a:rPr>
+              <a:t>private</a:t>
+            </a:r>
+            <a:r>
+              <a:rPr lang="it-IT" sz="800" dirty="0">
+                <a:solidFill>
+                  <a:srgbClr val="DCDCDC"/>
+                </a:solidFill>
+                <a:highlight>
+                  <a:srgbClr val="1E1E1E"/>
+                </a:highlight>
+                <a:latin typeface="Consolas" panose="020B0609020204030204" pitchFamily="49" charset="0"/>
+              </a:rPr>
+              <a:t> </a:t>
+            </a:r>
+            <a:r>
+              <a:rPr lang="it-IT" sz="800" dirty="0" err="1">
+                <a:solidFill>
+                  <a:srgbClr val="569CD6"/>
+                </a:solidFill>
+                <a:highlight>
+                  <a:srgbClr val="1E1E1E"/>
+                </a:highlight>
+                <a:latin typeface="Consolas" panose="020B0609020204030204" pitchFamily="49" charset="0"/>
+              </a:rPr>
+              <a:t>readonly</a:t>
+            </a:r>
+            <a:r>
+              <a:rPr lang="it-IT" sz="800" dirty="0">
+                <a:solidFill>
+                  <a:srgbClr val="DCDCDC"/>
+                </a:solidFill>
+                <a:highlight>
+                  <a:srgbClr val="1E1E1E"/>
+                </a:highlight>
+                <a:latin typeface="Consolas" panose="020B0609020204030204" pitchFamily="49" charset="0"/>
+              </a:rPr>
+              <a:t> </a:t>
+            </a:r>
+            <a:r>
+              <a:rPr lang="it-IT" sz="800" dirty="0">
+                <a:solidFill>
+                  <a:srgbClr val="569CD6"/>
+                </a:solidFill>
+                <a:highlight>
+                  <a:srgbClr val="1E1E1E"/>
+                </a:highlight>
+                <a:latin typeface="Consolas" panose="020B0609020204030204" pitchFamily="49" charset="0"/>
+              </a:rPr>
+              <a:t>float</a:t>
+            </a:r>
+            <a:r>
+              <a:rPr lang="it-IT" sz="800" dirty="0">
+                <a:solidFill>
+                  <a:srgbClr val="DCDCDC"/>
+                </a:solidFill>
+                <a:highlight>
+                  <a:srgbClr val="1E1E1E"/>
+                </a:highlight>
+                <a:latin typeface="Consolas" panose="020B0609020204030204" pitchFamily="49" charset="0"/>
+              </a:rPr>
+              <a:t> </a:t>
+            </a:r>
+            <a:r>
+              <a:rPr lang="it-IT" sz="800" dirty="0" err="1">
+                <a:solidFill>
+                  <a:srgbClr val="DCDCDC"/>
+                </a:solidFill>
+                <a:highlight>
+                  <a:srgbClr val="1E1E1E"/>
+                </a:highlight>
+                <a:latin typeface="Consolas" panose="020B0609020204030204" pitchFamily="49" charset="0"/>
+              </a:rPr>
+              <a:t>radious</a:t>
+            </a:r>
+            <a:r>
+              <a:rPr lang="it-IT" sz="800" dirty="0" smtClean="0">
+                <a:solidFill>
+                  <a:srgbClr val="DCDCDC"/>
+                </a:solidFill>
+                <a:highlight>
+                  <a:srgbClr val="1E1E1E"/>
+                </a:highlight>
+                <a:latin typeface="Consolas" panose="020B0609020204030204" pitchFamily="49" charset="0"/>
+              </a:rPr>
+              <a:t>;</a:t>
+            </a:r>
+            <a:endParaRPr lang="it-IT" sz="800" dirty="0">
+              <a:solidFill>
+                <a:srgbClr val="DCDCDC"/>
+              </a:solidFill>
+              <a:highlight>
+                <a:srgbClr val="1E1E1E"/>
+              </a:highlight>
+              <a:latin typeface="Consolas" panose="020B0609020204030204" pitchFamily="49" charset="0"/>
+            </a:endParaRPr>
+          </a:p>
+          <a:p>
+            <a:r>
+              <a:rPr lang="it-IT" sz="800" dirty="0">
+                <a:solidFill>
+                  <a:srgbClr val="DCDCDC"/>
+                </a:solidFill>
+                <a:highlight>
+                  <a:srgbClr val="1E1E1E"/>
+                </a:highlight>
+                <a:latin typeface="Consolas" panose="020B0609020204030204" pitchFamily="49" charset="0"/>
+              </a:rPr>
+              <a:t>        </a:t>
+            </a:r>
+            <a:r>
+              <a:rPr lang="it-IT" sz="800" dirty="0">
+                <a:solidFill>
+                  <a:srgbClr val="569CD6"/>
+                </a:solidFill>
+                <a:highlight>
+                  <a:srgbClr val="1E1E1E"/>
+                </a:highlight>
+                <a:latin typeface="Consolas" panose="020B0609020204030204" pitchFamily="49" charset="0"/>
+              </a:rPr>
+              <a:t>public</a:t>
+            </a:r>
+            <a:r>
+              <a:rPr lang="it-IT" sz="800" dirty="0">
+                <a:solidFill>
+                  <a:srgbClr val="DCDCDC"/>
+                </a:solidFill>
+                <a:highlight>
+                  <a:srgbClr val="1E1E1E"/>
+                </a:highlight>
+                <a:latin typeface="Consolas" panose="020B0609020204030204" pitchFamily="49" charset="0"/>
+              </a:rPr>
+              <a:t> </a:t>
+            </a:r>
+            <a:r>
+              <a:rPr lang="it-IT" sz="800" dirty="0" err="1">
+                <a:solidFill>
+                  <a:srgbClr val="DCDCDC"/>
+                </a:solidFill>
+                <a:highlight>
+                  <a:srgbClr val="1E1E1E"/>
+                </a:highlight>
+                <a:latin typeface="Consolas" panose="020B0609020204030204" pitchFamily="49" charset="0"/>
+              </a:rPr>
+              <a:t>Circle</a:t>
+            </a:r>
+            <a:r>
+              <a:rPr lang="it-IT" sz="800" dirty="0">
+                <a:solidFill>
+                  <a:srgbClr val="DCDCDC"/>
+                </a:solidFill>
+                <a:highlight>
+                  <a:srgbClr val="1E1E1E"/>
+                </a:highlight>
+                <a:latin typeface="Consolas" panose="020B0609020204030204" pitchFamily="49" charset="0"/>
+              </a:rPr>
+              <a:t>(</a:t>
+            </a:r>
+            <a:r>
+              <a:rPr lang="it-IT" sz="800" dirty="0">
+                <a:solidFill>
+                  <a:srgbClr val="569CD6"/>
+                </a:solidFill>
+                <a:highlight>
+                  <a:srgbClr val="1E1E1E"/>
+                </a:highlight>
+                <a:latin typeface="Consolas" panose="020B0609020204030204" pitchFamily="49" charset="0"/>
+              </a:rPr>
+              <a:t>float</a:t>
+            </a:r>
+            <a:r>
+              <a:rPr lang="it-IT" sz="800" dirty="0">
+                <a:solidFill>
+                  <a:srgbClr val="DCDCDC"/>
+                </a:solidFill>
+                <a:highlight>
+                  <a:srgbClr val="1E1E1E"/>
+                </a:highlight>
+                <a:latin typeface="Consolas" panose="020B0609020204030204" pitchFamily="49" charset="0"/>
+              </a:rPr>
+              <a:t> </a:t>
+            </a:r>
+            <a:r>
+              <a:rPr lang="it-IT" sz="800" dirty="0" err="1">
+                <a:solidFill>
+                  <a:srgbClr val="DCDCDC"/>
+                </a:solidFill>
+                <a:highlight>
+                  <a:srgbClr val="1E1E1E"/>
+                </a:highlight>
+                <a:latin typeface="Consolas" panose="020B0609020204030204" pitchFamily="49" charset="0"/>
+              </a:rPr>
+              <a:t>radious</a:t>
+            </a:r>
+            <a:r>
+              <a:rPr lang="it-IT" sz="800" dirty="0">
+                <a:solidFill>
+                  <a:srgbClr val="DCDCDC"/>
+                </a:solidFill>
+                <a:highlight>
+                  <a:srgbClr val="1E1E1E"/>
+                </a:highlight>
+                <a:latin typeface="Consolas" panose="020B0609020204030204" pitchFamily="49" charset="0"/>
+              </a:rPr>
+              <a:t>)</a:t>
+            </a:r>
+          </a:p>
+          <a:p>
+            <a:r>
+              <a:rPr lang="it-IT" sz="800" dirty="0">
+                <a:solidFill>
+                  <a:srgbClr val="DCDCDC"/>
+                </a:solidFill>
+                <a:highlight>
+                  <a:srgbClr val="1E1E1E"/>
+                </a:highlight>
+                <a:latin typeface="Consolas" panose="020B0609020204030204" pitchFamily="49" charset="0"/>
+              </a:rPr>
+              <a:t>        {</a:t>
+            </a:r>
+          </a:p>
+          <a:p>
+            <a:r>
+              <a:rPr lang="it-IT" sz="800" dirty="0">
+                <a:solidFill>
+                  <a:srgbClr val="DCDCDC"/>
+                </a:solidFill>
+                <a:highlight>
+                  <a:srgbClr val="1E1E1E"/>
+                </a:highlight>
+                <a:latin typeface="Consolas" panose="020B0609020204030204" pitchFamily="49" charset="0"/>
+              </a:rPr>
+              <a:t>            </a:t>
+            </a:r>
+            <a:r>
+              <a:rPr lang="it-IT" sz="800" dirty="0" err="1">
+                <a:solidFill>
+                  <a:srgbClr val="569CD6"/>
+                </a:solidFill>
+                <a:highlight>
+                  <a:srgbClr val="1E1E1E"/>
+                </a:highlight>
+                <a:latin typeface="Consolas" panose="020B0609020204030204" pitchFamily="49" charset="0"/>
+              </a:rPr>
+              <a:t>this</a:t>
+            </a:r>
+            <a:r>
+              <a:rPr lang="it-IT" sz="800" dirty="0" err="1">
+                <a:solidFill>
+                  <a:srgbClr val="B4B4B4"/>
+                </a:solidFill>
+                <a:highlight>
+                  <a:srgbClr val="1E1E1E"/>
+                </a:highlight>
+                <a:latin typeface="Consolas" panose="020B0609020204030204" pitchFamily="49" charset="0"/>
+              </a:rPr>
+              <a:t>.</a:t>
+            </a:r>
+            <a:r>
+              <a:rPr lang="it-IT" sz="800" dirty="0" err="1">
+                <a:solidFill>
+                  <a:srgbClr val="DCDCDC"/>
+                </a:solidFill>
+                <a:highlight>
+                  <a:srgbClr val="1E1E1E"/>
+                </a:highlight>
+                <a:latin typeface="Consolas" panose="020B0609020204030204" pitchFamily="49" charset="0"/>
+              </a:rPr>
+              <a:t>radious</a:t>
+            </a:r>
+            <a:r>
+              <a:rPr lang="it-IT" sz="800" dirty="0">
+                <a:solidFill>
+                  <a:srgbClr val="DCDCDC"/>
+                </a:solidFill>
+                <a:highlight>
+                  <a:srgbClr val="1E1E1E"/>
+                </a:highlight>
+                <a:latin typeface="Consolas" panose="020B0609020204030204" pitchFamily="49" charset="0"/>
+              </a:rPr>
+              <a:t> </a:t>
+            </a:r>
+            <a:r>
+              <a:rPr lang="it-IT" sz="800" dirty="0">
+                <a:solidFill>
+                  <a:srgbClr val="B4B4B4"/>
+                </a:solidFill>
+                <a:highlight>
+                  <a:srgbClr val="1E1E1E"/>
+                </a:highlight>
+                <a:latin typeface="Consolas" panose="020B0609020204030204" pitchFamily="49" charset="0"/>
+              </a:rPr>
+              <a:t>=</a:t>
+            </a:r>
+            <a:r>
+              <a:rPr lang="it-IT" sz="800" dirty="0">
+                <a:solidFill>
+                  <a:srgbClr val="DCDCDC"/>
+                </a:solidFill>
+                <a:highlight>
+                  <a:srgbClr val="1E1E1E"/>
+                </a:highlight>
+                <a:latin typeface="Consolas" panose="020B0609020204030204" pitchFamily="49" charset="0"/>
+              </a:rPr>
+              <a:t> </a:t>
+            </a:r>
+            <a:r>
+              <a:rPr lang="it-IT" sz="800" dirty="0" err="1">
+                <a:solidFill>
+                  <a:srgbClr val="DCDCDC"/>
+                </a:solidFill>
+                <a:highlight>
+                  <a:srgbClr val="1E1E1E"/>
+                </a:highlight>
+                <a:latin typeface="Consolas" panose="020B0609020204030204" pitchFamily="49" charset="0"/>
+              </a:rPr>
+              <a:t>radious</a:t>
+            </a:r>
+            <a:r>
+              <a:rPr lang="it-IT" sz="800" dirty="0">
+                <a:solidFill>
+                  <a:srgbClr val="DCDCDC"/>
+                </a:solidFill>
+                <a:highlight>
+                  <a:srgbClr val="1E1E1E"/>
+                </a:highlight>
+                <a:latin typeface="Consolas" panose="020B0609020204030204" pitchFamily="49" charset="0"/>
+              </a:rPr>
+              <a:t>;</a:t>
+            </a:r>
+          </a:p>
+          <a:p>
+            <a:r>
+              <a:rPr lang="it-IT" sz="800" dirty="0">
+                <a:solidFill>
+                  <a:srgbClr val="DCDCDC"/>
+                </a:solidFill>
+                <a:highlight>
+                  <a:srgbClr val="1E1E1E"/>
+                </a:highlight>
+                <a:latin typeface="Consolas" panose="020B0609020204030204" pitchFamily="49" charset="0"/>
+              </a:rPr>
+              <a:t>        </a:t>
+            </a:r>
+            <a:r>
+              <a:rPr lang="it-IT" sz="800" dirty="0" smtClean="0">
+                <a:solidFill>
+                  <a:srgbClr val="DCDCDC"/>
+                </a:solidFill>
+                <a:highlight>
+                  <a:srgbClr val="1E1E1E"/>
+                </a:highlight>
+                <a:latin typeface="Consolas" panose="020B0609020204030204" pitchFamily="49" charset="0"/>
+              </a:rPr>
+              <a:t>}</a:t>
+            </a:r>
+            <a:endParaRPr lang="it-IT" sz="800" dirty="0">
+              <a:solidFill>
+                <a:srgbClr val="DCDCDC"/>
+              </a:solidFill>
+              <a:highlight>
+                <a:srgbClr val="1E1E1E"/>
+              </a:highlight>
+              <a:latin typeface="Consolas" panose="020B0609020204030204" pitchFamily="49" charset="0"/>
+            </a:endParaRPr>
+          </a:p>
+          <a:p>
+            <a:r>
+              <a:rPr lang="it-IT" sz="800" dirty="0">
+                <a:solidFill>
+                  <a:srgbClr val="DCDCDC"/>
+                </a:solidFill>
+                <a:highlight>
+                  <a:srgbClr val="1E1E1E"/>
+                </a:highlight>
+                <a:latin typeface="Consolas" panose="020B0609020204030204" pitchFamily="49" charset="0"/>
+              </a:rPr>
+              <a:t>        </a:t>
+            </a:r>
+            <a:r>
+              <a:rPr lang="it-IT" sz="800" dirty="0">
+                <a:solidFill>
+                  <a:srgbClr val="569CD6"/>
+                </a:solidFill>
+                <a:highlight>
+                  <a:srgbClr val="1E1E1E"/>
+                </a:highlight>
+                <a:latin typeface="Consolas" panose="020B0609020204030204" pitchFamily="49" charset="0"/>
+              </a:rPr>
+              <a:t>public</a:t>
+            </a:r>
+            <a:r>
+              <a:rPr lang="it-IT" sz="800" dirty="0">
+                <a:solidFill>
+                  <a:srgbClr val="DCDCDC"/>
+                </a:solidFill>
+                <a:highlight>
+                  <a:srgbClr val="1E1E1E"/>
+                </a:highlight>
+                <a:latin typeface="Consolas" panose="020B0609020204030204" pitchFamily="49" charset="0"/>
+              </a:rPr>
+              <a:t> </a:t>
+            </a:r>
+            <a:r>
+              <a:rPr lang="it-IT" sz="800" dirty="0">
+                <a:solidFill>
+                  <a:srgbClr val="569CD6"/>
+                </a:solidFill>
+                <a:highlight>
+                  <a:srgbClr val="1E1E1E"/>
+                </a:highlight>
+                <a:latin typeface="Consolas" panose="020B0609020204030204" pitchFamily="49" charset="0"/>
+              </a:rPr>
+              <a:t>float</a:t>
+            </a:r>
+            <a:r>
+              <a:rPr lang="it-IT" sz="800" dirty="0">
+                <a:solidFill>
+                  <a:srgbClr val="DCDCDC"/>
+                </a:solidFill>
+                <a:highlight>
+                  <a:srgbClr val="1E1E1E"/>
+                </a:highlight>
+                <a:latin typeface="Consolas" panose="020B0609020204030204" pitchFamily="49" charset="0"/>
+              </a:rPr>
+              <a:t> </a:t>
+            </a:r>
+            <a:r>
+              <a:rPr lang="it-IT" sz="800" dirty="0" err="1">
+                <a:solidFill>
+                  <a:srgbClr val="DCDCDC"/>
+                </a:solidFill>
+                <a:highlight>
+                  <a:srgbClr val="1E1E1E"/>
+                </a:highlight>
+                <a:latin typeface="Consolas" panose="020B0609020204030204" pitchFamily="49" charset="0"/>
+              </a:rPr>
+              <a:t>GetArea</a:t>
+            </a:r>
+            <a:r>
+              <a:rPr lang="it-IT" sz="800" dirty="0">
+                <a:solidFill>
+                  <a:srgbClr val="DCDCDC"/>
+                </a:solidFill>
+                <a:highlight>
+                  <a:srgbClr val="1E1E1E"/>
+                </a:highlight>
+                <a:latin typeface="Consolas" panose="020B0609020204030204" pitchFamily="49" charset="0"/>
+              </a:rPr>
+              <a:t>()</a:t>
+            </a:r>
+          </a:p>
+          <a:p>
+            <a:r>
+              <a:rPr lang="it-IT" sz="800" dirty="0">
+                <a:solidFill>
+                  <a:srgbClr val="DCDCDC"/>
+                </a:solidFill>
+                <a:highlight>
+                  <a:srgbClr val="1E1E1E"/>
+                </a:highlight>
+                <a:latin typeface="Consolas" panose="020B0609020204030204" pitchFamily="49" charset="0"/>
+              </a:rPr>
+              <a:t>        {</a:t>
+            </a:r>
+          </a:p>
+          <a:p>
+            <a:r>
+              <a:rPr lang="en-US" sz="800" dirty="0">
+                <a:solidFill>
+                  <a:srgbClr val="DCDCDC"/>
+                </a:solidFill>
+                <a:highlight>
+                  <a:srgbClr val="1E1E1E"/>
+                </a:highlight>
+                <a:latin typeface="Consolas" panose="020B0609020204030204" pitchFamily="49" charset="0"/>
+              </a:rPr>
+              <a:t>            </a:t>
+            </a:r>
+            <a:r>
+              <a:rPr lang="en-US" sz="800" dirty="0">
+                <a:solidFill>
+                  <a:srgbClr val="569CD6"/>
+                </a:solidFill>
+                <a:highlight>
+                  <a:srgbClr val="1E1E1E"/>
+                </a:highlight>
+                <a:latin typeface="Consolas" panose="020B0609020204030204" pitchFamily="49" charset="0"/>
+              </a:rPr>
+              <a:t>return</a:t>
+            </a:r>
+            <a:r>
+              <a:rPr lang="en-US" sz="800" dirty="0">
+                <a:solidFill>
+                  <a:srgbClr val="DCDCDC"/>
+                </a:solidFill>
+                <a:highlight>
+                  <a:srgbClr val="1E1E1E"/>
+                </a:highlight>
+                <a:latin typeface="Consolas" panose="020B0609020204030204" pitchFamily="49" charset="0"/>
+              </a:rPr>
+              <a:t> (</a:t>
+            </a:r>
+            <a:r>
+              <a:rPr lang="en-US" sz="800" dirty="0">
+                <a:solidFill>
+                  <a:srgbClr val="569CD6"/>
+                </a:solidFill>
+                <a:highlight>
+                  <a:srgbClr val="1E1E1E"/>
+                </a:highlight>
+                <a:latin typeface="Consolas" panose="020B0609020204030204" pitchFamily="49" charset="0"/>
+              </a:rPr>
+              <a:t>float</a:t>
+            </a:r>
+            <a:r>
+              <a:rPr lang="en-US" sz="800" dirty="0">
+                <a:solidFill>
+                  <a:srgbClr val="DCDCDC"/>
+                </a:solidFill>
+                <a:highlight>
+                  <a:srgbClr val="1E1E1E"/>
+                </a:highlight>
+                <a:latin typeface="Consolas" panose="020B0609020204030204" pitchFamily="49" charset="0"/>
+              </a:rPr>
+              <a:t>)(</a:t>
+            </a:r>
+            <a:r>
+              <a:rPr lang="en-US" sz="800" dirty="0" err="1">
+                <a:solidFill>
+                  <a:srgbClr val="DCDCDC"/>
+                </a:solidFill>
+                <a:highlight>
+                  <a:srgbClr val="1E1E1E"/>
+                </a:highlight>
+                <a:latin typeface="Consolas" panose="020B0609020204030204" pitchFamily="49" charset="0"/>
+              </a:rPr>
+              <a:t>radious</a:t>
+            </a:r>
+            <a:r>
+              <a:rPr lang="en-US" sz="800" dirty="0">
+                <a:solidFill>
+                  <a:srgbClr val="DCDCDC"/>
+                </a:solidFill>
+                <a:highlight>
+                  <a:srgbClr val="1E1E1E"/>
+                </a:highlight>
+                <a:latin typeface="Consolas" panose="020B0609020204030204" pitchFamily="49" charset="0"/>
+              </a:rPr>
+              <a:t> </a:t>
+            </a:r>
+            <a:r>
+              <a:rPr lang="en-US" sz="800" dirty="0">
+                <a:solidFill>
+                  <a:srgbClr val="B4B4B4"/>
+                </a:solidFill>
+                <a:highlight>
+                  <a:srgbClr val="1E1E1E"/>
+                </a:highlight>
+                <a:latin typeface="Consolas" panose="020B0609020204030204" pitchFamily="49" charset="0"/>
+              </a:rPr>
+              <a:t>*</a:t>
+            </a:r>
+            <a:r>
+              <a:rPr lang="en-US" sz="800" dirty="0">
+                <a:solidFill>
+                  <a:srgbClr val="DCDCDC"/>
+                </a:solidFill>
+                <a:highlight>
+                  <a:srgbClr val="1E1E1E"/>
+                </a:highlight>
+                <a:latin typeface="Consolas" panose="020B0609020204030204" pitchFamily="49" charset="0"/>
+              </a:rPr>
+              <a:t> </a:t>
+            </a:r>
+            <a:r>
+              <a:rPr lang="en-US" sz="800" dirty="0" err="1">
+                <a:solidFill>
+                  <a:srgbClr val="DCDCDC"/>
+                </a:solidFill>
+                <a:highlight>
+                  <a:srgbClr val="1E1E1E"/>
+                </a:highlight>
+                <a:latin typeface="Consolas" panose="020B0609020204030204" pitchFamily="49" charset="0"/>
+              </a:rPr>
+              <a:t>radious</a:t>
+            </a:r>
+            <a:r>
+              <a:rPr lang="en-US" sz="800" dirty="0">
+                <a:solidFill>
+                  <a:srgbClr val="DCDCDC"/>
+                </a:solidFill>
+                <a:highlight>
+                  <a:srgbClr val="1E1E1E"/>
+                </a:highlight>
+                <a:latin typeface="Consolas" panose="020B0609020204030204" pitchFamily="49" charset="0"/>
+              </a:rPr>
+              <a:t> </a:t>
+            </a:r>
+            <a:r>
+              <a:rPr lang="en-US" sz="800" dirty="0">
+                <a:solidFill>
+                  <a:srgbClr val="B4B4B4"/>
+                </a:solidFill>
+                <a:highlight>
+                  <a:srgbClr val="1E1E1E"/>
+                </a:highlight>
+                <a:latin typeface="Consolas" panose="020B0609020204030204" pitchFamily="49" charset="0"/>
+              </a:rPr>
+              <a:t>*</a:t>
+            </a:r>
+            <a:r>
+              <a:rPr lang="en-US" sz="800" dirty="0">
+                <a:solidFill>
+                  <a:srgbClr val="DCDCDC"/>
+                </a:solidFill>
+                <a:highlight>
+                  <a:srgbClr val="1E1E1E"/>
+                </a:highlight>
+                <a:latin typeface="Consolas" panose="020B0609020204030204" pitchFamily="49" charset="0"/>
+              </a:rPr>
+              <a:t> </a:t>
+            </a:r>
+            <a:r>
+              <a:rPr lang="en-US" sz="800" dirty="0" err="1">
+                <a:solidFill>
+                  <a:srgbClr val="4EC9B0"/>
+                </a:solidFill>
+                <a:highlight>
+                  <a:srgbClr val="1E1E1E"/>
+                </a:highlight>
+                <a:latin typeface="Consolas" panose="020B0609020204030204" pitchFamily="49" charset="0"/>
+              </a:rPr>
+              <a:t>Math</a:t>
+            </a:r>
+            <a:r>
+              <a:rPr lang="en-US" sz="800" dirty="0" err="1">
+                <a:solidFill>
+                  <a:srgbClr val="B4B4B4"/>
+                </a:solidFill>
+                <a:highlight>
+                  <a:srgbClr val="1E1E1E"/>
+                </a:highlight>
+                <a:latin typeface="Consolas" panose="020B0609020204030204" pitchFamily="49" charset="0"/>
+              </a:rPr>
+              <a:t>.</a:t>
+            </a:r>
+            <a:r>
+              <a:rPr lang="en-US" sz="800" dirty="0" err="1">
+                <a:solidFill>
+                  <a:srgbClr val="DCDCDC"/>
+                </a:solidFill>
+                <a:highlight>
+                  <a:srgbClr val="1E1E1E"/>
+                </a:highlight>
+                <a:latin typeface="Consolas" panose="020B0609020204030204" pitchFamily="49" charset="0"/>
+              </a:rPr>
+              <a:t>PI</a:t>
+            </a:r>
+            <a:r>
+              <a:rPr lang="en-US" sz="800" dirty="0">
+                <a:solidFill>
+                  <a:srgbClr val="DCDCDC"/>
+                </a:solidFill>
+                <a:highlight>
+                  <a:srgbClr val="1E1E1E"/>
+                </a:highlight>
+                <a:latin typeface="Consolas" panose="020B0609020204030204" pitchFamily="49" charset="0"/>
+              </a:rPr>
+              <a:t>);</a:t>
+            </a:r>
+          </a:p>
+          <a:p>
+            <a:r>
+              <a:rPr lang="it-IT" sz="800" dirty="0">
+                <a:solidFill>
+                  <a:srgbClr val="DCDCDC"/>
+                </a:solidFill>
+                <a:highlight>
+                  <a:srgbClr val="1E1E1E"/>
+                </a:highlight>
+                <a:latin typeface="Consolas" panose="020B0609020204030204" pitchFamily="49" charset="0"/>
+              </a:rPr>
+              <a:t>        }</a:t>
+            </a:r>
+          </a:p>
+          <a:p>
+            <a:r>
+              <a:rPr lang="it-IT" sz="800" dirty="0">
+                <a:solidFill>
+                  <a:srgbClr val="DCDCDC"/>
+                </a:solidFill>
+                <a:highlight>
+                  <a:srgbClr val="1E1E1E"/>
+                </a:highlight>
+                <a:latin typeface="Consolas" panose="020B0609020204030204" pitchFamily="49" charset="0"/>
+              </a:rPr>
+              <a:t>    }</a:t>
+            </a:r>
+            <a:endParaRPr lang="it-IT" sz="800" dirty="0" smtClean="0">
+              <a:solidFill>
+                <a:srgbClr val="DCDCDC"/>
+              </a:solidFill>
+              <a:highlight>
+                <a:srgbClr val="1E1E1E"/>
+              </a:highlight>
+              <a:latin typeface="Consolas" panose="020B0609020204030204" pitchFamily="49" charset="0"/>
+            </a:endParaRPr>
+          </a:p>
+        </p:txBody>
+      </p:sp>
+    </p:spTree>
+    <p:extLst>
+      <p:ext uri="{BB962C8B-B14F-4D97-AF65-F5344CB8AC3E}">
+        <p14:creationId xmlns:p14="http://schemas.microsoft.com/office/powerpoint/2010/main" val="102900724"/>
+      </p:ext>
+    </p:extLst>
+  </p:cSld>
+  <p:clrMapOvr>
+    <a:masterClrMapping/>
+  </p:clrMapOvr>
+  <p:timing>
+    <p:tnLst>
+      <p:par>
+        <p:cTn id="1" dur="indefinite" restart="never" nodeType="tmRoot"/>
+      </p:par>
+    </p:tnLst>
+  </p:timing>
+</p:sld>
+</file>
+
+<file path=ppt/slides/slide19.xml><?xml version="1.0" encoding="utf-8"?>
+<p:sld xmlns:a="http://schemas.openxmlformats.org/drawingml/2006/main" xmlns:r="http://schemas.openxmlformats.org/officeDocument/2006/relationships" xmlns:p="http://schemas.openxmlformats.org/presentationml/2006/main">
+  <p:cSld>
+    <p:spTree>
+      <p:nvGrpSpPr>
+        <p:cNvPr id="1" name=""/>
+        <p:cNvGrpSpPr/>
+        <p:nvPr/>
+      </p:nvGrpSpPr>
+      <p:grpSpPr>
+        <a:xfrm>
+          <a:off x="0" y="0"/>
+          <a:ext cx="0" cy="0"/>
+          <a:chOff x="0" y="0"/>
+          <a:chExt cx="0" cy="0"/>
+        </a:xfrm>
+      </p:grpSpPr>
+      <p:sp>
+        <p:nvSpPr>
+          <p:cNvPr id="2" name="Text Placeholder 1"/>
+          <p:cNvSpPr>
+            <a:spLocks noGrp="1"/>
+          </p:cNvSpPr>
+          <p:nvPr>
+            <p:ph type="body" sz="quarter" idx="11"/>
+          </p:nvPr>
+        </p:nvSpPr>
+        <p:spPr>
+          <a:xfrm>
+            <a:off x="328613" y="1079047"/>
+            <a:ext cx="8401246" cy="485802"/>
+          </a:xfrm>
+        </p:spPr>
+        <p:txBody>
+          <a:bodyPr/>
+          <a:lstStyle/>
+          <a:p>
+            <a:r>
+              <a:rPr lang="en-US" sz="2400" dirty="0"/>
+              <a:t>LSP </a:t>
+            </a:r>
+            <a:r>
+              <a:rPr lang="en-US" sz="2400" dirty="0" err="1"/>
+              <a:t>Liskov</a:t>
+            </a:r>
+            <a:r>
+              <a:rPr lang="en-US" sz="2400" dirty="0"/>
+              <a:t> Substitution Principle</a:t>
+            </a:r>
+          </a:p>
+          <a:p>
+            <a:endParaRPr lang="en-US" sz="1800" dirty="0" smtClean="0"/>
+          </a:p>
+          <a:p>
+            <a:endParaRPr lang="en-US" sz="1800" dirty="0" smtClean="0"/>
+          </a:p>
+        </p:txBody>
+      </p:sp>
+      <p:sp>
+        <p:nvSpPr>
+          <p:cNvPr id="6" name="TextBox 5"/>
+          <p:cNvSpPr txBox="1"/>
+          <p:nvPr/>
+        </p:nvSpPr>
+        <p:spPr>
+          <a:xfrm>
+            <a:off x="621370" y="1618189"/>
+            <a:ext cx="8210747" cy="2923877"/>
+          </a:xfrm>
+          <a:prstGeom prst="rect">
+            <a:avLst/>
+          </a:prstGeom>
+          <a:solidFill>
+            <a:schemeClr val="tx1"/>
+          </a:solidFill>
+        </p:spPr>
+        <p:txBody>
+          <a:bodyPr wrap="square" rtlCol="0">
+            <a:spAutoFit/>
+          </a:bodyPr>
+          <a:lstStyle/>
+          <a:p>
+            <a:r>
+              <a:rPr lang="it-IT" sz="800" dirty="0" smtClean="0">
+                <a:solidFill>
+                  <a:srgbClr val="DCDCDC"/>
+                </a:solidFill>
+                <a:highlight>
+                  <a:srgbClr val="1E1E1E"/>
+                </a:highlight>
+                <a:latin typeface="Consolas" panose="020B0609020204030204" pitchFamily="49" charset="0"/>
+              </a:rPr>
+              <a:t>	   </a:t>
+            </a:r>
+          </a:p>
+          <a:p>
+            <a:endParaRPr lang="it-IT" sz="800" dirty="0" smtClean="0">
+              <a:solidFill>
+                <a:srgbClr val="DCDCDC"/>
+              </a:solidFill>
+              <a:highlight>
+                <a:srgbClr val="1E1E1E"/>
+              </a:highlight>
+              <a:latin typeface="Consolas" panose="020B0609020204030204" pitchFamily="49" charset="0"/>
+            </a:endParaRPr>
+          </a:p>
+          <a:p>
+            <a:r>
+              <a:rPr lang="it-IT" sz="800" dirty="0">
+                <a:solidFill>
+                  <a:srgbClr val="DCDCDC"/>
+                </a:solidFill>
+                <a:highlight>
+                  <a:srgbClr val="1E1E1E"/>
+                </a:highlight>
+                <a:latin typeface="Consolas" panose="020B0609020204030204" pitchFamily="49" charset="0"/>
+              </a:rPr>
+              <a:t> </a:t>
+            </a:r>
+            <a:r>
+              <a:rPr lang="it-IT" sz="800" dirty="0" smtClean="0">
+                <a:solidFill>
+                  <a:srgbClr val="DCDCDC"/>
+                </a:solidFill>
+                <a:highlight>
+                  <a:srgbClr val="1E1E1E"/>
+                </a:highlight>
+                <a:latin typeface="Consolas" panose="020B0609020204030204" pitchFamily="49" charset="0"/>
+              </a:rPr>
+              <a:t>           </a:t>
+            </a:r>
+            <a:r>
+              <a:rPr lang="it-IT" sz="800" dirty="0" err="1" smtClean="0">
+                <a:solidFill>
+                  <a:srgbClr val="569CD6"/>
+                </a:solidFill>
+                <a:highlight>
+                  <a:srgbClr val="1E1E1E"/>
+                </a:highlight>
+                <a:latin typeface="Consolas" panose="020B0609020204030204" pitchFamily="49" charset="0"/>
+              </a:rPr>
+              <a:t>var</a:t>
+            </a:r>
+            <a:r>
+              <a:rPr lang="it-IT" sz="800" dirty="0" smtClean="0">
+                <a:solidFill>
+                  <a:srgbClr val="DCDCDC"/>
+                </a:solidFill>
+                <a:highlight>
+                  <a:srgbClr val="1E1E1E"/>
+                </a:highlight>
+                <a:latin typeface="Consolas" panose="020B0609020204030204" pitchFamily="49" charset="0"/>
+              </a:rPr>
+              <a:t> </a:t>
+            </a:r>
+            <a:r>
+              <a:rPr lang="it-IT" sz="800" dirty="0" err="1">
+                <a:solidFill>
+                  <a:srgbClr val="DCDCDC"/>
+                </a:solidFill>
+                <a:highlight>
+                  <a:srgbClr val="1E1E1E"/>
+                </a:highlight>
+                <a:latin typeface="Consolas" panose="020B0609020204030204" pitchFamily="49" charset="0"/>
+              </a:rPr>
+              <a:t>shapes</a:t>
+            </a:r>
+            <a:r>
+              <a:rPr lang="it-IT" sz="800" dirty="0">
+                <a:solidFill>
+                  <a:srgbClr val="DCDCDC"/>
+                </a:solidFill>
+                <a:highlight>
+                  <a:srgbClr val="1E1E1E"/>
+                </a:highlight>
+                <a:latin typeface="Consolas" panose="020B0609020204030204" pitchFamily="49" charset="0"/>
+              </a:rPr>
+              <a:t> </a:t>
+            </a:r>
+            <a:r>
+              <a:rPr lang="it-IT" sz="800" dirty="0">
+                <a:solidFill>
+                  <a:srgbClr val="B4B4B4"/>
+                </a:solidFill>
+                <a:highlight>
+                  <a:srgbClr val="1E1E1E"/>
+                </a:highlight>
+                <a:latin typeface="Consolas" panose="020B0609020204030204" pitchFamily="49" charset="0"/>
+              </a:rPr>
+              <a:t>=</a:t>
+            </a:r>
+            <a:r>
+              <a:rPr lang="it-IT" sz="800" dirty="0">
+                <a:solidFill>
+                  <a:srgbClr val="DCDCDC"/>
+                </a:solidFill>
+                <a:highlight>
+                  <a:srgbClr val="1E1E1E"/>
+                </a:highlight>
+                <a:latin typeface="Consolas" panose="020B0609020204030204" pitchFamily="49" charset="0"/>
+              </a:rPr>
+              <a:t> </a:t>
+            </a:r>
+            <a:r>
+              <a:rPr lang="it-IT" sz="800" dirty="0">
+                <a:solidFill>
+                  <a:srgbClr val="569CD6"/>
+                </a:solidFill>
+                <a:highlight>
+                  <a:srgbClr val="1E1E1E"/>
+                </a:highlight>
+                <a:latin typeface="Consolas" panose="020B0609020204030204" pitchFamily="49" charset="0"/>
+              </a:rPr>
+              <a:t>new</a:t>
+            </a:r>
+            <a:r>
+              <a:rPr lang="it-IT" sz="800" dirty="0">
+                <a:solidFill>
+                  <a:srgbClr val="DCDCDC"/>
+                </a:solidFill>
+                <a:highlight>
+                  <a:srgbClr val="1E1E1E"/>
+                </a:highlight>
+                <a:latin typeface="Consolas" panose="020B0609020204030204" pitchFamily="49" charset="0"/>
+              </a:rPr>
+              <a:t> </a:t>
+            </a:r>
+            <a:r>
+              <a:rPr lang="it-IT" sz="800" dirty="0" err="1">
+                <a:solidFill>
+                  <a:srgbClr val="B8D7A3"/>
+                </a:solidFill>
+                <a:highlight>
+                  <a:srgbClr val="1E1E1E"/>
+                </a:highlight>
+                <a:latin typeface="Consolas" panose="020B0609020204030204" pitchFamily="49" charset="0"/>
+              </a:rPr>
+              <a:t>IShape</a:t>
+            </a:r>
+            <a:r>
+              <a:rPr lang="it-IT" sz="800" dirty="0">
+                <a:solidFill>
+                  <a:srgbClr val="DCDCDC"/>
+                </a:solidFill>
+                <a:highlight>
+                  <a:srgbClr val="1E1E1E"/>
+                </a:highlight>
+                <a:latin typeface="Consolas" panose="020B0609020204030204" pitchFamily="49" charset="0"/>
+              </a:rPr>
+              <a:t>[]</a:t>
+            </a:r>
+          </a:p>
+          <a:p>
+            <a:r>
+              <a:rPr lang="it-IT" sz="800" dirty="0">
+                <a:solidFill>
+                  <a:srgbClr val="DCDCDC"/>
+                </a:solidFill>
+                <a:highlight>
+                  <a:srgbClr val="1E1E1E"/>
+                </a:highlight>
+                <a:latin typeface="Consolas" panose="020B0609020204030204" pitchFamily="49" charset="0"/>
+              </a:rPr>
+              <a:t>            {</a:t>
+            </a:r>
+          </a:p>
+          <a:p>
+            <a:r>
+              <a:rPr lang="it-IT" sz="800" dirty="0">
+                <a:solidFill>
+                  <a:srgbClr val="DCDCDC"/>
+                </a:solidFill>
+                <a:highlight>
+                  <a:srgbClr val="1E1E1E"/>
+                </a:highlight>
+                <a:latin typeface="Consolas" panose="020B0609020204030204" pitchFamily="49" charset="0"/>
+              </a:rPr>
+              <a:t>                </a:t>
+            </a:r>
+            <a:r>
+              <a:rPr lang="it-IT" sz="800" dirty="0">
+                <a:solidFill>
+                  <a:srgbClr val="569CD6"/>
+                </a:solidFill>
+                <a:highlight>
+                  <a:srgbClr val="1E1E1E"/>
+                </a:highlight>
+                <a:latin typeface="Consolas" panose="020B0609020204030204" pitchFamily="49" charset="0"/>
+              </a:rPr>
+              <a:t>new</a:t>
+            </a:r>
+            <a:r>
+              <a:rPr lang="it-IT" sz="800" dirty="0">
+                <a:solidFill>
+                  <a:srgbClr val="DCDCDC"/>
+                </a:solidFill>
+                <a:highlight>
+                  <a:srgbClr val="1E1E1E"/>
+                </a:highlight>
+                <a:latin typeface="Consolas" panose="020B0609020204030204" pitchFamily="49" charset="0"/>
+              </a:rPr>
+              <a:t> </a:t>
+            </a:r>
+            <a:r>
+              <a:rPr lang="it-IT" sz="800" dirty="0" err="1">
+                <a:solidFill>
+                  <a:srgbClr val="4EC9B0"/>
+                </a:solidFill>
+                <a:highlight>
+                  <a:srgbClr val="1E1E1E"/>
+                </a:highlight>
+                <a:latin typeface="Consolas" panose="020B0609020204030204" pitchFamily="49" charset="0"/>
+              </a:rPr>
+              <a:t>Squared</a:t>
+            </a:r>
+            <a:r>
+              <a:rPr lang="it-IT" sz="800" dirty="0">
+                <a:solidFill>
+                  <a:srgbClr val="DCDCDC"/>
+                </a:solidFill>
+                <a:highlight>
+                  <a:srgbClr val="1E1E1E"/>
+                </a:highlight>
+                <a:latin typeface="Consolas" panose="020B0609020204030204" pitchFamily="49" charset="0"/>
+              </a:rPr>
+              <a:t>(</a:t>
+            </a:r>
+            <a:r>
+              <a:rPr lang="it-IT" sz="800" dirty="0">
+                <a:solidFill>
+                  <a:srgbClr val="B5CEA8"/>
+                </a:solidFill>
+                <a:highlight>
+                  <a:srgbClr val="1E1E1E"/>
+                </a:highlight>
+                <a:latin typeface="Consolas" panose="020B0609020204030204" pitchFamily="49" charset="0"/>
+              </a:rPr>
+              <a:t>5</a:t>
+            </a:r>
+            <a:r>
+              <a:rPr lang="it-IT" sz="800" dirty="0">
+                <a:solidFill>
+                  <a:srgbClr val="DCDCDC"/>
+                </a:solidFill>
+                <a:highlight>
+                  <a:srgbClr val="1E1E1E"/>
+                </a:highlight>
+                <a:latin typeface="Consolas" panose="020B0609020204030204" pitchFamily="49" charset="0"/>
+              </a:rPr>
+              <a:t>),</a:t>
+            </a:r>
+          </a:p>
+          <a:p>
+            <a:r>
+              <a:rPr lang="it-IT" sz="800" dirty="0">
+                <a:solidFill>
+                  <a:srgbClr val="DCDCDC"/>
+                </a:solidFill>
+                <a:highlight>
+                  <a:srgbClr val="1E1E1E"/>
+                </a:highlight>
+                <a:latin typeface="Consolas" panose="020B0609020204030204" pitchFamily="49" charset="0"/>
+              </a:rPr>
+              <a:t>                </a:t>
+            </a:r>
+            <a:r>
+              <a:rPr lang="it-IT" sz="800" dirty="0">
+                <a:solidFill>
+                  <a:srgbClr val="569CD6"/>
+                </a:solidFill>
+                <a:highlight>
+                  <a:srgbClr val="1E1E1E"/>
+                </a:highlight>
+                <a:latin typeface="Consolas" panose="020B0609020204030204" pitchFamily="49" charset="0"/>
+              </a:rPr>
+              <a:t>new</a:t>
+            </a:r>
+            <a:r>
+              <a:rPr lang="it-IT" sz="800" dirty="0">
+                <a:solidFill>
+                  <a:srgbClr val="DCDCDC"/>
+                </a:solidFill>
+                <a:highlight>
+                  <a:srgbClr val="1E1E1E"/>
+                </a:highlight>
+                <a:latin typeface="Consolas" panose="020B0609020204030204" pitchFamily="49" charset="0"/>
+              </a:rPr>
+              <a:t> </a:t>
+            </a:r>
+            <a:r>
+              <a:rPr lang="it-IT" sz="800" dirty="0" err="1">
+                <a:solidFill>
+                  <a:srgbClr val="4EC9B0"/>
+                </a:solidFill>
+                <a:highlight>
+                  <a:srgbClr val="1E1E1E"/>
+                </a:highlight>
+                <a:latin typeface="Consolas" panose="020B0609020204030204" pitchFamily="49" charset="0"/>
+              </a:rPr>
+              <a:t>Circle</a:t>
+            </a:r>
+            <a:r>
+              <a:rPr lang="it-IT" sz="800" dirty="0">
+                <a:solidFill>
+                  <a:srgbClr val="DCDCDC"/>
+                </a:solidFill>
+                <a:highlight>
+                  <a:srgbClr val="1E1E1E"/>
+                </a:highlight>
+                <a:latin typeface="Consolas" panose="020B0609020204030204" pitchFamily="49" charset="0"/>
+              </a:rPr>
+              <a:t>(</a:t>
+            </a:r>
+            <a:r>
+              <a:rPr lang="it-IT" sz="800" dirty="0">
+                <a:solidFill>
+                  <a:srgbClr val="B5CEA8"/>
+                </a:solidFill>
+                <a:highlight>
+                  <a:srgbClr val="1E1E1E"/>
+                </a:highlight>
+                <a:latin typeface="Consolas" panose="020B0609020204030204" pitchFamily="49" charset="0"/>
+              </a:rPr>
+              <a:t>5</a:t>
+            </a:r>
+            <a:r>
+              <a:rPr lang="it-IT" sz="800" dirty="0">
+                <a:solidFill>
+                  <a:srgbClr val="DCDCDC"/>
+                </a:solidFill>
+                <a:highlight>
+                  <a:srgbClr val="1E1E1E"/>
+                </a:highlight>
+                <a:latin typeface="Consolas" panose="020B0609020204030204" pitchFamily="49" charset="0"/>
+              </a:rPr>
+              <a:t>)</a:t>
+            </a:r>
+          </a:p>
+          <a:p>
+            <a:r>
+              <a:rPr lang="it-IT" sz="800" dirty="0">
+                <a:solidFill>
+                  <a:srgbClr val="DCDCDC"/>
+                </a:solidFill>
+                <a:highlight>
+                  <a:srgbClr val="1E1E1E"/>
+                </a:highlight>
+                <a:latin typeface="Consolas" panose="020B0609020204030204" pitchFamily="49" charset="0"/>
+              </a:rPr>
+              <a:t>            };</a:t>
+            </a:r>
+          </a:p>
+          <a:p>
+            <a:r>
+              <a:rPr lang="it-IT" sz="800" dirty="0">
+                <a:solidFill>
+                  <a:srgbClr val="DCDCDC"/>
+                </a:solidFill>
+                <a:highlight>
+                  <a:srgbClr val="1E1E1E"/>
+                </a:highlight>
+                <a:latin typeface="Consolas" panose="020B0609020204030204" pitchFamily="49" charset="0"/>
+              </a:rPr>
+              <a:t>            </a:t>
+            </a:r>
+            <a:r>
+              <a:rPr lang="it-IT" sz="800" dirty="0" err="1">
+                <a:solidFill>
+                  <a:srgbClr val="569CD6"/>
+                </a:solidFill>
+                <a:highlight>
+                  <a:srgbClr val="1E1E1E"/>
+                </a:highlight>
+                <a:latin typeface="Consolas" panose="020B0609020204030204" pitchFamily="49" charset="0"/>
+              </a:rPr>
+              <a:t>var</a:t>
+            </a:r>
+            <a:r>
+              <a:rPr lang="it-IT" sz="800" dirty="0">
+                <a:solidFill>
+                  <a:srgbClr val="DCDCDC"/>
+                </a:solidFill>
+                <a:highlight>
+                  <a:srgbClr val="1E1E1E"/>
+                </a:highlight>
+                <a:latin typeface="Consolas" panose="020B0609020204030204" pitchFamily="49" charset="0"/>
+              </a:rPr>
+              <a:t> </a:t>
+            </a:r>
+            <a:r>
+              <a:rPr lang="it-IT" sz="800" dirty="0" err="1">
+                <a:solidFill>
+                  <a:srgbClr val="DCDCDC"/>
+                </a:solidFill>
+                <a:highlight>
+                  <a:srgbClr val="1E1E1E"/>
+                </a:highlight>
+                <a:latin typeface="Consolas" panose="020B0609020204030204" pitchFamily="49" charset="0"/>
+              </a:rPr>
+              <a:t>shapesSquare</a:t>
+            </a:r>
+            <a:r>
+              <a:rPr lang="it-IT" sz="800" dirty="0">
+                <a:solidFill>
+                  <a:srgbClr val="DCDCDC"/>
+                </a:solidFill>
+                <a:highlight>
+                  <a:srgbClr val="1E1E1E"/>
+                </a:highlight>
+                <a:latin typeface="Consolas" panose="020B0609020204030204" pitchFamily="49" charset="0"/>
+              </a:rPr>
+              <a:t> </a:t>
+            </a:r>
+            <a:r>
+              <a:rPr lang="it-IT" sz="800" dirty="0">
+                <a:solidFill>
+                  <a:srgbClr val="B4B4B4"/>
+                </a:solidFill>
+                <a:highlight>
+                  <a:srgbClr val="1E1E1E"/>
+                </a:highlight>
+                <a:latin typeface="Consolas" panose="020B0609020204030204" pitchFamily="49" charset="0"/>
+              </a:rPr>
+              <a:t>=</a:t>
+            </a:r>
+            <a:r>
+              <a:rPr lang="it-IT" sz="800" dirty="0">
+                <a:solidFill>
+                  <a:srgbClr val="DCDCDC"/>
+                </a:solidFill>
+                <a:highlight>
+                  <a:srgbClr val="1E1E1E"/>
+                </a:highlight>
+                <a:latin typeface="Consolas" panose="020B0609020204030204" pitchFamily="49" charset="0"/>
+              </a:rPr>
+              <a:t> </a:t>
+            </a:r>
+            <a:r>
+              <a:rPr lang="it-IT" sz="800" dirty="0">
+                <a:solidFill>
+                  <a:srgbClr val="569CD6"/>
+                </a:solidFill>
+                <a:highlight>
+                  <a:srgbClr val="1E1E1E"/>
+                </a:highlight>
+                <a:latin typeface="Consolas" panose="020B0609020204030204" pitchFamily="49" charset="0"/>
+              </a:rPr>
+              <a:t>new</a:t>
+            </a:r>
+            <a:r>
+              <a:rPr lang="it-IT" sz="800" dirty="0">
+                <a:solidFill>
+                  <a:srgbClr val="DCDCDC"/>
+                </a:solidFill>
+                <a:highlight>
+                  <a:srgbClr val="1E1E1E"/>
+                </a:highlight>
+                <a:latin typeface="Consolas" panose="020B0609020204030204" pitchFamily="49" charset="0"/>
+              </a:rPr>
+              <a:t> </a:t>
+            </a:r>
+            <a:r>
+              <a:rPr lang="it-IT" sz="800" dirty="0" err="1">
+                <a:solidFill>
+                  <a:srgbClr val="B8D7A3"/>
+                </a:solidFill>
+                <a:highlight>
+                  <a:srgbClr val="1E1E1E"/>
+                </a:highlight>
+                <a:latin typeface="Consolas" panose="020B0609020204030204" pitchFamily="49" charset="0"/>
+              </a:rPr>
+              <a:t>ISquaredShape</a:t>
+            </a:r>
+            <a:r>
+              <a:rPr lang="it-IT" sz="800" dirty="0">
+                <a:solidFill>
+                  <a:srgbClr val="DCDCDC"/>
+                </a:solidFill>
+                <a:highlight>
+                  <a:srgbClr val="1E1E1E"/>
+                </a:highlight>
+                <a:latin typeface="Consolas" panose="020B0609020204030204" pitchFamily="49" charset="0"/>
+              </a:rPr>
+              <a:t>[]</a:t>
+            </a:r>
+          </a:p>
+          <a:p>
+            <a:r>
+              <a:rPr lang="it-IT" sz="800" dirty="0">
+                <a:solidFill>
+                  <a:srgbClr val="DCDCDC"/>
+                </a:solidFill>
+                <a:highlight>
+                  <a:srgbClr val="1E1E1E"/>
+                </a:highlight>
+                <a:latin typeface="Consolas" panose="020B0609020204030204" pitchFamily="49" charset="0"/>
+              </a:rPr>
+              <a:t>            {</a:t>
+            </a:r>
+          </a:p>
+          <a:p>
+            <a:r>
+              <a:rPr lang="it-IT" sz="800" dirty="0">
+                <a:solidFill>
+                  <a:srgbClr val="DCDCDC"/>
+                </a:solidFill>
+                <a:highlight>
+                  <a:srgbClr val="1E1E1E"/>
+                </a:highlight>
+                <a:latin typeface="Consolas" panose="020B0609020204030204" pitchFamily="49" charset="0"/>
+              </a:rPr>
+              <a:t>                </a:t>
+            </a:r>
+            <a:r>
+              <a:rPr lang="it-IT" sz="800" dirty="0">
+                <a:solidFill>
+                  <a:srgbClr val="569CD6"/>
+                </a:solidFill>
+                <a:highlight>
+                  <a:srgbClr val="1E1E1E"/>
+                </a:highlight>
+                <a:latin typeface="Consolas" panose="020B0609020204030204" pitchFamily="49" charset="0"/>
+              </a:rPr>
+              <a:t>new</a:t>
+            </a:r>
+            <a:r>
+              <a:rPr lang="it-IT" sz="800" dirty="0">
+                <a:solidFill>
+                  <a:srgbClr val="DCDCDC"/>
+                </a:solidFill>
+                <a:highlight>
+                  <a:srgbClr val="1E1E1E"/>
+                </a:highlight>
+                <a:latin typeface="Consolas" panose="020B0609020204030204" pitchFamily="49" charset="0"/>
+              </a:rPr>
+              <a:t> </a:t>
+            </a:r>
+            <a:r>
+              <a:rPr lang="it-IT" sz="800" dirty="0" err="1">
+                <a:solidFill>
+                  <a:srgbClr val="4EC9B0"/>
+                </a:solidFill>
+                <a:highlight>
+                  <a:srgbClr val="1E1E1E"/>
+                </a:highlight>
+                <a:latin typeface="Consolas" panose="020B0609020204030204" pitchFamily="49" charset="0"/>
+              </a:rPr>
+              <a:t>Squared</a:t>
+            </a:r>
+            <a:r>
+              <a:rPr lang="it-IT" sz="800" dirty="0">
+                <a:solidFill>
+                  <a:srgbClr val="DCDCDC"/>
+                </a:solidFill>
+                <a:highlight>
+                  <a:srgbClr val="1E1E1E"/>
+                </a:highlight>
+                <a:latin typeface="Consolas" panose="020B0609020204030204" pitchFamily="49" charset="0"/>
+              </a:rPr>
+              <a:t>(</a:t>
+            </a:r>
+            <a:r>
+              <a:rPr lang="it-IT" sz="800" dirty="0">
+                <a:solidFill>
+                  <a:srgbClr val="B5CEA8"/>
+                </a:solidFill>
+                <a:highlight>
+                  <a:srgbClr val="1E1E1E"/>
+                </a:highlight>
+                <a:latin typeface="Consolas" panose="020B0609020204030204" pitchFamily="49" charset="0"/>
+              </a:rPr>
+              <a:t>5</a:t>
+            </a:r>
+            <a:r>
+              <a:rPr lang="it-IT" sz="800" dirty="0">
+                <a:solidFill>
+                  <a:srgbClr val="DCDCDC"/>
+                </a:solidFill>
+                <a:highlight>
+                  <a:srgbClr val="1E1E1E"/>
+                </a:highlight>
+                <a:latin typeface="Consolas" panose="020B0609020204030204" pitchFamily="49" charset="0"/>
+              </a:rPr>
+              <a:t>),</a:t>
+            </a:r>
+          </a:p>
+          <a:p>
+            <a:r>
+              <a:rPr lang="it-IT" sz="800" dirty="0">
+                <a:solidFill>
+                  <a:srgbClr val="DCDCDC"/>
+                </a:solidFill>
+                <a:highlight>
+                  <a:srgbClr val="1E1E1E"/>
+                </a:highlight>
+                <a:latin typeface="Consolas" panose="020B0609020204030204" pitchFamily="49" charset="0"/>
+              </a:rPr>
+              <a:t>                </a:t>
+            </a:r>
+            <a:r>
+              <a:rPr lang="it-IT" sz="800" dirty="0">
+                <a:solidFill>
+                  <a:srgbClr val="569CD6"/>
+                </a:solidFill>
+                <a:highlight>
+                  <a:srgbClr val="1E1E1E"/>
+                </a:highlight>
+                <a:latin typeface="Consolas" panose="020B0609020204030204" pitchFamily="49" charset="0"/>
+              </a:rPr>
+              <a:t>new</a:t>
+            </a:r>
+            <a:r>
+              <a:rPr lang="it-IT" sz="800" dirty="0">
+                <a:solidFill>
+                  <a:srgbClr val="DCDCDC"/>
+                </a:solidFill>
+                <a:highlight>
+                  <a:srgbClr val="1E1E1E"/>
+                </a:highlight>
+                <a:latin typeface="Consolas" panose="020B0609020204030204" pitchFamily="49" charset="0"/>
+              </a:rPr>
+              <a:t> </a:t>
+            </a:r>
+            <a:r>
+              <a:rPr lang="it-IT" sz="800" dirty="0" err="1">
+                <a:solidFill>
+                  <a:srgbClr val="4EC9B0"/>
+                </a:solidFill>
+                <a:highlight>
+                  <a:srgbClr val="1E1E1E"/>
+                </a:highlight>
+                <a:latin typeface="Consolas" panose="020B0609020204030204" pitchFamily="49" charset="0"/>
+              </a:rPr>
+              <a:t>Rectangle</a:t>
+            </a:r>
+            <a:r>
+              <a:rPr lang="it-IT" sz="800" dirty="0">
+                <a:solidFill>
+                  <a:srgbClr val="DCDCDC"/>
+                </a:solidFill>
+                <a:highlight>
+                  <a:srgbClr val="1E1E1E"/>
+                </a:highlight>
+                <a:latin typeface="Consolas" panose="020B0609020204030204" pitchFamily="49" charset="0"/>
+              </a:rPr>
+              <a:t>(</a:t>
+            </a:r>
+            <a:r>
+              <a:rPr lang="it-IT" sz="800" dirty="0">
+                <a:solidFill>
+                  <a:srgbClr val="B5CEA8"/>
+                </a:solidFill>
+                <a:highlight>
+                  <a:srgbClr val="1E1E1E"/>
+                </a:highlight>
+                <a:latin typeface="Consolas" panose="020B0609020204030204" pitchFamily="49" charset="0"/>
+              </a:rPr>
+              <a:t>5</a:t>
+            </a:r>
+            <a:r>
+              <a:rPr lang="it-IT" sz="800" dirty="0">
+                <a:solidFill>
+                  <a:srgbClr val="DCDCDC"/>
+                </a:solidFill>
+                <a:highlight>
+                  <a:srgbClr val="1E1E1E"/>
+                </a:highlight>
+                <a:latin typeface="Consolas" panose="020B0609020204030204" pitchFamily="49" charset="0"/>
+              </a:rPr>
+              <a:t>, </a:t>
+            </a:r>
+            <a:r>
+              <a:rPr lang="it-IT" sz="800" dirty="0">
+                <a:solidFill>
+                  <a:srgbClr val="B5CEA8"/>
+                </a:solidFill>
+                <a:highlight>
+                  <a:srgbClr val="1E1E1E"/>
+                </a:highlight>
+                <a:latin typeface="Consolas" panose="020B0609020204030204" pitchFamily="49" charset="0"/>
+              </a:rPr>
+              <a:t>10</a:t>
+            </a:r>
+            <a:r>
+              <a:rPr lang="it-IT" sz="800" dirty="0">
+                <a:solidFill>
+                  <a:srgbClr val="DCDCDC"/>
+                </a:solidFill>
+                <a:highlight>
+                  <a:srgbClr val="1E1E1E"/>
+                </a:highlight>
+                <a:latin typeface="Consolas" panose="020B0609020204030204" pitchFamily="49" charset="0"/>
+              </a:rPr>
+              <a:t>), </a:t>
+            </a:r>
+          </a:p>
+          <a:p>
+            <a:r>
+              <a:rPr lang="it-IT" sz="800" dirty="0">
+                <a:solidFill>
+                  <a:srgbClr val="DCDCDC"/>
+                </a:solidFill>
+                <a:highlight>
+                  <a:srgbClr val="1E1E1E"/>
+                </a:highlight>
+                <a:latin typeface="Consolas" panose="020B0609020204030204" pitchFamily="49" charset="0"/>
+              </a:rPr>
+              <a:t>            };</a:t>
+            </a:r>
+          </a:p>
+          <a:p>
+            <a:endParaRPr lang="it-IT" sz="800" dirty="0">
+              <a:solidFill>
+                <a:srgbClr val="DCDCDC"/>
+              </a:solidFill>
+              <a:highlight>
+                <a:srgbClr val="1E1E1E"/>
+              </a:highlight>
+              <a:latin typeface="Consolas" panose="020B0609020204030204" pitchFamily="49" charset="0"/>
+            </a:endParaRPr>
+          </a:p>
+          <a:p>
+            <a:r>
+              <a:rPr lang="it-IT" sz="800" dirty="0">
+                <a:solidFill>
+                  <a:srgbClr val="DCDCDC"/>
+                </a:solidFill>
+                <a:highlight>
+                  <a:srgbClr val="1E1E1E"/>
+                </a:highlight>
+                <a:latin typeface="Consolas" panose="020B0609020204030204" pitchFamily="49" charset="0"/>
+              </a:rPr>
+              <a:t>            </a:t>
+            </a:r>
+            <a:r>
+              <a:rPr lang="it-IT" sz="800" dirty="0" err="1">
+                <a:solidFill>
+                  <a:srgbClr val="569CD6"/>
+                </a:solidFill>
+                <a:highlight>
+                  <a:srgbClr val="1E1E1E"/>
+                </a:highlight>
+                <a:latin typeface="Consolas" panose="020B0609020204030204" pitchFamily="49" charset="0"/>
+              </a:rPr>
+              <a:t>var</a:t>
+            </a:r>
+            <a:r>
+              <a:rPr lang="it-IT" sz="800" dirty="0">
+                <a:solidFill>
+                  <a:srgbClr val="DCDCDC"/>
+                </a:solidFill>
+                <a:highlight>
+                  <a:srgbClr val="1E1E1E"/>
+                </a:highlight>
+                <a:latin typeface="Consolas" panose="020B0609020204030204" pitchFamily="49" charset="0"/>
+              </a:rPr>
+              <a:t> area </a:t>
+            </a:r>
+            <a:r>
+              <a:rPr lang="it-IT" sz="800" dirty="0">
+                <a:solidFill>
+                  <a:srgbClr val="B4B4B4"/>
+                </a:solidFill>
+                <a:highlight>
+                  <a:srgbClr val="1E1E1E"/>
+                </a:highlight>
+                <a:latin typeface="Consolas" panose="020B0609020204030204" pitchFamily="49" charset="0"/>
+              </a:rPr>
+              <a:t>=</a:t>
+            </a:r>
+            <a:r>
+              <a:rPr lang="it-IT" sz="800" dirty="0">
+                <a:solidFill>
+                  <a:srgbClr val="DCDCDC"/>
+                </a:solidFill>
+                <a:highlight>
+                  <a:srgbClr val="1E1E1E"/>
+                </a:highlight>
+                <a:latin typeface="Consolas" panose="020B0609020204030204" pitchFamily="49" charset="0"/>
+              </a:rPr>
+              <a:t> </a:t>
+            </a:r>
+            <a:r>
+              <a:rPr lang="it-IT" sz="800" dirty="0">
+                <a:solidFill>
+                  <a:srgbClr val="569CD6"/>
+                </a:solidFill>
+                <a:highlight>
+                  <a:srgbClr val="1E1E1E"/>
+                </a:highlight>
+                <a:latin typeface="Consolas" panose="020B0609020204030204" pitchFamily="49" charset="0"/>
+              </a:rPr>
+              <a:t>new</a:t>
+            </a:r>
+            <a:r>
+              <a:rPr lang="it-IT" sz="800" dirty="0">
+                <a:solidFill>
+                  <a:srgbClr val="DCDCDC"/>
+                </a:solidFill>
+                <a:highlight>
+                  <a:srgbClr val="1E1E1E"/>
+                </a:highlight>
+                <a:latin typeface="Consolas" panose="020B0609020204030204" pitchFamily="49" charset="0"/>
+              </a:rPr>
+              <a:t> </a:t>
+            </a:r>
+            <a:r>
+              <a:rPr lang="it-IT" sz="800" dirty="0" err="1">
+                <a:solidFill>
+                  <a:srgbClr val="4EC9B0"/>
+                </a:solidFill>
+                <a:highlight>
+                  <a:srgbClr val="1E1E1E"/>
+                </a:highlight>
+                <a:latin typeface="Consolas" panose="020B0609020204030204" pitchFamily="49" charset="0"/>
+              </a:rPr>
+              <a:t>AreaCalculator</a:t>
+            </a:r>
+            <a:r>
+              <a:rPr lang="it-IT" sz="800" dirty="0">
+                <a:solidFill>
+                  <a:srgbClr val="DCDCDC"/>
+                </a:solidFill>
+                <a:highlight>
+                  <a:srgbClr val="1E1E1E"/>
+                </a:highlight>
+                <a:latin typeface="Consolas" panose="020B0609020204030204" pitchFamily="49" charset="0"/>
+              </a:rPr>
+              <a:t>(</a:t>
+            </a:r>
+            <a:r>
+              <a:rPr lang="it-IT" sz="800" dirty="0" err="1">
+                <a:solidFill>
+                  <a:srgbClr val="DCDCDC"/>
+                </a:solidFill>
+                <a:highlight>
+                  <a:srgbClr val="1E1E1E"/>
+                </a:highlight>
+                <a:latin typeface="Consolas" panose="020B0609020204030204" pitchFamily="49" charset="0"/>
+              </a:rPr>
+              <a:t>shapes</a:t>
+            </a:r>
+            <a:r>
+              <a:rPr lang="it-IT" sz="800" dirty="0">
+                <a:solidFill>
+                  <a:srgbClr val="DCDCDC"/>
+                </a:solidFill>
+                <a:highlight>
+                  <a:srgbClr val="1E1E1E"/>
+                </a:highlight>
+                <a:latin typeface="Consolas" panose="020B0609020204030204" pitchFamily="49" charset="0"/>
+              </a:rPr>
+              <a:t>);</a:t>
+            </a:r>
+          </a:p>
+          <a:p>
+            <a:r>
+              <a:rPr lang="it-IT" sz="800" dirty="0">
+                <a:solidFill>
+                  <a:srgbClr val="DCDCDC"/>
+                </a:solidFill>
+                <a:highlight>
+                  <a:srgbClr val="1E1E1E"/>
+                </a:highlight>
+                <a:latin typeface="Consolas" panose="020B0609020204030204" pitchFamily="49" charset="0"/>
+              </a:rPr>
+              <a:t>            </a:t>
+            </a:r>
+            <a:r>
+              <a:rPr lang="it-IT" sz="800" dirty="0" err="1">
+                <a:solidFill>
+                  <a:srgbClr val="569CD6"/>
+                </a:solidFill>
+                <a:highlight>
+                  <a:srgbClr val="1E1E1E"/>
+                </a:highlight>
+                <a:latin typeface="Consolas" panose="020B0609020204030204" pitchFamily="49" charset="0"/>
+              </a:rPr>
+              <a:t>var</a:t>
+            </a:r>
+            <a:r>
+              <a:rPr lang="it-IT" sz="800" dirty="0">
+                <a:solidFill>
+                  <a:srgbClr val="DCDCDC"/>
+                </a:solidFill>
+                <a:highlight>
+                  <a:srgbClr val="1E1E1E"/>
+                </a:highlight>
+                <a:latin typeface="Consolas" panose="020B0609020204030204" pitchFamily="49" charset="0"/>
+              </a:rPr>
+              <a:t> </a:t>
+            </a:r>
+            <a:r>
+              <a:rPr lang="it-IT" sz="800" dirty="0" err="1">
+                <a:solidFill>
+                  <a:srgbClr val="DCDCDC"/>
+                </a:solidFill>
+                <a:highlight>
+                  <a:srgbClr val="1E1E1E"/>
+                </a:highlight>
+                <a:latin typeface="Consolas" panose="020B0609020204030204" pitchFamily="49" charset="0"/>
+              </a:rPr>
+              <a:t>perimeter</a:t>
+            </a:r>
+            <a:r>
+              <a:rPr lang="it-IT" sz="800" dirty="0">
+                <a:solidFill>
+                  <a:srgbClr val="DCDCDC"/>
+                </a:solidFill>
+                <a:highlight>
+                  <a:srgbClr val="1E1E1E"/>
+                </a:highlight>
+                <a:latin typeface="Consolas" panose="020B0609020204030204" pitchFamily="49" charset="0"/>
+              </a:rPr>
+              <a:t> </a:t>
+            </a:r>
+            <a:r>
+              <a:rPr lang="it-IT" sz="800" dirty="0">
+                <a:solidFill>
+                  <a:srgbClr val="B4B4B4"/>
+                </a:solidFill>
+                <a:highlight>
+                  <a:srgbClr val="1E1E1E"/>
+                </a:highlight>
+                <a:latin typeface="Consolas" panose="020B0609020204030204" pitchFamily="49" charset="0"/>
+              </a:rPr>
+              <a:t>=</a:t>
+            </a:r>
+            <a:r>
+              <a:rPr lang="it-IT" sz="800" dirty="0">
+                <a:solidFill>
+                  <a:srgbClr val="DCDCDC"/>
+                </a:solidFill>
+                <a:highlight>
+                  <a:srgbClr val="1E1E1E"/>
+                </a:highlight>
+                <a:latin typeface="Consolas" panose="020B0609020204030204" pitchFamily="49" charset="0"/>
+              </a:rPr>
+              <a:t> </a:t>
+            </a:r>
+            <a:r>
+              <a:rPr lang="it-IT" sz="800" dirty="0">
+                <a:solidFill>
+                  <a:srgbClr val="569CD6"/>
+                </a:solidFill>
+                <a:highlight>
+                  <a:srgbClr val="1E1E1E"/>
+                </a:highlight>
+                <a:latin typeface="Consolas" panose="020B0609020204030204" pitchFamily="49" charset="0"/>
+              </a:rPr>
+              <a:t>new</a:t>
+            </a:r>
+            <a:r>
+              <a:rPr lang="it-IT" sz="800" dirty="0">
+                <a:solidFill>
+                  <a:srgbClr val="DCDCDC"/>
+                </a:solidFill>
+                <a:highlight>
+                  <a:srgbClr val="1E1E1E"/>
+                </a:highlight>
+                <a:latin typeface="Consolas" panose="020B0609020204030204" pitchFamily="49" charset="0"/>
+              </a:rPr>
+              <a:t> </a:t>
+            </a:r>
+            <a:r>
+              <a:rPr lang="it-IT" sz="800" dirty="0" err="1">
+                <a:solidFill>
+                  <a:srgbClr val="4EC9B0"/>
+                </a:solidFill>
+                <a:highlight>
+                  <a:srgbClr val="1E1E1E"/>
+                </a:highlight>
+                <a:latin typeface="Consolas" panose="020B0609020204030204" pitchFamily="49" charset="0"/>
+              </a:rPr>
+              <a:t>PerimeterCalculator</a:t>
+            </a:r>
+            <a:r>
+              <a:rPr lang="it-IT" sz="800" dirty="0">
+                <a:solidFill>
+                  <a:srgbClr val="DCDCDC"/>
+                </a:solidFill>
+                <a:highlight>
+                  <a:srgbClr val="1E1E1E"/>
+                </a:highlight>
+                <a:latin typeface="Consolas" panose="020B0609020204030204" pitchFamily="49" charset="0"/>
+              </a:rPr>
+              <a:t>(</a:t>
+            </a:r>
+            <a:r>
+              <a:rPr lang="it-IT" sz="800" dirty="0" err="1">
+                <a:solidFill>
+                  <a:srgbClr val="DCDCDC"/>
+                </a:solidFill>
+                <a:highlight>
+                  <a:srgbClr val="1E1E1E"/>
+                </a:highlight>
+                <a:latin typeface="Consolas" panose="020B0609020204030204" pitchFamily="49" charset="0"/>
+              </a:rPr>
+              <a:t>shapesSquare</a:t>
+            </a:r>
+            <a:r>
+              <a:rPr lang="it-IT" sz="800" dirty="0">
+                <a:solidFill>
+                  <a:srgbClr val="DCDCDC"/>
+                </a:solidFill>
+                <a:highlight>
+                  <a:srgbClr val="1E1E1E"/>
+                </a:highlight>
+                <a:latin typeface="Consolas" panose="020B0609020204030204" pitchFamily="49" charset="0"/>
+              </a:rPr>
+              <a:t>);</a:t>
+            </a:r>
+          </a:p>
+          <a:p>
+            <a:endParaRPr lang="it-IT" sz="800" dirty="0">
+              <a:solidFill>
+                <a:srgbClr val="DCDCDC"/>
+              </a:solidFill>
+              <a:highlight>
+                <a:srgbClr val="1E1E1E"/>
+              </a:highlight>
+              <a:latin typeface="Consolas" panose="020B0609020204030204" pitchFamily="49" charset="0"/>
+            </a:endParaRPr>
+          </a:p>
+          <a:p>
+            <a:r>
+              <a:rPr lang="it-IT" sz="800" dirty="0">
+                <a:solidFill>
+                  <a:srgbClr val="DCDCDC"/>
+                </a:solidFill>
+                <a:highlight>
+                  <a:srgbClr val="1E1E1E"/>
+                </a:highlight>
+                <a:latin typeface="Consolas" panose="020B0609020204030204" pitchFamily="49" charset="0"/>
+              </a:rPr>
+              <a:t>            </a:t>
+            </a:r>
+            <a:r>
+              <a:rPr lang="it-IT" sz="800" dirty="0" err="1">
+                <a:solidFill>
+                  <a:srgbClr val="569CD6"/>
+                </a:solidFill>
+                <a:highlight>
+                  <a:srgbClr val="1E1E1E"/>
+                </a:highlight>
+                <a:latin typeface="Consolas" panose="020B0609020204030204" pitchFamily="49" charset="0"/>
+              </a:rPr>
+              <a:t>var</a:t>
+            </a:r>
+            <a:r>
+              <a:rPr lang="it-IT" sz="800" dirty="0">
+                <a:solidFill>
+                  <a:srgbClr val="DCDCDC"/>
+                </a:solidFill>
+                <a:highlight>
+                  <a:srgbClr val="1E1E1E"/>
+                </a:highlight>
+                <a:latin typeface="Consolas" panose="020B0609020204030204" pitchFamily="49" charset="0"/>
+              </a:rPr>
+              <a:t> </a:t>
+            </a:r>
+            <a:r>
+              <a:rPr lang="it-IT" sz="800" dirty="0" err="1">
+                <a:solidFill>
+                  <a:srgbClr val="DCDCDC"/>
+                </a:solidFill>
+                <a:highlight>
+                  <a:srgbClr val="1E1E1E"/>
+                </a:highlight>
+                <a:latin typeface="Consolas" panose="020B0609020204030204" pitchFamily="49" charset="0"/>
+              </a:rPr>
+              <a:t>outputArea</a:t>
+            </a:r>
+            <a:r>
+              <a:rPr lang="it-IT" sz="800" dirty="0">
+                <a:solidFill>
+                  <a:srgbClr val="DCDCDC"/>
+                </a:solidFill>
+                <a:highlight>
+                  <a:srgbClr val="1E1E1E"/>
+                </a:highlight>
+                <a:latin typeface="Consolas" panose="020B0609020204030204" pitchFamily="49" charset="0"/>
+              </a:rPr>
+              <a:t> </a:t>
+            </a:r>
+            <a:r>
+              <a:rPr lang="it-IT" sz="800" dirty="0">
+                <a:solidFill>
+                  <a:srgbClr val="B4B4B4"/>
+                </a:solidFill>
+                <a:highlight>
+                  <a:srgbClr val="1E1E1E"/>
+                </a:highlight>
+                <a:latin typeface="Consolas" panose="020B0609020204030204" pitchFamily="49" charset="0"/>
+              </a:rPr>
+              <a:t>=</a:t>
+            </a:r>
+            <a:r>
+              <a:rPr lang="it-IT" sz="800" dirty="0">
+                <a:solidFill>
+                  <a:srgbClr val="DCDCDC"/>
+                </a:solidFill>
+                <a:highlight>
+                  <a:srgbClr val="1E1E1E"/>
+                </a:highlight>
+                <a:latin typeface="Consolas" panose="020B0609020204030204" pitchFamily="49" charset="0"/>
+              </a:rPr>
+              <a:t> </a:t>
+            </a:r>
+            <a:r>
+              <a:rPr lang="it-IT" sz="800" dirty="0">
+                <a:solidFill>
+                  <a:srgbClr val="569CD6"/>
+                </a:solidFill>
+                <a:highlight>
+                  <a:srgbClr val="1E1E1E"/>
+                </a:highlight>
+                <a:latin typeface="Consolas" panose="020B0609020204030204" pitchFamily="49" charset="0"/>
+              </a:rPr>
+              <a:t>new</a:t>
+            </a:r>
+            <a:r>
+              <a:rPr lang="it-IT" sz="800" dirty="0">
+                <a:solidFill>
+                  <a:srgbClr val="DCDCDC"/>
+                </a:solidFill>
+                <a:highlight>
+                  <a:srgbClr val="1E1E1E"/>
+                </a:highlight>
+                <a:latin typeface="Consolas" panose="020B0609020204030204" pitchFamily="49" charset="0"/>
+              </a:rPr>
+              <a:t> </a:t>
+            </a:r>
+            <a:r>
+              <a:rPr lang="it-IT" sz="800" dirty="0" err="1">
+                <a:solidFill>
+                  <a:srgbClr val="4EC9B0"/>
+                </a:solidFill>
+                <a:highlight>
+                  <a:srgbClr val="1E1E1E"/>
+                </a:highlight>
+                <a:latin typeface="Consolas" panose="020B0609020204030204" pitchFamily="49" charset="0"/>
+              </a:rPr>
+              <a:t>GenericCalculatorOutput</a:t>
+            </a:r>
+            <a:r>
+              <a:rPr lang="it-IT" sz="800" dirty="0">
+                <a:solidFill>
+                  <a:srgbClr val="DCDCDC"/>
+                </a:solidFill>
+                <a:highlight>
+                  <a:srgbClr val="1E1E1E"/>
+                </a:highlight>
+                <a:latin typeface="Consolas" panose="020B0609020204030204" pitchFamily="49" charset="0"/>
+              </a:rPr>
+              <a:t>(area);</a:t>
+            </a:r>
+          </a:p>
+          <a:p>
+            <a:r>
+              <a:rPr lang="it-IT" sz="800" dirty="0">
+                <a:solidFill>
+                  <a:srgbClr val="DCDCDC"/>
+                </a:solidFill>
+                <a:highlight>
+                  <a:srgbClr val="1E1E1E"/>
+                </a:highlight>
+                <a:latin typeface="Consolas" panose="020B0609020204030204" pitchFamily="49" charset="0"/>
+              </a:rPr>
+              <a:t>            </a:t>
+            </a:r>
+            <a:r>
+              <a:rPr lang="it-IT" sz="800" dirty="0" err="1">
+                <a:solidFill>
+                  <a:srgbClr val="569CD6"/>
+                </a:solidFill>
+                <a:highlight>
+                  <a:srgbClr val="1E1E1E"/>
+                </a:highlight>
+                <a:latin typeface="Consolas" panose="020B0609020204030204" pitchFamily="49" charset="0"/>
+              </a:rPr>
+              <a:t>var</a:t>
+            </a:r>
+            <a:r>
+              <a:rPr lang="it-IT" sz="800" dirty="0">
+                <a:solidFill>
+                  <a:srgbClr val="DCDCDC"/>
+                </a:solidFill>
+                <a:highlight>
+                  <a:srgbClr val="1E1E1E"/>
+                </a:highlight>
+                <a:latin typeface="Consolas" panose="020B0609020204030204" pitchFamily="49" charset="0"/>
+              </a:rPr>
+              <a:t> </a:t>
+            </a:r>
+            <a:r>
+              <a:rPr lang="it-IT" sz="800" dirty="0" err="1">
+                <a:solidFill>
+                  <a:srgbClr val="DCDCDC"/>
+                </a:solidFill>
+                <a:highlight>
+                  <a:srgbClr val="1E1E1E"/>
+                </a:highlight>
+                <a:latin typeface="Consolas" panose="020B0609020204030204" pitchFamily="49" charset="0"/>
+              </a:rPr>
+              <a:t>outputPerimeter</a:t>
+            </a:r>
+            <a:r>
+              <a:rPr lang="it-IT" sz="800" dirty="0">
+                <a:solidFill>
+                  <a:srgbClr val="DCDCDC"/>
+                </a:solidFill>
+                <a:highlight>
+                  <a:srgbClr val="1E1E1E"/>
+                </a:highlight>
+                <a:latin typeface="Consolas" panose="020B0609020204030204" pitchFamily="49" charset="0"/>
+              </a:rPr>
+              <a:t> </a:t>
+            </a:r>
+            <a:r>
+              <a:rPr lang="it-IT" sz="800" dirty="0">
+                <a:solidFill>
+                  <a:srgbClr val="B4B4B4"/>
+                </a:solidFill>
+                <a:highlight>
+                  <a:srgbClr val="1E1E1E"/>
+                </a:highlight>
+                <a:latin typeface="Consolas" panose="020B0609020204030204" pitchFamily="49" charset="0"/>
+              </a:rPr>
+              <a:t>=</a:t>
+            </a:r>
+            <a:r>
+              <a:rPr lang="it-IT" sz="800" dirty="0">
+                <a:solidFill>
+                  <a:srgbClr val="DCDCDC"/>
+                </a:solidFill>
+                <a:highlight>
+                  <a:srgbClr val="1E1E1E"/>
+                </a:highlight>
+                <a:latin typeface="Consolas" panose="020B0609020204030204" pitchFamily="49" charset="0"/>
+              </a:rPr>
+              <a:t> </a:t>
+            </a:r>
+            <a:r>
+              <a:rPr lang="it-IT" sz="800" dirty="0">
+                <a:solidFill>
+                  <a:srgbClr val="569CD6"/>
+                </a:solidFill>
+                <a:highlight>
+                  <a:srgbClr val="1E1E1E"/>
+                </a:highlight>
+                <a:latin typeface="Consolas" panose="020B0609020204030204" pitchFamily="49" charset="0"/>
+              </a:rPr>
+              <a:t>new</a:t>
+            </a:r>
+            <a:r>
+              <a:rPr lang="it-IT" sz="800" dirty="0">
+                <a:solidFill>
+                  <a:srgbClr val="DCDCDC"/>
+                </a:solidFill>
+                <a:highlight>
+                  <a:srgbClr val="1E1E1E"/>
+                </a:highlight>
+                <a:latin typeface="Consolas" panose="020B0609020204030204" pitchFamily="49" charset="0"/>
+              </a:rPr>
+              <a:t> </a:t>
+            </a:r>
+            <a:r>
+              <a:rPr lang="it-IT" sz="800" dirty="0" err="1">
+                <a:solidFill>
+                  <a:srgbClr val="4EC9B0"/>
+                </a:solidFill>
+                <a:highlight>
+                  <a:srgbClr val="1E1E1E"/>
+                </a:highlight>
+                <a:latin typeface="Consolas" panose="020B0609020204030204" pitchFamily="49" charset="0"/>
+              </a:rPr>
+              <a:t>GenericCalculatorOutput</a:t>
+            </a:r>
+            <a:r>
+              <a:rPr lang="it-IT" sz="800" dirty="0">
+                <a:solidFill>
+                  <a:srgbClr val="DCDCDC"/>
+                </a:solidFill>
+                <a:highlight>
+                  <a:srgbClr val="1E1E1E"/>
+                </a:highlight>
+                <a:latin typeface="Consolas" panose="020B0609020204030204" pitchFamily="49" charset="0"/>
+              </a:rPr>
+              <a:t>(</a:t>
+            </a:r>
+            <a:r>
+              <a:rPr lang="it-IT" sz="800" dirty="0" err="1">
+                <a:solidFill>
+                  <a:srgbClr val="DCDCDC"/>
+                </a:solidFill>
+                <a:highlight>
+                  <a:srgbClr val="1E1E1E"/>
+                </a:highlight>
+                <a:latin typeface="Consolas" panose="020B0609020204030204" pitchFamily="49" charset="0"/>
+              </a:rPr>
+              <a:t>perimeter</a:t>
+            </a:r>
+            <a:r>
+              <a:rPr lang="it-IT" sz="800" dirty="0">
+                <a:solidFill>
+                  <a:srgbClr val="DCDCDC"/>
+                </a:solidFill>
+                <a:highlight>
+                  <a:srgbClr val="1E1E1E"/>
+                </a:highlight>
+                <a:latin typeface="Consolas" panose="020B0609020204030204" pitchFamily="49" charset="0"/>
+              </a:rPr>
+              <a:t>);</a:t>
+            </a:r>
+          </a:p>
+          <a:p>
+            <a:endParaRPr lang="it-IT" sz="800" dirty="0">
+              <a:solidFill>
+                <a:srgbClr val="DCDCDC"/>
+              </a:solidFill>
+              <a:highlight>
+                <a:srgbClr val="1E1E1E"/>
+              </a:highlight>
+              <a:latin typeface="Consolas" panose="020B0609020204030204" pitchFamily="49" charset="0"/>
+            </a:endParaRPr>
+          </a:p>
+          <a:p>
+            <a:r>
+              <a:rPr lang="it-IT" sz="800" dirty="0">
+                <a:solidFill>
+                  <a:srgbClr val="DCDCDC"/>
+                </a:solidFill>
+                <a:highlight>
+                  <a:srgbClr val="1E1E1E"/>
+                </a:highlight>
+                <a:latin typeface="Consolas" panose="020B0609020204030204" pitchFamily="49" charset="0"/>
+              </a:rPr>
+              <a:t>            </a:t>
+            </a:r>
+            <a:r>
+              <a:rPr lang="it-IT" sz="800" dirty="0" err="1">
+                <a:solidFill>
+                  <a:srgbClr val="4EC9B0"/>
+                </a:solidFill>
+                <a:highlight>
+                  <a:srgbClr val="1E1E1E"/>
+                </a:highlight>
+                <a:latin typeface="Consolas" panose="020B0609020204030204" pitchFamily="49" charset="0"/>
+              </a:rPr>
+              <a:t>Console</a:t>
+            </a:r>
+            <a:r>
+              <a:rPr lang="it-IT" sz="800" dirty="0" err="1">
+                <a:solidFill>
+                  <a:srgbClr val="B4B4B4"/>
+                </a:solidFill>
+                <a:highlight>
+                  <a:srgbClr val="1E1E1E"/>
+                </a:highlight>
+                <a:latin typeface="Consolas" panose="020B0609020204030204" pitchFamily="49" charset="0"/>
+              </a:rPr>
+              <a:t>.</a:t>
+            </a:r>
+            <a:r>
+              <a:rPr lang="it-IT" sz="800" dirty="0" err="1">
+                <a:solidFill>
+                  <a:srgbClr val="DCDCDC"/>
+                </a:solidFill>
+                <a:highlight>
+                  <a:srgbClr val="1E1E1E"/>
+                </a:highlight>
+                <a:latin typeface="Consolas" panose="020B0609020204030204" pitchFamily="49" charset="0"/>
+              </a:rPr>
+              <a:t>WriteLine</a:t>
+            </a:r>
+            <a:r>
+              <a:rPr lang="it-IT" sz="800" dirty="0">
+                <a:solidFill>
+                  <a:srgbClr val="DCDCDC"/>
+                </a:solidFill>
+                <a:highlight>
+                  <a:srgbClr val="1E1E1E"/>
+                </a:highlight>
+                <a:latin typeface="Consolas" panose="020B0609020204030204" pitchFamily="49" charset="0"/>
+              </a:rPr>
+              <a:t>(</a:t>
+            </a:r>
+            <a:r>
+              <a:rPr lang="it-IT" sz="800" dirty="0" err="1">
+                <a:solidFill>
+                  <a:srgbClr val="DCDCDC"/>
+                </a:solidFill>
+                <a:highlight>
+                  <a:srgbClr val="1E1E1E"/>
+                </a:highlight>
+                <a:latin typeface="Consolas" panose="020B0609020204030204" pitchFamily="49" charset="0"/>
+              </a:rPr>
+              <a:t>outputArea</a:t>
+            </a:r>
+            <a:r>
+              <a:rPr lang="it-IT" sz="800" dirty="0" err="1">
+                <a:solidFill>
+                  <a:srgbClr val="B4B4B4"/>
+                </a:solidFill>
+                <a:highlight>
+                  <a:srgbClr val="1E1E1E"/>
+                </a:highlight>
+                <a:latin typeface="Consolas" panose="020B0609020204030204" pitchFamily="49" charset="0"/>
+              </a:rPr>
+              <a:t>.</a:t>
+            </a:r>
+            <a:r>
+              <a:rPr lang="it-IT" sz="800" dirty="0" err="1">
+                <a:solidFill>
+                  <a:srgbClr val="DCDCDC"/>
+                </a:solidFill>
+                <a:highlight>
+                  <a:srgbClr val="1E1E1E"/>
+                </a:highlight>
+                <a:latin typeface="Consolas" panose="020B0609020204030204" pitchFamily="49" charset="0"/>
+              </a:rPr>
+              <a:t>ShowHtml</a:t>
+            </a:r>
+            <a:r>
+              <a:rPr lang="it-IT" sz="800" dirty="0">
+                <a:solidFill>
+                  <a:srgbClr val="DCDCDC"/>
+                </a:solidFill>
+                <a:highlight>
+                  <a:srgbClr val="1E1E1E"/>
+                </a:highlight>
+                <a:latin typeface="Consolas" panose="020B0609020204030204" pitchFamily="49" charset="0"/>
+              </a:rPr>
+              <a:t>());</a:t>
+            </a:r>
+          </a:p>
+          <a:p>
+            <a:r>
+              <a:rPr lang="it-IT" sz="800" dirty="0">
+                <a:solidFill>
+                  <a:srgbClr val="DCDCDC"/>
+                </a:solidFill>
+                <a:highlight>
+                  <a:srgbClr val="1E1E1E"/>
+                </a:highlight>
+                <a:latin typeface="Consolas" panose="020B0609020204030204" pitchFamily="49" charset="0"/>
+              </a:rPr>
+              <a:t>            </a:t>
+            </a:r>
+            <a:r>
+              <a:rPr lang="it-IT" sz="800" dirty="0" err="1">
+                <a:solidFill>
+                  <a:srgbClr val="4EC9B0"/>
+                </a:solidFill>
+                <a:highlight>
+                  <a:srgbClr val="1E1E1E"/>
+                </a:highlight>
+                <a:latin typeface="Consolas" panose="020B0609020204030204" pitchFamily="49" charset="0"/>
+              </a:rPr>
+              <a:t>Console</a:t>
+            </a:r>
+            <a:r>
+              <a:rPr lang="it-IT" sz="800" dirty="0" err="1">
+                <a:solidFill>
+                  <a:srgbClr val="B4B4B4"/>
+                </a:solidFill>
+                <a:highlight>
+                  <a:srgbClr val="1E1E1E"/>
+                </a:highlight>
+                <a:latin typeface="Consolas" panose="020B0609020204030204" pitchFamily="49" charset="0"/>
+              </a:rPr>
+              <a:t>.</a:t>
+            </a:r>
+            <a:r>
+              <a:rPr lang="it-IT" sz="800" dirty="0" err="1">
+                <a:solidFill>
+                  <a:srgbClr val="DCDCDC"/>
+                </a:solidFill>
+                <a:highlight>
+                  <a:srgbClr val="1E1E1E"/>
+                </a:highlight>
+                <a:latin typeface="Consolas" panose="020B0609020204030204" pitchFamily="49" charset="0"/>
+              </a:rPr>
+              <a:t>WriteLine</a:t>
+            </a:r>
+            <a:r>
+              <a:rPr lang="it-IT" sz="800" dirty="0">
+                <a:solidFill>
+                  <a:srgbClr val="DCDCDC"/>
+                </a:solidFill>
+                <a:highlight>
+                  <a:srgbClr val="1E1E1E"/>
+                </a:highlight>
+                <a:latin typeface="Consolas" panose="020B0609020204030204" pitchFamily="49" charset="0"/>
+              </a:rPr>
+              <a:t>(</a:t>
+            </a:r>
+            <a:r>
+              <a:rPr lang="it-IT" sz="800" dirty="0" err="1">
+                <a:solidFill>
+                  <a:srgbClr val="DCDCDC"/>
+                </a:solidFill>
+                <a:highlight>
+                  <a:srgbClr val="1E1E1E"/>
+                </a:highlight>
+                <a:latin typeface="Consolas" panose="020B0609020204030204" pitchFamily="49" charset="0"/>
+              </a:rPr>
+              <a:t>outputPerimeter</a:t>
+            </a:r>
+            <a:r>
+              <a:rPr lang="it-IT" sz="800" dirty="0" err="1">
+                <a:solidFill>
+                  <a:srgbClr val="B4B4B4"/>
+                </a:solidFill>
+                <a:highlight>
+                  <a:srgbClr val="1E1E1E"/>
+                </a:highlight>
+                <a:latin typeface="Consolas" panose="020B0609020204030204" pitchFamily="49" charset="0"/>
+              </a:rPr>
+              <a:t>.</a:t>
+            </a:r>
+            <a:r>
+              <a:rPr lang="it-IT" sz="800" dirty="0" err="1">
+                <a:solidFill>
+                  <a:srgbClr val="DCDCDC"/>
+                </a:solidFill>
+                <a:highlight>
+                  <a:srgbClr val="1E1E1E"/>
+                </a:highlight>
+                <a:latin typeface="Consolas" panose="020B0609020204030204" pitchFamily="49" charset="0"/>
+              </a:rPr>
+              <a:t>ShowHtml</a:t>
+            </a:r>
+            <a:r>
+              <a:rPr lang="it-IT" sz="800" dirty="0" smtClean="0">
+                <a:solidFill>
+                  <a:srgbClr val="DCDCDC"/>
+                </a:solidFill>
+                <a:highlight>
+                  <a:srgbClr val="1E1E1E"/>
+                </a:highlight>
+                <a:latin typeface="Consolas" panose="020B0609020204030204" pitchFamily="49" charset="0"/>
+              </a:rPr>
+              <a:t>());</a:t>
+            </a:r>
+          </a:p>
+          <a:p>
+            <a:endParaRPr lang="it-IT" sz="800" dirty="0">
+              <a:solidFill>
+                <a:srgbClr val="DCDCDC"/>
+              </a:solidFill>
+              <a:highlight>
+                <a:srgbClr val="1E1E1E"/>
+              </a:highlight>
+              <a:latin typeface="Consolas" panose="020B0609020204030204" pitchFamily="49" charset="0"/>
+            </a:endParaRPr>
+          </a:p>
+          <a:p>
+            <a:endParaRPr lang="it-IT" sz="800" dirty="0" smtClean="0">
+              <a:solidFill>
+                <a:srgbClr val="DCDCDC"/>
+              </a:solidFill>
+              <a:highlight>
+                <a:srgbClr val="1E1E1E"/>
+              </a:highlight>
+              <a:latin typeface="Consolas" panose="020B0609020204030204" pitchFamily="49" charset="0"/>
+            </a:endParaRPr>
+          </a:p>
+        </p:txBody>
+      </p:sp>
+    </p:spTree>
+    <p:extLst>
+      <p:ext uri="{BB962C8B-B14F-4D97-AF65-F5344CB8AC3E}">
+        <p14:creationId xmlns:p14="http://schemas.microsoft.com/office/powerpoint/2010/main" val="2011498610"/>
       </p:ext>
     </p:extLst>
   </p:cSld>

--- a/docs/solid.pptx
+++ b/docs/solid.pptx
@@ -6,7 +6,7 @@
     <p:sldMasterId id="2147483648" r:id="rId2"/>
   </p:sldMasterIdLst>
   <p:notesMasterIdLst>
-    <p:notesMasterId r:id="rId22"/>
+    <p:notesMasterId r:id="rId24"/>
   </p:notesMasterIdLst>
   <p:sldIdLst>
     <p:sldId id="264" r:id="rId3"/>
@@ -28,6 +28,8 @@
     <p:sldId id="303" r:id="rId19"/>
     <p:sldId id="304" r:id="rId20"/>
     <p:sldId id="305" r:id="rId21"/>
+    <p:sldId id="306" r:id="rId22"/>
+    <p:sldId id="307" r:id="rId23"/>
   </p:sldIdLst>
   <p:sldSz cx="9144000" cy="6858000" type="screen4x3"/>
   <p:notesSz cx="6858000" cy="9144000"/>
@@ -1347,6 +1349,90 @@
 </p:notes>
 </file>
 
+<file path=ppt/notesSlides/notesSlide19.xml><?xml version="1.0" encoding="utf-8"?>
+<p:notes xmlns:a="http://schemas.openxmlformats.org/drawingml/2006/main" xmlns:r="http://schemas.openxmlformats.org/officeDocument/2006/relationships" xmlns:p="http://schemas.openxmlformats.org/presentationml/2006/main">
+  <p:cSld>
+    <p:spTree>
+      <p:nvGrpSpPr>
+        <p:cNvPr id="1" name=""/>
+        <p:cNvGrpSpPr/>
+        <p:nvPr/>
+      </p:nvGrpSpPr>
+      <p:grpSpPr>
+        <a:xfrm>
+          <a:off x="0" y="0"/>
+          <a:ext cx="0" cy="0"/>
+          <a:chOff x="0" y="0"/>
+          <a:chExt cx="0" cy="0"/>
+        </a:xfrm>
+      </p:grpSpPr>
+      <p:sp>
+        <p:nvSpPr>
+          <p:cNvPr id="2" name="Slide Image Placeholder 1"/>
+          <p:cNvSpPr>
+            <a:spLocks noGrp="1" noRot="1" noChangeAspect="1"/>
+          </p:cNvSpPr>
+          <p:nvPr>
+            <p:ph type="sldImg"/>
+          </p:nvPr>
+        </p:nvSpPr>
+        <p:spPr/>
+      </p:sp>
+      <p:sp>
+        <p:nvSpPr>
+          <p:cNvPr id="3" name="Notes Placeholder 2"/>
+          <p:cNvSpPr>
+            <a:spLocks noGrp="1"/>
+          </p:cNvSpPr>
+          <p:nvPr>
+            <p:ph type="body" idx="1"/>
+          </p:nvPr>
+        </p:nvSpPr>
+        <p:spPr/>
+        <p:txBody>
+          <a:bodyPr/>
+          <a:lstStyle/>
+          <a:p>
+            <a:endParaRPr lang="it-IT" dirty="0"/>
+          </a:p>
+        </p:txBody>
+      </p:sp>
+      <p:sp>
+        <p:nvSpPr>
+          <p:cNvPr id="4" name="Slide Number Placeholder 3"/>
+          <p:cNvSpPr>
+            <a:spLocks noGrp="1"/>
+          </p:cNvSpPr>
+          <p:nvPr>
+            <p:ph type="sldNum" sz="quarter" idx="10"/>
+          </p:nvPr>
+        </p:nvSpPr>
+        <p:spPr/>
+        <p:txBody>
+          <a:bodyPr/>
+          <a:lstStyle/>
+          <a:p>
+            <a:fld id="{2C5A56FE-B2E8-4285-8F31-2AEEB8EA39C6}" type="slidenum">
+              <a:rPr lang="en-GB" smtClean="0"/>
+              <a:t>20</a:t>
+            </a:fld>
+            <a:endParaRPr lang="en-GB"/>
+          </a:p>
+        </p:txBody>
+      </p:sp>
+    </p:spTree>
+    <p:extLst>
+      <p:ext uri="{BB962C8B-B14F-4D97-AF65-F5344CB8AC3E}">
+        <p14:creationId xmlns:p14="http://schemas.microsoft.com/office/powerpoint/2010/main" val="1349941112"/>
+      </p:ext>
+    </p:extLst>
+  </p:cSld>
+  <p:clrMapOvr>
+    <a:masterClrMapping/>
+  </p:clrMapOvr>
+</p:notes>
+</file>
+
 <file path=ppt/notesSlides/notesSlide2.xml><?xml version="1.0" encoding="utf-8"?>
 <p:notes xmlns:a="http://schemas.openxmlformats.org/drawingml/2006/main" xmlns:r="http://schemas.openxmlformats.org/officeDocument/2006/relationships" xmlns:p="http://schemas.openxmlformats.org/presentationml/2006/main">
   <p:cSld>
@@ -1422,6 +1508,90 @@
     <p:extLst>
       <p:ext uri="{BB962C8B-B14F-4D97-AF65-F5344CB8AC3E}">
         <p14:creationId xmlns:p14="http://schemas.microsoft.com/office/powerpoint/2010/main" val="156475395"/>
+      </p:ext>
+    </p:extLst>
+  </p:cSld>
+  <p:clrMapOvr>
+    <a:masterClrMapping/>
+  </p:clrMapOvr>
+</p:notes>
+</file>
+
+<file path=ppt/notesSlides/notesSlide20.xml><?xml version="1.0" encoding="utf-8"?>
+<p:notes xmlns:a="http://schemas.openxmlformats.org/drawingml/2006/main" xmlns:r="http://schemas.openxmlformats.org/officeDocument/2006/relationships" xmlns:p="http://schemas.openxmlformats.org/presentationml/2006/main">
+  <p:cSld>
+    <p:spTree>
+      <p:nvGrpSpPr>
+        <p:cNvPr id="1" name=""/>
+        <p:cNvGrpSpPr/>
+        <p:nvPr/>
+      </p:nvGrpSpPr>
+      <p:grpSpPr>
+        <a:xfrm>
+          <a:off x="0" y="0"/>
+          <a:ext cx="0" cy="0"/>
+          <a:chOff x="0" y="0"/>
+          <a:chExt cx="0" cy="0"/>
+        </a:xfrm>
+      </p:grpSpPr>
+      <p:sp>
+        <p:nvSpPr>
+          <p:cNvPr id="2" name="Slide Image Placeholder 1"/>
+          <p:cNvSpPr>
+            <a:spLocks noGrp="1" noRot="1" noChangeAspect="1"/>
+          </p:cNvSpPr>
+          <p:nvPr>
+            <p:ph type="sldImg"/>
+          </p:nvPr>
+        </p:nvSpPr>
+        <p:spPr/>
+      </p:sp>
+      <p:sp>
+        <p:nvSpPr>
+          <p:cNvPr id="3" name="Notes Placeholder 2"/>
+          <p:cNvSpPr>
+            <a:spLocks noGrp="1"/>
+          </p:cNvSpPr>
+          <p:nvPr>
+            <p:ph type="body" idx="1"/>
+          </p:nvPr>
+        </p:nvSpPr>
+        <p:spPr/>
+        <p:txBody>
+          <a:bodyPr/>
+          <a:lstStyle/>
+          <a:p>
+            <a:endParaRPr lang="it-IT" dirty="0"/>
+          </a:p>
+        </p:txBody>
+      </p:sp>
+      <p:sp>
+        <p:nvSpPr>
+          <p:cNvPr id="4" name="Slide Number Placeholder 3"/>
+          <p:cNvSpPr>
+            <a:spLocks noGrp="1"/>
+          </p:cNvSpPr>
+          <p:nvPr>
+            <p:ph type="sldNum" sz="quarter" idx="10"/>
+          </p:nvPr>
+        </p:nvSpPr>
+        <p:spPr/>
+        <p:txBody>
+          <a:bodyPr/>
+          <a:lstStyle/>
+          <a:p>
+            <a:fld id="{2C5A56FE-B2E8-4285-8F31-2AEEB8EA39C6}" type="slidenum">
+              <a:rPr lang="en-GB" smtClean="0"/>
+              <a:t>21</a:t>
+            </a:fld>
+            <a:endParaRPr lang="en-GB"/>
+          </a:p>
+        </p:txBody>
+      </p:sp>
+    </p:spTree>
+    <p:extLst>
+      <p:ext uri="{BB962C8B-B14F-4D97-AF65-F5344CB8AC3E}">
+        <p14:creationId xmlns:p14="http://schemas.microsoft.com/office/powerpoint/2010/main" val="738174605"/>
       </p:ext>
     </p:extLst>
   </p:cSld>
@@ -19977,6 +20147,2180 @@
     <p:extLst>
       <p:ext uri="{BB962C8B-B14F-4D97-AF65-F5344CB8AC3E}">
         <p14:creationId xmlns:p14="http://schemas.microsoft.com/office/powerpoint/2010/main" val="1324935333"/>
+      </p:ext>
+    </p:extLst>
+  </p:cSld>
+  <p:clrMapOvr>
+    <a:masterClrMapping/>
+  </p:clrMapOvr>
+  <p:timing>
+    <p:tnLst>
+      <p:par>
+        <p:cTn id="1" dur="indefinite" restart="never" nodeType="tmRoot"/>
+      </p:par>
+    </p:tnLst>
+  </p:timing>
+</p:sld>
+</file>
+
+<file path=ppt/slides/slide20.xml><?xml version="1.0" encoding="utf-8"?>
+<p:sld xmlns:a="http://schemas.openxmlformats.org/drawingml/2006/main" xmlns:r="http://schemas.openxmlformats.org/officeDocument/2006/relationships" xmlns:p="http://schemas.openxmlformats.org/presentationml/2006/main">
+  <p:cSld>
+    <p:spTree>
+      <p:nvGrpSpPr>
+        <p:cNvPr id="1" name=""/>
+        <p:cNvGrpSpPr/>
+        <p:nvPr/>
+      </p:nvGrpSpPr>
+      <p:grpSpPr>
+        <a:xfrm>
+          <a:off x="0" y="0"/>
+          <a:ext cx="0" cy="0"/>
+          <a:chOff x="0" y="0"/>
+          <a:chExt cx="0" cy="0"/>
+        </a:xfrm>
+      </p:grpSpPr>
+      <p:sp>
+        <p:nvSpPr>
+          <p:cNvPr id="2" name="Text Placeholder 1"/>
+          <p:cNvSpPr>
+            <a:spLocks noGrp="1"/>
+          </p:cNvSpPr>
+          <p:nvPr>
+            <p:ph type="body" sz="quarter" idx="11"/>
+          </p:nvPr>
+        </p:nvSpPr>
+        <p:spPr>
+          <a:xfrm>
+            <a:off x="328613" y="1079047"/>
+            <a:ext cx="8401246" cy="485802"/>
+          </a:xfrm>
+        </p:spPr>
+        <p:txBody>
+          <a:bodyPr/>
+          <a:lstStyle/>
+          <a:p>
+            <a:r>
+              <a:rPr lang="en-US" sz="2400" dirty="0" smtClean="0"/>
+              <a:t>DIP Dependency Inversion Principle</a:t>
+            </a:r>
+            <a:endParaRPr lang="en-US" sz="2400" dirty="0" smtClean="0"/>
+          </a:p>
+          <a:p>
+            <a:endParaRPr lang="en-US" sz="1800" dirty="0" smtClean="0"/>
+          </a:p>
+          <a:p>
+            <a:endParaRPr lang="en-US" sz="1800" dirty="0" smtClean="0"/>
+          </a:p>
+        </p:txBody>
+      </p:sp>
+      <p:sp>
+        <p:nvSpPr>
+          <p:cNvPr id="5" name="TextBox 4"/>
+          <p:cNvSpPr txBox="1"/>
+          <p:nvPr/>
+        </p:nvSpPr>
+        <p:spPr>
+          <a:xfrm>
+            <a:off x="621372" y="1501213"/>
+            <a:ext cx="8210747" cy="2431435"/>
+          </a:xfrm>
+          <a:prstGeom prst="rect">
+            <a:avLst/>
+          </a:prstGeom>
+          <a:noFill/>
+        </p:spPr>
+        <p:txBody>
+          <a:bodyPr wrap="square" rtlCol="0">
+            <a:spAutoFit/>
+          </a:bodyPr>
+          <a:lstStyle/>
+          <a:p>
+            <a:endParaRPr lang="en-GB" sz="1600" dirty="0" smtClean="0">
+              <a:latin typeface="Chronicle Display" pitchFamily="50" charset="0"/>
+            </a:endParaRPr>
+          </a:p>
+          <a:p>
+            <a:r>
+              <a:rPr lang="en-GB" sz="2400" b="1" i="1" dirty="0" smtClean="0">
+                <a:latin typeface="Chronicle Display" pitchFamily="50" charset="0"/>
+              </a:rPr>
+              <a:t>Entities must depend on abstraction not on concretions.</a:t>
+            </a:r>
+          </a:p>
+          <a:p>
+            <a:endParaRPr lang="en-GB" sz="1600" b="1" i="1" dirty="0">
+              <a:latin typeface="Chronicle Display" pitchFamily="50" charset="0"/>
+            </a:endParaRPr>
+          </a:p>
+          <a:p>
+            <a:endParaRPr lang="en-GB" sz="1600" dirty="0" smtClean="0">
+              <a:latin typeface="Chronicle Display" pitchFamily="50" charset="0"/>
+            </a:endParaRPr>
+          </a:p>
+          <a:p>
+            <a:r>
+              <a:rPr lang="en-GB" sz="1600" dirty="0" smtClean="0">
+                <a:latin typeface="Chronicle Display" pitchFamily="50" charset="0"/>
+              </a:rPr>
+              <a:t>High level module must not depend on the low level module, but they should depend on abstractions. </a:t>
+            </a:r>
+          </a:p>
+          <a:p>
+            <a:endParaRPr lang="en-GB" sz="1600" dirty="0">
+              <a:latin typeface="Chronicle Display" pitchFamily="50" charset="0"/>
+            </a:endParaRPr>
+          </a:p>
+          <a:p>
+            <a:r>
+              <a:rPr lang="en-GB" sz="1600" dirty="0" smtClean="0">
+                <a:latin typeface="Chronicle Display" pitchFamily="50" charset="0"/>
+              </a:rPr>
+              <a:t>This principle allows for decoupling</a:t>
+            </a:r>
+            <a:endParaRPr lang="en-GB" sz="1600" b="1" i="1" dirty="0">
+              <a:latin typeface="Chronicle Display" pitchFamily="50" charset="0"/>
+            </a:endParaRPr>
+          </a:p>
+          <a:p>
+            <a:endParaRPr lang="en-GB" sz="1600" b="1" i="1" dirty="0" smtClean="0">
+              <a:latin typeface="Chronicle Display" pitchFamily="50" charset="0"/>
+            </a:endParaRPr>
+          </a:p>
+        </p:txBody>
+      </p:sp>
+    </p:spTree>
+    <p:extLst>
+      <p:ext uri="{BB962C8B-B14F-4D97-AF65-F5344CB8AC3E}">
+        <p14:creationId xmlns:p14="http://schemas.microsoft.com/office/powerpoint/2010/main" val="21952181"/>
+      </p:ext>
+    </p:extLst>
+  </p:cSld>
+  <p:clrMapOvr>
+    <a:masterClrMapping/>
+  </p:clrMapOvr>
+  <p:timing>
+    <p:tnLst>
+      <p:par>
+        <p:cTn id="1" dur="indefinite" restart="never" nodeType="tmRoot"/>
+      </p:par>
+    </p:tnLst>
+  </p:timing>
+</p:sld>
+</file>
+
+<file path=ppt/slides/slide21.xml><?xml version="1.0" encoding="utf-8"?>
+<p:sld xmlns:a="http://schemas.openxmlformats.org/drawingml/2006/main" xmlns:r="http://schemas.openxmlformats.org/officeDocument/2006/relationships" xmlns:p="http://schemas.openxmlformats.org/presentationml/2006/main">
+  <p:cSld>
+    <p:spTree>
+      <p:nvGrpSpPr>
+        <p:cNvPr id="1" name=""/>
+        <p:cNvGrpSpPr/>
+        <p:nvPr/>
+      </p:nvGrpSpPr>
+      <p:grpSpPr>
+        <a:xfrm>
+          <a:off x="0" y="0"/>
+          <a:ext cx="0" cy="0"/>
+          <a:chOff x="0" y="0"/>
+          <a:chExt cx="0" cy="0"/>
+        </a:xfrm>
+      </p:grpSpPr>
+      <p:sp>
+        <p:nvSpPr>
+          <p:cNvPr id="2" name="Text Placeholder 1"/>
+          <p:cNvSpPr>
+            <a:spLocks noGrp="1"/>
+          </p:cNvSpPr>
+          <p:nvPr>
+            <p:ph type="body" sz="quarter" idx="11"/>
+          </p:nvPr>
+        </p:nvSpPr>
+        <p:spPr>
+          <a:xfrm>
+            <a:off x="328613" y="1079047"/>
+            <a:ext cx="8401246" cy="485802"/>
+          </a:xfrm>
+        </p:spPr>
+        <p:txBody>
+          <a:bodyPr/>
+          <a:lstStyle/>
+          <a:p>
+            <a:r>
+              <a:rPr lang="en-US" sz="2400" dirty="0"/>
+              <a:t>DIP Dependency Inversion Principle</a:t>
+            </a:r>
+          </a:p>
+          <a:p>
+            <a:endParaRPr lang="en-US" sz="1800" dirty="0" smtClean="0"/>
+          </a:p>
+          <a:p>
+            <a:endParaRPr lang="en-US" sz="1800" dirty="0" smtClean="0"/>
+          </a:p>
+        </p:txBody>
+      </p:sp>
+      <p:sp>
+        <p:nvSpPr>
+          <p:cNvPr id="6" name="TextBox 5"/>
+          <p:cNvSpPr txBox="1"/>
+          <p:nvPr/>
+        </p:nvSpPr>
+        <p:spPr>
+          <a:xfrm>
+            <a:off x="621370" y="1595329"/>
+            <a:ext cx="8210747" cy="4031873"/>
+          </a:xfrm>
+          <a:prstGeom prst="rect">
+            <a:avLst/>
+          </a:prstGeom>
+          <a:solidFill>
+            <a:schemeClr val="tx1"/>
+          </a:solidFill>
+        </p:spPr>
+        <p:txBody>
+          <a:bodyPr wrap="square" rtlCol="0">
+            <a:spAutoFit/>
+          </a:bodyPr>
+          <a:lstStyle/>
+          <a:p>
+            <a:r>
+              <a:rPr lang="it-IT" sz="800" dirty="0">
+                <a:solidFill>
+                  <a:srgbClr val="DCDCDC"/>
+                </a:solidFill>
+                <a:highlight>
+                  <a:srgbClr val="1E1E1E"/>
+                </a:highlight>
+                <a:latin typeface="Consolas" panose="020B0609020204030204" pitchFamily="49" charset="0"/>
+              </a:rPr>
+              <a:t> </a:t>
+            </a:r>
+            <a:r>
+              <a:rPr lang="it-IT" sz="800" dirty="0">
+                <a:solidFill>
+                  <a:srgbClr val="569CD6"/>
+                </a:solidFill>
+                <a:highlight>
+                  <a:srgbClr val="1E1E1E"/>
+                </a:highlight>
+                <a:latin typeface="Consolas" panose="020B0609020204030204" pitchFamily="49" charset="0"/>
+              </a:rPr>
+              <a:t>public</a:t>
+            </a:r>
+            <a:r>
+              <a:rPr lang="it-IT" sz="800" dirty="0">
+                <a:solidFill>
+                  <a:srgbClr val="DCDCDC"/>
+                </a:solidFill>
+                <a:highlight>
+                  <a:srgbClr val="1E1E1E"/>
+                </a:highlight>
+                <a:latin typeface="Consolas" panose="020B0609020204030204" pitchFamily="49" charset="0"/>
+              </a:rPr>
+              <a:t> </a:t>
+            </a:r>
+            <a:r>
+              <a:rPr lang="it-IT" sz="800" dirty="0" err="1">
+                <a:solidFill>
+                  <a:srgbClr val="569CD6"/>
+                </a:solidFill>
+                <a:highlight>
+                  <a:srgbClr val="1E1E1E"/>
+                </a:highlight>
+                <a:latin typeface="Consolas" panose="020B0609020204030204" pitchFamily="49" charset="0"/>
+              </a:rPr>
+              <a:t>class</a:t>
+            </a:r>
+            <a:r>
+              <a:rPr lang="it-IT" sz="800" dirty="0">
+                <a:solidFill>
+                  <a:srgbClr val="DCDCDC"/>
+                </a:solidFill>
+                <a:highlight>
+                  <a:srgbClr val="1E1E1E"/>
+                </a:highlight>
+                <a:latin typeface="Consolas" panose="020B0609020204030204" pitchFamily="49" charset="0"/>
+              </a:rPr>
+              <a:t> </a:t>
+            </a:r>
+            <a:r>
+              <a:rPr lang="it-IT" sz="800" dirty="0" err="1">
+                <a:solidFill>
+                  <a:srgbClr val="4EC9B0"/>
+                </a:solidFill>
+                <a:highlight>
+                  <a:srgbClr val="1E1E1E"/>
+                </a:highlight>
+                <a:latin typeface="Consolas" panose="020B0609020204030204" pitchFamily="49" charset="0"/>
+              </a:rPr>
+              <a:t>GenericCalculator</a:t>
+            </a:r>
+            <a:endParaRPr lang="it-IT" sz="800" dirty="0">
+              <a:solidFill>
+                <a:srgbClr val="DCDCDC"/>
+              </a:solidFill>
+              <a:highlight>
+                <a:srgbClr val="1E1E1E"/>
+              </a:highlight>
+              <a:latin typeface="Consolas" panose="020B0609020204030204" pitchFamily="49" charset="0"/>
+            </a:endParaRPr>
+          </a:p>
+          <a:p>
+            <a:r>
+              <a:rPr lang="it-IT" sz="800" dirty="0" smtClean="0">
+                <a:solidFill>
+                  <a:srgbClr val="DCDCDC"/>
+                </a:solidFill>
+                <a:highlight>
+                  <a:srgbClr val="1E1E1E"/>
+                </a:highlight>
+                <a:latin typeface="Consolas" panose="020B0609020204030204" pitchFamily="49" charset="0"/>
+              </a:rPr>
+              <a:t> {</a:t>
+            </a:r>
+            <a:endParaRPr lang="it-IT" sz="800" dirty="0">
+              <a:solidFill>
+                <a:srgbClr val="DCDCDC"/>
+              </a:solidFill>
+              <a:highlight>
+                <a:srgbClr val="1E1E1E"/>
+              </a:highlight>
+              <a:latin typeface="Consolas" panose="020B0609020204030204" pitchFamily="49" charset="0"/>
+            </a:endParaRPr>
+          </a:p>
+          <a:p>
+            <a:r>
+              <a:rPr lang="it-IT" sz="800" dirty="0">
+                <a:solidFill>
+                  <a:srgbClr val="DCDCDC"/>
+                </a:solidFill>
+                <a:highlight>
+                  <a:srgbClr val="1E1E1E"/>
+                </a:highlight>
+                <a:latin typeface="Consolas" panose="020B0609020204030204" pitchFamily="49" charset="0"/>
+              </a:rPr>
+              <a:t>        </a:t>
+            </a:r>
+            <a:r>
+              <a:rPr lang="it-IT" sz="800" dirty="0" err="1">
+                <a:solidFill>
+                  <a:srgbClr val="569CD6"/>
+                </a:solidFill>
+                <a:highlight>
+                  <a:srgbClr val="1E1E1E"/>
+                </a:highlight>
+                <a:latin typeface="Consolas" panose="020B0609020204030204" pitchFamily="49" charset="0"/>
+              </a:rPr>
+              <a:t>protected</a:t>
+            </a:r>
+            <a:r>
+              <a:rPr lang="it-IT" sz="800" dirty="0">
+                <a:solidFill>
+                  <a:srgbClr val="DCDCDC"/>
+                </a:solidFill>
+                <a:highlight>
+                  <a:srgbClr val="1E1E1E"/>
+                </a:highlight>
+                <a:latin typeface="Consolas" panose="020B0609020204030204" pitchFamily="49" charset="0"/>
+              </a:rPr>
+              <a:t> </a:t>
+            </a:r>
+            <a:r>
+              <a:rPr lang="it-IT" sz="800" dirty="0" err="1">
+                <a:solidFill>
+                  <a:srgbClr val="569CD6"/>
+                </a:solidFill>
+                <a:highlight>
+                  <a:srgbClr val="1E1E1E"/>
+                </a:highlight>
+                <a:latin typeface="Consolas" panose="020B0609020204030204" pitchFamily="49" charset="0"/>
+              </a:rPr>
+              <a:t>readonly</a:t>
+            </a:r>
+            <a:r>
+              <a:rPr lang="it-IT" sz="800" dirty="0">
+                <a:solidFill>
+                  <a:srgbClr val="DCDCDC"/>
+                </a:solidFill>
+                <a:highlight>
+                  <a:srgbClr val="1E1E1E"/>
+                </a:highlight>
+                <a:latin typeface="Consolas" panose="020B0609020204030204" pitchFamily="49" charset="0"/>
+              </a:rPr>
+              <a:t> </a:t>
+            </a:r>
+            <a:r>
+              <a:rPr lang="it-IT" sz="800" dirty="0" err="1">
+                <a:solidFill>
+                  <a:srgbClr val="B8D7A3"/>
+                </a:solidFill>
+                <a:highlight>
+                  <a:srgbClr val="1E1E1E"/>
+                </a:highlight>
+                <a:latin typeface="Consolas" panose="020B0609020204030204" pitchFamily="49" charset="0"/>
+              </a:rPr>
+              <a:t>IShape</a:t>
+            </a:r>
+            <a:r>
+              <a:rPr lang="it-IT" sz="800" dirty="0">
+                <a:solidFill>
+                  <a:srgbClr val="DCDCDC"/>
+                </a:solidFill>
+                <a:highlight>
+                  <a:srgbClr val="1E1E1E"/>
+                </a:highlight>
+                <a:latin typeface="Consolas" panose="020B0609020204030204" pitchFamily="49" charset="0"/>
+              </a:rPr>
+              <a:t>[] </a:t>
+            </a:r>
+            <a:r>
+              <a:rPr lang="it-IT" sz="800" dirty="0" err="1">
+                <a:solidFill>
+                  <a:srgbClr val="DCDCDC"/>
+                </a:solidFill>
+                <a:highlight>
+                  <a:srgbClr val="1E1E1E"/>
+                </a:highlight>
+                <a:latin typeface="Consolas" panose="020B0609020204030204" pitchFamily="49" charset="0"/>
+              </a:rPr>
+              <a:t>shapes</a:t>
+            </a:r>
+            <a:r>
+              <a:rPr lang="it-IT" sz="800" dirty="0" smtClean="0">
+                <a:solidFill>
+                  <a:srgbClr val="DCDCDC"/>
+                </a:solidFill>
+                <a:highlight>
+                  <a:srgbClr val="1E1E1E"/>
+                </a:highlight>
+                <a:latin typeface="Consolas" panose="020B0609020204030204" pitchFamily="49" charset="0"/>
+              </a:rPr>
+              <a:t>;</a:t>
+            </a:r>
+            <a:endParaRPr lang="it-IT" sz="800" dirty="0">
+              <a:solidFill>
+                <a:srgbClr val="DCDCDC"/>
+              </a:solidFill>
+              <a:highlight>
+                <a:srgbClr val="1E1E1E"/>
+              </a:highlight>
+              <a:latin typeface="Consolas" panose="020B0609020204030204" pitchFamily="49" charset="0"/>
+            </a:endParaRPr>
+          </a:p>
+          <a:p>
+            <a:r>
+              <a:rPr lang="it-IT" sz="800" dirty="0">
+                <a:solidFill>
+                  <a:srgbClr val="DCDCDC"/>
+                </a:solidFill>
+                <a:highlight>
+                  <a:srgbClr val="1E1E1E"/>
+                </a:highlight>
+                <a:latin typeface="Consolas" panose="020B0609020204030204" pitchFamily="49" charset="0"/>
+              </a:rPr>
+              <a:t>        </a:t>
+            </a:r>
+            <a:r>
+              <a:rPr lang="it-IT" sz="800" dirty="0">
+                <a:solidFill>
+                  <a:srgbClr val="569CD6"/>
+                </a:solidFill>
+                <a:highlight>
+                  <a:srgbClr val="1E1E1E"/>
+                </a:highlight>
+                <a:latin typeface="Consolas" panose="020B0609020204030204" pitchFamily="49" charset="0"/>
+              </a:rPr>
+              <a:t>public</a:t>
+            </a:r>
+            <a:r>
+              <a:rPr lang="it-IT" sz="800" dirty="0">
+                <a:solidFill>
+                  <a:srgbClr val="DCDCDC"/>
+                </a:solidFill>
+                <a:highlight>
+                  <a:srgbClr val="1E1E1E"/>
+                </a:highlight>
+                <a:latin typeface="Consolas" panose="020B0609020204030204" pitchFamily="49" charset="0"/>
+              </a:rPr>
+              <a:t> </a:t>
+            </a:r>
+            <a:r>
+              <a:rPr lang="it-IT" sz="800" dirty="0" err="1">
+                <a:solidFill>
+                  <a:srgbClr val="DCDCDC"/>
+                </a:solidFill>
+                <a:highlight>
+                  <a:srgbClr val="1E1E1E"/>
+                </a:highlight>
+                <a:latin typeface="Consolas" panose="020B0609020204030204" pitchFamily="49" charset="0"/>
+              </a:rPr>
+              <a:t>GenericCalculator</a:t>
+            </a:r>
+            <a:r>
+              <a:rPr lang="it-IT" sz="800" dirty="0">
+                <a:solidFill>
+                  <a:srgbClr val="DCDCDC"/>
+                </a:solidFill>
+                <a:highlight>
+                  <a:srgbClr val="1E1E1E"/>
+                </a:highlight>
+                <a:latin typeface="Consolas" panose="020B0609020204030204" pitchFamily="49" charset="0"/>
+              </a:rPr>
+              <a:t>(</a:t>
+            </a:r>
+            <a:r>
+              <a:rPr lang="it-IT" sz="800" dirty="0" err="1">
+                <a:solidFill>
+                  <a:srgbClr val="B8D7A3"/>
+                </a:solidFill>
+                <a:highlight>
+                  <a:srgbClr val="1E1E1E"/>
+                </a:highlight>
+                <a:latin typeface="Consolas" panose="020B0609020204030204" pitchFamily="49" charset="0"/>
+              </a:rPr>
+              <a:t>IShape</a:t>
+            </a:r>
+            <a:r>
+              <a:rPr lang="it-IT" sz="800" dirty="0">
+                <a:solidFill>
+                  <a:srgbClr val="DCDCDC"/>
+                </a:solidFill>
+                <a:highlight>
+                  <a:srgbClr val="1E1E1E"/>
+                </a:highlight>
+                <a:latin typeface="Consolas" panose="020B0609020204030204" pitchFamily="49" charset="0"/>
+              </a:rPr>
+              <a:t>[] </a:t>
+            </a:r>
+            <a:r>
+              <a:rPr lang="it-IT" sz="800" dirty="0" err="1">
+                <a:solidFill>
+                  <a:srgbClr val="DCDCDC"/>
+                </a:solidFill>
+                <a:highlight>
+                  <a:srgbClr val="1E1E1E"/>
+                </a:highlight>
+                <a:latin typeface="Consolas" panose="020B0609020204030204" pitchFamily="49" charset="0"/>
+              </a:rPr>
+              <a:t>shapes</a:t>
+            </a:r>
+            <a:r>
+              <a:rPr lang="it-IT" sz="800" dirty="0">
+                <a:solidFill>
+                  <a:srgbClr val="DCDCDC"/>
+                </a:solidFill>
+                <a:highlight>
+                  <a:srgbClr val="1E1E1E"/>
+                </a:highlight>
+                <a:latin typeface="Consolas" panose="020B0609020204030204" pitchFamily="49" charset="0"/>
+              </a:rPr>
+              <a:t>)</a:t>
+            </a:r>
+          </a:p>
+          <a:p>
+            <a:r>
+              <a:rPr lang="it-IT" sz="800" dirty="0">
+                <a:solidFill>
+                  <a:srgbClr val="DCDCDC"/>
+                </a:solidFill>
+                <a:highlight>
+                  <a:srgbClr val="1E1E1E"/>
+                </a:highlight>
+                <a:latin typeface="Consolas" panose="020B0609020204030204" pitchFamily="49" charset="0"/>
+              </a:rPr>
+              <a:t>        {</a:t>
+            </a:r>
+          </a:p>
+          <a:p>
+            <a:r>
+              <a:rPr lang="it-IT" sz="800" dirty="0">
+                <a:solidFill>
+                  <a:srgbClr val="DCDCDC"/>
+                </a:solidFill>
+                <a:highlight>
+                  <a:srgbClr val="1E1E1E"/>
+                </a:highlight>
+                <a:latin typeface="Consolas" panose="020B0609020204030204" pitchFamily="49" charset="0"/>
+              </a:rPr>
+              <a:t>            </a:t>
+            </a:r>
+            <a:r>
+              <a:rPr lang="it-IT" sz="800" dirty="0" err="1">
+                <a:solidFill>
+                  <a:srgbClr val="569CD6"/>
+                </a:solidFill>
+                <a:highlight>
+                  <a:srgbClr val="1E1E1E"/>
+                </a:highlight>
+                <a:latin typeface="Consolas" panose="020B0609020204030204" pitchFamily="49" charset="0"/>
+              </a:rPr>
+              <a:t>this</a:t>
+            </a:r>
+            <a:r>
+              <a:rPr lang="it-IT" sz="800" dirty="0" err="1">
+                <a:solidFill>
+                  <a:srgbClr val="B4B4B4"/>
+                </a:solidFill>
+                <a:highlight>
+                  <a:srgbClr val="1E1E1E"/>
+                </a:highlight>
+                <a:latin typeface="Consolas" panose="020B0609020204030204" pitchFamily="49" charset="0"/>
+              </a:rPr>
+              <a:t>.</a:t>
+            </a:r>
+            <a:r>
+              <a:rPr lang="it-IT" sz="800" dirty="0" err="1">
+                <a:solidFill>
+                  <a:srgbClr val="DCDCDC"/>
+                </a:solidFill>
+                <a:highlight>
+                  <a:srgbClr val="1E1E1E"/>
+                </a:highlight>
+                <a:latin typeface="Consolas" panose="020B0609020204030204" pitchFamily="49" charset="0"/>
+              </a:rPr>
+              <a:t>shapes</a:t>
+            </a:r>
+            <a:r>
+              <a:rPr lang="it-IT" sz="800" dirty="0">
+                <a:solidFill>
+                  <a:srgbClr val="DCDCDC"/>
+                </a:solidFill>
+                <a:highlight>
+                  <a:srgbClr val="1E1E1E"/>
+                </a:highlight>
+                <a:latin typeface="Consolas" panose="020B0609020204030204" pitchFamily="49" charset="0"/>
+              </a:rPr>
+              <a:t> </a:t>
+            </a:r>
+            <a:r>
+              <a:rPr lang="it-IT" sz="800" dirty="0">
+                <a:solidFill>
+                  <a:srgbClr val="B4B4B4"/>
+                </a:solidFill>
+                <a:highlight>
+                  <a:srgbClr val="1E1E1E"/>
+                </a:highlight>
+                <a:latin typeface="Consolas" panose="020B0609020204030204" pitchFamily="49" charset="0"/>
+              </a:rPr>
+              <a:t>=</a:t>
+            </a:r>
+            <a:r>
+              <a:rPr lang="it-IT" sz="800" dirty="0">
+                <a:solidFill>
+                  <a:srgbClr val="DCDCDC"/>
+                </a:solidFill>
+                <a:highlight>
+                  <a:srgbClr val="1E1E1E"/>
+                </a:highlight>
+                <a:latin typeface="Consolas" panose="020B0609020204030204" pitchFamily="49" charset="0"/>
+              </a:rPr>
+              <a:t> </a:t>
+            </a:r>
+            <a:r>
+              <a:rPr lang="it-IT" sz="800" dirty="0" err="1">
+                <a:solidFill>
+                  <a:srgbClr val="DCDCDC"/>
+                </a:solidFill>
+                <a:highlight>
+                  <a:srgbClr val="1E1E1E"/>
+                </a:highlight>
+                <a:latin typeface="Consolas" panose="020B0609020204030204" pitchFamily="49" charset="0"/>
+              </a:rPr>
+              <a:t>shapes</a:t>
+            </a:r>
+            <a:r>
+              <a:rPr lang="it-IT" sz="800" dirty="0">
+                <a:solidFill>
+                  <a:srgbClr val="DCDCDC"/>
+                </a:solidFill>
+                <a:highlight>
+                  <a:srgbClr val="1E1E1E"/>
+                </a:highlight>
+                <a:latin typeface="Consolas" panose="020B0609020204030204" pitchFamily="49" charset="0"/>
+              </a:rPr>
+              <a:t>;</a:t>
+            </a:r>
+          </a:p>
+          <a:p>
+            <a:r>
+              <a:rPr lang="it-IT" sz="800" dirty="0">
+                <a:solidFill>
+                  <a:srgbClr val="DCDCDC"/>
+                </a:solidFill>
+                <a:highlight>
+                  <a:srgbClr val="1E1E1E"/>
+                </a:highlight>
+                <a:latin typeface="Consolas" panose="020B0609020204030204" pitchFamily="49" charset="0"/>
+              </a:rPr>
+              <a:t>        </a:t>
+            </a:r>
+            <a:r>
+              <a:rPr lang="it-IT" sz="800" dirty="0" smtClean="0">
+                <a:solidFill>
+                  <a:srgbClr val="DCDCDC"/>
+                </a:solidFill>
+                <a:highlight>
+                  <a:srgbClr val="1E1E1E"/>
+                </a:highlight>
+                <a:latin typeface="Consolas" panose="020B0609020204030204" pitchFamily="49" charset="0"/>
+              </a:rPr>
+              <a:t>}</a:t>
+            </a:r>
+            <a:endParaRPr lang="it-IT" sz="800" dirty="0">
+              <a:solidFill>
+                <a:srgbClr val="DCDCDC"/>
+              </a:solidFill>
+              <a:highlight>
+                <a:srgbClr val="1E1E1E"/>
+              </a:highlight>
+              <a:latin typeface="Consolas" panose="020B0609020204030204" pitchFamily="49" charset="0"/>
+            </a:endParaRPr>
+          </a:p>
+          <a:p>
+            <a:r>
+              <a:rPr lang="it-IT" sz="800" dirty="0">
+                <a:solidFill>
+                  <a:srgbClr val="DCDCDC"/>
+                </a:solidFill>
+                <a:highlight>
+                  <a:srgbClr val="1E1E1E"/>
+                </a:highlight>
+                <a:latin typeface="Consolas" panose="020B0609020204030204" pitchFamily="49" charset="0"/>
+              </a:rPr>
+              <a:t>        </a:t>
+            </a:r>
+            <a:r>
+              <a:rPr lang="it-IT" sz="800" dirty="0">
+                <a:solidFill>
+                  <a:srgbClr val="569CD6"/>
+                </a:solidFill>
+                <a:highlight>
+                  <a:srgbClr val="1E1E1E"/>
+                </a:highlight>
+                <a:latin typeface="Consolas" panose="020B0609020204030204" pitchFamily="49" charset="0"/>
+              </a:rPr>
+              <a:t>public</a:t>
+            </a:r>
+            <a:r>
+              <a:rPr lang="it-IT" sz="800" dirty="0">
+                <a:solidFill>
+                  <a:srgbClr val="DCDCDC"/>
+                </a:solidFill>
+                <a:highlight>
+                  <a:srgbClr val="1E1E1E"/>
+                </a:highlight>
+                <a:latin typeface="Consolas" panose="020B0609020204030204" pitchFamily="49" charset="0"/>
+              </a:rPr>
+              <a:t> </a:t>
+            </a:r>
+            <a:r>
+              <a:rPr lang="it-IT" sz="800" dirty="0" err="1">
+                <a:solidFill>
+                  <a:srgbClr val="569CD6"/>
+                </a:solidFill>
+                <a:highlight>
+                  <a:srgbClr val="1E1E1E"/>
+                </a:highlight>
+                <a:latin typeface="Consolas" panose="020B0609020204030204" pitchFamily="49" charset="0"/>
+              </a:rPr>
+              <a:t>virtual</a:t>
+            </a:r>
+            <a:r>
+              <a:rPr lang="it-IT" sz="800" dirty="0">
+                <a:solidFill>
+                  <a:srgbClr val="DCDCDC"/>
+                </a:solidFill>
+                <a:highlight>
+                  <a:srgbClr val="1E1E1E"/>
+                </a:highlight>
+                <a:latin typeface="Consolas" panose="020B0609020204030204" pitchFamily="49" charset="0"/>
+              </a:rPr>
+              <a:t> </a:t>
+            </a:r>
+            <a:r>
+              <a:rPr lang="it-IT" sz="800" dirty="0">
+                <a:solidFill>
+                  <a:srgbClr val="569CD6"/>
+                </a:solidFill>
+                <a:highlight>
+                  <a:srgbClr val="1E1E1E"/>
+                </a:highlight>
+                <a:latin typeface="Consolas" panose="020B0609020204030204" pitchFamily="49" charset="0"/>
+              </a:rPr>
+              <a:t>float</a:t>
+            </a:r>
+            <a:r>
+              <a:rPr lang="it-IT" sz="800" dirty="0">
+                <a:solidFill>
+                  <a:srgbClr val="DCDCDC"/>
+                </a:solidFill>
+                <a:highlight>
+                  <a:srgbClr val="1E1E1E"/>
+                </a:highlight>
+                <a:latin typeface="Consolas" panose="020B0609020204030204" pitchFamily="49" charset="0"/>
+              </a:rPr>
+              <a:t> Sum()</a:t>
+            </a:r>
+          </a:p>
+          <a:p>
+            <a:r>
+              <a:rPr lang="it-IT" sz="800" dirty="0">
+                <a:solidFill>
+                  <a:srgbClr val="DCDCDC"/>
+                </a:solidFill>
+                <a:highlight>
+                  <a:srgbClr val="1E1E1E"/>
+                </a:highlight>
+                <a:latin typeface="Consolas" panose="020B0609020204030204" pitchFamily="49" charset="0"/>
+              </a:rPr>
+              <a:t>        {</a:t>
+            </a:r>
+          </a:p>
+          <a:p>
+            <a:r>
+              <a:rPr lang="it-IT" sz="800" dirty="0">
+                <a:solidFill>
+                  <a:srgbClr val="DCDCDC"/>
+                </a:solidFill>
+                <a:highlight>
+                  <a:srgbClr val="1E1E1E"/>
+                </a:highlight>
+                <a:latin typeface="Consolas" panose="020B0609020204030204" pitchFamily="49" charset="0"/>
+              </a:rPr>
+              <a:t>            </a:t>
+            </a:r>
+            <a:r>
+              <a:rPr lang="it-IT" sz="800" dirty="0" err="1">
+                <a:solidFill>
+                  <a:srgbClr val="569CD6"/>
+                </a:solidFill>
+                <a:highlight>
+                  <a:srgbClr val="1E1E1E"/>
+                </a:highlight>
+                <a:latin typeface="Consolas" panose="020B0609020204030204" pitchFamily="49" charset="0"/>
+              </a:rPr>
+              <a:t>return</a:t>
+            </a:r>
+            <a:r>
+              <a:rPr lang="it-IT" sz="800" dirty="0">
+                <a:solidFill>
+                  <a:srgbClr val="DCDCDC"/>
+                </a:solidFill>
+                <a:highlight>
+                  <a:srgbClr val="1E1E1E"/>
+                </a:highlight>
+                <a:latin typeface="Consolas" panose="020B0609020204030204" pitchFamily="49" charset="0"/>
+              </a:rPr>
+              <a:t> </a:t>
+            </a:r>
+            <a:r>
+              <a:rPr lang="it-IT" sz="800" dirty="0">
+                <a:solidFill>
+                  <a:srgbClr val="B5CEA8"/>
+                </a:solidFill>
+                <a:highlight>
+                  <a:srgbClr val="1E1E1E"/>
+                </a:highlight>
+                <a:latin typeface="Consolas" panose="020B0609020204030204" pitchFamily="49" charset="0"/>
+              </a:rPr>
+              <a:t>0</a:t>
+            </a:r>
+            <a:r>
+              <a:rPr lang="it-IT" sz="800" dirty="0">
+                <a:solidFill>
+                  <a:srgbClr val="DCDCDC"/>
+                </a:solidFill>
+                <a:highlight>
+                  <a:srgbClr val="1E1E1E"/>
+                </a:highlight>
+                <a:latin typeface="Consolas" panose="020B0609020204030204" pitchFamily="49" charset="0"/>
+              </a:rPr>
+              <a:t>;</a:t>
+            </a:r>
+          </a:p>
+          <a:p>
+            <a:r>
+              <a:rPr lang="it-IT" sz="800" dirty="0">
+                <a:solidFill>
+                  <a:srgbClr val="DCDCDC"/>
+                </a:solidFill>
+                <a:highlight>
+                  <a:srgbClr val="1E1E1E"/>
+                </a:highlight>
+                <a:latin typeface="Consolas" panose="020B0609020204030204" pitchFamily="49" charset="0"/>
+              </a:rPr>
+              <a:t>        }</a:t>
+            </a:r>
+          </a:p>
+          <a:p>
+            <a:r>
+              <a:rPr lang="it-IT" sz="800" dirty="0" smtClean="0">
+                <a:solidFill>
+                  <a:srgbClr val="DCDCDC"/>
+                </a:solidFill>
+                <a:highlight>
+                  <a:srgbClr val="1E1E1E"/>
+                </a:highlight>
+                <a:latin typeface="Consolas" panose="020B0609020204030204" pitchFamily="49" charset="0"/>
+              </a:rPr>
+              <a:t> }</a:t>
+            </a:r>
+            <a:endParaRPr lang="it-IT" sz="800" dirty="0">
+              <a:solidFill>
+                <a:srgbClr val="DCDCDC"/>
+              </a:solidFill>
+              <a:highlight>
+                <a:srgbClr val="1E1E1E"/>
+              </a:highlight>
+              <a:latin typeface="Consolas" panose="020B0609020204030204" pitchFamily="49" charset="0"/>
+            </a:endParaRPr>
+          </a:p>
+          <a:p>
+            <a:r>
+              <a:rPr lang="it-IT" sz="800" dirty="0">
+                <a:solidFill>
+                  <a:srgbClr val="DCDCDC"/>
+                </a:solidFill>
+                <a:highlight>
+                  <a:srgbClr val="1E1E1E"/>
+                </a:highlight>
+                <a:latin typeface="Consolas" panose="020B0609020204030204" pitchFamily="49" charset="0"/>
+              </a:rPr>
+              <a:t> </a:t>
+            </a:r>
+            <a:endParaRPr lang="it-IT" sz="800" dirty="0" smtClean="0">
+              <a:solidFill>
+                <a:srgbClr val="DCDCDC"/>
+              </a:solidFill>
+              <a:highlight>
+                <a:srgbClr val="1E1E1E"/>
+              </a:highlight>
+              <a:latin typeface="Consolas" panose="020B0609020204030204" pitchFamily="49" charset="0"/>
+            </a:endParaRPr>
+          </a:p>
+          <a:p>
+            <a:r>
+              <a:rPr lang="it-IT" sz="800" dirty="0" smtClean="0">
+                <a:solidFill>
+                  <a:srgbClr val="569CD6"/>
+                </a:solidFill>
+                <a:highlight>
+                  <a:srgbClr val="1E1E1E"/>
+                </a:highlight>
+                <a:latin typeface="Consolas" panose="020B0609020204030204" pitchFamily="49" charset="0"/>
+              </a:rPr>
+              <a:t>public</a:t>
+            </a:r>
+            <a:r>
+              <a:rPr lang="it-IT" sz="800" dirty="0" smtClean="0">
+                <a:solidFill>
+                  <a:srgbClr val="DCDCDC"/>
+                </a:solidFill>
+                <a:highlight>
+                  <a:srgbClr val="1E1E1E"/>
+                </a:highlight>
+                <a:latin typeface="Consolas" panose="020B0609020204030204" pitchFamily="49" charset="0"/>
+              </a:rPr>
+              <a:t> </a:t>
+            </a:r>
+            <a:r>
+              <a:rPr lang="it-IT" sz="800" dirty="0" err="1">
+                <a:solidFill>
+                  <a:srgbClr val="569CD6"/>
+                </a:solidFill>
+                <a:highlight>
+                  <a:srgbClr val="1E1E1E"/>
+                </a:highlight>
+                <a:latin typeface="Consolas" panose="020B0609020204030204" pitchFamily="49" charset="0"/>
+              </a:rPr>
+              <a:t>class</a:t>
+            </a:r>
+            <a:r>
+              <a:rPr lang="it-IT" sz="800" dirty="0">
+                <a:solidFill>
+                  <a:srgbClr val="DCDCDC"/>
+                </a:solidFill>
+                <a:highlight>
+                  <a:srgbClr val="1E1E1E"/>
+                </a:highlight>
+                <a:latin typeface="Consolas" panose="020B0609020204030204" pitchFamily="49" charset="0"/>
+              </a:rPr>
+              <a:t> </a:t>
+            </a:r>
+            <a:r>
+              <a:rPr lang="it-IT" sz="800" dirty="0" err="1">
+                <a:solidFill>
+                  <a:srgbClr val="4EC9B0"/>
+                </a:solidFill>
+                <a:highlight>
+                  <a:srgbClr val="1E1E1E"/>
+                </a:highlight>
+                <a:latin typeface="Consolas" panose="020B0609020204030204" pitchFamily="49" charset="0"/>
+              </a:rPr>
+              <a:t>AreaCalculator</a:t>
+            </a:r>
+            <a:r>
+              <a:rPr lang="it-IT" sz="800" dirty="0">
+                <a:solidFill>
+                  <a:srgbClr val="DCDCDC"/>
+                </a:solidFill>
+                <a:highlight>
+                  <a:srgbClr val="1E1E1E"/>
+                </a:highlight>
+                <a:latin typeface="Consolas" panose="020B0609020204030204" pitchFamily="49" charset="0"/>
+              </a:rPr>
+              <a:t> : </a:t>
+            </a:r>
+            <a:r>
+              <a:rPr lang="it-IT" sz="800" dirty="0" err="1">
+                <a:solidFill>
+                  <a:srgbClr val="4EC9B0"/>
+                </a:solidFill>
+                <a:highlight>
+                  <a:srgbClr val="1E1E1E"/>
+                </a:highlight>
+                <a:latin typeface="Consolas" panose="020B0609020204030204" pitchFamily="49" charset="0"/>
+              </a:rPr>
+              <a:t>GenericCalculator</a:t>
+            </a:r>
+            <a:endParaRPr lang="it-IT" sz="800" dirty="0">
+              <a:solidFill>
+                <a:srgbClr val="DCDCDC"/>
+              </a:solidFill>
+              <a:highlight>
+                <a:srgbClr val="1E1E1E"/>
+              </a:highlight>
+              <a:latin typeface="Consolas" panose="020B0609020204030204" pitchFamily="49" charset="0"/>
+            </a:endParaRPr>
+          </a:p>
+          <a:p>
+            <a:r>
+              <a:rPr lang="it-IT" sz="800" dirty="0" smtClean="0">
+                <a:solidFill>
+                  <a:srgbClr val="DCDCDC"/>
+                </a:solidFill>
+                <a:highlight>
+                  <a:srgbClr val="1E1E1E"/>
+                </a:highlight>
+                <a:latin typeface="Consolas" panose="020B0609020204030204" pitchFamily="49" charset="0"/>
+              </a:rPr>
+              <a:t> {</a:t>
+            </a:r>
+            <a:endParaRPr lang="it-IT" sz="800" dirty="0">
+              <a:solidFill>
+                <a:srgbClr val="DCDCDC"/>
+              </a:solidFill>
+              <a:highlight>
+                <a:srgbClr val="1E1E1E"/>
+              </a:highlight>
+              <a:latin typeface="Consolas" panose="020B0609020204030204" pitchFamily="49" charset="0"/>
+            </a:endParaRPr>
+          </a:p>
+          <a:p>
+            <a:r>
+              <a:rPr lang="it-IT" sz="800" dirty="0">
+                <a:solidFill>
+                  <a:srgbClr val="DCDCDC"/>
+                </a:solidFill>
+                <a:highlight>
+                  <a:srgbClr val="1E1E1E"/>
+                </a:highlight>
+                <a:latin typeface="Consolas" panose="020B0609020204030204" pitchFamily="49" charset="0"/>
+              </a:rPr>
+              <a:t>        </a:t>
+            </a:r>
+            <a:r>
+              <a:rPr lang="it-IT" sz="800" dirty="0">
+                <a:solidFill>
+                  <a:srgbClr val="569CD6"/>
+                </a:solidFill>
+                <a:highlight>
+                  <a:srgbClr val="1E1E1E"/>
+                </a:highlight>
+                <a:latin typeface="Consolas" panose="020B0609020204030204" pitchFamily="49" charset="0"/>
+              </a:rPr>
+              <a:t>public</a:t>
+            </a:r>
+            <a:r>
+              <a:rPr lang="it-IT" sz="800" dirty="0">
+                <a:solidFill>
+                  <a:srgbClr val="DCDCDC"/>
+                </a:solidFill>
+                <a:highlight>
+                  <a:srgbClr val="1E1E1E"/>
+                </a:highlight>
+                <a:latin typeface="Consolas" panose="020B0609020204030204" pitchFamily="49" charset="0"/>
+              </a:rPr>
+              <a:t> </a:t>
+            </a:r>
+            <a:r>
+              <a:rPr lang="it-IT" sz="800" dirty="0" err="1">
+                <a:solidFill>
+                  <a:srgbClr val="DCDCDC"/>
+                </a:solidFill>
+                <a:highlight>
+                  <a:srgbClr val="1E1E1E"/>
+                </a:highlight>
+                <a:latin typeface="Consolas" panose="020B0609020204030204" pitchFamily="49" charset="0"/>
+              </a:rPr>
+              <a:t>AreaCalculator</a:t>
+            </a:r>
+            <a:r>
+              <a:rPr lang="it-IT" sz="800" dirty="0">
+                <a:solidFill>
+                  <a:srgbClr val="DCDCDC"/>
+                </a:solidFill>
+                <a:highlight>
+                  <a:srgbClr val="1E1E1E"/>
+                </a:highlight>
+                <a:latin typeface="Consolas" panose="020B0609020204030204" pitchFamily="49" charset="0"/>
+              </a:rPr>
+              <a:t>(</a:t>
+            </a:r>
+            <a:r>
+              <a:rPr lang="it-IT" sz="800" dirty="0" err="1">
+                <a:solidFill>
+                  <a:srgbClr val="B8D7A3"/>
+                </a:solidFill>
+                <a:highlight>
+                  <a:srgbClr val="1E1E1E"/>
+                </a:highlight>
+                <a:latin typeface="Consolas" panose="020B0609020204030204" pitchFamily="49" charset="0"/>
+              </a:rPr>
+              <a:t>IShape</a:t>
+            </a:r>
+            <a:r>
+              <a:rPr lang="it-IT" sz="800" dirty="0">
+                <a:solidFill>
+                  <a:srgbClr val="DCDCDC"/>
+                </a:solidFill>
+                <a:highlight>
+                  <a:srgbClr val="1E1E1E"/>
+                </a:highlight>
+                <a:latin typeface="Consolas" panose="020B0609020204030204" pitchFamily="49" charset="0"/>
+              </a:rPr>
+              <a:t>[] </a:t>
+            </a:r>
+            <a:r>
+              <a:rPr lang="it-IT" sz="800" dirty="0" err="1">
+                <a:solidFill>
+                  <a:srgbClr val="DCDCDC"/>
+                </a:solidFill>
+                <a:highlight>
+                  <a:srgbClr val="1E1E1E"/>
+                </a:highlight>
+                <a:latin typeface="Consolas" panose="020B0609020204030204" pitchFamily="49" charset="0"/>
+              </a:rPr>
+              <a:t>shapes</a:t>
+            </a:r>
+            <a:r>
+              <a:rPr lang="it-IT" sz="800" dirty="0">
+                <a:solidFill>
+                  <a:srgbClr val="DCDCDC"/>
+                </a:solidFill>
+                <a:highlight>
+                  <a:srgbClr val="1E1E1E"/>
+                </a:highlight>
+                <a:latin typeface="Consolas" panose="020B0609020204030204" pitchFamily="49" charset="0"/>
+              </a:rPr>
+              <a:t>)</a:t>
+            </a:r>
+          </a:p>
+          <a:p>
+            <a:r>
+              <a:rPr lang="it-IT" sz="800" dirty="0">
+                <a:solidFill>
+                  <a:srgbClr val="DCDCDC"/>
+                </a:solidFill>
+                <a:highlight>
+                  <a:srgbClr val="1E1E1E"/>
+                </a:highlight>
+                <a:latin typeface="Consolas" panose="020B0609020204030204" pitchFamily="49" charset="0"/>
+              </a:rPr>
+              <a:t>            : </a:t>
+            </a:r>
+            <a:r>
+              <a:rPr lang="it-IT" sz="800" dirty="0">
+                <a:solidFill>
+                  <a:srgbClr val="569CD6"/>
+                </a:solidFill>
+                <a:highlight>
+                  <a:srgbClr val="1E1E1E"/>
+                </a:highlight>
+                <a:latin typeface="Consolas" panose="020B0609020204030204" pitchFamily="49" charset="0"/>
+              </a:rPr>
+              <a:t>base</a:t>
+            </a:r>
+            <a:r>
+              <a:rPr lang="it-IT" sz="800" dirty="0">
+                <a:solidFill>
+                  <a:srgbClr val="DCDCDC"/>
+                </a:solidFill>
+                <a:highlight>
+                  <a:srgbClr val="1E1E1E"/>
+                </a:highlight>
+                <a:latin typeface="Consolas" panose="020B0609020204030204" pitchFamily="49" charset="0"/>
+              </a:rPr>
+              <a:t>(</a:t>
+            </a:r>
+            <a:r>
+              <a:rPr lang="it-IT" sz="800" dirty="0" err="1">
+                <a:solidFill>
+                  <a:srgbClr val="DCDCDC"/>
+                </a:solidFill>
+                <a:highlight>
+                  <a:srgbClr val="1E1E1E"/>
+                </a:highlight>
+                <a:latin typeface="Consolas" panose="020B0609020204030204" pitchFamily="49" charset="0"/>
+              </a:rPr>
+              <a:t>shapes</a:t>
+            </a:r>
+            <a:r>
+              <a:rPr lang="it-IT" sz="800" dirty="0" smtClean="0">
+                <a:solidFill>
+                  <a:srgbClr val="DCDCDC"/>
+                </a:solidFill>
+                <a:highlight>
+                  <a:srgbClr val="1E1E1E"/>
+                </a:highlight>
+                <a:latin typeface="Consolas" panose="020B0609020204030204" pitchFamily="49" charset="0"/>
+              </a:rPr>
+              <a:t>) { }</a:t>
+            </a:r>
+            <a:endParaRPr lang="it-IT" sz="800" dirty="0">
+              <a:solidFill>
+                <a:srgbClr val="DCDCDC"/>
+              </a:solidFill>
+              <a:highlight>
+                <a:srgbClr val="1E1E1E"/>
+              </a:highlight>
+              <a:latin typeface="Consolas" panose="020B0609020204030204" pitchFamily="49" charset="0"/>
+            </a:endParaRPr>
+          </a:p>
+          <a:p>
+            <a:r>
+              <a:rPr lang="it-IT" sz="800" dirty="0">
+                <a:solidFill>
+                  <a:srgbClr val="DCDCDC"/>
+                </a:solidFill>
+                <a:highlight>
+                  <a:srgbClr val="1E1E1E"/>
+                </a:highlight>
+                <a:latin typeface="Consolas" panose="020B0609020204030204" pitchFamily="49" charset="0"/>
+              </a:rPr>
+              <a:t>        </a:t>
+            </a:r>
+            <a:r>
+              <a:rPr lang="it-IT" sz="800" dirty="0">
+                <a:solidFill>
+                  <a:srgbClr val="569CD6"/>
+                </a:solidFill>
+                <a:highlight>
+                  <a:srgbClr val="1E1E1E"/>
+                </a:highlight>
+                <a:latin typeface="Consolas" panose="020B0609020204030204" pitchFamily="49" charset="0"/>
+              </a:rPr>
+              <a:t>public</a:t>
+            </a:r>
+            <a:r>
+              <a:rPr lang="it-IT" sz="800" dirty="0">
+                <a:solidFill>
+                  <a:srgbClr val="DCDCDC"/>
+                </a:solidFill>
+                <a:highlight>
+                  <a:srgbClr val="1E1E1E"/>
+                </a:highlight>
+                <a:latin typeface="Consolas" panose="020B0609020204030204" pitchFamily="49" charset="0"/>
+              </a:rPr>
+              <a:t> </a:t>
+            </a:r>
+            <a:r>
+              <a:rPr lang="it-IT" sz="800" dirty="0" err="1">
+                <a:solidFill>
+                  <a:srgbClr val="569CD6"/>
+                </a:solidFill>
+                <a:highlight>
+                  <a:srgbClr val="1E1E1E"/>
+                </a:highlight>
+                <a:latin typeface="Consolas" panose="020B0609020204030204" pitchFamily="49" charset="0"/>
+              </a:rPr>
+              <a:t>override</a:t>
+            </a:r>
+            <a:r>
+              <a:rPr lang="it-IT" sz="800" dirty="0">
+                <a:solidFill>
+                  <a:srgbClr val="DCDCDC"/>
+                </a:solidFill>
+                <a:highlight>
+                  <a:srgbClr val="1E1E1E"/>
+                </a:highlight>
+                <a:latin typeface="Consolas" panose="020B0609020204030204" pitchFamily="49" charset="0"/>
+              </a:rPr>
+              <a:t> </a:t>
+            </a:r>
+            <a:r>
+              <a:rPr lang="it-IT" sz="800" dirty="0">
+                <a:solidFill>
+                  <a:srgbClr val="569CD6"/>
+                </a:solidFill>
+                <a:highlight>
+                  <a:srgbClr val="1E1E1E"/>
+                </a:highlight>
+                <a:latin typeface="Consolas" panose="020B0609020204030204" pitchFamily="49" charset="0"/>
+              </a:rPr>
+              <a:t>float</a:t>
+            </a:r>
+            <a:r>
+              <a:rPr lang="it-IT" sz="800" dirty="0">
+                <a:solidFill>
+                  <a:srgbClr val="DCDCDC"/>
+                </a:solidFill>
+                <a:highlight>
+                  <a:srgbClr val="1E1E1E"/>
+                </a:highlight>
+                <a:latin typeface="Consolas" panose="020B0609020204030204" pitchFamily="49" charset="0"/>
+              </a:rPr>
+              <a:t> Sum()</a:t>
+            </a:r>
+          </a:p>
+          <a:p>
+            <a:r>
+              <a:rPr lang="it-IT" sz="800" dirty="0">
+                <a:solidFill>
+                  <a:srgbClr val="DCDCDC"/>
+                </a:solidFill>
+                <a:highlight>
+                  <a:srgbClr val="1E1E1E"/>
+                </a:highlight>
+                <a:latin typeface="Consolas" panose="020B0609020204030204" pitchFamily="49" charset="0"/>
+              </a:rPr>
+              <a:t>        {</a:t>
+            </a:r>
+          </a:p>
+          <a:p>
+            <a:r>
+              <a:rPr lang="it-IT" sz="800" dirty="0">
+                <a:solidFill>
+                  <a:srgbClr val="DCDCDC"/>
+                </a:solidFill>
+                <a:highlight>
+                  <a:srgbClr val="1E1E1E"/>
+                </a:highlight>
+                <a:latin typeface="Consolas" panose="020B0609020204030204" pitchFamily="49" charset="0"/>
+              </a:rPr>
+              <a:t>            </a:t>
+            </a:r>
+            <a:r>
+              <a:rPr lang="it-IT" sz="800" dirty="0" err="1">
+                <a:solidFill>
+                  <a:srgbClr val="569CD6"/>
+                </a:solidFill>
+                <a:highlight>
+                  <a:srgbClr val="1E1E1E"/>
+                </a:highlight>
+                <a:latin typeface="Consolas" panose="020B0609020204030204" pitchFamily="49" charset="0"/>
+              </a:rPr>
+              <a:t>return</a:t>
+            </a:r>
+            <a:r>
+              <a:rPr lang="it-IT" sz="800" dirty="0">
+                <a:solidFill>
+                  <a:srgbClr val="DCDCDC"/>
+                </a:solidFill>
+                <a:highlight>
+                  <a:srgbClr val="1E1E1E"/>
+                </a:highlight>
+                <a:latin typeface="Consolas" panose="020B0609020204030204" pitchFamily="49" charset="0"/>
+              </a:rPr>
+              <a:t> </a:t>
+            </a:r>
+            <a:r>
+              <a:rPr lang="it-IT" sz="800" dirty="0" err="1">
+                <a:solidFill>
+                  <a:srgbClr val="DCDCDC"/>
+                </a:solidFill>
+                <a:highlight>
+                  <a:srgbClr val="1E1E1E"/>
+                </a:highlight>
+                <a:latin typeface="Consolas" panose="020B0609020204030204" pitchFamily="49" charset="0"/>
+              </a:rPr>
+              <a:t>shapes</a:t>
+            </a:r>
+            <a:r>
+              <a:rPr lang="it-IT" sz="800" dirty="0" err="1">
+                <a:solidFill>
+                  <a:srgbClr val="B4B4B4"/>
+                </a:solidFill>
+                <a:highlight>
+                  <a:srgbClr val="1E1E1E"/>
+                </a:highlight>
+                <a:latin typeface="Consolas" panose="020B0609020204030204" pitchFamily="49" charset="0"/>
+              </a:rPr>
+              <a:t>.</a:t>
+            </a:r>
+            <a:r>
+              <a:rPr lang="it-IT" sz="800" dirty="0" err="1">
+                <a:solidFill>
+                  <a:srgbClr val="DCDCDC"/>
+                </a:solidFill>
+                <a:highlight>
+                  <a:srgbClr val="1E1E1E"/>
+                </a:highlight>
+                <a:latin typeface="Consolas" panose="020B0609020204030204" pitchFamily="49" charset="0"/>
+              </a:rPr>
+              <a:t>Sum</a:t>
+            </a:r>
+            <a:r>
+              <a:rPr lang="it-IT" sz="800" dirty="0">
+                <a:solidFill>
+                  <a:srgbClr val="DCDCDC"/>
+                </a:solidFill>
+                <a:highlight>
+                  <a:srgbClr val="1E1E1E"/>
+                </a:highlight>
+                <a:latin typeface="Consolas" panose="020B0609020204030204" pitchFamily="49" charset="0"/>
+              </a:rPr>
+              <a:t>(s </a:t>
+            </a:r>
+            <a:r>
+              <a:rPr lang="it-IT" sz="800" dirty="0">
+                <a:solidFill>
+                  <a:srgbClr val="B4B4B4"/>
+                </a:solidFill>
+                <a:highlight>
+                  <a:srgbClr val="1E1E1E"/>
+                </a:highlight>
+                <a:latin typeface="Consolas" panose="020B0609020204030204" pitchFamily="49" charset="0"/>
+              </a:rPr>
+              <a:t>=&gt;</a:t>
+            </a:r>
+            <a:r>
+              <a:rPr lang="it-IT" sz="800" dirty="0">
+                <a:solidFill>
+                  <a:srgbClr val="DCDCDC"/>
+                </a:solidFill>
+                <a:highlight>
+                  <a:srgbClr val="1E1E1E"/>
+                </a:highlight>
+                <a:latin typeface="Consolas" panose="020B0609020204030204" pitchFamily="49" charset="0"/>
+              </a:rPr>
+              <a:t> </a:t>
+            </a:r>
+            <a:r>
+              <a:rPr lang="it-IT" sz="800" dirty="0" err="1">
+                <a:solidFill>
+                  <a:srgbClr val="DCDCDC"/>
+                </a:solidFill>
+                <a:highlight>
+                  <a:srgbClr val="1E1E1E"/>
+                </a:highlight>
+                <a:latin typeface="Consolas" panose="020B0609020204030204" pitchFamily="49" charset="0"/>
+              </a:rPr>
+              <a:t>s</a:t>
+            </a:r>
+            <a:r>
+              <a:rPr lang="it-IT" sz="800" dirty="0" err="1">
+                <a:solidFill>
+                  <a:srgbClr val="B4B4B4"/>
+                </a:solidFill>
+                <a:highlight>
+                  <a:srgbClr val="1E1E1E"/>
+                </a:highlight>
+                <a:latin typeface="Consolas" panose="020B0609020204030204" pitchFamily="49" charset="0"/>
+              </a:rPr>
+              <a:t>.</a:t>
+            </a:r>
+            <a:r>
+              <a:rPr lang="it-IT" sz="800" dirty="0" err="1">
+                <a:solidFill>
+                  <a:srgbClr val="DCDCDC"/>
+                </a:solidFill>
+                <a:highlight>
+                  <a:srgbClr val="1E1E1E"/>
+                </a:highlight>
+                <a:latin typeface="Consolas" panose="020B0609020204030204" pitchFamily="49" charset="0"/>
+              </a:rPr>
+              <a:t>GetArea</a:t>
+            </a:r>
+            <a:r>
+              <a:rPr lang="it-IT" sz="800" dirty="0">
+                <a:solidFill>
+                  <a:srgbClr val="DCDCDC"/>
+                </a:solidFill>
+                <a:highlight>
+                  <a:srgbClr val="1E1E1E"/>
+                </a:highlight>
+                <a:latin typeface="Consolas" panose="020B0609020204030204" pitchFamily="49" charset="0"/>
+              </a:rPr>
+              <a:t>());</a:t>
+            </a:r>
+          </a:p>
+          <a:p>
+            <a:r>
+              <a:rPr lang="it-IT" sz="800" dirty="0">
+                <a:solidFill>
+                  <a:srgbClr val="DCDCDC"/>
+                </a:solidFill>
+                <a:highlight>
+                  <a:srgbClr val="1E1E1E"/>
+                </a:highlight>
+                <a:latin typeface="Consolas" panose="020B0609020204030204" pitchFamily="49" charset="0"/>
+              </a:rPr>
+              <a:t>        }</a:t>
+            </a:r>
+          </a:p>
+          <a:p>
+            <a:r>
+              <a:rPr lang="it-IT" sz="800" dirty="0" smtClean="0">
+                <a:solidFill>
+                  <a:srgbClr val="DCDCDC"/>
+                </a:solidFill>
+                <a:highlight>
+                  <a:srgbClr val="1E1E1E"/>
+                </a:highlight>
+                <a:latin typeface="Consolas" panose="020B0609020204030204" pitchFamily="49" charset="0"/>
+              </a:rPr>
+              <a:t> }</a:t>
+            </a:r>
+            <a:endParaRPr lang="it-IT" sz="800" dirty="0">
+              <a:solidFill>
+                <a:srgbClr val="DCDCDC"/>
+              </a:solidFill>
+              <a:highlight>
+                <a:srgbClr val="1E1E1E"/>
+              </a:highlight>
+              <a:latin typeface="Consolas" panose="020B0609020204030204" pitchFamily="49" charset="0"/>
+            </a:endParaRPr>
+          </a:p>
+          <a:p>
+            <a:r>
+              <a:rPr lang="it-IT" sz="800" dirty="0">
+                <a:solidFill>
+                  <a:srgbClr val="DCDCDC"/>
+                </a:solidFill>
+                <a:highlight>
+                  <a:srgbClr val="1E1E1E"/>
+                </a:highlight>
+                <a:latin typeface="Consolas" panose="020B0609020204030204" pitchFamily="49" charset="0"/>
+              </a:rPr>
+              <a:t> </a:t>
+            </a:r>
+            <a:endParaRPr lang="it-IT" sz="800" dirty="0" smtClean="0">
+              <a:solidFill>
+                <a:srgbClr val="DCDCDC"/>
+              </a:solidFill>
+              <a:highlight>
+                <a:srgbClr val="1E1E1E"/>
+              </a:highlight>
+              <a:latin typeface="Consolas" panose="020B0609020204030204" pitchFamily="49" charset="0"/>
+            </a:endParaRPr>
+          </a:p>
+          <a:p>
+            <a:r>
+              <a:rPr lang="it-IT" sz="800" dirty="0" smtClean="0">
+                <a:solidFill>
+                  <a:srgbClr val="569CD6"/>
+                </a:solidFill>
+                <a:highlight>
+                  <a:srgbClr val="1E1E1E"/>
+                </a:highlight>
+                <a:latin typeface="Consolas" panose="020B0609020204030204" pitchFamily="49" charset="0"/>
+              </a:rPr>
+              <a:t>public</a:t>
+            </a:r>
+            <a:r>
+              <a:rPr lang="it-IT" sz="800" dirty="0" smtClean="0">
+                <a:solidFill>
+                  <a:srgbClr val="DCDCDC"/>
+                </a:solidFill>
+                <a:highlight>
+                  <a:srgbClr val="1E1E1E"/>
+                </a:highlight>
+                <a:latin typeface="Consolas" panose="020B0609020204030204" pitchFamily="49" charset="0"/>
+              </a:rPr>
+              <a:t> </a:t>
+            </a:r>
+            <a:r>
+              <a:rPr lang="it-IT" sz="800" dirty="0" err="1">
+                <a:solidFill>
+                  <a:srgbClr val="569CD6"/>
+                </a:solidFill>
+                <a:highlight>
+                  <a:srgbClr val="1E1E1E"/>
+                </a:highlight>
+                <a:latin typeface="Consolas" panose="020B0609020204030204" pitchFamily="49" charset="0"/>
+              </a:rPr>
+              <a:t>class</a:t>
+            </a:r>
+            <a:r>
+              <a:rPr lang="it-IT" sz="800" dirty="0">
+                <a:solidFill>
+                  <a:srgbClr val="DCDCDC"/>
+                </a:solidFill>
+                <a:highlight>
+                  <a:srgbClr val="1E1E1E"/>
+                </a:highlight>
+                <a:latin typeface="Consolas" panose="020B0609020204030204" pitchFamily="49" charset="0"/>
+              </a:rPr>
+              <a:t> </a:t>
+            </a:r>
+            <a:r>
+              <a:rPr lang="it-IT" sz="800" dirty="0" err="1">
+                <a:solidFill>
+                  <a:srgbClr val="4EC9B0"/>
+                </a:solidFill>
+                <a:highlight>
+                  <a:srgbClr val="1E1E1E"/>
+                </a:highlight>
+                <a:latin typeface="Consolas" panose="020B0609020204030204" pitchFamily="49" charset="0"/>
+              </a:rPr>
+              <a:t>PerimeterCalculator</a:t>
+            </a:r>
+            <a:r>
+              <a:rPr lang="it-IT" sz="800" dirty="0">
+                <a:solidFill>
+                  <a:srgbClr val="DCDCDC"/>
+                </a:solidFill>
+                <a:highlight>
+                  <a:srgbClr val="1E1E1E"/>
+                </a:highlight>
+                <a:latin typeface="Consolas" panose="020B0609020204030204" pitchFamily="49" charset="0"/>
+              </a:rPr>
+              <a:t> : </a:t>
+            </a:r>
+            <a:r>
+              <a:rPr lang="it-IT" sz="800" dirty="0" err="1">
+                <a:solidFill>
+                  <a:srgbClr val="4EC9B0"/>
+                </a:solidFill>
+                <a:highlight>
+                  <a:srgbClr val="1E1E1E"/>
+                </a:highlight>
+                <a:latin typeface="Consolas" panose="020B0609020204030204" pitchFamily="49" charset="0"/>
+              </a:rPr>
+              <a:t>GenericCalculator</a:t>
+            </a:r>
+            <a:endParaRPr lang="it-IT" sz="800" dirty="0">
+              <a:solidFill>
+                <a:srgbClr val="DCDCDC"/>
+              </a:solidFill>
+              <a:highlight>
+                <a:srgbClr val="1E1E1E"/>
+              </a:highlight>
+              <a:latin typeface="Consolas" panose="020B0609020204030204" pitchFamily="49" charset="0"/>
+            </a:endParaRPr>
+          </a:p>
+          <a:p>
+            <a:r>
+              <a:rPr lang="it-IT" sz="800" dirty="0" smtClean="0">
+                <a:solidFill>
+                  <a:srgbClr val="DCDCDC"/>
+                </a:solidFill>
+                <a:highlight>
+                  <a:srgbClr val="1E1E1E"/>
+                </a:highlight>
+                <a:latin typeface="Consolas" panose="020B0609020204030204" pitchFamily="49" charset="0"/>
+              </a:rPr>
+              <a:t>{</a:t>
+            </a:r>
+            <a:endParaRPr lang="it-IT" sz="800" dirty="0">
+              <a:solidFill>
+                <a:srgbClr val="DCDCDC"/>
+              </a:solidFill>
+              <a:highlight>
+                <a:srgbClr val="1E1E1E"/>
+              </a:highlight>
+              <a:latin typeface="Consolas" panose="020B0609020204030204" pitchFamily="49" charset="0"/>
+            </a:endParaRPr>
+          </a:p>
+          <a:p>
+            <a:r>
+              <a:rPr lang="it-IT" sz="800" dirty="0">
+                <a:solidFill>
+                  <a:srgbClr val="DCDCDC"/>
+                </a:solidFill>
+                <a:highlight>
+                  <a:srgbClr val="1E1E1E"/>
+                </a:highlight>
+                <a:latin typeface="Consolas" panose="020B0609020204030204" pitchFamily="49" charset="0"/>
+              </a:rPr>
+              <a:t>        </a:t>
+            </a:r>
+            <a:r>
+              <a:rPr lang="it-IT" sz="800" dirty="0">
+                <a:solidFill>
+                  <a:srgbClr val="569CD6"/>
+                </a:solidFill>
+                <a:highlight>
+                  <a:srgbClr val="1E1E1E"/>
+                </a:highlight>
+                <a:latin typeface="Consolas" panose="020B0609020204030204" pitchFamily="49" charset="0"/>
+              </a:rPr>
+              <a:t>public</a:t>
+            </a:r>
+            <a:r>
+              <a:rPr lang="it-IT" sz="800" dirty="0">
+                <a:solidFill>
+                  <a:srgbClr val="DCDCDC"/>
+                </a:solidFill>
+                <a:highlight>
+                  <a:srgbClr val="1E1E1E"/>
+                </a:highlight>
+                <a:latin typeface="Consolas" panose="020B0609020204030204" pitchFamily="49" charset="0"/>
+              </a:rPr>
+              <a:t> </a:t>
+            </a:r>
+            <a:r>
+              <a:rPr lang="it-IT" sz="800" dirty="0" err="1">
+                <a:solidFill>
+                  <a:srgbClr val="DCDCDC"/>
+                </a:solidFill>
+                <a:highlight>
+                  <a:srgbClr val="1E1E1E"/>
+                </a:highlight>
+                <a:latin typeface="Consolas" panose="020B0609020204030204" pitchFamily="49" charset="0"/>
+              </a:rPr>
+              <a:t>PerimeterCalculator</a:t>
+            </a:r>
+            <a:r>
+              <a:rPr lang="it-IT" sz="800" dirty="0">
+                <a:solidFill>
+                  <a:srgbClr val="DCDCDC"/>
+                </a:solidFill>
+                <a:highlight>
+                  <a:srgbClr val="1E1E1E"/>
+                </a:highlight>
+                <a:latin typeface="Consolas" panose="020B0609020204030204" pitchFamily="49" charset="0"/>
+              </a:rPr>
+              <a:t>(</a:t>
+            </a:r>
+            <a:r>
+              <a:rPr lang="it-IT" sz="800" dirty="0" err="1">
+                <a:solidFill>
+                  <a:srgbClr val="B8D7A3"/>
+                </a:solidFill>
+                <a:highlight>
+                  <a:srgbClr val="1E1E1E"/>
+                </a:highlight>
+                <a:latin typeface="Consolas" panose="020B0609020204030204" pitchFamily="49" charset="0"/>
+              </a:rPr>
+              <a:t>IShape</a:t>
+            </a:r>
+            <a:r>
+              <a:rPr lang="it-IT" sz="800" dirty="0">
+                <a:solidFill>
+                  <a:srgbClr val="DCDCDC"/>
+                </a:solidFill>
+                <a:highlight>
+                  <a:srgbClr val="1E1E1E"/>
+                </a:highlight>
+                <a:latin typeface="Consolas" panose="020B0609020204030204" pitchFamily="49" charset="0"/>
+              </a:rPr>
+              <a:t>[] </a:t>
+            </a:r>
+            <a:r>
+              <a:rPr lang="it-IT" sz="800" dirty="0" err="1">
+                <a:solidFill>
+                  <a:srgbClr val="DCDCDC"/>
+                </a:solidFill>
+                <a:highlight>
+                  <a:srgbClr val="1E1E1E"/>
+                </a:highlight>
+                <a:latin typeface="Consolas" panose="020B0609020204030204" pitchFamily="49" charset="0"/>
+              </a:rPr>
+              <a:t>shapes</a:t>
+            </a:r>
+            <a:r>
+              <a:rPr lang="it-IT" sz="800" dirty="0">
+                <a:solidFill>
+                  <a:srgbClr val="DCDCDC"/>
+                </a:solidFill>
+                <a:highlight>
+                  <a:srgbClr val="1E1E1E"/>
+                </a:highlight>
+                <a:latin typeface="Consolas" panose="020B0609020204030204" pitchFamily="49" charset="0"/>
+              </a:rPr>
+              <a:t>)</a:t>
+            </a:r>
+          </a:p>
+          <a:p>
+            <a:r>
+              <a:rPr lang="it-IT" sz="800" dirty="0">
+                <a:solidFill>
+                  <a:srgbClr val="DCDCDC"/>
+                </a:solidFill>
+                <a:highlight>
+                  <a:srgbClr val="1E1E1E"/>
+                </a:highlight>
+                <a:latin typeface="Consolas" panose="020B0609020204030204" pitchFamily="49" charset="0"/>
+              </a:rPr>
+              <a:t> </a:t>
+            </a:r>
+            <a:r>
+              <a:rPr lang="it-IT" sz="800" dirty="0" smtClean="0">
+                <a:solidFill>
+                  <a:srgbClr val="DCDCDC"/>
+                </a:solidFill>
+                <a:highlight>
+                  <a:srgbClr val="1E1E1E"/>
+                </a:highlight>
+                <a:latin typeface="Consolas" panose="020B0609020204030204" pitchFamily="49" charset="0"/>
+              </a:rPr>
+              <a:t>		: </a:t>
+            </a:r>
+            <a:r>
+              <a:rPr lang="it-IT" sz="800" dirty="0">
+                <a:solidFill>
+                  <a:srgbClr val="569CD6"/>
+                </a:solidFill>
+                <a:highlight>
+                  <a:srgbClr val="1E1E1E"/>
+                </a:highlight>
+                <a:latin typeface="Consolas" panose="020B0609020204030204" pitchFamily="49" charset="0"/>
+              </a:rPr>
+              <a:t>base</a:t>
+            </a:r>
+            <a:r>
+              <a:rPr lang="it-IT" sz="800" dirty="0">
+                <a:solidFill>
+                  <a:srgbClr val="DCDCDC"/>
+                </a:solidFill>
+                <a:highlight>
+                  <a:srgbClr val="1E1E1E"/>
+                </a:highlight>
+                <a:latin typeface="Consolas" panose="020B0609020204030204" pitchFamily="49" charset="0"/>
+              </a:rPr>
+              <a:t>(</a:t>
+            </a:r>
+            <a:r>
+              <a:rPr lang="it-IT" sz="800" dirty="0" err="1">
+                <a:solidFill>
+                  <a:srgbClr val="DCDCDC"/>
+                </a:solidFill>
+                <a:highlight>
+                  <a:srgbClr val="1E1E1E"/>
+                </a:highlight>
+                <a:latin typeface="Consolas" panose="020B0609020204030204" pitchFamily="49" charset="0"/>
+              </a:rPr>
+              <a:t>shapes</a:t>
+            </a:r>
+            <a:r>
+              <a:rPr lang="it-IT" sz="800" dirty="0">
+                <a:solidFill>
+                  <a:srgbClr val="DCDCDC"/>
+                </a:solidFill>
+                <a:highlight>
+                  <a:srgbClr val="1E1E1E"/>
+                </a:highlight>
+                <a:latin typeface="Consolas" panose="020B0609020204030204" pitchFamily="49" charset="0"/>
+              </a:rPr>
+              <a:t>) { </a:t>
+            </a:r>
+            <a:r>
+              <a:rPr lang="it-IT" sz="800" dirty="0" smtClean="0">
+                <a:solidFill>
+                  <a:srgbClr val="DCDCDC"/>
+                </a:solidFill>
+                <a:highlight>
+                  <a:srgbClr val="1E1E1E"/>
+                </a:highlight>
+                <a:latin typeface="Consolas" panose="020B0609020204030204" pitchFamily="49" charset="0"/>
+              </a:rPr>
+              <a:t>}</a:t>
+            </a:r>
+          </a:p>
+          <a:p>
+            <a:r>
+              <a:rPr lang="it-IT" sz="800" dirty="0" smtClean="0">
+                <a:solidFill>
+                  <a:srgbClr val="DCDCDC"/>
+                </a:solidFill>
+                <a:highlight>
+                  <a:srgbClr val="1E1E1E"/>
+                </a:highlight>
+                <a:latin typeface="Consolas" panose="020B0609020204030204" pitchFamily="49" charset="0"/>
+              </a:rPr>
+              <a:t>        </a:t>
+            </a:r>
+            <a:r>
+              <a:rPr lang="it-IT" sz="800" dirty="0">
+                <a:solidFill>
+                  <a:srgbClr val="569CD6"/>
+                </a:solidFill>
+                <a:highlight>
+                  <a:srgbClr val="1E1E1E"/>
+                </a:highlight>
+                <a:latin typeface="Consolas" panose="020B0609020204030204" pitchFamily="49" charset="0"/>
+              </a:rPr>
+              <a:t>public</a:t>
+            </a:r>
+            <a:r>
+              <a:rPr lang="it-IT" sz="800" dirty="0">
+                <a:solidFill>
+                  <a:srgbClr val="DCDCDC"/>
+                </a:solidFill>
+                <a:highlight>
+                  <a:srgbClr val="1E1E1E"/>
+                </a:highlight>
+                <a:latin typeface="Consolas" panose="020B0609020204030204" pitchFamily="49" charset="0"/>
+              </a:rPr>
+              <a:t> </a:t>
+            </a:r>
+            <a:r>
+              <a:rPr lang="it-IT" sz="800" dirty="0" err="1">
+                <a:solidFill>
+                  <a:srgbClr val="569CD6"/>
+                </a:solidFill>
+                <a:highlight>
+                  <a:srgbClr val="1E1E1E"/>
+                </a:highlight>
+                <a:latin typeface="Consolas" panose="020B0609020204030204" pitchFamily="49" charset="0"/>
+              </a:rPr>
+              <a:t>override</a:t>
+            </a:r>
+            <a:r>
+              <a:rPr lang="it-IT" sz="800" dirty="0">
+                <a:solidFill>
+                  <a:srgbClr val="DCDCDC"/>
+                </a:solidFill>
+                <a:highlight>
+                  <a:srgbClr val="1E1E1E"/>
+                </a:highlight>
+                <a:latin typeface="Consolas" panose="020B0609020204030204" pitchFamily="49" charset="0"/>
+              </a:rPr>
+              <a:t> </a:t>
+            </a:r>
+            <a:r>
+              <a:rPr lang="it-IT" sz="800" dirty="0">
+                <a:solidFill>
+                  <a:srgbClr val="569CD6"/>
+                </a:solidFill>
+                <a:highlight>
+                  <a:srgbClr val="1E1E1E"/>
+                </a:highlight>
+                <a:latin typeface="Consolas" panose="020B0609020204030204" pitchFamily="49" charset="0"/>
+              </a:rPr>
+              <a:t>float</a:t>
+            </a:r>
+            <a:r>
+              <a:rPr lang="it-IT" sz="800" dirty="0">
+                <a:solidFill>
+                  <a:srgbClr val="DCDCDC"/>
+                </a:solidFill>
+                <a:highlight>
+                  <a:srgbClr val="1E1E1E"/>
+                </a:highlight>
+                <a:latin typeface="Consolas" panose="020B0609020204030204" pitchFamily="49" charset="0"/>
+              </a:rPr>
+              <a:t> Sum()</a:t>
+            </a:r>
+          </a:p>
+          <a:p>
+            <a:r>
+              <a:rPr lang="it-IT" sz="800" dirty="0">
+                <a:solidFill>
+                  <a:srgbClr val="DCDCDC"/>
+                </a:solidFill>
+                <a:highlight>
+                  <a:srgbClr val="1E1E1E"/>
+                </a:highlight>
+                <a:latin typeface="Consolas" panose="020B0609020204030204" pitchFamily="49" charset="0"/>
+              </a:rPr>
+              <a:t>        {</a:t>
+            </a:r>
+          </a:p>
+          <a:p>
+            <a:r>
+              <a:rPr lang="it-IT" sz="800" dirty="0">
+                <a:solidFill>
+                  <a:srgbClr val="DCDCDC"/>
+                </a:solidFill>
+                <a:highlight>
+                  <a:srgbClr val="1E1E1E"/>
+                </a:highlight>
+                <a:latin typeface="Consolas" panose="020B0609020204030204" pitchFamily="49" charset="0"/>
+              </a:rPr>
+              <a:t>            </a:t>
+            </a:r>
+            <a:r>
+              <a:rPr lang="it-IT" sz="800" dirty="0" err="1">
+                <a:solidFill>
+                  <a:srgbClr val="569CD6"/>
+                </a:solidFill>
+                <a:highlight>
+                  <a:srgbClr val="1E1E1E"/>
+                </a:highlight>
+                <a:latin typeface="Consolas" panose="020B0609020204030204" pitchFamily="49" charset="0"/>
+              </a:rPr>
+              <a:t>return</a:t>
+            </a:r>
+            <a:r>
+              <a:rPr lang="it-IT" sz="800" dirty="0">
+                <a:solidFill>
+                  <a:srgbClr val="DCDCDC"/>
+                </a:solidFill>
+                <a:highlight>
+                  <a:srgbClr val="1E1E1E"/>
+                </a:highlight>
+                <a:latin typeface="Consolas" panose="020B0609020204030204" pitchFamily="49" charset="0"/>
+              </a:rPr>
+              <a:t> </a:t>
+            </a:r>
+            <a:r>
+              <a:rPr lang="it-IT" sz="800" dirty="0" err="1">
+                <a:solidFill>
+                  <a:srgbClr val="DCDCDC"/>
+                </a:solidFill>
+                <a:highlight>
+                  <a:srgbClr val="1E1E1E"/>
+                </a:highlight>
+                <a:latin typeface="Consolas" panose="020B0609020204030204" pitchFamily="49" charset="0"/>
+              </a:rPr>
+              <a:t>shapes</a:t>
+            </a:r>
+            <a:r>
+              <a:rPr lang="it-IT" sz="800" dirty="0" err="1">
+                <a:solidFill>
+                  <a:srgbClr val="B4B4B4"/>
+                </a:solidFill>
+                <a:highlight>
+                  <a:srgbClr val="1E1E1E"/>
+                </a:highlight>
+                <a:latin typeface="Consolas" panose="020B0609020204030204" pitchFamily="49" charset="0"/>
+              </a:rPr>
+              <a:t>.</a:t>
+            </a:r>
+            <a:r>
+              <a:rPr lang="it-IT" sz="800" dirty="0" err="1">
+                <a:solidFill>
+                  <a:srgbClr val="DCDCDC"/>
+                </a:solidFill>
+                <a:highlight>
+                  <a:srgbClr val="1E1E1E"/>
+                </a:highlight>
+                <a:latin typeface="Consolas" panose="020B0609020204030204" pitchFamily="49" charset="0"/>
+              </a:rPr>
+              <a:t>Sum</a:t>
+            </a:r>
+            <a:r>
+              <a:rPr lang="it-IT" sz="800" dirty="0">
+                <a:solidFill>
+                  <a:srgbClr val="DCDCDC"/>
+                </a:solidFill>
+                <a:highlight>
+                  <a:srgbClr val="1E1E1E"/>
+                </a:highlight>
+                <a:latin typeface="Consolas" panose="020B0609020204030204" pitchFamily="49" charset="0"/>
+              </a:rPr>
+              <a:t>(s </a:t>
+            </a:r>
+            <a:r>
+              <a:rPr lang="it-IT" sz="800" dirty="0">
+                <a:solidFill>
+                  <a:srgbClr val="B4B4B4"/>
+                </a:solidFill>
+                <a:highlight>
+                  <a:srgbClr val="1E1E1E"/>
+                </a:highlight>
+                <a:latin typeface="Consolas" panose="020B0609020204030204" pitchFamily="49" charset="0"/>
+              </a:rPr>
+              <a:t>=&gt;</a:t>
+            </a:r>
+            <a:r>
+              <a:rPr lang="it-IT" sz="800" dirty="0">
+                <a:solidFill>
+                  <a:srgbClr val="DCDCDC"/>
+                </a:solidFill>
+                <a:highlight>
+                  <a:srgbClr val="1E1E1E"/>
+                </a:highlight>
+                <a:latin typeface="Consolas" panose="020B0609020204030204" pitchFamily="49" charset="0"/>
+              </a:rPr>
+              <a:t> </a:t>
+            </a:r>
+            <a:r>
+              <a:rPr lang="it-IT" sz="800" dirty="0" err="1">
+                <a:solidFill>
+                  <a:srgbClr val="DCDCDC"/>
+                </a:solidFill>
+                <a:highlight>
+                  <a:srgbClr val="1E1E1E"/>
+                </a:highlight>
+                <a:latin typeface="Consolas" panose="020B0609020204030204" pitchFamily="49" charset="0"/>
+              </a:rPr>
+              <a:t>s</a:t>
+            </a:r>
+            <a:r>
+              <a:rPr lang="it-IT" sz="800" dirty="0" err="1">
+                <a:solidFill>
+                  <a:srgbClr val="B4B4B4"/>
+                </a:solidFill>
+                <a:highlight>
+                  <a:srgbClr val="1E1E1E"/>
+                </a:highlight>
+                <a:latin typeface="Consolas" panose="020B0609020204030204" pitchFamily="49" charset="0"/>
+              </a:rPr>
+              <a:t>.</a:t>
+            </a:r>
+            <a:r>
+              <a:rPr lang="it-IT" sz="800" dirty="0" err="1">
+                <a:solidFill>
+                  <a:srgbClr val="DCDCDC"/>
+                </a:solidFill>
+                <a:highlight>
+                  <a:srgbClr val="1E1E1E"/>
+                </a:highlight>
+                <a:latin typeface="Consolas" panose="020B0609020204030204" pitchFamily="49" charset="0"/>
+              </a:rPr>
+              <a:t>GetPerimeter</a:t>
+            </a:r>
+            <a:r>
+              <a:rPr lang="it-IT" sz="800" dirty="0">
+                <a:solidFill>
+                  <a:srgbClr val="DCDCDC"/>
+                </a:solidFill>
+                <a:highlight>
+                  <a:srgbClr val="1E1E1E"/>
+                </a:highlight>
+                <a:latin typeface="Consolas" panose="020B0609020204030204" pitchFamily="49" charset="0"/>
+              </a:rPr>
+              <a:t>());</a:t>
+            </a:r>
+          </a:p>
+          <a:p>
+            <a:r>
+              <a:rPr lang="it-IT" sz="800" dirty="0">
+                <a:solidFill>
+                  <a:srgbClr val="DCDCDC"/>
+                </a:solidFill>
+                <a:highlight>
+                  <a:srgbClr val="1E1E1E"/>
+                </a:highlight>
+                <a:latin typeface="Consolas" panose="020B0609020204030204" pitchFamily="49" charset="0"/>
+              </a:rPr>
+              <a:t>        }</a:t>
+            </a:r>
+          </a:p>
+          <a:p>
+            <a:r>
+              <a:rPr lang="it-IT" sz="800" dirty="0" smtClean="0">
+                <a:solidFill>
+                  <a:srgbClr val="DCDCDC"/>
+                </a:solidFill>
+                <a:highlight>
+                  <a:srgbClr val="1E1E1E"/>
+                </a:highlight>
+                <a:latin typeface="Consolas" panose="020B0609020204030204" pitchFamily="49" charset="0"/>
+              </a:rPr>
+              <a:t>}</a:t>
+            </a:r>
+          </a:p>
+        </p:txBody>
+      </p:sp>
+    </p:spTree>
+    <p:extLst>
+      <p:ext uri="{BB962C8B-B14F-4D97-AF65-F5344CB8AC3E}">
+        <p14:creationId xmlns:p14="http://schemas.microsoft.com/office/powerpoint/2010/main" val="3054674583"/>
       </p:ext>
     </p:extLst>
   </p:cSld>

--- a/docs/solid.pptx
+++ b/docs/solid.pptx
@@ -159,11 +159,7 @@
 <file path=ppt/commentAuthors.xml><?xml version="1.0" encoding="utf-8"?>
 <p:cmAuthorLst xmlns:a="http://schemas.openxmlformats.org/drawingml/2006/main" xmlns:r="http://schemas.openxmlformats.org/officeDocument/2006/relationships" xmlns:p="http://schemas.openxmlformats.org/presentationml/2006/main">
   <p:cmAuthor id="1" name="Riccobene Gaspare" initials="RG" lastIdx="3" clrIdx="0">
-    <p:extLst>
-      <p:ext uri="{19B8F6BF-5375-455C-9EA6-DF929625EA0E}">
-        <p15:presenceInfo xmlns:p15="http://schemas.microsoft.com/office/powerpoint/2012/main" userId="S-1-5-21-810877287-82779185-4547331-24211" providerId="AD"/>
-      </p:ext>
-    </p:extLst>
+    <p:extLst/>
   </p:cmAuthor>
 </p:cmAuthorLst>
 </file>
@@ -250,7 +246,7 @@
           <a:p>
             <a:fld id="{511C7247-C3DA-4B1B-BCAA-E9308B4A9CD3}" type="datetimeFigureOut">
               <a:rPr lang="en-GB" smtClean="0"/>
-              <a:t>23/06/2016</a:t>
+              <a:t>10/01/2018</a:t>
             </a:fld>
             <a:endParaRPr lang="en-GB"/>
           </a:p>
@@ -566,72 +562,7 @@
               <a:buFontTx/>
               <a:buChar char="-"/>
             </a:pPr>
-            <a:r>
-              <a:rPr lang="it-IT" dirty="0" smtClean="0"/>
-              <a:t>Grazie a tutti per la vostra presenza</a:t>
-            </a:r>
-          </a:p>
-          <a:p>
-            <a:pPr marL="171450" indent="-171450">
-              <a:buFontTx/>
-              <a:buChar char="-"/>
-            </a:pPr>
-            <a:r>
-              <a:rPr lang="it-IT" dirty="0" smtClean="0"/>
-              <a:t>Una</a:t>
-            </a:r>
-            <a:r>
-              <a:rPr lang="it-IT" baseline="0" dirty="0" smtClean="0"/>
-              <a:t> delle cose che mi sono sempre piaciute da quando lavoro in </a:t>
-            </a:r>
-            <a:r>
-              <a:rPr lang="it-IT" baseline="0" dirty="0" err="1" smtClean="0"/>
-              <a:t>yoox</a:t>
-            </a:r>
             <a:endParaRPr lang="it-IT" baseline="0" dirty="0" smtClean="0"/>
-          </a:p>
-          <a:p>
-            <a:pPr marL="171450" indent="-171450">
-              <a:buFontTx/>
-              <a:buChar char="-"/>
-            </a:pPr>
-            <a:r>
-              <a:rPr lang="it-IT" baseline="0" dirty="0" smtClean="0"/>
-              <a:t>Inizialmente li ho solo frequentati e poi ho iniziato a dare il mio contributo</a:t>
-            </a:r>
-            <a:endParaRPr lang="it-IT" dirty="0" smtClean="0"/>
-          </a:p>
-          <a:p>
-            <a:pPr marL="171450" indent="-171450">
-              <a:buFontTx/>
-              <a:buChar char="-"/>
-            </a:pPr>
-            <a:r>
-              <a:rPr lang="it-IT" dirty="0" smtClean="0"/>
-              <a:t>I</a:t>
-            </a:r>
-            <a:r>
-              <a:rPr lang="it-IT" baseline="0" dirty="0" smtClean="0"/>
-              <a:t> </a:t>
-            </a:r>
-            <a:r>
-              <a:rPr lang="it-IT" baseline="0" dirty="0" err="1" smtClean="0"/>
-              <a:t>LnL</a:t>
-            </a:r>
-            <a:r>
-              <a:rPr lang="it-IT" baseline="0" dirty="0" smtClean="0"/>
-              <a:t> servono per condividere esperienza che possono essere utili a tutti</a:t>
-            </a:r>
-          </a:p>
-          <a:p>
-            <a:pPr marL="171450" indent="-171450">
-              <a:buFontTx/>
-              <a:buChar char="-"/>
-            </a:pPr>
-            <a:r>
-              <a:rPr lang="it-IT" baseline="0" dirty="0" smtClean="0"/>
-              <a:t>Vi sprono a farne anche voi su argomenti che vi avete studiato e che ritenete interessanti</a:t>
-            </a:r>
           </a:p>
         </p:txBody>
       </p:sp>
@@ -2467,54 +2398,6 @@
               <a:buFontTx/>
               <a:buChar char="-"/>
             </a:pPr>
-            <a:r>
-              <a:rPr lang="it-IT" dirty="0" smtClean="0"/>
-              <a:t>OOD</a:t>
-            </a:r>
-            <a:r>
-              <a:rPr lang="it-IT" baseline="0" dirty="0" smtClean="0"/>
-              <a:t> noi siamo dei progettisti</a:t>
-            </a:r>
-          </a:p>
-          <a:p>
-            <a:pPr marL="171450" indent="-171450">
-              <a:buFontTx/>
-              <a:buChar char="-"/>
-            </a:pPr>
-            <a:r>
-              <a:rPr lang="it-IT" baseline="0" dirty="0" smtClean="0"/>
-              <a:t>Ci dobbiamo sforzare a trovare le soluzioni migliori o da soli o con l’aiuto dei colleghi</a:t>
-            </a:r>
-          </a:p>
-          <a:p>
-            <a:pPr marL="171450" indent="-171450">
-              <a:buFontTx/>
-              <a:buChar char="-"/>
-            </a:pPr>
-            <a:r>
-              <a:rPr lang="it-IT" baseline="0" dirty="0" smtClean="0"/>
-              <a:t>Non ci dobbiamo limitare a fare il compitino</a:t>
-            </a:r>
-          </a:p>
-          <a:p>
-            <a:pPr marL="171450" indent="-171450">
-              <a:buFontTx/>
-              <a:buChar char="-"/>
-            </a:pPr>
-            <a:r>
-              <a:rPr lang="it-IT" baseline="0" dirty="0" smtClean="0"/>
-              <a:t>E’ una questione di mentalità</a:t>
-            </a:r>
-          </a:p>
-          <a:p>
-            <a:pPr marL="171450" indent="-171450">
-              <a:buFontTx/>
-              <a:buChar char="-"/>
-            </a:pPr>
-            <a:r>
-              <a:rPr lang="it-IT" baseline="0" dirty="0" smtClean="0"/>
-              <a:t>Se facciamo un buon lavoro questo si riflette su il prodotto e l’azienda</a:t>
-            </a:r>
             <a:endParaRPr lang="it-IT" dirty="0"/>
           </a:p>
         </p:txBody>
@@ -2603,25 +2486,7 @@
               <a:buFontTx/>
               <a:buChar char="-"/>
             </a:pPr>
-            <a:r>
-              <a:rPr lang="it-IT" dirty="0" smtClean="0"/>
-              <a:t>SOLID</a:t>
-            </a:r>
-            <a:r>
-              <a:rPr lang="it-IT" baseline="0" dirty="0" smtClean="0"/>
-              <a:t> per evitare di scrivere codice come questo</a:t>
-            </a:r>
-            <a:endParaRPr lang="it-IT" baseline="0" dirty="0"/>
-          </a:p>
-          <a:p>
-            <a:pPr marL="171450" indent="-171450">
-              <a:buFontTx/>
-              <a:buChar char="-"/>
-            </a:pPr>
-            <a:r>
-              <a:rPr lang="it-IT" baseline="0" dirty="0" smtClean="0"/>
-              <a:t>Nulla di personale, ma credo si possa e si debba fare di meglio</a:t>
-            </a:r>
+            <a:endParaRPr lang="it-IT" baseline="0" dirty="0" smtClean="0"/>
           </a:p>
         </p:txBody>
       </p:sp>
@@ -5528,7 +5393,7 @@
         <p:spPr>
           <a:xfrm>
             <a:off x="388620" y="4937760"/>
-            <a:ext cx="7383780" cy="646331"/>
+            <a:ext cx="7383780" cy="1569660"/>
           </a:xfrm>
           <a:prstGeom prst="rect">
             <a:avLst/>
@@ -5545,7 +5410,41 @@
               <a:rPr lang="en-US" sz="3600" b="1" dirty="0" err="1" smtClean="0">
                 <a:latin typeface="Chronicle Display Light" pitchFamily="50" charset="0"/>
               </a:rPr>
-              <a:t>LnL</a:t>
+              <a:t>WeShare</a:t>
+            </a:r>
+            <a:endParaRPr lang="en-US" sz="3600" b="1" dirty="0" smtClean="0">
+              <a:latin typeface="Chronicle Display Light" pitchFamily="50" charset="0"/>
+            </a:endParaRPr>
+          </a:p>
+          <a:p>
+            <a:endParaRPr lang="en-US" sz="3600" b="1" i="1" dirty="0">
+              <a:latin typeface="Chronicle Display Light" pitchFamily="50" charset="0"/>
+            </a:endParaRPr>
+          </a:p>
+          <a:p>
+            <a:r>
+              <a:rPr lang="en-US" sz="2400" i="1" dirty="0">
+                <a:latin typeface="Chronicle Display Light" pitchFamily="50" charset="0"/>
+              </a:rPr>
+              <a:t>https://</a:t>
+            </a:r>
+            <a:r>
+              <a:rPr lang="en-US" sz="2400" i="1" dirty="0" err="1" smtClean="0">
+                <a:latin typeface="Chronicle Display Light" pitchFamily="50" charset="0"/>
+              </a:rPr>
+              <a:t>github.com</a:t>
+            </a:r>
+            <a:r>
+              <a:rPr lang="en-US" sz="2400" i="1" dirty="0" smtClean="0">
+                <a:latin typeface="Chronicle Display Light" pitchFamily="50" charset="0"/>
+              </a:rPr>
+              <a:t>/</a:t>
+            </a:r>
+            <a:r>
+              <a:rPr lang="en-US" sz="2400" i="1" dirty="0" err="1" smtClean="0">
+                <a:latin typeface="Chronicle Display Light" pitchFamily="50" charset="0"/>
+              </a:rPr>
+              <a:t>franco-melandri</a:t>
             </a:r>
             <a:endParaRPr lang="en-US" sz="2400" i="1" dirty="0">
               <a:latin typeface="Chronicle Display Light" pitchFamily="50" charset="0"/>
@@ -12346,29 +12245,8 @@
                 </a:highlight>
                 <a:latin typeface="Consolas" panose="020B0609020204030204" pitchFamily="49" charset="0"/>
               </a:rPr>
-              <a:t> </a:t>
-            </a:r>
-            <a:r>
-              <a:rPr lang="it-IT" sz="800" dirty="0" smtClean="0">
-                <a:solidFill>
-                  <a:srgbClr val="DCDCDC"/>
-                </a:solidFill>
-                <a:highlight>
-                  <a:srgbClr val="1E1E1E"/>
-                </a:highlight>
-                <a:latin typeface="Consolas" panose="020B0609020204030204" pitchFamily="49" charset="0"/>
-              </a:rPr>
-              <a:t>}</a:t>
-            </a:r>
-            <a:endParaRPr lang="it-IT" sz="800" dirty="0" smtClean="0">
-              <a:solidFill>
-                <a:srgbClr val="DCDCDC"/>
-              </a:solidFill>
-              <a:highlight>
-                <a:srgbClr val="1E1E1E"/>
-              </a:highlight>
-              <a:latin typeface="Consolas" panose="020B0609020204030204" pitchFamily="49" charset="0"/>
-            </a:endParaRPr>
+              <a:t> }</a:t>
+            </a:r>
           </a:p>
         </p:txBody>
       </p:sp>
@@ -12560,19 +12438,7 @@
                 </a:highlight>
                 <a:latin typeface="Consolas" panose="020B0609020204030204" pitchFamily="49" charset="0"/>
               </a:rPr>
-              <a:t> </a:t>
-            </a:r>
-            <a:r>
-              <a:rPr lang="it-IT" sz="800" dirty="0" smtClean="0">
-                <a:solidFill>
-                  <a:srgbClr val="569CD6"/>
-                </a:solidFill>
-                <a:highlight>
-                  <a:srgbClr val="1E1E1E"/>
-                </a:highlight>
-                <a:latin typeface="Consolas" panose="020B0609020204030204" pitchFamily="49" charset="0"/>
-              </a:rPr>
-              <a:t>float</a:t>
+              <a:t> float</a:t>
             </a:r>
             <a:r>
               <a:rPr lang="it-IT" sz="800" dirty="0" smtClean="0">
@@ -12800,6 +12666,32 @@
               </a:rPr>
               <a:t> </a:t>
             </a:r>
+          </a:p>
+          <a:p>
+            <a:r>
+              <a:rPr lang="it-IT" sz="800" dirty="0">
+                <a:solidFill>
+                  <a:srgbClr val="DCDCDC"/>
+                </a:solidFill>
+                <a:highlight>
+                  <a:srgbClr val="1E1E1E"/>
+                </a:highlight>
+                <a:latin typeface="Consolas" panose="020B0609020204030204" pitchFamily="49" charset="0"/>
+              </a:rPr>
+              <a:t> </a:t>
+            </a:r>
+            <a:r>
+              <a:rPr lang="it-IT" sz="800" dirty="0" smtClean="0">
+                <a:solidFill>
+                  <a:srgbClr val="DCDCDC"/>
+                </a:solidFill>
+                <a:highlight>
+                  <a:srgbClr val="1E1E1E"/>
+                </a:highlight>
+                <a:latin typeface="Consolas" panose="020B0609020204030204" pitchFamily="49" charset="0"/>
+              </a:rPr>
+              <a:t>{</a:t>
+            </a:r>
             <a:endParaRPr lang="it-IT" sz="800" dirty="0">
               <a:solidFill>
                 <a:srgbClr val="DCDCDC"/>
@@ -12821,7 +12713,91 @@
                 </a:highlight>
                 <a:latin typeface="Consolas" panose="020B0609020204030204" pitchFamily="49" charset="0"/>
               </a:rPr>
-              <a:t> </a:t>
+              <a:t>        </a:t>
+            </a:r>
+            <a:r>
+              <a:rPr lang="it-IT" sz="800" dirty="0">
+                <a:solidFill>
+                  <a:srgbClr val="569CD6"/>
+                </a:solidFill>
+                <a:highlight>
+                  <a:srgbClr val="1E1E1E"/>
+                </a:highlight>
+                <a:latin typeface="Consolas" panose="020B0609020204030204" pitchFamily="49" charset="0"/>
+              </a:rPr>
+              <a:t>private</a:t>
+            </a:r>
+            <a:r>
+              <a:rPr lang="it-IT" sz="800" dirty="0">
+                <a:solidFill>
+                  <a:srgbClr val="DCDCDC"/>
+                </a:solidFill>
+                <a:highlight>
+                  <a:srgbClr val="1E1E1E"/>
+                </a:highlight>
+                <a:latin typeface="Consolas" panose="020B0609020204030204" pitchFamily="49" charset="0"/>
+              </a:rPr>
+              <a:t> </a:t>
+            </a:r>
+            <a:r>
+              <a:rPr lang="it-IT" sz="800" dirty="0" err="1">
+                <a:solidFill>
+                  <a:srgbClr val="569CD6"/>
+                </a:solidFill>
+                <a:highlight>
+                  <a:srgbClr val="1E1E1E"/>
+                </a:highlight>
+                <a:latin typeface="Consolas" panose="020B0609020204030204" pitchFamily="49" charset="0"/>
+              </a:rPr>
+              <a:t>readonly</a:t>
+            </a:r>
+            <a:r>
+              <a:rPr lang="it-IT" sz="800" dirty="0">
+                <a:solidFill>
+                  <a:srgbClr val="DCDCDC"/>
+                </a:solidFill>
+                <a:highlight>
+                  <a:srgbClr val="1E1E1E"/>
+                </a:highlight>
+                <a:latin typeface="Consolas" panose="020B0609020204030204" pitchFamily="49" charset="0"/>
+              </a:rPr>
+              <a:t> </a:t>
+            </a:r>
+            <a:r>
+              <a:rPr lang="it-IT" sz="800" dirty="0">
+                <a:solidFill>
+                  <a:srgbClr val="569CD6"/>
+                </a:solidFill>
+                <a:highlight>
+                  <a:srgbClr val="1E1E1E"/>
+                </a:highlight>
+                <a:latin typeface="Consolas" panose="020B0609020204030204" pitchFamily="49" charset="0"/>
+              </a:rPr>
+              <a:t>float</a:t>
+            </a:r>
+            <a:r>
+              <a:rPr lang="it-IT" sz="800" dirty="0">
+                <a:solidFill>
+                  <a:srgbClr val="DCDCDC"/>
+                </a:solidFill>
+                <a:highlight>
+                  <a:srgbClr val="1E1E1E"/>
+                </a:highlight>
+                <a:latin typeface="Consolas" panose="020B0609020204030204" pitchFamily="49" charset="0"/>
+              </a:rPr>
+              <a:t> </a:t>
+            </a:r>
+            <a:r>
+              <a:rPr lang="it-IT" sz="800" dirty="0" err="1">
+                <a:solidFill>
+                  <a:srgbClr val="DCDCDC"/>
+                </a:solidFill>
+                <a:highlight>
+                  <a:srgbClr val="1E1E1E"/>
+                </a:highlight>
+                <a:latin typeface="Consolas" panose="020B0609020204030204" pitchFamily="49" charset="0"/>
+              </a:rPr>
+              <a:t>length</a:t>
             </a:r>
             <a:r>
               <a:rPr lang="it-IT" sz="800" dirty="0" smtClean="0">
@@ -12833,7 +12809,7 @@
                 </a:highlight>
                 <a:latin typeface="Consolas" panose="020B0609020204030204" pitchFamily="49" charset="0"/>
               </a:rPr>
-              <a:t>{</a:t>
+              <a:t>;</a:t>
             </a:r>
             <a:endParaRPr lang="it-IT" sz="800" dirty="0">
               <a:solidFill>
@@ -12868,7 +12844,7 @@
                 </a:highlight>
                 <a:latin typeface="Consolas" panose="020B0609020204030204" pitchFamily="49" charset="0"/>
               </a:rPr>
-              <a:t>private</a:t>
+              <a:t>public</a:t>
             </a:r>
             <a:r>
               <a:rPr lang="it-IT" sz="800" dirty="0">
@@ -12885,6 +12861,30 @@
             <a:r>
               <a:rPr lang="it-IT" sz="800" dirty="0" err="1">
                 <a:solidFill>
+                  <a:srgbClr val="DCDCDC"/>
+                </a:solidFill>
+                <a:highlight>
+                  <a:srgbClr val="1E1E1E"/>
+                </a:highlight>
+                <a:latin typeface="Consolas" panose="020B0609020204030204" pitchFamily="49" charset="0"/>
+              </a:rPr>
+              <a:t>Square</a:t>
+            </a:r>
+            <a:r>
+              <a:rPr lang="it-IT" sz="800" dirty="0">
+                <a:solidFill>
+                  <a:srgbClr val="DCDCDC"/>
+                </a:solidFill>
+                <a:highlight>
+                  <a:srgbClr val="1E1E1E"/>
+                </a:highlight>
+                <a:latin typeface="Consolas" panose="020B0609020204030204" pitchFamily="49" charset="0"/>
+              </a:rPr>
+              <a:t>(</a:t>
+            </a:r>
+            <a:r>
+              <a:rPr lang="it-IT" sz="800" dirty="0">
+                <a:solidFill>
                   <a:srgbClr val="569CD6"/>
                 </a:solidFill>
                 <a:highlight>
@@ -12892,22 +12892,74 @@
                 </a:highlight>
                 <a:latin typeface="Consolas" panose="020B0609020204030204" pitchFamily="49" charset="0"/>
               </a:rPr>
-              <a:t>readonly</a:t>
-            </a:r>
-            <a:r>
-              <a:rPr lang="it-IT" sz="800" dirty="0">
-                <a:solidFill>
-                  <a:srgbClr val="DCDCDC"/>
-                </a:solidFill>
-                <a:highlight>
-                  <a:srgbClr val="1E1E1E"/>
-                </a:highlight>
-                <a:latin typeface="Consolas" panose="020B0609020204030204" pitchFamily="49" charset="0"/>
-              </a:rPr>
-              <a:t> </a:t>
-            </a:r>
-            <a:r>
-              <a:rPr lang="it-IT" sz="800" dirty="0">
+              <a:t>float</a:t>
+            </a:r>
+            <a:r>
+              <a:rPr lang="it-IT" sz="800" dirty="0">
+                <a:solidFill>
+                  <a:srgbClr val="DCDCDC"/>
+                </a:solidFill>
+                <a:highlight>
+                  <a:srgbClr val="1E1E1E"/>
+                </a:highlight>
+                <a:latin typeface="Consolas" panose="020B0609020204030204" pitchFamily="49" charset="0"/>
+              </a:rPr>
+              <a:t> </a:t>
+            </a:r>
+            <a:r>
+              <a:rPr lang="it-IT" sz="800" dirty="0" err="1">
+                <a:solidFill>
+                  <a:srgbClr val="DCDCDC"/>
+                </a:solidFill>
+                <a:highlight>
+                  <a:srgbClr val="1E1E1E"/>
+                </a:highlight>
+                <a:latin typeface="Consolas" panose="020B0609020204030204" pitchFamily="49" charset="0"/>
+              </a:rPr>
+              <a:t>length</a:t>
+            </a:r>
+            <a:r>
+              <a:rPr lang="it-IT" sz="800" dirty="0">
+                <a:solidFill>
+                  <a:srgbClr val="DCDCDC"/>
+                </a:solidFill>
+                <a:highlight>
+                  <a:srgbClr val="1E1E1E"/>
+                </a:highlight>
+                <a:latin typeface="Consolas" panose="020B0609020204030204" pitchFamily="49" charset="0"/>
+              </a:rPr>
+              <a:t>)</a:t>
+            </a:r>
+          </a:p>
+          <a:p>
+            <a:r>
+              <a:rPr lang="it-IT" sz="800" dirty="0">
+                <a:solidFill>
+                  <a:srgbClr val="DCDCDC"/>
+                </a:solidFill>
+                <a:highlight>
+                  <a:srgbClr val="1E1E1E"/>
+                </a:highlight>
+                <a:latin typeface="Consolas" panose="020B0609020204030204" pitchFamily="49" charset="0"/>
+              </a:rPr>
+              <a:t>        {</a:t>
+            </a:r>
+          </a:p>
+          <a:p>
+            <a:r>
+              <a:rPr lang="it-IT" sz="800" dirty="0">
+                <a:solidFill>
+                  <a:srgbClr val="DCDCDC"/>
+                </a:solidFill>
+                <a:highlight>
+                  <a:srgbClr val="1E1E1E"/>
+                </a:highlight>
+                <a:latin typeface="Consolas" panose="020B0609020204030204" pitchFamily="49" charset="0"/>
+              </a:rPr>
+              <a:t>            </a:t>
+            </a:r>
+            <a:r>
+              <a:rPr lang="it-IT" sz="800" dirty="0" err="1">
                 <a:solidFill>
                   <a:srgbClr val="569CD6"/>
                 </a:solidFill>
@@ -12916,23 +12968,23 @@
                 </a:highlight>
                 <a:latin typeface="Consolas" panose="020B0609020204030204" pitchFamily="49" charset="0"/>
               </a:rPr>
-              <a:t>float</a:t>
-            </a:r>
-            <a:r>
-              <a:rPr lang="it-IT" sz="800" dirty="0">
-                <a:solidFill>
-                  <a:srgbClr val="DCDCDC"/>
-                </a:solidFill>
-                <a:highlight>
-                  <a:srgbClr val="1E1E1E"/>
-                </a:highlight>
-                <a:latin typeface="Consolas" panose="020B0609020204030204" pitchFamily="49" charset="0"/>
-              </a:rPr>
-              <a:t> </a:t>
+              <a:t>this</a:t>
             </a:r>
             <a:r>
               <a:rPr lang="it-IT" sz="800" dirty="0" err="1">
                 <a:solidFill>
+                  <a:srgbClr val="B4B4B4"/>
+                </a:solidFill>
+                <a:highlight>
+                  <a:srgbClr val="1E1E1E"/>
+                </a:highlight>
+                <a:latin typeface="Consolas" panose="020B0609020204030204" pitchFamily="49" charset="0"/>
+              </a:rPr>
+              <a:t>.</a:t>
+            </a:r>
+            <a:r>
+              <a:rPr lang="it-IT" sz="800" dirty="0" err="1">
+                <a:solidFill>
                   <a:srgbClr val="DCDCDC"/>
                 </a:solidFill>
                 <a:highlight>
@@ -12943,6 +12995,80 @@
               <a:t>length</a:t>
             </a:r>
             <a:r>
+              <a:rPr lang="it-IT" sz="800" dirty="0">
+                <a:solidFill>
+                  <a:srgbClr val="DCDCDC"/>
+                </a:solidFill>
+                <a:highlight>
+                  <a:srgbClr val="1E1E1E"/>
+                </a:highlight>
+                <a:latin typeface="Consolas" panose="020B0609020204030204" pitchFamily="49" charset="0"/>
+              </a:rPr>
+              <a:t> </a:t>
+            </a:r>
+            <a:r>
+              <a:rPr lang="it-IT" sz="800" dirty="0">
+                <a:solidFill>
+                  <a:srgbClr val="B4B4B4"/>
+                </a:solidFill>
+                <a:highlight>
+                  <a:srgbClr val="1E1E1E"/>
+                </a:highlight>
+                <a:latin typeface="Consolas" panose="020B0609020204030204" pitchFamily="49" charset="0"/>
+              </a:rPr>
+              <a:t>=</a:t>
+            </a:r>
+            <a:r>
+              <a:rPr lang="it-IT" sz="800" dirty="0">
+                <a:solidFill>
+                  <a:srgbClr val="DCDCDC"/>
+                </a:solidFill>
+                <a:highlight>
+                  <a:srgbClr val="1E1E1E"/>
+                </a:highlight>
+                <a:latin typeface="Consolas" panose="020B0609020204030204" pitchFamily="49" charset="0"/>
+              </a:rPr>
+              <a:t> </a:t>
+            </a:r>
+            <a:r>
+              <a:rPr lang="it-IT" sz="800" dirty="0" err="1">
+                <a:solidFill>
+                  <a:srgbClr val="DCDCDC"/>
+                </a:solidFill>
+                <a:highlight>
+                  <a:srgbClr val="1E1E1E"/>
+                </a:highlight>
+                <a:latin typeface="Consolas" panose="020B0609020204030204" pitchFamily="49" charset="0"/>
+              </a:rPr>
+              <a:t>length</a:t>
+            </a:r>
+            <a:r>
+              <a:rPr lang="it-IT" sz="800" dirty="0">
+                <a:solidFill>
+                  <a:srgbClr val="DCDCDC"/>
+                </a:solidFill>
+                <a:highlight>
+                  <a:srgbClr val="1E1E1E"/>
+                </a:highlight>
+                <a:latin typeface="Consolas" panose="020B0609020204030204" pitchFamily="49" charset="0"/>
+              </a:rPr>
+              <a:t>;</a:t>
+            </a:r>
+          </a:p>
+          <a:p>
+            <a:r>
+              <a:rPr lang="it-IT" sz="800" dirty="0">
+                <a:solidFill>
+                  <a:srgbClr val="DCDCDC"/>
+                </a:solidFill>
+                <a:highlight>
+                  <a:srgbClr val="1E1E1E"/>
+                </a:highlight>
+                <a:latin typeface="Consolas" panose="020B0609020204030204" pitchFamily="49" charset="0"/>
+              </a:rPr>
+              <a:t>        </a:t>
+            </a:r>
+            <a:r>
               <a:rPr lang="it-IT" sz="800" dirty="0" smtClean="0">
                 <a:solidFill>
                   <a:srgbClr val="DCDCDC"/>
@@ -12952,7 +13078,7 @@
                 </a:highlight>
                 <a:latin typeface="Consolas" panose="020B0609020204030204" pitchFamily="49" charset="0"/>
               </a:rPr>
-              <a:t>;</a:t>
+              <a:t>}</a:t>
             </a:r>
             <a:endParaRPr lang="it-IT" sz="800" dirty="0">
               <a:solidFill>
@@ -13002,6 +13128,54 @@
               <a:t> </a:t>
             </a:r>
             <a:r>
+              <a:rPr lang="it-IT" sz="800" dirty="0" err="1" smtClean="0">
+                <a:solidFill>
+                  <a:srgbClr val="569CD6"/>
+                </a:solidFill>
+                <a:highlight>
+                  <a:srgbClr val="1E1E1E"/>
+                </a:highlight>
+                <a:latin typeface="Consolas" panose="020B0609020204030204" pitchFamily="49" charset="0"/>
+              </a:rPr>
+              <a:t>override</a:t>
+            </a:r>
+            <a:r>
+              <a:rPr lang="it-IT" sz="800" dirty="0" smtClean="0">
+                <a:solidFill>
+                  <a:srgbClr val="569CD6"/>
+                </a:solidFill>
+                <a:highlight>
+                  <a:srgbClr val="1E1E1E"/>
+                </a:highlight>
+                <a:latin typeface="Consolas" panose="020B0609020204030204" pitchFamily="49" charset="0"/>
+              </a:rPr>
+              <a:t> </a:t>
+            </a:r>
+            <a:r>
+              <a:rPr lang="it-IT" sz="800" dirty="0">
+                <a:solidFill>
+                  <a:srgbClr val="569CD6"/>
+                </a:solidFill>
+                <a:highlight>
+                  <a:srgbClr val="1E1E1E"/>
+                </a:highlight>
+                <a:latin typeface="Consolas" panose="020B0609020204030204" pitchFamily="49" charset="0"/>
+              </a:rPr>
+              <a:t>float</a:t>
+            </a:r>
+            <a:r>
+              <a:rPr lang="it-IT" sz="800" dirty="0" smtClean="0">
+                <a:solidFill>
+                  <a:srgbClr val="DCDCDC"/>
+                </a:solidFill>
+                <a:highlight>
+                  <a:srgbClr val="1E1E1E"/>
+                </a:highlight>
+                <a:latin typeface="Consolas" panose="020B0609020204030204" pitchFamily="49" charset="0"/>
+              </a:rPr>
+              <a:t> </a:t>
+            </a:r>
+            <a:r>
               <a:rPr lang="it-IT" sz="800" dirty="0" err="1">
                 <a:solidFill>
                   <a:srgbClr val="DCDCDC"/>
@@ -13011,22 +13185,50 @@
                 </a:highlight>
                 <a:latin typeface="Consolas" panose="020B0609020204030204" pitchFamily="49" charset="0"/>
               </a:rPr>
-              <a:t>Square</a:t>
-            </a:r>
-            <a:r>
-              <a:rPr lang="it-IT" sz="800" dirty="0">
-                <a:solidFill>
-                  <a:srgbClr val="DCDCDC"/>
-                </a:solidFill>
-                <a:highlight>
-                  <a:srgbClr val="1E1E1E"/>
-                </a:highlight>
-                <a:latin typeface="Consolas" panose="020B0609020204030204" pitchFamily="49" charset="0"/>
-              </a:rPr>
-              <a:t>(</a:t>
-            </a:r>
-            <a:r>
-              <a:rPr lang="it-IT" sz="800" dirty="0">
+              <a:t>GetArea</a:t>
+            </a:r>
+            <a:r>
+              <a:rPr lang="it-IT" sz="800" dirty="0">
+                <a:solidFill>
+                  <a:srgbClr val="DCDCDC"/>
+                </a:solidFill>
+                <a:highlight>
+                  <a:srgbClr val="1E1E1E"/>
+                </a:highlight>
+                <a:latin typeface="Consolas" panose="020B0609020204030204" pitchFamily="49" charset="0"/>
+              </a:rPr>
+              <a:t>()</a:t>
+            </a:r>
+          </a:p>
+          <a:p>
+            <a:r>
+              <a:rPr lang="it-IT" sz="800" dirty="0">
+                <a:solidFill>
+                  <a:srgbClr val="DCDCDC"/>
+                </a:solidFill>
+                <a:highlight>
+                  <a:srgbClr val="1E1E1E"/>
+                </a:highlight>
+                <a:latin typeface="Consolas" panose="020B0609020204030204" pitchFamily="49" charset="0"/>
+              </a:rPr>
+              <a:t>        {</a:t>
+            </a:r>
+          </a:p>
+          <a:p>
+            <a:r>
+              <a:rPr lang="it-IT" sz="800" dirty="0">
+                <a:solidFill>
+                  <a:srgbClr val="DCDCDC"/>
+                </a:solidFill>
+                <a:highlight>
+                  <a:srgbClr val="1E1E1E"/>
+                </a:highlight>
+                <a:latin typeface="Consolas" panose="020B0609020204030204" pitchFamily="49" charset="0"/>
+              </a:rPr>
+              <a:t>            </a:t>
+            </a:r>
+            <a:r>
+              <a:rPr lang="it-IT" sz="800" dirty="0" err="1">
                 <a:solidFill>
                   <a:srgbClr val="569CD6"/>
                 </a:solidFill>
@@ -13035,7 +13237,7 @@
                 </a:highlight>
                 <a:latin typeface="Consolas" panose="020B0609020204030204" pitchFamily="49" charset="0"/>
               </a:rPr>
-              <a:t>float</a:t>
+              <a:t>return</a:t>
             </a:r>
             <a:r>
               <a:rPr lang="it-IT" sz="800" dirty="0">
@@ -13064,70 +13266,18 @@
             <a:r>
               <a:rPr lang="it-IT" sz="800" dirty="0">
                 <a:solidFill>
-                  <a:srgbClr val="DCDCDC"/>
-                </a:solidFill>
-                <a:highlight>
-                  <a:srgbClr val="1E1E1E"/>
-                </a:highlight>
-                <a:latin typeface="Consolas" panose="020B0609020204030204" pitchFamily="49" charset="0"/>
-              </a:rPr>
-              <a:t>)</a:t>
-            </a:r>
-          </a:p>
-          <a:p>
-            <a:r>
-              <a:rPr lang="it-IT" sz="800" dirty="0">
-                <a:solidFill>
-                  <a:srgbClr val="DCDCDC"/>
-                </a:solidFill>
-                <a:highlight>
-                  <a:srgbClr val="1E1E1E"/>
-                </a:highlight>
-                <a:latin typeface="Consolas" panose="020B0609020204030204" pitchFamily="49" charset="0"/>
-              </a:rPr>
-              <a:t>        {</a:t>
-            </a:r>
-          </a:p>
-          <a:p>
-            <a:r>
-              <a:rPr lang="it-IT" sz="800" dirty="0">
-                <a:solidFill>
-                  <a:srgbClr val="DCDCDC"/>
-                </a:solidFill>
-                <a:highlight>
-                  <a:srgbClr val="1E1E1E"/>
-                </a:highlight>
-                <a:latin typeface="Consolas" panose="020B0609020204030204" pitchFamily="49" charset="0"/>
-              </a:rPr>
-              <a:t>            </a:t>
+                  <a:srgbClr val="B4B4B4"/>
+                </a:solidFill>
+                <a:highlight>
+                  <a:srgbClr val="1E1E1E"/>
+                </a:highlight>
+                <a:latin typeface="Consolas" panose="020B0609020204030204" pitchFamily="49" charset="0"/>
+              </a:rPr>
+              <a:t>*</a:t>
             </a:r>
             <a:r>
               <a:rPr lang="it-IT" sz="800" dirty="0" err="1">
                 <a:solidFill>
-                  <a:srgbClr val="569CD6"/>
-                </a:solidFill>
-                <a:highlight>
-                  <a:srgbClr val="1E1E1E"/>
-                </a:highlight>
-                <a:latin typeface="Consolas" panose="020B0609020204030204" pitchFamily="49" charset="0"/>
-              </a:rPr>
-              <a:t>this</a:t>
-            </a:r>
-            <a:r>
-              <a:rPr lang="it-IT" sz="800" dirty="0" err="1">
-                <a:solidFill>
-                  <a:srgbClr val="B4B4B4"/>
-                </a:solidFill>
-                <a:highlight>
-                  <a:srgbClr val="1E1E1E"/>
-                </a:highlight>
-                <a:latin typeface="Consolas" panose="020B0609020204030204" pitchFamily="49" charset="0"/>
-              </a:rPr>
-              <a:t>.</a:t>
-            </a:r>
-            <a:r>
-              <a:rPr lang="it-IT" sz="800" dirty="0" err="1">
-                <a:solidFill>
                   <a:srgbClr val="DCDCDC"/>
                 </a:solidFill>
                 <a:highlight>
@@ -13147,54 +13297,6 @@
                 </a:highlight>
                 <a:latin typeface="Consolas" panose="020B0609020204030204" pitchFamily="49" charset="0"/>
               </a:rPr>
-              <a:t> </a:t>
-            </a:r>
-            <a:r>
-              <a:rPr lang="it-IT" sz="800" dirty="0">
-                <a:solidFill>
-                  <a:srgbClr val="B4B4B4"/>
-                </a:solidFill>
-                <a:highlight>
-                  <a:srgbClr val="1E1E1E"/>
-                </a:highlight>
-                <a:latin typeface="Consolas" panose="020B0609020204030204" pitchFamily="49" charset="0"/>
-              </a:rPr>
-              <a:t>=</a:t>
-            </a:r>
-            <a:r>
-              <a:rPr lang="it-IT" sz="800" dirty="0">
-                <a:solidFill>
-                  <a:srgbClr val="DCDCDC"/>
-                </a:solidFill>
-                <a:highlight>
-                  <a:srgbClr val="1E1E1E"/>
-                </a:highlight>
-                <a:latin typeface="Consolas" panose="020B0609020204030204" pitchFamily="49" charset="0"/>
-              </a:rPr>
-              <a:t> </a:t>
-            </a:r>
-            <a:r>
-              <a:rPr lang="it-IT" sz="800" dirty="0" err="1">
-                <a:solidFill>
-                  <a:srgbClr val="DCDCDC"/>
-                </a:solidFill>
-                <a:highlight>
-                  <a:srgbClr val="1E1E1E"/>
-                </a:highlight>
-                <a:latin typeface="Consolas" panose="020B0609020204030204" pitchFamily="49" charset="0"/>
-              </a:rPr>
-              <a:t>length</a:t>
-            </a:r>
-            <a:r>
-              <a:rPr lang="it-IT" sz="800" dirty="0">
-                <a:solidFill>
-                  <a:srgbClr val="DCDCDC"/>
-                </a:solidFill>
-                <a:highlight>
-                  <a:srgbClr val="1E1E1E"/>
-                </a:highlight>
-                <a:latin typeface="Consolas" panose="020B0609020204030204" pitchFamily="49" charset="0"/>
-              </a:rPr>
               <a:t>;</a:t>
             </a:r>
           </a:p>
@@ -13211,6 +13313,20 @@
               </a:rPr>
               <a:t>        </a:t>
             </a:r>
+            <a:r>
+              <a:rPr lang="it-IT" sz="800" dirty="0" smtClean="0">
+                <a:solidFill>
+                  <a:srgbClr val="DCDCDC"/>
+                </a:solidFill>
+                <a:highlight>
+                  <a:srgbClr val="1E1E1E"/>
+                </a:highlight>
+                <a:latin typeface="Consolas" panose="020B0609020204030204" pitchFamily="49" charset="0"/>
+              </a:rPr>
+              <a:t>}</a:t>
+            </a:r>
+          </a:p>
+          <a:p>
             <a:r>
               <a:rPr lang="it-IT" sz="800" dirty="0" smtClean="0">
                 <a:solidFill>
@@ -13235,19 +13351,7 @@
           </a:p>
           <a:p>
             <a:r>
-              <a:rPr lang="it-IT" sz="800" dirty="0">
-                <a:solidFill>
-                  <a:srgbClr val="DCDCDC"/>
-                </a:solidFill>
-                <a:highlight>
-                  <a:srgbClr val="1E1E1E"/>
-                </a:highlight>
-                <a:latin typeface="Consolas" panose="020B0609020204030204" pitchFamily="49" charset="0"/>
-              </a:rPr>
-              <a:t>        </a:t>
-            </a:r>
-            <a:r>
-              <a:rPr lang="it-IT" sz="800" dirty="0">
+              <a:rPr lang="it-IT" sz="800" dirty="0" smtClean="0">
                 <a:solidFill>
                   <a:srgbClr val="569CD6"/>
                 </a:solidFill>
@@ -13259,19 +13363,19 @@
               <a:t>public</a:t>
             </a:r>
             <a:r>
-              <a:rPr lang="it-IT" sz="800" dirty="0">
-                <a:solidFill>
-                  <a:srgbClr val="DCDCDC"/>
-                </a:solidFill>
-                <a:highlight>
-                  <a:srgbClr val="1E1E1E"/>
-                </a:highlight>
-                <a:latin typeface="Consolas" panose="020B0609020204030204" pitchFamily="49" charset="0"/>
-              </a:rPr>
-              <a:t> </a:t>
-            </a:r>
-            <a:r>
-              <a:rPr lang="it-IT" sz="800" dirty="0" err="1" smtClean="0">
+              <a:rPr lang="it-IT" sz="800" dirty="0" smtClean="0">
+                <a:solidFill>
+                  <a:srgbClr val="DCDCDC"/>
+                </a:solidFill>
+                <a:highlight>
+                  <a:srgbClr val="1E1E1E"/>
+                </a:highlight>
+                <a:latin typeface="Consolas" panose="020B0609020204030204" pitchFamily="49" charset="0"/>
+              </a:rPr>
+              <a:t> </a:t>
+            </a:r>
+            <a:r>
+              <a:rPr lang="it-IT" sz="800" dirty="0" err="1">
                 <a:solidFill>
                   <a:srgbClr val="569CD6"/>
                 </a:solidFill>
@@ -13280,34 +13384,10 @@
                 </a:highlight>
                 <a:latin typeface="Consolas" panose="020B0609020204030204" pitchFamily="49" charset="0"/>
               </a:rPr>
-              <a:t>override</a:t>
-            </a:r>
-            <a:r>
-              <a:rPr lang="it-IT" sz="800" dirty="0" smtClean="0">
-                <a:solidFill>
-                  <a:srgbClr val="569CD6"/>
-                </a:solidFill>
-                <a:highlight>
-                  <a:srgbClr val="1E1E1E"/>
-                </a:highlight>
-                <a:latin typeface="Consolas" panose="020B0609020204030204" pitchFamily="49" charset="0"/>
-              </a:rPr>
-              <a:t> </a:t>
-            </a:r>
-            <a:r>
-              <a:rPr lang="it-IT" sz="800" dirty="0">
-                <a:solidFill>
-                  <a:srgbClr val="569CD6"/>
-                </a:solidFill>
-                <a:highlight>
-                  <a:srgbClr val="1E1E1E"/>
-                </a:highlight>
-                <a:latin typeface="Consolas" panose="020B0609020204030204" pitchFamily="49" charset="0"/>
-              </a:rPr>
-              <a:t>float</a:t>
-            </a:r>
-            <a:r>
-              <a:rPr lang="it-IT" sz="800" dirty="0" smtClean="0">
+              <a:t>class</a:t>
+            </a:r>
+            <a:r>
+              <a:rPr lang="it-IT" sz="800" dirty="0">
                 <a:solidFill>
                   <a:srgbClr val="DCDCDC"/>
                 </a:solidFill>
@@ -13321,229 +13401,30 @@
             <a:r>
               <a:rPr lang="it-IT" sz="800" dirty="0" err="1">
                 <a:solidFill>
-                  <a:srgbClr val="DCDCDC"/>
-                </a:solidFill>
-                <a:highlight>
-                  <a:srgbClr val="1E1E1E"/>
-                </a:highlight>
-                <a:latin typeface="Consolas" panose="020B0609020204030204" pitchFamily="49" charset="0"/>
-              </a:rPr>
-              <a:t>GetArea</a:t>
-            </a:r>
-            <a:r>
-              <a:rPr lang="it-IT" sz="800" dirty="0">
-                <a:solidFill>
-                  <a:srgbClr val="DCDCDC"/>
-                </a:solidFill>
-                <a:highlight>
-                  <a:srgbClr val="1E1E1E"/>
-                </a:highlight>
-                <a:latin typeface="Consolas" panose="020B0609020204030204" pitchFamily="49" charset="0"/>
-              </a:rPr>
-              <a:t>()</a:t>
-            </a:r>
-          </a:p>
-          <a:p>
-            <a:r>
-              <a:rPr lang="it-IT" sz="800" dirty="0">
-                <a:solidFill>
-                  <a:srgbClr val="DCDCDC"/>
-                </a:solidFill>
-                <a:highlight>
-                  <a:srgbClr val="1E1E1E"/>
-                </a:highlight>
-                <a:latin typeface="Consolas" panose="020B0609020204030204" pitchFamily="49" charset="0"/>
-              </a:rPr>
-              <a:t>        {</a:t>
-            </a:r>
-          </a:p>
-          <a:p>
-            <a:r>
-              <a:rPr lang="it-IT" sz="800" dirty="0">
-                <a:solidFill>
-                  <a:srgbClr val="DCDCDC"/>
-                </a:solidFill>
-                <a:highlight>
-                  <a:srgbClr val="1E1E1E"/>
-                </a:highlight>
-                <a:latin typeface="Consolas" panose="020B0609020204030204" pitchFamily="49" charset="0"/>
-              </a:rPr>
-              <a:t>            </a:t>
+                  <a:srgbClr val="4EC9B0"/>
+                </a:solidFill>
+                <a:highlight>
+                  <a:srgbClr val="1E1E1E"/>
+                </a:highlight>
+                <a:latin typeface="Consolas" panose="020B0609020204030204" pitchFamily="49" charset="0"/>
+              </a:rPr>
+              <a:t>Circle</a:t>
+            </a:r>
+            <a:r>
+              <a:rPr lang="it-IT" sz="800" dirty="0">
+                <a:solidFill>
+                  <a:srgbClr val="DCDCDC"/>
+                </a:solidFill>
+                <a:highlight>
+                  <a:srgbClr val="1E1E1E"/>
+                </a:highlight>
+                <a:latin typeface="Consolas" panose="020B0609020204030204" pitchFamily="49" charset="0"/>
+              </a:rPr>
+              <a:t> : </a:t>
             </a:r>
             <a:r>
               <a:rPr lang="it-IT" sz="800" dirty="0" err="1">
                 <a:solidFill>
-                  <a:srgbClr val="569CD6"/>
-                </a:solidFill>
-                <a:highlight>
-                  <a:srgbClr val="1E1E1E"/>
-                </a:highlight>
-                <a:latin typeface="Consolas" panose="020B0609020204030204" pitchFamily="49" charset="0"/>
-              </a:rPr>
-              <a:t>return</a:t>
-            </a:r>
-            <a:r>
-              <a:rPr lang="it-IT" sz="800" dirty="0">
-                <a:solidFill>
-                  <a:srgbClr val="DCDCDC"/>
-                </a:solidFill>
-                <a:highlight>
-                  <a:srgbClr val="1E1E1E"/>
-                </a:highlight>
-                <a:latin typeface="Consolas" panose="020B0609020204030204" pitchFamily="49" charset="0"/>
-              </a:rPr>
-              <a:t> </a:t>
-            </a:r>
-            <a:r>
-              <a:rPr lang="it-IT" sz="800" dirty="0" err="1">
-                <a:solidFill>
-                  <a:srgbClr val="DCDCDC"/>
-                </a:solidFill>
-                <a:highlight>
-                  <a:srgbClr val="1E1E1E"/>
-                </a:highlight>
-                <a:latin typeface="Consolas" panose="020B0609020204030204" pitchFamily="49" charset="0"/>
-              </a:rPr>
-              <a:t>length</a:t>
-            </a:r>
-            <a:r>
-              <a:rPr lang="it-IT" sz="800" dirty="0">
-                <a:solidFill>
-                  <a:srgbClr val="B4B4B4"/>
-                </a:solidFill>
-                <a:highlight>
-                  <a:srgbClr val="1E1E1E"/>
-                </a:highlight>
-                <a:latin typeface="Consolas" panose="020B0609020204030204" pitchFamily="49" charset="0"/>
-              </a:rPr>
-              <a:t>*</a:t>
-            </a:r>
-            <a:r>
-              <a:rPr lang="it-IT" sz="800" dirty="0" err="1">
-                <a:solidFill>
-                  <a:srgbClr val="DCDCDC"/>
-                </a:solidFill>
-                <a:highlight>
-                  <a:srgbClr val="1E1E1E"/>
-                </a:highlight>
-                <a:latin typeface="Consolas" panose="020B0609020204030204" pitchFamily="49" charset="0"/>
-              </a:rPr>
-              <a:t>length</a:t>
-            </a:r>
-            <a:r>
-              <a:rPr lang="it-IT" sz="800" dirty="0">
-                <a:solidFill>
-                  <a:srgbClr val="DCDCDC"/>
-                </a:solidFill>
-                <a:highlight>
-                  <a:srgbClr val="1E1E1E"/>
-                </a:highlight>
-                <a:latin typeface="Consolas" panose="020B0609020204030204" pitchFamily="49" charset="0"/>
-              </a:rPr>
-              <a:t>;</a:t>
-            </a:r>
-          </a:p>
-          <a:p>
-            <a:r>
-              <a:rPr lang="it-IT" sz="800" dirty="0">
-                <a:solidFill>
-                  <a:srgbClr val="DCDCDC"/>
-                </a:solidFill>
-                <a:highlight>
-                  <a:srgbClr val="1E1E1E"/>
-                </a:highlight>
-                <a:latin typeface="Consolas" panose="020B0609020204030204" pitchFamily="49" charset="0"/>
-              </a:rPr>
-              <a:t>        </a:t>
-            </a:r>
-            <a:r>
-              <a:rPr lang="it-IT" sz="800" dirty="0" smtClean="0">
-                <a:solidFill>
-                  <a:srgbClr val="DCDCDC"/>
-                </a:solidFill>
-                <a:highlight>
-                  <a:srgbClr val="1E1E1E"/>
-                </a:highlight>
-                <a:latin typeface="Consolas" panose="020B0609020204030204" pitchFamily="49" charset="0"/>
-              </a:rPr>
-              <a:t>}</a:t>
-            </a:r>
-          </a:p>
-          <a:p>
-            <a:r>
-              <a:rPr lang="it-IT" sz="800" dirty="0" smtClean="0">
-                <a:solidFill>
-                  <a:srgbClr val="DCDCDC"/>
-                </a:solidFill>
-                <a:highlight>
-                  <a:srgbClr val="1E1E1E"/>
-                </a:highlight>
-                <a:latin typeface="Consolas" panose="020B0609020204030204" pitchFamily="49" charset="0"/>
-              </a:rPr>
-              <a:t>}</a:t>
-            </a:r>
-            <a:endParaRPr lang="it-IT" sz="800" dirty="0">
-              <a:solidFill>
-                <a:srgbClr val="DCDCDC"/>
-              </a:solidFill>
-              <a:highlight>
-                <a:srgbClr val="1E1E1E"/>
-              </a:highlight>
-              <a:latin typeface="Consolas" panose="020B0609020204030204" pitchFamily="49" charset="0"/>
-            </a:endParaRPr>
-          </a:p>
-          <a:p>
-            <a:r>
-              <a:rPr lang="it-IT" sz="800" dirty="0" smtClean="0">
-                <a:solidFill>
-                  <a:srgbClr val="569CD6"/>
-                </a:solidFill>
-                <a:highlight>
-                  <a:srgbClr val="1E1E1E"/>
-                </a:highlight>
-                <a:latin typeface="Consolas" panose="020B0609020204030204" pitchFamily="49" charset="0"/>
-              </a:rPr>
-              <a:t>public</a:t>
-            </a:r>
-            <a:r>
-              <a:rPr lang="it-IT" sz="800" dirty="0" smtClean="0">
-                <a:solidFill>
-                  <a:srgbClr val="DCDCDC"/>
-                </a:solidFill>
-                <a:highlight>
-                  <a:srgbClr val="1E1E1E"/>
-                </a:highlight>
-                <a:latin typeface="Consolas" panose="020B0609020204030204" pitchFamily="49" charset="0"/>
-              </a:rPr>
-              <a:t> </a:t>
-            </a:r>
-            <a:r>
-              <a:rPr lang="it-IT" sz="800" dirty="0" err="1">
-                <a:solidFill>
-                  <a:srgbClr val="569CD6"/>
-                </a:solidFill>
-                <a:highlight>
-                  <a:srgbClr val="1E1E1E"/>
-                </a:highlight>
-                <a:latin typeface="Consolas" panose="020B0609020204030204" pitchFamily="49" charset="0"/>
-              </a:rPr>
-              <a:t>class</a:t>
-            </a:r>
-            <a:r>
-              <a:rPr lang="it-IT" sz="800" dirty="0">
-                <a:solidFill>
-                  <a:srgbClr val="DCDCDC"/>
-                </a:solidFill>
-                <a:highlight>
-                  <a:srgbClr val="1E1E1E"/>
-                </a:highlight>
-                <a:latin typeface="Consolas" panose="020B0609020204030204" pitchFamily="49" charset="0"/>
-              </a:rPr>
-              <a:t> </a:t>
-            </a:r>
-            <a:r>
-              <a:rPr lang="it-IT" sz="800" dirty="0" err="1">
-                <a:solidFill>
                   <a:srgbClr val="4EC9B0"/>
                 </a:solidFill>
                 <a:highlight>
@@ -13551,30 +13432,6 @@
                 </a:highlight>
                 <a:latin typeface="Consolas" panose="020B0609020204030204" pitchFamily="49" charset="0"/>
               </a:rPr>
-              <a:t>Circle</a:t>
-            </a:r>
-            <a:r>
-              <a:rPr lang="it-IT" sz="800" dirty="0">
-                <a:solidFill>
-                  <a:srgbClr val="DCDCDC"/>
-                </a:solidFill>
-                <a:highlight>
-                  <a:srgbClr val="1E1E1E"/>
-                </a:highlight>
-                <a:latin typeface="Consolas" panose="020B0609020204030204" pitchFamily="49" charset="0"/>
-              </a:rPr>
-              <a:t> : </a:t>
-            </a:r>
-            <a:r>
-              <a:rPr lang="it-IT" sz="800" dirty="0" err="1">
-                <a:solidFill>
-                  <a:srgbClr val="4EC9B0"/>
-                </a:solidFill>
-                <a:highlight>
-                  <a:srgbClr val="1E1E1E"/>
-                </a:highlight>
-                <a:latin typeface="Consolas" panose="020B0609020204030204" pitchFamily="49" charset="0"/>
-              </a:rPr>
               <a:t>Shape</a:t>
             </a:r>
             <a:r>
@@ -13589,15 +13446,6 @@
               </a:rPr>
               <a:t> </a:t>
             </a:r>
-            <a:endParaRPr lang="it-IT" sz="800" dirty="0">
-              <a:solidFill>
-                <a:srgbClr val="DCDCDC"/>
-              </a:solidFill>
-              <a:highlight>
-                <a:srgbClr val="1E1E1E"/>
-              </a:highlight>
-              <a:latin typeface="Consolas" panose="020B0609020204030204" pitchFamily="49" charset="0"/>
-            </a:endParaRPr>
           </a:p>
           <a:p>
             <a:r>
@@ -14524,6 +14372,32 @@
               </a:rPr>
               <a:t> </a:t>
             </a:r>
+          </a:p>
+          <a:p>
+            <a:r>
+              <a:rPr lang="it-IT" sz="800" dirty="0">
+                <a:solidFill>
+                  <a:srgbClr val="DCDCDC"/>
+                </a:solidFill>
+                <a:highlight>
+                  <a:srgbClr val="1E1E1E"/>
+                </a:highlight>
+                <a:latin typeface="Consolas" panose="020B0609020204030204" pitchFamily="49" charset="0"/>
+              </a:rPr>
+              <a:t> </a:t>
+            </a:r>
+            <a:r>
+              <a:rPr lang="it-IT" sz="800" dirty="0" smtClean="0">
+                <a:solidFill>
+                  <a:srgbClr val="DCDCDC"/>
+                </a:solidFill>
+                <a:highlight>
+                  <a:srgbClr val="1E1E1E"/>
+                </a:highlight>
+                <a:latin typeface="Consolas" panose="020B0609020204030204" pitchFamily="49" charset="0"/>
+              </a:rPr>
+              <a:t>{</a:t>
+            </a:r>
             <a:endParaRPr lang="it-IT" sz="800" dirty="0">
               <a:solidFill>
                 <a:srgbClr val="DCDCDC"/>
@@ -14545,7 +14419,91 @@
                 </a:highlight>
                 <a:latin typeface="Consolas" panose="020B0609020204030204" pitchFamily="49" charset="0"/>
               </a:rPr>
-              <a:t> </a:t>
+              <a:t>        </a:t>
+            </a:r>
+            <a:r>
+              <a:rPr lang="it-IT" sz="800" dirty="0">
+                <a:solidFill>
+                  <a:srgbClr val="569CD6"/>
+                </a:solidFill>
+                <a:highlight>
+                  <a:srgbClr val="1E1E1E"/>
+                </a:highlight>
+                <a:latin typeface="Consolas" panose="020B0609020204030204" pitchFamily="49" charset="0"/>
+              </a:rPr>
+              <a:t>private</a:t>
+            </a:r>
+            <a:r>
+              <a:rPr lang="it-IT" sz="800" dirty="0">
+                <a:solidFill>
+                  <a:srgbClr val="DCDCDC"/>
+                </a:solidFill>
+                <a:highlight>
+                  <a:srgbClr val="1E1E1E"/>
+                </a:highlight>
+                <a:latin typeface="Consolas" panose="020B0609020204030204" pitchFamily="49" charset="0"/>
+              </a:rPr>
+              <a:t> </a:t>
+            </a:r>
+            <a:r>
+              <a:rPr lang="it-IT" sz="800" dirty="0" err="1">
+                <a:solidFill>
+                  <a:srgbClr val="569CD6"/>
+                </a:solidFill>
+                <a:highlight>
+                  <a:srgbClr val="1E1E1E"/>
+                </a:highlight>
+                <a:latin typeface="Consolas" panose="020B0609020204030204" pitchFamily="49" charset="0"/>
+              </a:rPr>
+              <a:t>readonly</a:t>
+            </a:r>
+            <a:r>
+              <a:rPr lang="it-IT" sz="800" dirty="0">
+                <a:solidFill>
+                  <a:srgbClr val="DCDCDC"/>
+                </a:solidFill>
+                <a:highlight>
+                  <a:srgbClr val="1E1E1E"/>
+                </a:highlight>
+                <a:latin typeface="Consolas" panose="020B0609020204030204" pitchFamily="49" charset="0"/>
+              </a:rPr>
+              <a:t> </a:t>
+            </a:r>
+            <a:r>
+              <a:rPr lang="it-IT" sz="800" dirty="0">
+                <a:solidFill>
+                  <a:srgbClr val="569CD6"/>
+                </a:solidFill>
+                <a:highlight>
+                  <a:srgbClr val="1E1E1E"/>
+                </a:highlight>
+                <a:latin typeface="Consolas" panose="020B0609020204030204" pitchFamily="49" charset="0"/>
+              </a:rPr>
+              <a:t>float</a:t>
+            </a:r>
+            <a:r>
+              <a:rPr lang="it-IT" sz="800" dirty="0">
+                <a:solidFill>
+                  <a:srgbClr val="DCDCDC"/>
+                </a:solidFill>
+                <a:highlight>
+                  <a:srgbClr val="1E1E1E"/>
+                </a:highlight>
+                <a:latin typeface="Consolas" panose="020B0609020204030204" pitchFamily="49" charset="0"/>
+              </a:rPr>
+              <a:t> </a:t>
+            </a:r>
+            <a:r>
+              <a:rPr lang="it-IT" sz="800" dirty="0" err="1" smtClean="0">
+                <a:solidFill>
+                  <a:srgbClr val="DCDCDC"/>
+                </a:solidFill>
+                <a:highlight>
+                  <a:srgbClr val="1E1E1E"/>
+                </a:highlight>
+                <a:latin typeface="Consolas" panose="020B0609020204030204" pitchFamily="49" charset="0"/>
+              </a:rPr>
+              <a:t>width</a:t>
             </a:r>
             <a:r>
               <a:rPr lang="it-IT" sz="800" dirty="0" smtClean="0">
@@ -14557,7 +14515,7 @@
                 </a:highlight>
                 <a:latin typeface="Consolas" panose="020B0609020204030204" pitchFamily="49" charset="0"/>
               </a:rPr>
-              <a:t>{</a:t>
+              <a:t>;</a:t>
             </a:r>
             <a:endParaRPr lang="it-IT" sz="800" dirty="0">
               <a:solidFill>
@@ -14580,6 +14538,128 @@
                 </a:highlight>
                 <a:latin typeface="Consolas" panose="020B0609020204030204" pitchFamily="49" charset="0"/>
               </a:rPr>
+              <a:t> </a:t>
+            </a:r>
+            <a:r>
+              <a:rPr lang="it-IT" sz="800" dirty="0" smtClean="0">
+                <a:solidFill>
+                  <a:srgbClr val="DCDCDC"/>
+                </a:solidFill>
+                <a:highlight>
+                  <a:srgbClr val="1E1E1E"/>
+                </a:highlight>
+                <a:latin typeface="Consolas" panose="020B0609020204030204" pitchFamily="49" charset="0"/>
+              </a:rPr>
+              <a:t>	</a:t>
+            </a:r>
+            <a:r>
+              <a:rPr lang="it-IT" sz="800" dirty="0" smtClean="0">
+                <a:solidFill>
+                  <a:srgbClr val="569CD6"/>
+                </a:solidFill>
+                <a:highlight>
+                  <a:srgbClr val="1E1E1E"/>
+                </a:highlight>
+                <a:latin typeface="Consolas" panose="020B0609020204030204" pitchFamily="49" charset="0"/>
+              </a:rPr>
+              <a:t>private</a:t>
+            </a:r>
+            <a:r>
+              <a:rPr lang="it-IT" sz="800" dirty="0" smtClean="0">
+                <a:solidFill>
+                  <a:srgbClr val="DCDCDC"/>
+                </a:solidFill>
+                <a:highlight>
+                  <a:srgbClr val="1E1E1E"/>
+                </a:highlight>
+                <a:latin typeface="Consolas" panose="020B0609020204030204" pitchFamily="49" charset="0"/>
+              </a:rPr>
+              <a:t> </a:t>
+            </a:r>
+            <a:r>
+              <a:rPr lang="it-IT" sz="800" dirty="0" err="1">
+                <a:solidFill>
+                  <a:srgbClr val="569CD6"/>
+                </a:solidFill>
+                <a:highlight>
+                  <a:srgbClr val="1E1E1E"/>
+                </a:highlight>
+                <a:latin typeface="Consolas" panose="020B0609020204030204" pitchFamily="49" charset="0"/>
+              </a:rPr>
+              <a:t>readonly</a:t>
+            </a:r>
+            <a:r>
+              <a:rPr lang="it-IT" sz="800" dirty="0">
+                <a:solidFill>
+                  <a:srgbClr val="DCDCDC"/>
+                </a:solidFill>
+                <a:highlight>
+                  <a:srgbClr val="1E1E1E"/>
+                </a:highlight>
+                <a:latin typeface="Consolas" panose="020B0609020204030204" pitchFamily="49" charset="0"/>
+              </a:rPr>
+              <a:t> </a:t>
+            </a:r>
+            <a:r>
+              <a:rPr lang="it-IT" sz="800" dirty="0">
+                <a:solidFill>
+                  <a:srgbClr val="569CD6"/>
+                </a:solidFill>
+                <a:highlight>
+                  <a:srgbClr val="1E1E1E"/>
+                </a:highlight>
+                <a:latin typeface="Consolas" panose="020B0609020204030204" pitchFamily="49" charset="0"/>
+              </a:rPr>
+              <a:t>float</a:t>
+            </a:r>
+            <a:r>
+              <a:rPr lang="it-IT" sz="800" dirty="0">
+                <a:solidFill>
+                  <a:srgbClr val="DCDCDC"/>
+                </a:solidFill>
+                <a:highlight>
+                  <a:srgbClr val="1E1E1E"/>
+                </a:highlight>
+                <a:latin typeface="Consolas" panose="020B0609020204030204" pitchFamily="49" charset="0"/>
+              </a:rPr>
+              <a:t> </a:t>
+            </a:r>
+            <a:r>
+              <a:rPr lang="it-IT" sz="800" dirty="0" err="1">
+                <a:solidFill>
+                  <a:srgbClr val="DCDCDC"/>
+                </a:solidFill>
+                <a:highlight>
+                  <a:srgbClr val="1E1E1E"/>
+                </a:highlight>
+                <a:latin typeface="Consolas" panose="020B0609020204030204" pitchFamily="49" charset="0"/>
+              </a:rPr>
+              <a:t>height</a:t>
+            </a:r>
+            <a:r>
+              <a:rPr lang="it-IT" sz="800" dirty="0" smtClean="0">
+                <a:solidFill>
+                  <a:srgbClr val="DCDCDC"/>
+                </a:solidFill>
+                <a:highlight>
+                  <a:srgbClr val="1E1E1E"/>
+                </a:highlight>
+                <a:latin typeface="Consolas" panose="020B0609020204030204" pitchFamily="49" charset="0"/>
+              </a:rPr>
+              <a:t>;</a:t>
+            </a:r>
+          </a:p>
+          <a:p>
+            <a:r>
+              <a:rPr lang="it-IT" sz="800" dirty="0" smtClean="0">
+                <a:solidFill>
+                  <a:srgbClr val="DCDCDC"/>
+                </a:solidFill>
+                <a:highlight>
+                  <a:srgbClr val="1E1E1E"/>
+                </a:highlight>
+                <a:latin typeface="Consolas" panose="020B0609020204030204" pitchFamily="49" charset="0"/>
+              </a:rPr>
               <a:t>        </a:t>
             </a:r>
             <a:r>
@@ -14592,7 +14672,7 @@
                 </a:highlight>
                 <a:latin typeface="Consolas" panose="020B0609020204030204" pitchFamily="49" charset="0"/>
               </a:rPr>
-              <a:t>private</a:t>
+              <a:t>public</a:t>
             </a:r>
             <a:r>
               <a:rPr lang="it-IT" sz="800" dirty="0">
@@ -14609,6 +14689,30 @@
             <a:r>
               <a:rPr lang="it-IT" sz="800" dirty="0" err="1">
                 <a:solidFill>
+                  <a:srgbClr val="DCDCDC"/>
+                </a:solidFill>
+                <a:highlight>
+                  <a:srgbClr val="1E1E1E"/>
+                </a:highlight>
+                <a:latin typeface="Consolas" panose="020B0609020204030204" pitchFamily="49" charset="0"/>
+              </a:rPr>
+              <a:t>Square</a:t>
+            </a:r>
+            <a:r>
+              <a:rPr lang="it-IT" sz="800" dirty="0">
+                <a:solidFill>
+                  <a:srgbClr val="DCDCDC"/>
+                </a:solidFill>
+                <a:highlight>
+                  <a:srgbClr val="1E1E1E"/>
+                </a:highlight>
+                <a:latin typeface="Consolas" panose="020B0609020204030204" pitchFamily="49" charset="0"/>
+              </a:rPr>
+              <a:t>(</a:t>
+            </a:r>
+            <a:r>
+              <a:rPr lang="it-IT" sz="800" dirty="0">
+                <a:solidFill>
                   <a:srgbClr val="569CD6"/>
                 </a:solidFill>
                 <a:highlight>
@@ -14616,19 +14720,43 @@
                 </a:highlight>
                 <a:latin typeface="Consolas" panose="020B0609020204030204" pitchFamily="49" charset="0"/>
               </a:rPr>
-              <a:t>readonly</a:t>
-            </a:r>
-            <a:r>
-              <a:rPr lang="it-IT" sz="800" dirty="0">
-                <a:solidFill>
-                  <a:srgbClr val="DCDCDC"/>
-                </a:solidFill>
-                <a:highlight>
-                  <a:srgbClr val="1E1E1E"/>
-                </a:highlight>
-                <a:latin typeface="Consolas" panose="020B0609020204030204" pitchFamily="49" charset="0"/>
-              </a:rPr>
-              <a:t> </a:t>
+              <a:t>float</a:t>
+            </a:r>
+            <a:r>
+              <a:rPr lang="it-IT" sz="800" dirty="0">
+                <a:solidFill>
+                  <a:srgbClr val="DCDCDC"/>
+                </a:solidFill>
+                <a:highlight>
+                  <a:srgbClr val="1E1E1E"/>
+                </a:highlight>
+                <a:latin typeface="Consolas" panose="020B0609020204030204" pitchFamily="49" charset="0"/>
+              </a:rPr>
+              <a:t> </a:t>
+            </a:r>
+            <a:r>
+              <a:rPr lang="it-IT" sz="800" dirty="0" err="1" smtClean="0">
+                <a:solidFill>
+                  <a:srgbClr val="DCDCDC"/>
+                </a:solidFill>
+                <a:highlight>
+                  <a:srgbClr val="1E1E1E"/>
+                </a:highlight>
+                <a:latin typeface="Consolas" panose="020B0609020204030204" pitchFamily="49" charset="0"/>
+              </a:rPr>
+              <a:t>width</a:t>
+            </a:r>
+            <a:r>
+              <a:rPr lang="it-IT" sz="800" dirty="0" smtClean="0">
+                <a:solidFill>
+                  <a:srgbClr val="DCDCDC"/>
+                </a:solidFill>
+                <a:highlight>
+                  <a:srgbClr val="1E1E1E"/>
+                </a:highlight>
+                <a:latin typeface="Consolas" panose="020B0609020204030204" pitchFamily="49" charset="0"/>
+              </a:rPr>
+              <a:t>, </a:t>
             </a:r>
             <a:r>
               <a:rPr lang="it-IT" sz="800" dirty="0">
@@ -14664,7 +14792,7 @@
                 </a:highlight>
                 <a:latin typeface="Consolas" panose="020B0609020204030204" pitchFamily="49" charset="0"/>
               </a:rPr>
-              <a:t>width</a:t>
+              <a:t>height</a:t>
             </a:r>
             <a:r>
               <a:rPr lang="it-IT" sz="800" dirty="0" smtClean="0">
@@ -14676,7 +14804,7 @@
                 </a:highlight>
                 <a:latin typeface="Consolas" panose="020B0609020204030204" pitchFamily="49" charset="0"/>
               </a:rPr>
-              <a:t>;</a:t>
+              <a:t>)</a:t>
             </a:r>
             <a:endParaRPr lang="it-IT" sz="800" dirty="0">
               <a:solidFill>
@@ -14699,6 +14827,20 @@
                 </a:highlight>
                 <a:latin typeface="Consolas" panose="020B0609020204030204" pitchFamily="49" charset="0"/>
               </a:rPr>
+              <a:t>        {</a:t>
+            </a:r>
+          </a:p>
+          <a:p>
+            <a:r>
+              <a:rPr lang="it-IT" sz="800" dirty="0">
+                <a:solidFill>
+                  <a:srgbClr val="DCDCDC"/>
+                </a:solidFill>
+                <a:highlight>
+                  <a:srgbClr val="1E1E1E"/>
+                </a:highlight>
+                <a:latin typeface="Consolas" panose="020B0609020204030204" pitchFamily="49" charset="0"/>
+              </a:rPr>
               <a:t> </a:t>
             </a:r>
             <a:r>
@@ -14711,91 +14853,91 @@
                 </a:highlight>
                 <a:latin typeface="Consolas" panose="020B0609020204030204" pitchFamily="49" charset="0"/>
               </a:rPr>
-              <a:t>	</a:t>
+              <a:t>           </a:t>
+            </a:r>
+            <a:r>
+              <a:rPr lang="it-IT" sz="800" dirty="0" err="1" smtClean="0">
+                <a:solidFill>
+                  <a:srgbClr val="569CD6"/>
+                </a:solidFill>
+                <a:highlight>
+                  <a:srgbClr val="1E1E1E"/>
+                </a:highlight>
+                <a:latin typeface="Consolas" panose="020B0609020204030204" pitchFamily="49" charset="0"/>
+              </a:rPr>
+              <a:t>this</a:t>
+            </a:r>
+            <a:r>
+              <a:rPr lang="it-IT" sz="800" dirty="0" err="1" smtClean="0">
+                <a:solidFill>
+                  <a:srgbClr val="B4B4B4"/>
+                </a:solidFill>
+                <a:highlight>
+                  <a:srgbClr val="1E1E1E"/>
+                </a:highlight>
+                <a:latin typeface="Consolas" panose="020B0609020204030204" pitchFamily="49" charset="0"/>
+              </a:rPr>
+              <a:t>.</a:t>
+            </a:r>
+            <a:r>
+              <a:rPr lang="it-IT" sz="800" dirty="0" err="1" smtClean="0">
+                <a:solidFill>
+                  <a:srgbClr val="DCDCDC"/>
+                </a:solidFill>
+                <a:highlight>
+                  <a:srgbClr val="1E1E1E"/>
+                </a:highlight>
+                <a:latin typeface="Consolas" panose="020B0609020204030204" pitchFamily="49" charset="0"/>
+              </a:rPr>
+              <a:t>width</a:t>
             </a:r>
             <a:r>
               <a:rPr lang="it-IT" sz="800" dirty="0" smtClean="0">
                 <a:solidFill>
-                  <a:srgbClr val="569CD6"/>
-                </a:solidFill>
-                <a:highlight>
-                  <a:srgbClr val="1E1E1E"/>
-                </a:highlight>
-                <a:latin typeface="Consolas" panose="020B0609020204030204" pitchFamily="49" charset="0"/>
-              </a:rPr>
-              <a:t>private</a:t>
+                  <a:srgbClr val="DCDCDC"/>
+                </a:solidFill>
+                <a:highlight>
+                  <a:srgbClr val="1E1E1E"/>
+                </a:highlight>
+                <a:latin typeface="Consolas" panose="020B0609020204030204" pitchFamily="49" charset="0"/>
+              </a:rPr>
+              <a:t> </a:t>
             </a:r>
             <a:r>
               <a:rPr lang="it-IT" sz="800" dirty="0" smtClean="0">
                 <a:solidFill>
-                  <a:srgbClr val="DCDCDC"/>
-                </a:solidFill>
-                <a:highlight>
-                  <a:srgbClr val="1E1E1E"/>
-                </a:highlight>
-                <a:latin typeface="Consolas" panose="020B0609020204030204" pitchFamily="49" charset="0"/>
-              </a:rPr>
-              <a:t> </a:t>
-            </a:r>
-            <a:r>
-              <a:rPr lang="it-IT" sz="800" dirty="0" err="1">
-                <a:solidFill>
-                  <a:srgbClr val="569CD6"/>
-                </a:solidFill>
-                <a:highlight>
-                  <a:srgbClr val="1E1E1E"/>
-                </a:highlight>
-                <a:latin typeface="Consolas" panose="020B0609020204030204" pitchFamily="49" charset="0"/>
-              </a:rPr>
-              <a:t>readonly</a:t>
-            </a:r>
-            <a:r>
-              <a:rPr lang="it-IT" sz="800" dirty="0">
-                <a:solidFill>
-                  <a:srgbClr val="DCDCDC"/>
-                </a:solidFill>
-                <a:highlight>
-                  <a:srgbClr val="1E1E1E"/>
-                </a:highlight>
-                <a:latin typeface="Consolas" panose="020B0609020204030204" pitchFamily="49" charset="0"/>
-              </a:rPr>
-              <a:t> </a:t>
-            </a:r>
-            <a:r>
-              <a:rPr lang="it-IT" sz="800" dirty="0">
-                <a:solidFill>
-                  <a:srgbClr val="569CD6"/>
-                </a:solidFill>
-                <a:highlight>
-                  <a:srgbClr val="1E1E1E"/>
-                </a:highlight>
-                <a:latin typeface="Consolas" panose="020B0609020204030204" pitchFamily="49" charset="0"/>
-              </a:rPr>
-              <a:t>float</a:t>
-            </a:r>
-            <a:r>
-              <a:rPr lang="it-IT" sz="800" dirty="0">
-                <a:solidFill>
-                  <a:srgbClr val="DCDCDC"/>
-                </a:solidFill>
-                <a:highlight>
-                  <a:srgbClr val="1E1E1E"/>
-                </a:highlight>
-                <a:latin typeface="Consolas" panose="020B0609020204030204" pitchFamily="49" charset="0"/>
-              </a:rPr>
-              <a:t> </a:t>
-            </a:r>
-            <a:r>
-              <a:rPr lang="it-IT" sz="800" dirty="0" err="1">
-                <a:solidFill>
-                  <a:srgbClr val="DCDCDC"/>
-                </a:solidFill>
-                <a:highlight>
-                  <a:srgbClr val="1E1E1E"/>
-                </a:highlight>
-                <a:latin typeface="Consolas" panose="020B0609020204030204" pitchFamily="49" charset="0"/>
-              </a:rPr>
-              <a:t>height</a:t>
+                  <a:srgbClr val="B4B4B4"/>
+                </a:solidFill>
+                <a:highlight>
+                  <a:srgbClr val="1E1E1E"/>
+                </a:highlight>
+                <a:latin typeface="Consolas" panose="020B0609020204030204" pitchFamily="49" charset="0"/>
+              </a:rPr>
+              <a:t>=</a:t>
+            </a:r>
+            <a:r>
+              <a:rPr lang="it-IT" sz="800" dirty="0">
+                <a:solidFill>
+                  <a:srgbClr val="DCDCDC"/>
+                </a:solidFill>
+                <a:highlight>
+                  <a:srgbClr val="1E1E1E"/>
+                </a:highlight>
+                <a:latin typeface="Consolas" panose="020B0609020204030204" pitchFamily="49" charset="0"/>
+              </a:rPr>
+              <a:t> </a:t>
+            </a:r>
+            <a:r>
+              <a:rPr lang="it-IT" sz="800" dirty="0" err="1" smtClean="0">
+                <a:solidFill>
+                  <a:srgbClr val="DCDCDC"/>
+                </a:solidFill>
+                <a:highlight>
+                  <a:srgbClr val="1E1E1E"/>
+                </a:highlight>
+                <a:latin typeface="Consolas" panose="020B0609020204030204" pitchFamily="49" charset="0"/>
+              </a:rPr>
+              <a:t>width</a:t>
             </a:r>
             <a:r>
               <a:rPr lang="it-IT" sz="800" dirty="0" smtClean="0">
@@ -14808,164 +14950,6 @@
                 <a:latin typeface="Consolas" panose="020B0609020204030204" pitchFamily="49" charset="0"/>
               </a:rPr>
               <a:t>;</a:t>
-            </a:r>
-          </a:p>
-          <a:p>
-            <a:r>
-              <a:rPr lang="it-IT" sz="800" dirty="0" smtClean="0">
-                <a:solidFill>
-                  <a:srgbClr val="DCDCDC"/>
-                </a:solidFill>
-                <a:highlight>
-                  <a:srgbClr val="1E1E1E"/>
-                </a:highlight>
-                <a:latin typeface="Consolas" panose="020B0609020204030204" pitchFamily="49" charset="0"/>
-              </a:rPr>
-              <a:t>        </a:t>
-            </a:r>
-            <a:r>
-              <a:rPr lang="it-IT" sz="800" dirty="0">
-                <a:solidFill>
-                  <a:srgbClr val="569CD6"/>
-                </a:solidFill>
-                <a:highlight>
-                  <a:srgbClr val="1E1E1E"/>
-                </a:highlight>
-                <a:latin typeface="Consolas" panose="020B0609020204030204" pitchFamily="49" charset="0"/>
-              </a:rPr>
-              <a:t>public</a:t>
-            </a:r>
-            <a:r>
-              <a:rPr lang="it-IT" sz="800" dirty="0">
-                <a:solidFill>
-                  <a:srgbClr val="DCDCDC"/>
-                </a:solidFill>
-                <a:highlight>
-                  <a:srgbClr val="1E1E1E"/>
-                </a:highlight>
-                <a:latin typeface="Consolas" panose="020B0609020204030204" pitchFamily="49" charset="0"/>
-              </a:rPr>
-              <a:t> </a:t>
-            </a:r>
-            <a:r>
-              <a:rPr lang="it-IT" sz="800" dirty="0" err="1">
-                <a:solidFill>
-                  <a:srgbClr val="DCDCDC"/>
-                </a:solidFill>
-                <a:highlight>
-                  <a:srgbClr val="1E1E1E"/>
-                </a:highlight>
-                <a:latin typeface="Consolas" panose="020B0609020204030204" pitchFamily="49" charset="0"/>
-              </a:rPr>
-              <a:t>Square</a:t>
-            </a:r>
-            <a:r>
-              <a:rPr lang="it-IT" sz="800" dirty="0">
-                <a:solidFill>
-                  <a:srgbClr val="DCDCDC"/>
-                </a:solidFill>
-                <a:highlight>
-                  <a:srgbClr val="1E1E1E"/>
-                </a:highlight>
-                <a:latin typeface="Consolas" panose="020B0609020204030204" pitchFamily="49" charset="0"/>
-              </a:rPr>
-              <a:t>(</a:t>
-            </a:r>
-            <a:r>
-              <a:rPr lang="it-IT" sz="800" dirty="0">
-                <a:solidFill>
-                  <a:srgbClr val="569CD6"/>
-                </a:solidFill>
-                <a:highlight>
-                  <a:srgbClr val="1E1E1E"/>
-                </a:highlight>
-                <a:latin typeface="Consolas" panose="020B0609020204030204" pitchFamily="49" charset="0"/>
-              </a:rPr>
-              <a:t>float</a:t>
-            </a:r>
-            <a:r>
-              <a:rPr lang="it-IT" sz="800" dirty="0">
-                <a:solidFill>
-                  <a:srgbClr val="DCDCDC"/>
-                </a:solidFill>
-                <a:highlight>
-                  <a:srgbClr val="1E1E1E"/>
-                </a:highlight>
-                <a:latin typeface="Consolas" panose="020B0609020204030204" pitchFamily="49" charset="0"/>
-              </a:rPr>
-              <a:t> </a:t>
-            </a:r>
-            <a:r>
-              <a:rPr lang="it-IT" sz="800" dirty="0" err="1" smtClean="0">
-                <a:solidFill>
-                  <a:srgbClr val="DCDCDC"/>
-                </a:solidFill>
-                <a:highlight>
-                  <a:srgbClr val="1E1E1E"/>
-                </a:highlight>
-                <a:latin typeface="Consolas" panose="020B0609020204030204" pitchFamily="49" charset="0"/>
-              </a:rPr>
-              <a:t>width</a:t>
-            </a:r>
-            <a:r>
-              <a:rPr lang="it-IT" sz="800" dirty="0" smtClean="0">
-                <a:solidFill>
-                  <a:srgbClr val="DCDCDC"/>
-                </a:solidFill>
-                <a:highlight>
-                  <a:srgbClr val="1E1E1E"/>
-                </a:highlight>
-                <a:latin typeface="Consolas" panose="020B0609020204030204" pitchFamily="49" charset="0"/>
-              </a:rPr>
-              <a:t>, </a:t>
-            </a:r>
-            <a:r>
-              <a:rPr lang="it-IT" sz="800" dirty="0">
-                <a:solidFill>
-                  <a:srgbClr val="569CD6"/>
-                </a:solidFill>
-                <a:highlight>
-                  <a:srgbClr val="1E1E1E"/>
-                </a:highlight>
-                <a:latin typeface="Consolas" panose="020B0609020204030204" pitchFamily="49" charset="0"/>
-              </a:rPr>
-              <a:t>float</a:t>
-            </a:r>
-            <a:r>
-              <a:rPr lang="it-IT" sz="800" dirty="0">
-                <a:solidFill>
-                  <a:srgbClr val="DCDCDC"/>
-                </a:solidFill>
-                <a:highlight>
-                  <a:srgbClr val="1E1E1E"/>
-                </a:highlight>
-                <a:latin typeface="Consolas" panose="020B0609020204030204" pitchFamily="49" charset="0"/>
-              </a:rPr>
-              <a:t> </a:t>
-            </a:r>
-            <a:r>
-              <a:rPr lang="it-IT" sz="800" dirty="0" err="1" smtClean="0">
-                <a:solidFill>
-                  <a:srgbClr val="DCDCDC"/>
-                </a:solidFill>
-                <a:highlight>
-                  <a:srgbClr val="1E1E1E"/>
-                </a:highlight>
-                <a:latin typeface="Consolas" panose="020B0609020204030204" pitchFamily="49" charset="0"/>
-              </a:rPr>
-              <a:t>height</a:t>
-            </a:r>
-            <a:r>
-              <a:rPr lang="it-IT" sz="800" dirty="0" smtClean="0">
-                <a:solidFill>
-                  <a:srgbClr val="DCDCDC"/>
-                </a:solidFill>
-                <a:highlight>
-                  <a:srgbClr val="1E1E1E"/>
-                </a:highlight>
-                <a:latin typeface="Consolas" panose="020B0609020204030204" pitchFamily="49" charset="0"/>
-              </a:rPr>
-              <a:t>)</a:t>
             </a:r>
             <a:endParaRPr lang="it-IT" sz="800" dirty="0">
               <a:solidFill>
@@ -14988,20 +14972,6 @@
                 </a:highlight>
                 <a:latin typeface="Consolas" panose="020B0609020204030204" pitchFamily="49" charset="0"/>
               </a:rPr>
-              <a:t>        {</a:t>
-            </a:r>
-          </a:p>
-          <a:p>
-            <a:r>
-              <a:rPr lang="it-IT" sz="800" dirty="0">
-                <a:solidFill>
-                  <a:srgbClr val="DCDCDC"/>
-                </a:solidFill>
-                <a:highlight>
-                  <a:srgbClr val="1E1E1E"/>
-                </a:highlight>
-                <a:latin typeface="Consolas" panose="020B0609020204030204" pitchFamily="49" charset="0"/>
-              </a:rPr>
               <a:t> </a:t>
             </a:r>
             <a:r>
@@ -15014,7 +14984,7 @@
                 </a:highlight>
                 <a:latin typeface="Consolas" panose="020B0609020204030204" pitchFamily="49" charset="0"/>
               </a:rPr>
-              <a:t>           </a:t>
+              <a:t>	    </a:t>
             </a:r>
             <a:r>
               <a:rPr lang="it-IT" sz="800" dirty="0" err="1" smtClean="0">
@@ -15050,7 +15020,7 @@
                 </a:highlight>
                 <a:latin typeface="Consolas" panose="020B0609020204030204" pitchFamily="49" charset="0"/>
               </a:rPr>
-              <a:t>width</a:t>
+              <a:t>height</a:t>
             </a:r>
             <a:r>
               <a:rPr lang="it-IT" sz="800" dirty="0" smtClean="0">
@@ -15065,41 +15035,55 @@
               <a:t> </a:t>
             </a:r>
             <a:r>
+              <a:rPr lang="it-IT" sz="800" dirty="0">
+                <a:solidFill>
+                  <a:srgbClr val="B4B4B4"/>
+                </a:solidFill>
+                <a:highlight>
+                  <a:srgbClr val="1E1E1E"/>
+                </a:highlight>
+                <a:latin typeface="Consolas" panose="020B0609020204030204" pitchFamily="49" charset="0"/>
+              </a:rPr>
+              <a:t>=</a:t>
+            </a:r>
+            <a:r>
+              <a:rPr lang="it-IT" sz="800" dirty="0">
+                <a:solidFill>
+                  <a:srgbClr val="DCDCDC"/>
+                </a:solidFill>
+                <a:highlight>
+                  <a:srgbClr val="1E1E1E"/>
+                </a:highlight>
+                <a:latin typeface="Consolas" panose="020B0609020204030204" pitchFamily="49" charset="0"/>
+              </a:rPr>
+              <a:t> </a:t>
+            </a:r>
+            <a:r>
+              <a:rPr lang="it-IT" sz="800" dirty="0" err="1">
+                <a:solidFill>
+                  <a:srgbClr val="DCDCDC"/>
+                </a:solidFill>
+                <a:highlight>
+                  <a:srgbClr val="1E1E1E"/>
+                </a:highlight>
+                <a:latin typeface="Consolas" panose="020B0609020204030204" pitchFamily="49" charset="0"/>
+              </a:rPr>
+              <a:t>height</a:t>
+            </a:r>
+            <a:r>
               <a:rPr lang="it-IT" sz="800" dirty="0" smtClean="0">
                 <a:solidFill>
-                  <a:srgbClr val="B4B4B4"/>
-                </a:solidFill>
-                <a:highlight>
-                  <a:srgbClr val="1E1E1E"/>
-                </a:highlight>
-                <a:latin typeface="Consolas" panose="020B0609020204030204" pitchFamily="49" charset="0"/>
-              </a:rPr>
-              <a:t>=</a:t>
-            </a:r>
-            <a:r>
-              <a:rPr lang="it-IT" sz="800" dirty="0">
-                <a:solidFill>
-                  <a:srgbClr val="DCDCDC"/>
-                </a:solidFill>
-                <a:highlight>
-                  <a:srgbClr val="1E1E1E"/>
-                </a:highlight>
-                <a:latin typeface="Consolas" panose="020B0609020204030204" pitchFamily="49" charset="0"/>
-              </a:rPr>
-              <a:t> </a:t>
-            </a:r>
-            <a:r>
-              <a:rPr lang="it-IT" sz="800" dirty="0" err="1" smtClean="0">
-                <a:solidFill>
-                  <a:srgbClr val="DCDCDC"/>
-                </a:solidFill>
-                <a:highlight>
-                  <a:srgbClr val="1E1E1E"/>
-                </a:highlight>
-                <a:latin typeface="Consolas" panose="020B0609020204030204" pitchFamily="49" charset="0"/>
-              </a:rPr>
-              <a:t>width</a:t>
-            </a:r>
+                  <a:srgbClr val="DCDCDC"/>
+                </a:solidFill>
+                <a:highlight>
+                  <a:srgbClr val="1E1E1E"/>
+                </a:highlight>
+                <a:latin typeface="Consolas" panose="020B0609020204030204" pitchFamily="49" charset="0"/>
+              </a:rPr>
+              <a:t>;</a:t>
+            </a:r>
+          </a:p>
+          <a:p>
             <a:r>
               <a:rPr lang="it-IT" sz="800" dirty="0" smtClean="0">
                 <a:solidFill>
@@ -15110,164 +15094,7 @@
                 </a:highlight>
                 <a:latin typeface="Consolas" panose="020B0609020204030204" pitchFamily="49" charset="0"/>
               </a:rPr>
-              <a:t>;</a:t>
-            </a:r>
-            <a:endParaRPr lang="it-IT" sz="800" dirty="0">
-              <a:solidFill>
-                <a:srgbClr val="DCDCDC"/>
-              </a:solidFill>
-              <a:highlight>
-                <a:srgbClr val="1E1E1E"/>
-              </a:highlight>
-              <a:latin typeface="Consolas" panose="020B0609020204030204" pitchFamily="49" charset="0"/>
-            </a:endParaRPr>
-          </a:p>
-          <a:p>
-            <a:r>
-              <a:rPr lang="it-IT" sz="800" dirty="0">
-                <a:solidFill>
-                  <a:srgbClr val="DCDCDC"/>
-                </a:solidFill>
-                <a:highlight>
-                  <a:srgbClr val="1E1E1E"/>
-                </a:highlight>
-                <a:latin typeface="Consolas" panose="020B0609020204030204" pitchFamily="49" charset="0"/>
-              </a:rPr>
-              <a:t> </a:t>
-            </a:r>
-            <a:r>
-              <a:rPr lang="it-IT" sz="800" dirty="0" smtClean="0">
-                <a:solidFill>
-                  <a:srgbClr val="DCDCDC"/>
-                </a:solidFill>
-                <a:highlight>
-                  <a:srgbClr val="1E1E1E"/>
-                </a:highlight>
-                <a:latin typeface="Consolas" panose="020B0609020204030204" pitchFamily="49" charset="0"/>
-              </a:rPr>
-              <a:t>	    </a:t>
-            </a:r>
-            <a:r>
-              <a:rPr lang="it-IT" sz="800" dirty="0" err="1" smtClean="0">
-                <a:solidFill>
-                  <a:srgbClr val="569CD6"/>
-                </a:solidFill>
-                <a:highlight>
-                  <a:srgbClr val="1E1E1E"/>
-                </a:highlight>
-                <a:latin typeface="Consolas" panose="020B0609020204030204" pitchFamily="49" charset="0"/>
-              </a:rPr>
-              <a:t>this</a:t>
-            </a:r>
-            <a:r>
-              <a:rPr lang="it-IT" sz="800" dirty="0" err="1" smtClean="0">
-                <a:solidFill>
-                  <a:srgbClr val="B4B4B4"/>
-                </a:solidFill>
-                <a:highlight>
-                  <a:srgbClr val="1E1E1E"/>
-                </a:highlight>
-                <a:latin typeface="Consolas" panose="020B0609020204030204" pitchFamily="49" charset="0"/>
-              </a:rPr>
-              <a:t>.</a:t>
-            </a:r>
-            <a:r>
-              <a:rPr lang="it-IT" sz="800" dirty="0" err="1" smtClean="0">
-                <a:solidFill>
-                  <a:srgbClr val="DCDCDC"/>
-                </a:solidFill>
-                <a:highlight>
-                  <a:srgbClr val="1E1E1E"/>
-                </a:highlight>
-                <a:latin typeface="Consolas" panose="020B0609020204030204" pitchFamily="49" charset="0"/>
-              </a:rPr>
-              <a:t>height</a:t>
-            </a:r>
-            <a:r>
-              <a:rPr lang="it-IT" sz="800" dirty="0" smtClean="0">
-                <a:solidFill>
-                  <a:srgbClr val="DCDCDC"/>
-                </a:solidFill>
-                <a:highlight>
-                  <a:srgbClr val="1E1E1E"/>
-                </a:highlight>
-                <a:latin typeface="Consolas" panose="020B0609020204030204" pitchFamily="49" charset="0"/>
-              </a:rPr>
-              <a:t> </a:t>
-            </a:r>
-            <a:r>
-              <a:rPr lang="it-IT" sz="800" dirty="0">
-                <a:solidFill>
-                  <a:srgbClr val="B4B4B4"/>
-                </a:solidFill>
-                <a:highlight>
-                  <a:srgbClr val="1E1E1E"/>
-                </a:highlight>
-                <a:latin typeface="Consolas" panose="020B0609020204030204" pitchFamily="49" charset="0"/>
-              </a:rPr>
-              <a:t>=</a:t>
-            </a:r>
-            <a:r>
-              <a:rPr lang="it-IT" sz="800" dirty="0">
-                <a:solidFill>
-                  <a:srgbClr val="DCDCDC"/>
-                </a:solidFill>
-                <a:highlight>
-                  <a:srgbClr val="1E1E1E"/>
-                </a:highlight>
-                <a:latin typeface="Consolas" panose="020B0609020204030204" pitchFamily="49" charset="0"/>
-              </a:rPr>
-              <a:t> </a:t>
-            </a:r>
-            <a:r>
-              <a:rPr lang="it-IT" sz="800" dirty="0" err="1">
-                <a:solidFill>
-                  <a:srgbClr val="DCDCDC"/>
-                </a:solidFill>
-                <a:highlight>
-                  <a:srgbClr val="1E1E1E"/>
-                </a:highlight>
-                <a:latin typeface="Consolas" panose="020B0609020204030204" pitchFamily="49" charset="0"/>
-              </a:rPr>
-              <a:t>height</a:t>
-            </a:r>
-            <a:r>
-              <a:rPr lang="it-IT" sz="800" dirty="0" smtClean="0">
-                <a:solidFill>
-                  <a:srgbClr val="DCDCDC"/>
-                </a:solidFill>
-                <a:highlight>
-                  <a:srgbClr val="1E1E1E"/>
-                </a:highlight>
-                <a:latin typeface="Consolas" panose="020B0609020204030204" pitchFamily="49" charset="0"/>
-              </a:rPr>
-              <a:t>;</a:t>
-            </a:r>
-          </a:p>
-          <a:p>
-            <a:r>
-              <a:rPr lang="it-IT" sz="800" dirty="0" smtClean="0">
-                <a:solidFill>
-                  <a:srgbClr val="DCDCDC"/>
-                </a:solidFill>
-                <a:highlight>
-                  <a:srgbClr val="1E1E1E"/>
-                </a:highlight>
-                <a:latin typeface="Consolas" panose="020B0609020204030204" pitchFamily="49" charset="0"/>
-              </a:rPr>
-              <a:t>        </a:t>
-            </a:r>
-            <a:r>
-              <a:rPr lang="it-IT" sz="800" dirty="0" smtClean="0">
-                <a:solidFill>
-                  <a:srgbClr val="DCDCDC"/>
-                </a:solidFill>
-                <a:highlight>
-                  <a:srgbClr val="1E1E1E"/>
-                </a:highlight>
-                <a:latin typeface="Consolas" panose="020B0609020204030204" pitchFamily="49" charset="0"/>
-              </a:rPr>
-              <a:t>}</a:t>
+              <a:t>        }</a:t>
             </a:r>
             <a:endParaRPr lang="it-IT" sz="800" dirty="0">
               <a:solidFill>
@@ -18295,19 +18122,7 @@
                 </a:highlight>
                 <a:latin typeface="Consolas" panose="020B0609020204030204" pitchFamily="49" charset="0"/>
               </a:rPr>
-              <a:t>c</a:t>
-            </a:r>
-            <a:r>
-              <a:rPr lang="it-IT" sz="800" dirty="0" err="1" smtClean="0">
-                <a:solidFill>
-                  <a:srgbClr val="DCDCDC"/>
-                </a:solidFill>
-                <a:highlight>
-                  <a:srgbClr val="1E1E1E"/>
-                </a:highlight>
-                <a:latin typeface="Consolas" panose="020B0609020204030204" pitchFamily="49" charset="0"/>
-              </a:rPr>
-              <a:t>alculator</a:t>
+              <a:t>calculator</a:t>
             </a:r>
             <a:r>
               <a:rPr lang="it-IT" sz="800" dirty="0">
@@ -18868,15 +18683,6 @@
               </a:rPr>
               <a:t> []</a:t>
             </a:r>
-            <a:endParaRPr lang="it-IT" sz="800" dirty="0">
-              <a:solidFill>
-                <a:srgbClr val="DCDCDC"/>
-              </a:solidFill>
-              <a:highlight>
-                <a:srgbClr val="1E1E1E"/>
-              </a:highlight>
-              <a:latin typeface="Consolas" panose="020B0609020204030204" pitchFamily="49" charset="0"/>
-            </a:endParaRPr>
           </a:p>
           <a:p>
             <a:r>
@@ -20011,13 +19817,7 @@
               <a:rPr lang="en-US" sz="3600" b="1" i="1" dirty="0" smtClean="0">
                 <a:latin typeface="Chronicle Display Light" pitchFamily="50" charset="0"/>
               </a:rPr>
-              <a:t>OOP </a:t>
-            </a:r>
-            <a:r>
-              <a:rPr lang="en-US" sz="3600" b="1" i="1" dirty="0" smtClean="0">
-                <a:latin typeface="Chronicle Display Light" pitchFamily="50" charset="0"/>
-              </a:rPr>
-              <a:t>developer </a:t>
+              <a:t>OOP developer </a:t>
             </a:r>
             <a:r>
               <a:rPr lang="en-US" sz="3600" i="1" dirty="0" smtClean="0">
@@ -28504,7 +28304,6 @@
               <a:rPr lang="en-US" sz="2400" dirty="0" smtClean="0"/>
               <a:t>KISS</a:t>
             </a:r>
-            <a:endParaRPr lang="en-US" sz="2400" dirty="0" smtClean="0"/>
           </a:p>
           <a:p>
             <a:endParaRPr lang="en-US" sz="1800" dirty="0" smtClean="0"/>
@@ -28547,9 +28346,6 @@
               </a:rPr>
               <a:t>Keep It Simple Stupid.</a:t>
             </a:r>
-            <a:endParaRPr lang="en-GB" sz="2400" b="1" i="1" dirty="0" smtClean="0">
-              <a:latin typeface="Chronicle Display" pitchFamily="50" charset="0"/>
-            </a:endParaRPr>
           </a:p>
           <a:p>
             <a:endParaRPr lang="en-GB" sz="1600" b="1" i="1" dirty="0">
@@ -28568,9 +28364,6 @@
               </a:rPr>
               <a:t>The most systems work best if they are kept simple rather then made complicated</a:t>
             </a:r>
-            <a:endParaRPr lang="en-GB" sz="1600" dirty="0" smtClean="0">
-              <a:latin typeface="Chronicle Display" pitchFamily="50" charset="0"/>
-            </a:endParaRPr>
           </a:p>
           <a:p>
             <a:endParaRPr lang="en-GB" sz="1600" dirty="0">
@@ -28848,13 +28641,7 @@
               <a:rPr lang="en-US" sz="3600" i="1" dirty="0" smtClean="0">
                 <a:latin typeface="Chronicle Display Light" pitchFamily="50" charset="0"/>
               </a:rPr>
-              <a:t> must </a:t>
-            </a:r>
-            <a:r>
-              <a:rPr lang="en-US" sz="3600" i="1" dirty="0" smtClean="0">
-                <a:latin typeface="Chronicle Display Light" pitchFamily="50" charset="0"/>
-              </a:rPr>
-              <a:t>know and apply</a:t>
+              <a:t> must know and apply</a:t>
             </a:r>
             <a:endParaRPr lang="en-US" sz="2400" i="1" dirty="0">
               <a:latin typeface="Chronicle Display Light" pitchFamily="50" charset="0"/>
@@ -29306,19 +29093,7 @@
               <a:rPr lang="en-GB" sz="1600" dirty="0" smtClean="0">
                 <a:latin typeface="Chronicle Display" pitchFamily="50" charset="0"/>
               </a:rPr>
-              <a:t>  	</a:t>
-            </a:r>
-            <a:r>
-              <a:rPr lang="en-GB" sz="1600" dirty="0" smtClean="0">
-                <a:latin typeface="Chronicle Display" pitchFamily="50" charset="0"/>
-              </a:rPr>
-              <a:t>SRP - Single </a:t>
-            </a:r>
-            <a:r>
-              <a:rPr lang="en-GB" sz="1600" dirty="0" smtClean="0">
-                <a:latin typeface="Chronicle Display" pitchFamily="50" charset="0"/>
-              </a:rPr>
-              <a:t>Responsibility Principle</a:t>
+              <a:t>  	SRP - Single Responsibility Principle</a:t>
             </a:r>
           </a:p>
           <a:p>
@@ -29337,19 +29112,7 @@
               <a:rPr lang="en-GB" sz="1600" dirty="0" smtClean="0">
                 <a:latin typeface="Chronicle Display" pitchFamily="50" charset="0"/>
               </a:rPr>
-              <a:t>  	</a:t>
-            </a:r>
-            <a:r>
-              <a:rPr lang="en-GB" sz="1600" dirty="0" smtClean="0">
-                <a:latin typeface="Chronicle Display" pitchFamily="50" charset="0"/>
-              </a:rPr>
-              <a:t>OPC - Open </a:t>
-            </a:r>
-            <a:r>
-              <a:rPr lang="en-GB" sz="1600" dirty="0" smtClean="0">
-                <a:latin typeface="Chronicle Display" pitchFamily="50" charset="0"/>
-              </a:rPr>
-              <a:t>Closed Principle</a:t>
+              <a:t>  	OPC - Open Closed Principle</a:t>
             </a:r>
           </a:p>
           <a:p>
@@ -29368,31 +29131,19 @@
               <a:rPr lang="en-GB" sz="1600" dirty="0" smtClean="0">
                 <a:latin typeface="Chronicle Display" pitchFamily="50" charset="0"/>
               </a:rPr>
-              <a:t>  	</a:t>
+              <a:t>  	LSP - </a:t>
+            </a:r>
+            <a:r>
+              <a:rPr lang="en-GB" sz="1600" dirty="0" err="1" smtClean="0">
+                <a:latin typeface="Chronicle Display" pitchFamily="50" charset="0"/>
+              </a:rPr>
+              <a:t>Liskov</a:t>
             </a:r>
             <a:r>
               <a:rPr lang="en-GB" sz="1600" dirty="0" smtClean="0">
                 <a:latin typeface="Chronicle Display" pitchFamily="50" charset="0"/>
               </a:rPr>
-              <a:t>LSP - </a:t>
-            </a:r>
-            <a:r>
-              <a:rPr lang="en-GB" sz="1600" dirty="0" err="1" smtClean="0">
-                <a:latin typeface="Chronicle Display" pitchFamily="50" charset="0"/>
-              </a:rPr>
-              <a:t>Liskov</a:t>
-            </a:r>
-            <a:r>
-              <a:rPr lang="en-GB" sz="1600" dirty="0" smtClean="0">
-                <a:latin typeface="Chronicle Display" pitchFamily="50" charset="0"/>
-              </a:rPr>
-              <a:t> </a:t>
-            </a:r>
-            <a:r>
-              <a:rPr lang="en-GB" sz="1600" dirty="0" smtClean="0">
-                <a:latin typeface="Chronicle Display" pitchFamily="50" charset="0"/>
-              </a:rPr>
-              <a:t>Substitution Principle</a:t>
+              <a:t> Substitution Principle</a:t>
             </a:r>
           </a:p>
           <a:p>
@@ -29411,19 +29162,7 @@
               <a:rPr lang="en-GB" sz="1600" dirty="0" smtClean="0">
                 <a:latin typeface="Chronicle Display" pitchFamily="50" charset="0"/>
               </a:rPr>
-              <a:t>  	</a:t>
-            </a:r>
-            <a:r>
-              <a:rPr lang="en-GB" sz="1600" dirty="0" smtClean="0">
-                <a:latin typeface="Chronicle Display" pitchFamily="50" charset="0"/>
-              </a:rPr>
-              <a:t>ISP  - Interface </a:t>
-            </a:r>
-            <a:r>
-              <a:rPr lang="en-GB" sz="1600" dirty="0" smtClean="0">
-                <a:latin typeface="Chronicle Display" pitchFamily="50" charset="0"/>
-              </a:rPr>
-              <a:t>Segregation Principle</a:t>
+              <a:t>  	ISP  - Interface Segregation Principle</a:t>
             </a:r>
           </a:p>
           <a:p>
@@ -29442,19 +29181,7 @@
               <a:rPr lang="en-GB" sz="1600" dirty="0" smtClean="0">
                 <a:latin typeface="Chronicle Display" pitchFamily="50" charset="0"/>
               </a:rPr>
-              <a:t>  	</a:t>
-            </a:r>
-            <a:r>
-              <a:rPr lang="en-GB" sz="1600" dirty="0" smtClean="0">
-                <a:latin typeface="Chronicle Display" pitchFamily="50" charset="0"/>
-              </a:rPr>
-              <a:t>DIP - Dependency </a:t>
-            </a:r>
-            <a:r>
-              <a:rPr lang="en-GB" sz="1600" dirty="0" smtClean="0">
-                <a:latin typeface="Chronicle Display" pitchFamily="50" charset="0"/>
-              </a:rPr>
-              <a:t>Inversion Principle</a:t>
+              <a:t>  	DIP - Dependency Inversion Principle</a:t>
             </a:r>
           </a:p>
         </p:txBody>

--- a/docs/solid.pptx
+++ b/docs/solid.pptx
@@ -1600,18 +1600,6 @@
           <a:bodyPr/>
           <a:lstStyle/>
           <a:p>
-            <a:r>
-              <a:rPr lang="it-IT" dirty="0" smtClean="0"/>
-              <a:t>- OOP</a:t>
-            </a:r>
-            <a:r>
-              <a:rPr lang="it-IT" baseline="0" dirty="0" smtClean="0"/>
-              <a:t> </a:t>
-            </a:r>
-            <a:r>
-              <a:rPr lang="it-IT" baseline="0" dirty="0" err="1" smtClean="0"/>
-              <a:t>developer</a:t>
-            </a:r>
             <a:endParaRPr lang="it-IT" dirty="0"/>
           </a:p>
         </p:txBody>
@@ -5407,10 +5395,10 @@
           <a:lstStyle/>
           <a:p>
             <a:r>
-              <a:rPr lang="en-US" sz="3600" b="1" dirty="0" err="1" smtClean="0">
+              <a:rPr lang="en-US" sz="3600" b="1" smtClean="0">
                 <a:latin typeface="Chronicle Display Light" pitchFamily="50" charset="0"/>
               </a:rPr>
-              <a:t>WeShare</a:t>
+              <a:t>WE SHARE</a:t>
             </a:r>
             <a:endParaRPr lang="en-US" sz="3600" b="1" dirty="0" smtClean="0">
               <a:latin typeface="Chronicle Display Light" pitchFamily="50" charset="0"/>
